--- a/tools/Referenciel_et_Planing/Projet Avancée CC3.pptx
+++ b/tools/Referenciel_et_Planing/Projet Avancée CC3.pptx
@@ -15,6 +15,7 @@
     <p:sldId id="262" r:id="rId9"/>
     <p:sldId id="263" r:id="rId10"/>
     <p:sldId id="264" r:id="rId11"/>
+    <p:sldId id="266" r:id="rId12"/>
   </p:sldIdLst>
   <p:sldSz cx="12192000" cy="6858000"/>
   <p:notesSz cx="6858000" cy="9144000"/>
@@ -156,6 +157,7 @@
         <p14:section name="Algo générique" id="{CD597A1D-9108-4448-A7C8-99AE9FCA4174}">
           <p14:sldIdLst>
             <p14:sldId id="264"/>
+            <p14:sldId id="266"/>
           </p14:sldIdLst>
         </p14:section>
         <p14:section name="Abschnitt ohne Titel" id="{324C23CE-14C0-4373-895F-63EA441EBC38}">
@@ -163,8 +165,660 @@
         </p14:section>
       </p14:sectionLst>
     </p:ext>
+    <p:ext uri="{EFAFB233-063F-42B5-8137-9DF3F51BA10A}">
+      <p15:sldGuideLst xmlns:p15="http://schemas.microsoft.com/office/powerpoint/2012/main"/>
+    </p:ext>
   </p:extLst>
 </p:presentation>
+</file>
+
+<file path=ppt/ink/ink1.xml><?xml version="1.0" encoding="utf-8"?>
+<inkml:ink xmlns:inkml="http://www.w3.org/2003/InkML">
+  <inkml:definitions>
+    <inkml:context xml:id="ctx0">
+      <inkml:inkSource xml:id="inkSrc0">
+        <inkml:traceFormat>
+          <inkml:channel name="X" type="integer" min="-2.14748E9" max="2.14748E9" units="cm"/>
+          <inkml:channel name="Y" type="integer" min="-2.14748E9" max="2.14748E9" units="cm"/>
+          <inkml:channel name="F" type="integer" max="32767" units="dev"/>
+        </inkml:traceFormat>
+        <inkml:channelProperties>
+          <inkml:channelProperty channel="X" name="resolution" value="1000" units="1/cm"/>
+          <inkml:channelProperty channel="Y" name="resolution" value="1000" units="1/cm"/>
+          <inkml:channelProperty channel="F" name="resolution" value="0" units="1/dev"/>
+        </inkml:channelProperties>
+      </inkml:inkSource>
+      <inkml:timestamp xml:id="ts0" timeString="2025-11-20T11:39:47.804"/>
+    </inkml:context>
+    <inkml:brush xml:id="br0">
+      <inkml:brushProperty name="width" value="0.2" units="cm"/>
+      <inkml:brushProperty name="height" value="0.4" units="cm"/>
+      <inkml:brushProperty name="color" value="#A2D762"/>
+      <inkml:brushProperty name="tip" value="rectangle"/>
+      <inkml:brushProperty name="rasterOp" value="maskPen"/>
+      <inkml:brushProperty name="ignorePressure" value="1"/>
+    </inkml:brush>
+  </inkml:definitions>
+  <inkml:trace contextRef="#ctx0" brushRef="#br0">1-1 0,'8631'47'0</inkml:trace>
+</inkml:ink>
+</file>
+
+<file path=ppt/ink/ink10.xml><?xml version="1.0" encoding="utf-8"?>
+<inkml:ink xmlns:inkml="http://www.w3.org/2003/InkML">
+  <inkml:definitions>
+    <inkml:context xml:id="ctx0">
+      <inkml:inkSource xml:id="inkSrc0">
+        <inkml:traceFormat>
+          <inkml:channel name="X" type="integer" min="-2.14748E9" max="2.14748E9" units="cm"/>
+          <inkml:channel name="Y" type="integer" min="-2.14748E9" max="2.14748E9" units="cm"/>
+          <inkml:channel name="F" type="integer" max="32767" units="dev"/>
+        </inkml:traceFormat>
+        <inkml:channelProperties>
+          <inkml:channelProperty channel="X" name="resolution" value="1000" units="1/cm"/>
+          <inkml:channelProperty channel="Y" name="resolution" value="1000" units="1/cm"/>
+          <inkml:channelProperty channel="F" name="resolution" value="0" units="1/dev"/>
+        </inkml:channelProperties>
+      </inkml:inkSource>
+      <inkml:timestamp xml:id="ts0" timeString="2025-11-20T11:34:43.406"/>
+    </inkml:context>
+    <inkml:brush xml:id="br0">
+      <inkml:brushProperty name="width" value="0.2" units="cm"/>
+      <inkml:brushProperty name="height" value="0.4" units="cm"/>
+      <inkml:brushProperty name="color" value="#A2D762"/>
+      <inkml:brushProperty name="tip" value="rectangle"/>
+      <inkml:brushProperty name="rasterOp" value="maskPen"/>
+      <inkml:brushProperty name="ignorePressure" value="1"/>
+    </inkml:brush>
+  </inkml:definitions>
+  <inkml:trace contextRef="#ctx0" brushRef="#br0">0 1 0,'1154'0'0</inkml:trace>
+</inkml:ink>
+</file>
+
+<file path=ppt/ink/ink11.xml><?xml version="1.0" encoding="utf-8"?>
+<inkml:ink xmlns:inkml="http://www.w3.org/2003/InkML">
+  <inkml:definitions>
+    <inkml:context xml:id="ctx0">
+      <inkml:inkSource xml:id="inkSrc0">
+        <inkml:traceFormat>
+          <inkml:channel name="X" type="integer" min="-2.14748E9" max="2.14748E9" units="cm"/>
+          <inkml:channel name="Y" type="integer" min="-2.14748E9" max="2.14748E9" units="cm"/>
+          <inkml:channel name="F" type="integer" max="32767" units="dev"/>
+        </inkml:traceFormat>
+        <inkml:channelProperties>
+          <inkml:channelProperty channel="X" name="resolution" value="1000" units="1/cm"/>
+          <inkml:channelProperty channel="Y" name="resolution" value="1000" units="1/cm"/>
+          <inkml:channelProperty channel="F" name="resolution" value="0" units="1/dev"/>
+        </inkml:channelProperties>
+      </inkml:inkSource>
+      <inkml:timestamp xml:id="ts0" timeString="2025-11-20T11:34:57.750"/>
+    </inkml:context>
+    <inkml:brush xml:id="br0">
+      <inkml:brushProperty name="width" value="0.2" units="cm"/>
+      <inkml:brushProperty name="height" value="0.4" units="cm"/>
+      <inkml:brushProperty name="color" value="#A2D762"/>
+      <inkml:brushProperty name="tip" value="rectangle"/>
+      <inkml:brushProperty name="rasterOp" value="maskPen"/>
+      <inkml:brushProperty name="ignorePressure" value="1"/>
+    </inkml:brush>
+  </inkml:definitions>
+  <inkml:trace contextRef="#ctx0" brushRef="#br0">1 23 0,'1105'-23'0</inkml:trace>
+</inkml:ink>
+</file>
+
+<file path=ppt/ink/ink12.xml><?xml version="1.0" encoding="utf-8"?>
+<inkml:ink xmlns:inkml="http://www.w3.org/2003/InkML">
+  <inkml:definitions>
+    <inkml:context xml:id="ctx0">
+      <inkml:inkSource xml:id="inkSrc0">
+        <inkml:traceFormat>
+          <inkml:channel name="X" type="integer" min="-2.14748E9" max="2.14748E9" units="cm"/>
+          <inkml:channel name="Y" type="integer" min="-2.14748E9" max="2.14748E9" units="cm"/>
+          <inkml:channel name="F" type="integer" max="32767" units="dev"/>
+        </inkml:traceFormat>
+        <inkml:channelProperties>
+          <inkml:channelProperty channel="X" name="resolution" value="1000" units="1/cm"/>
+          <inkml:channelProperty channel="Y" name="resolution" value="1000" units="1/cm"/>
+          <inkml:channelProperty channel="F" name="resolution" value="0" units="1/dev"/>
+        </inkml:channelProperties>
+      </inkml:inkSource>
+      <inkml:timestamp xml:id="ts0" timeString="2025-11-20T11:36:49.329"/>
+    </inkml:context>
+    <inkml:brush xml:id="br0">
+      <inkml:brushProperty name="width" value="0.2" units="cm"/>
+      <inkml:brushProperty name="height" value="0.4" units="cm"/>
+      <inkml:brushProperty name="color" value="#A2D762"/>
+      <inkml:brushProperty name="tip" value="rectangle"/>
+      <inkml:brushProperty name="rasterOp" value="maskPen"/>
+      <inkml:brushProperty name="ignorePressure" value="1"/>
+    </inkml:brush>
+  </inkml:definitions>
+  <inkml:trace contextRef="#ctx0" brushRef="#br0">1 1 0,'3928'48'0</inkml:trace>
+</inkml:ink>
+</file>
+
+<file path=ppt/ink/ink13.xml><?xml version="1.0" encoding="utf-8"?>
+<inkml:ink xmlns:inkml="http://www.w3.org/2003/InkML">
+  <inkml:definitions>
+    <inkml:context xml:id="ctx0">
+      <inkml:inkSource xml:id="inkSrc0">
+        <inkml:traceFormat>
+          <inkml:channel name="X" type="integer" min="-2.14748E9" max="2.14748E9" units="cm"/>
+          <inkml:channel name="Y" type="integer" min="-2.14748E9" max="2.14748E9" units="cm"/>
+          <inkml:channel name="F" type="integer" max="32767" units="dev"/>
+        </inkml:traceFormat>
+        <inkml:channelProperties>
+          <inkml:channelProperty channel="X" name="resolution" value="1000" units="1/cm"/>
+          <inkml:channelProperty channel="Y" name="resolution" value="1000" units="1/cm"/>
+          <inkml:channelProperty channel="F" name="resolution" value="0" units="1/dev"/>
+        </inkml:channelProperties>
+      </inkml:inkSource>
+      <inkml:timestamp xml:id="ts0" timeString="2025-11-20T11:36:53.467"/>
+    </inkml:context>
+    <inkml:brush xml:id="br0">
+      <inkml:brushProperty name="width" value="0.2" units="cm"/>
+      <inkml:brushProperty name="height" value="0.4" units="cm"/>
+      <inkml:brushProperty name="color" value="#A2D762"/>
+      <inkml:brushProperty name="tip" value="rectangle"/>
+      <inkml:brushProperty name="rasterOp" value="maskPen"/>
+      <inkml:brushProperty name="ignorePressure" value="1"/>
+    </inkml:brush>
+  </inkml:definitions>
+  <inkml:trace contextRef="#ctx0" brushRef="#br0">1 9 0,'1930'0'0</inkml:trace>
+</inkml:ink>
+</file>
+
+<file path=ppt/ink/ink14.xml><?xml version="1.0" encoding="utf-8"?>
+<inkml:ink xmlns:inkml="http://www.w3.org/2003/InkML">
+  <inkml:definitions>
+    <inkml:context xml:id="ctx0">
+      <inkml:inkSource xml:id="inkSrc0">
+        <inkml:traceFormat>
+          <inkml:channel name="X" type="integer" min="-2.14748E9" max="2.14748E9" units="cm"/>
+          <inkml:channel name="Y" type="integer" min="-2.14748E9" max="2.14748E9" units="cm"/>
+          <inkml:channel name="F" type="integer" max="32767" units="dev"/>
+        </inkml:traceFormat>
+        <inkml:channelProperties>
+          <inkml:channelProperty channel="X" name="resolution" value="1000" units="1/cm"/>
+          <inkml:channelProperty channel="Y" name="resolution" value="1000" units="1/cm"/>
+          <inkml:channelProperty channel="F" name="resolution" value="0" units="1/dev"/>
+        </inkml:channelProperties>
+      </inkml:inkSource>
+      <inkml:timestamp xml:id="ts0" timeString="2025-11-20T11:38:00.931"/>
+    </inkml:context>
+    <inkml:brush xml:id="br0">
+      <inkml:brushProperty name="width" value="0.2" units="cm"/>
+      <inkml:brushProperty name="height" value="0.4" units="cm"/>
+      <inkml:brushProperty name="color" value="#A2D762"/>
+      <inkml:brushProperty name="tip" value="rectangle"/>
+      <inkml:brushProperty name="rasterOp" value="maskPen"/>
+      <inkml:brushProperty name="ignorePressure" value="1"/>
+    </inkml:brush>
+  </inkml:definitions>
+  <inkml:trace contextRef="#ctx0" brushRef="#br0">0 0 0,'1436'0'0</inkml:trace>
+</inkml:ink>
+</file>
+
+<file path=ppt/ink/ink15.xml><?xml version="1.0" encoding="utf-8"?>
+<inkml:ink xmlns:inkml="http://www.w3.org/2003/InkML">
+  <inkml:definitions>
+    <inkml:context xml:id="ctx0">
+      <inkml:inkSource xml:id="inkSrc0">
+        <inkml:traceFormat>
+          <inkml:channel name="X" type="integer" min="-2.14748E9" max="2.14748E9" units="cm"/>
+          <inkml:channel name="Y" type="integer" min="-2.14748E9" max="2.14748E9" units="cm"/>
+          <inkml:channel name="F" type="integer" max="32767" units="dev"/>
+        </inkml:traceFormat>
+        <inkml:channelProperties>
+          <inkml:channelProperty channel="X" name="resolution" value="1000" units="1/cm"/>
+          <inkml:channelProperty channel="Y" name="resolution" value="1000" units="1/cm"/>
+          <inkml:channelProperty channel="F" name="resolution" value="0" units="1/dev"/>
+        </inkml:channelProperties>
+      </inkml:inkSource>
+      <inkml:timestamp xml:id="ts0" timeString="2025-11-20T11:38:05.112"/>
+    </inkml:context>
+    <inkml:brush xml:id="br0">
+      <inkml:brushProperty name="width" value="0.2" units="cm"/>
+      <inkml:brushProperty name="height" value="0.4" units="cm"/>
+      <inkml:brushProperty name="color" value="#A2D762"/>
+      <inkml:brushProperty name="tip" value="rectangle"/>
+      <inkml:brushProperty name="rasterOp" value="maskPen"/>
+      <inkml:brushProperty name="ignorePressure" value="1"/>
+    </inkml:brush>
+  </inkml:definitions>
+  <inkml:trace contextRef="#ctx0" brushRef="#br0">1 71 0,'1316'-71'0</inkml:trace>
+</inkml:ink>
+</file>
+
+<file path=ppt/ink/ink16.xml><?xml version="1.0" encoding="utf-8"?>
+<inkml:ink xmlns:inkml="http://www.w3.org/2003/InkML">
+  <inkml:definitions>
+    <inkml:context xml:id="ctx0">
+      <inkml:inkSource xml:id="inkSrc0">
+        <inkml:traceFormat>
+          <inkml:channel name="X" type="integer" min="-2.14748E9" max="2.14748E9" units="cm"/>
+          <inkml:channel name="Y" type="integer" min="-2.14748E9" max="2.14748E9" units="cm"/>
+          <inkml:channel name="F" type="integer" max="32767" units="dev"/>
+        </inkml:traceFormat>
+        <inkml:channelProperties>
+          <inkml:channelProperty channel="X" name="resolution" value="1000" units="1/cm"/>
+          <inkml:channelProperty channel="Y" name="resolution" value="1000" units="1/cm"/>
+          <inkml:channelProperty channel="F" name="resolution" value="0" units="1/dev"/>
+        </inkml:channelProperties>
+      </inkml:inkSource>
+      <inkml:timestamp xml:id="ts0" timeString="2025-11-20T11:37:08.324"/>
+    </inkml:context>
+    <inkml:brush xml:id="br0">
+      <inkml:brushProperty name="width" value="0.2" units="cm"/>
+      <inkml:brushProperty name="height" value="0.4" units="cm"/>
+      <inkml:brushProperty name="color" value="#A2D762"/>
+      <inkml:brushProperty name="tip" value="rectangle"/>
+      <inkml:brushProperty name="rasterOp" value="maskPen"/>
+      <inkml:brushProperty name="ignorePressure" value="1"/>
+    </inkml:brush>
+  </inkml:definitions>
+  <inkml:trace contextRef="#ctx0" brushRef="#br0">1 23 0,'1459'-23'0</inkml:trace>
+</inkml:ink>
+</file>
+
+<file path=ppt/ink/ink17.xml><?xml version="1.0" encoding="utf-8"?>
+<inkml:ink xmlns:inkml="http://www.w3.org/2003/InkML">
+  <inkml:definitions>
+    <inkml:context xml:id="ctx0">
+      <inkml:inkSource xml:id="inkSrc0">
+        <inkml:traceFormat>
+          <inkml:channel name="X" type="integer" min="-2.14748E9" max="2.14748E9" units="cm"/>
+          <inkml:channel name="Y" type="integer" min="-2.14748E9" max="2.14748E9" units="cm"/>
+          <inkml:channel name="F" type="integer" max="32767" units="dev"/>
+        </inkml:traceFormat>
+        <inkml:channelProperties>
+          <inkml:channelProperty channel="X" name="resolution" value="1000" units="1/cm"/>
+          <inkml:channelProperty channel="Y" name="resolution" value="1000" units="1/cm"/>
+          <inkml:channelProperty channel="F" name="resolution" value="0" units="1/dev"/>
+        </inkml:channelProperties>
+      </inkml:inkSource>
+      <inkml:timestamp xml:id="ts0" timeString="2025-11-20T11:37:25.299"/>
+    </inkml:context>
+    <inkml:brush xml:id="br0">
+      <inkml:brushProperty name="width" value="0.2" units="cm"/>
+      <inkml:brushProperty name="height" value="0.4" units="cm"/>
+      <inkml:brushProperty name="color" value="#A2D762"/>
+      <inkml:brushProperty name="tip" value="rectangle"/>
+      <inkml:brushProperty name="rasterOp" value="maskPen"/>
+      <inkml:brushProperty name="ignorePressure" value="1"/>
+    </inkml:brush>
+  </inkml:definitions>
+  <inkml:trace contextRef="#ctx0" brushRef="#br0">0 71 0,'1271'-70'0</inkml:trace>
+</inkml:ink>
+</file>
+
+<file path=ppt/ink/ink18.xml><?xml version="1.0" encoding="utf-8"?>
+<inkml:ink xmlns:inkml="http://www.w3.org/2003/InkML">
+  <inkml:definitions>
+    <inkml:context xml:id="ctx0">
+      <inkml:inkSource xml:id="inkSrc0">
+        <inkml:traceFormat>
+          <inkml:channel name="X" type="integer" min="-2.14748E9" max="2.14748E9" units="cm"/>
+          <inkml:channel name="Y" type="integer" min="-2.14748E9" max="2.14748E9" units="cm"/>
+          <inkml:channel name="F" type="integer" max="32767" units="dev"/>
+        </inkml:traceFormat>
+        <inkml:channelProperties>
+          <inkml:channelProperty channel="X" name="resolution" value="1000" units="1/cm"/>
+          <inkml:channelProperty channel="Y" name="resolution" value="1000" units="1/cm"/>
+          <inkml:channelProperty channel="F" name="resolution" value="0" units="1/dev"/>
+        </inkml:channelProperties>
+      </inkml:inkSource>
+      <inkml:timestamp xml:id="ts0" timeString="2025-11-20T11:38:38.577"/>
+    </inkml:context>
+    <inkml:brush xml:id="br0">
+      <inkml:brushProperty name="width" value="0.2" units="cm"/>
+      <inkml:brushProperty name="height" value="0.4" units="cm"/>
+      <inkml:brushProperty name="color" value="#A2D762"/>
+      <inkml:brushProperty name="tip" value="rectangle"/>
+      <inkml:brushProperty name="rasterOp" value="maskPen"/>
+      <inkml:brushProperty name="ignorePressure" value="1"/>
+    </inkml:brush>
+  </inkml:definitions>
+  <inkml:trace contextRef="#ctx0" brushRef="#br0">1 23 0,'1318'-23'0</inkml:trace>
+</inkml:ink>
+</file>
+
+<file path=ppt/ink/ink19.xml><?xml version="1.0" encoding="utf-8"?>
+<inkml:ink xmlns:inkml="http://www.w3.org/2003/InkML">
+  <inkml:definitions>
+    <inkml:context xml:id="ctx0">
+      <inkml:inkSource xml:id="inkSrc0">
+        <inkml:traceFormat>
+          <inkml:channel name="X" type="integer" min="-2.14748E9" max="2.14748E9" units="cm"/>
+          <inkml:channel name="Y" type="integer" min="-2.14748E9" max="2.14748E9" units="cm"/>
+          <inkml:channel name="F" type="integer" max="32767" units="dev"/>
+        </inkml:traceFormat>
+        <inkml:channelProperties>
+          <inkml:channelProperty channel="X" name="resolution" value="1000" units="1/cm"/>
+          <inkml:channelProperty channel="Y" name="resolution" value="1000" units="1/cm"/>
+          <inkml:channelProperty channel="F" name="resolution" value="0" units="1/dev"/>
+        </inkml:channelProperties>
+      </inkml:inkSource>
+      <inkml:timestamp xml:id="ts0" timeString="2025-11-20T11:38:45.534"/>
+    </inkml:context>
+    <inkml:brush xml:id="br0">
+      <inkml:brushProperty name="width" value="0.2" units="cm"/>
+      <inkml:brushProperty name="height" value="0.4" units="cm"/>
+      <inkml:brushProperty name="color" value="#A2D762"/>
+      <inkml:brushProperty name="tip" value="rectangle"/>
+      <inkml:brushProperty name="rasterOp" value="maskPen"/>
+      <inkml:brushProperty name="ignorePressure" value="1"/>
+    </inkml:brush>
+  </inkml:definitions>
+  <inkml:trace contextRef="#ctx0" brushRef="#br0">1 1 0,'1411'0'0</inkml:trace>
+</inkml:ink>
+</file>
+
+<file path=ppt/ink/ink2.xml><?xml version="1.0" encoding="utf-8"?>
+<inkml:ink xmlns:inkml="http://www.w3.org/2003/InkML">
+  <inkml:definitions>
+    <inkml:context xml:id="ctx0">
+      <inkml:inkSource xml:id="inkSrc0">
+        <inkml:traceFormat>
+          <inkml:channel name="X" type="integer" min="-2.14748E9" max="2.14748E9" units="cm"/>
+          <inkml:channel name="Y" type="integer" min="-2.14748E9" max="2.14748E9" units="cm"/>
+          <inkml:channel name="F" type="integer" max="32767" units="dev"/>
+        </inkml:traceFormat>
+        <inkml:channelProperties>
+          <inkml:channelProperty channel="X" name="resolution" value="1000" units="1/cm"/>
+          <inkml:channelProperty channel="Y" name="resolution" value="1000" units="1/cm"/>
+          <inkml:channelProperty channel="F" name="resolution" value="0" units="1/dev"/>
+        </inkml:channelProperties>
+      </inkml:inkSource>
+      <inkml:timestamp xml:id="ts0" timeString="2025-11-20T11:39:53.808"/>
+    </inkml:context>
+    <inkml:brush xml:id="br0">
+      <inkml:brushProperty name="width" value="0.2" units="cm"/>
+      <inkml:brushProperty name="height" value="0.4" units="cm"/>
+      <inkml:brushProperty name="color" value="#A2D762"/>
+      <inkml:brushProperty name="tip" value="rectangle"/>
+      <inkml:brushProperty name="rasterOp" value="maskPen"/>
+      <inkml:brushProperty name="ignorePressure" value="1"/>
+    </inkml:brush>
+  </inkml:definitions>
+  <inkml:trace contextRef="#ctx0" brushRef="#br0">0 18 0,'9126'0'0</inkml:trace>
+</inkml:ink>
+</file>
+
+<file path=ppt/ink/ink20.xml><?xml version="1.0" encoding="utf-8"?>
+<inkml:ink xmlns:inkml="http://www.w3.org/2003/InkML">
+  <inkml:definitions>
+    <inkml:context xml:id="ctx0">
+      <inkml:inkSource xml:id="inkSrc0">
+        <inkml:traceFormat>
+          <inkml:channel name="X" type="integer" min="-2.14748E9" max="2.14748E9" units="cm"/>
+          <inkml:channel name="Y" type="integer" min="-2.14748E9" max="2.14748E9" units="cm"/>
+          <inkml:channel name="F" type="integer" max="32767" units="dev"/>
+        </inkml:traceFormat>
+        <inkml:channelProperties>
+          <inkml:channelProperty channel="X" name="resolution" value="1000" units="1/cm"/>
+          <inkml:channelProperty channel="Y" name="resolution" value="1000" units="1/cm"/>
+          <inkml:channelProperty channel="F" name="resolution" value="0" units="1/dev"/>
+        </inkml:channelProperties>
+      </inkml:inkSource>
+      <inkml:timestamp xml:id="ts0" timeString="2025-11-20T11:38:50.443"/>
+    </inkml:context>
+    <inkml:brush xml:id="br0">
+      <inkml:brushProperty name="width" value="0.2" units="cm"/>
+      <inkml:brushProperty name="height" value="0.4" units="cm"/>
+      <inkml:brushProperty name="color" value="#A2D762"/>
+      <inkml:brushProperty name="tip" value="rectangle"/>
+      <inkml:brushProperty name="rasterOp" value="maskPen"/>
+      <inkml:brushProperty name="ignorePressure" value="1"/>
+    </inkml:brush>
+  </inkml:definitions>
+  <inkml:trace contextRef="#ctx0" brushRef="#br0">1 70 0,'1177'-69'0</inkml:trace>
+</inkml:ink>
+</file>
+
+<file path=ppt/ink/ink21.xml><?xml version="1.0" encoding="utf-8"?>
+<inkml:ink xmlns:inkml="http://www.w3.org/2003/InkML">
+  <inkml:definitions>
+    <inkml:context xml:id="ctx0">
+      <inkml:inkSource xml:id="inkSrc0">
+        <inkml:traceFormat>
+          <inkml:channel name="X" type="integer" min="-2.14748E9" max="2.14748E9" units="cm"/>
+          <inkml:channel name="Y" type="integer" min="-2.14748E9" max="2.14748E9" units="cm"/>
+          <inkml:channel name="F" type="integer" max="32767" units="dev"/>
+        </inkml:traceFormat>
+        <inkml:channelProperties>
+          <inkml:channelProperty channel="X" name="resolution" value="1000" units="1/cm"/>
+          <inkml:channelProperty channel="Y" name="resolution" value="1000" units="1/cm"/>
+          <inkml:channelProperty channel="F" name="resolution" value="0" units="1/dev"/>
+        </inkml:channelProperties>
+      </inkml:inkSource>
+      <inkml:timestamp xml:id="ts0" timeString="2025-11-20T11:39:03.523"/>
+    </inkml:context>
+    <inkml:brush xml:id="br0">
+      <inkml:brushProperty name="width" value="0.2" units="cm"/>
+      <inkml:brushProperty name="height" value="0.4" units="cm"/>
+      <inkml:brushProperty name="color" value="#A2D762"/>
+      <inkml:brushProperty name="tip" value="rectangle"/>
+      <inkml:brushProperty name="rasterOp" value="maskPen"/>
+      <inkml:brushProperty name="ignorePressure" value="1"/>
+    </inkml:brush>
+  </inkml:definitions>
+  <inkml:trace contextRef="#ctx0" brushRef="#br0">0 24 0,'3764'-23'0</inkml:trace>
+</inkml:ink>
+</file>
+
+<file path=ppt/ink/ink3.xml><?xml version="1.0" encoding="utf-8"?>
+<inkml:ink xmlns:inkml="http://www.w3.org/2003/InkML">
+  <inkml:definitions>
+    <inkml:context xml:id="ctx0">
+      <inkml:inkSource xml:id="inkSrc0">
+        <inkml:traceFormat>
+          <inkml:channel name="X" type="integer" min="-2.14748E9" max="2.14748E9" units="cm"/>
+          <inkml:channel name="Y" type="integer" min="-2.14748E9" max="2.14748E9" units="cm"/>
+        </inkml:traceFormat>
+        <inkml:channelProperties>
+          <inkml:channelProperty channel="X" name="resolution" value="1000" units="1/cm"/>
+          <inkml:channelProperty channel="Y" name="resolution" value="1000" units="1/cm"/>
+        </inkml:channelProperties>
+      </inkml:inkSource>
+      <inkml:timestamp xml:id="ts0" timeString="2025-11-20T11:39:55.018"/>
+    </inkml:context>
+    <inkml:brush xml:id="br0">
+      <inkml:brushProperty name="width" value="0.2" units="cm"/>
+      <inkml:brushProperty name="height" value="0.4" units="cm"/>
+      <inkml:brushProperty name="color" value="#A2D762"/>
+      <inkml:brushProperty name="tip" value="rectangle"/>
+      <inkml:brushProperty name="rasterOp" value="maskPen"/>
+      <inkml:brushProperty name="ignorePressure" value="1"/>
+    </inkml:brush>
+  </inkml:definitions>
+  <inkml:trace contextRef="#ctx0" brushRef="#br0">0 1,'0'0</inkml:trace>
+</inkml:ink>
+</file>
+
+<file path=ppt/ink/ink4.xml><?xml version="1.0" encoding="utf-8"?>
+<inkml:ink xmlns:inkml="http://www.w3.org/2003/InkML">
+  <inkml:definitions>
+    <inkml:context xml:id="ctx0">
+      <inkml:inkSource xml:id="inkSrc0">
+        <inkml:traceFormat>
+          <inkml:channel name="X" type="integer" min="-2.14748E9" max="2.14748E9" units="cm"/>
+          <inkml:channel name="Y" type="integer" min="-2.14748E9" max="2.14748E9" units="cm"/>
+          <inkml:channel name="F" type="integer" max="32767" units="dev"/>
+        </inkml:traceFormat>
+        <inkml:channelProperties>
+          <inkml:channelProperty channel="X" name="resolution" value="1000" units="1/cm"/>
+          <inkml:channelProperty channel="Y" name="resolution" value="1000" units="1/cm"/>
+          <inkml:channelProperty channel="F" name="resolution" value="0" units="1/dev"/>
+        </inkml:channelProperties>
+      </inkml:inkSource>
+      <inkml:timestamp xml:id="ts0" timeString="2025-11-20T11:33:03.369"/>
+    </inkml:context>
+    <inkml:brush xml:id="br0">
+      <inkml:brushProperty name="width" value="0.2" units="cm"/>
+      <inkml:brushProperty name="height" value="0.4" units="cm"/>
+      <inkml:brushProperty name="color" value="#A2D762"/>
+      <inkml:brushProperty name="tip" value="rectangle"/>
+      <inkml:brushProperty name="rasterOp" value="maskPen"/>
+      <inkml:brushProperty name="ignorePressure" value="1"/>
+    </inkml:brush>
+  </inkml:definitions>
+  <inkml:trace contextRef="#ctx0" brushRef="#br0">1 0 0,'1035'0'0</inkml:trace>
+</inkml:ink>
+</file>
+
+<file path=ppt/ink/ink5.xml><?xml version="1.0" encoding="utf-8"?>
+<inkml:ink xmlns:inkml="http://www.w3.org/2003/InkML">
+  <inkml:definitions>
+    <inkml:context xml:id="ctx0">
+      <inkml:inkSource xml:id="inkSrc0">
+        <inkml:traceFormat>
+          <inkml:channel name="X" type="integer" min="-2.14748E9" max="2.14748E9" units="cm"/>
+          <inkml:channel name="Y" type="integer" min="-2.14748E9" max="2.14748E9" units="cm"/>
+          <inkml:channel name="F" type="integer" max="32767" units="dev"/>
+        </inkml:traceFormat>
+        <inkml:channelProperties>
+          <inkml:channelProperty channel="X" name="resolution" value="1000" units="1/cm"/>
+          <inkml:channelProperty channel="Y" name="resolution" value="1000" units="1/cm"/>
+          <inkml:channelProperty channel="F" name="resolution" value="0" units="1/dev"/>
+        </inkml:channelProperties>
+      </inkml:inkSource>
+      <inkml:timestamp xml:id="ts0" timeString="2025-11-20T11:33:20.240"/>
+    </inkml:context>
+    <inkml:brush xml:id="br0">
+      <inkml:brushProperty name="width" value="0.2" units="cm"/>
+      <inkml:brushProperty name="height" value="0.4" units="cm"/>
+      <inkml:brushProperty name="color" value="#A2D762"/>
+      <inkml:brushProperty name="tip" value="rectangle"/>
+      <inkml:brushProperty name="rasterOp" value="maskPen"/>
+      <inkml:brushProperty name="ignorePressure" value="1"/>
+    </inkml:brush>
+  </inkml:definitions>
+  <inkml:trace contextRef="#ctx0" brushRef="#br0">0 0 0,'1246'47'0</inkml:trace>
+</inkml:ink>
+</file>
+
+<file path=ppt/ink/ink6.xml><?xml version="1.0" encoding="utf-8"?>
+<inkml:ink xmlns:inkml="http://www.w3.org/2003/InkML">
+  <inkml:definitions>
+    <inkml:context xml:id="ctx0">
+      <inkml:inkSource xml:id="inkSrc0">
+        <inkml:traceFormat>
+          <inkml:channel name="X" type="integer" min="-2.14748E9" max="2.14748E9" units="cm"/>
+          <inkml:channel name="Y" type="integer" min="-2.14748E9" max="2.14748E9" units="cm"/>
+          <inkml:channel name="F" type="integer" max="32767" units="dev"/>
+        </inkml:traceFormat>
+        <inkml:channelProperties>
+          <inkml:channelProperty channel="X" name="resolution" value="1000" units="1/cm"/>
+          <inkml:channelProperty channel="Y" name="resolution" value="1000" units="1/cm"/>
+          <inkml:channelProperty channel="F" name="resolution" value="0" units="1/dev"/>
+        </inkml:channelProperties>
+      </inkml:inkSource>
+      <inkml:timestamp xml:id="ts0" timeString="2025-11-20T11:33:29.728"/>
+    </inkml:context>
+    <inkml:brush xml:id="br0">
+      <inkml:brushProperty name="width" value="0.2" units="cm"/>
+      <inkml:brushProperty name="height" value="0.4" units="cm"/>
+      <inkml:brushProperty name="color" value="#A2D762"/>
+      <inkml:brushProperty name="tip" value="rectangle"/>
+      <inkml:brushProperty name="rasterOp" value="maskPen"/>
+      <inkml:brushProperty name="ignorePressure" value="1"/>
+    </inkml:brush>
+  </inkml:definitions>
+  <inkml:trace contextRef="#ctx0" brushRef="#br0">1 0 0,'1812'0'0</inkml:trace>
+</inkml:ink>
+</file>
+
+<file path=ppt/ink/ink7.xml><?xml version="1.0" encoding="utf-8"?>
+<inkml:ink xmlns:inkml="http://www.w3.org/2003/InkML">
+  <inkml:definitions>
+    <inkml:context xml:id="ctx0">
+      <inkml:inkSource xml:id="inkSrc0">
+        <inkml:traceFormat>
+          <inkml:channel name="X" type="integer" min="-2.14748E9" max="2.14748E9" units="cm"/>
+          <inkml:channel name="Y" type="integer" min="-2.14748E9" max="2.14748E9" units="cm"/>
+          <inkml:channel name="F" type="integer" max="32767" units="dev"/>
+        </inkml:traceFormat>
+        <inkml:channelProperties>
+          <inkml:channelProperty channel="X" name="resolution" value="1000" units="1/cm"/>
+          <inkml:channelProperty channel="Y" name="resolution" value="1000" units="1/cm"/>
+          <inkml:channelProperty channel="F" name="resolution" value="0" units="1/dev"/>
+        </inkml:channelProperties>
+      </inkml:inkSource>
+      <inkml:timestamp xml:id="ts0" timeString="2025-11-20T11:33:37.573"/>
+    </inkml:context>
+    <inkml:brush xml:id="br0">
+      <inkml:brushProperty name="width" value="0.2" units="cm"/>
+      <inkml:brushProperty name="height" value="0.4" units="cm"/>
+      <inkml:brushProperty name="color" value="#A2D762"/>
+      <inkml:brushProperty name="tip" value="rectangle"/>
+      <inkml:brushProperty name="rasterOp" value="maskPen"/>
+      <inkml:brushProperty name="ignorePressure" value="1"/>
+    </inkml:brush>
+  </inkml:definitions>
+  <inkml:trace contextRef="#ctx0" brushRef="#br0">0 1 0,'4352'71'0</inkml:trace>
+</inkml:ink>
+</file>
+
+<file path=ppt/ink/ink8.xml><?xml version="1.0" encoding="utf-8"?>
+<inkml:ink xmlns:inkml="http://www.w3.org/2003/InkML">
+  <inkml:definitions>
+    <inkml:context xml:id="ctx0">
+      <inkml:inkSource xml:id="inkSrc0">
+        <inkml:traceFormat>
+          <inkml:channel name="X" type="integer" min="-2.14748E9" max="2.14748E9" units="cm"/>
+          <inkml:channel name="Y" type="integer" min="-2.14748E9" max="2.14748E9" units="cm"/>
+          <inkml:channel name="F" type="integer" max="32767" units="dev"/>
+        </inkml:traceFormat>
+        <inkml:channelProperties>
+          <inkml:channelProperty channel="X" name="resolution" value="1000" units="1/cm"/>
+          <inkml:channelProperty channel="Y" name="resolution" value="1000" units="1/cm"/>
+          <inkml:channelProperty channel="F" name="resolution" value="0" units="1/dev"/>
+        </inkml:channelProperties>
+      </inkml:inkSource>
+      <inkml:timestamp xml:id="ts0" timeString="2025-11-20T11:33:58.493"/>
+    </inkml:context>
+    <inkml:brush xml:id="br0">
+      <inkml:brushProperty name="width" value="0.2" units="cm"/>
+      <inkml:brushProperty name="height" value="0.4" units="cm"/>
+      <inkml:brushProperty name="color" value="#A2D762"/>
+      <inkml:brushProperty name="tip" value="rectangle"/>
+      <inkml:brushProperty name="rasterOp" value="maskPen"/>
+      <inkml:brushProperty name="ignorePressure" value="1"/>
+    </inkml:brush>
+  </inkml:definitions>
+  <inkml:trace contextRef="#ctx0" brushRef="#br0">1 0 0,'1222'0'0</inkml:trace>
+</inkml:ink>
+</file>
+
+<file path=ppt/ink/ink9.xml><?xml version="1.0" encoding="utf-8"?>
+<inkml:ink xmlns:inkml="http://www.w3.org/2003/InkML">
+  <inkml:definitions>
+    <inkml:context xml:id="ctx0">
+      <inkml:inkSource xml:id="inkSrc0">
+        <inkml:traceFormat>
+          <inkml:channel name="X" type="integer" min="-2.14748E9" max="2.14748E9" units="cm"/>
+          <inkml:channel name="Y" type="integer" min="-2.14748E9" max="2.14748E9" units="cm"/>
+          <inkml:channel name="F" type="integer" max="32767" units="dev"/>
+        </inkml:traceFormat>
+        <inkml:channelProperties>
+          <inkml:channelProperty channel="X" name="resolution" value="1000" units="1/cm"/>
+          <inkml:channelProperty channel="Y" name="resolution" value="1000" units="1/cm"/>
+          <inkml:channelProperty channel="F" name="resolution" value="0" units="1/dev"/>
+        </inkml:channelProperties>
+      </inkml:inkSource>
+      <inkml:timestamp xml:id="ts0" timeString="2025-11-20T11:34:04.039"/>
+    </inkml:context>
+    <inkml:brush xml:id="br0">
+      <inkml:brushProperty name="width" value="0.2" units="cm"/>
+      <inkml:brushProperty name="height" value="0.4" units="cm"/>
+      <inkml:brushProperty name="color" value="#A2D762"/>
+      <inkml:brushProperty name="tip" value="rectangle"/>
+      <inkml:brushProperty name="rasterOp" value="maskPen"/>
+      <inkml:brushProperty name="ignorePressure" value="1"/>
+    </inkml:brush>
+  </inkml:definitions>
+  <inkml:trace contextRef="#ctx0" brushRef="#br0">0 24 0,'1129'-24'0</inkml:trace>
+</inkml:ink>
 </file>
 
 <file path=ppt/slideLayouts/slideLayout1.xml><?xml version="1.0" encoding="utf-8"?>
@@ -314,7 +968,7 @@
           <a:p>
             <a:fld id="{E060CA8C-FDB1-4B31-AC60-C65CAB4A7A5C}" type="datetimeFigureOut">
               <a:rPr lang="de-DE" smtClean="0"/>
-              <a:t>18.11.2025</a:t>
+              <a:t>20.11.2025</a:t>
             </a:fld>
             <a:endParaRPr lang="de-DE"/>
           </a:p>
@@ -512,7 +1166,7 @@
           <a:p>
             <a:fld id="{E060CA8C-FDB1-4B31-AC60-C65CAB4A7A5C}" type="datetimeFigureOut">
               <a:rPr lang="de-DE" smtClean="0"/>
-              <a:t>18.11.2025</a:t>
+              <a:t>20.11.2025</a:t>
             </a:fld>
             <a:endParaRPr lang="de-DE"/>
           </a:p>
@@ -720,7 +1374,7 @@
           <a:p>
             <a:fld id="{E060CA8C-FDB1-4B31-AC60-C65CAB4A7A5C}" type="datetimeFigureOut">
               <a:rPr lang="de-DE" smtClean="0"/>
-              <a:t>18.11.2025</a:t>
+              <a:t>20.11.2025</a:t>
             </a:fld>
             <a:endParaRPr lang="de-DE"/>
           </a:p>
@@ -918,7 +1572,7 @@
           <a:p>
             <a:fld id="{E060CA8C-FDB1-4B31-AC60-C65CAB4A7A5C}" type="datetimeFigureOut">
               <a:rPr lang="de-DE" smtClean="0"/>
-              <a:t>18.11.2025</a:t>
+              <a:t>20.11.2025</a:t>
             </a:fld>
             <a:endParaRPr lang="de-DE"/>
           </a:p>
@@ -1193,7 +1847,7 @@
           <a:p>
             <a:fld id="{E060CA8C-FDB1-4B31-AC60-C65CAB4A7A5C}" type="datetimeFigureOut">
               <a:rPr lang="de-DE" smtClean="0"/>
-              <a:t>18.11.2025</a:t>
+              <a:t>20.11.2025</a:t>
             </a:fld>
             <a:endParaRPr lang="de-DE"/>
           </a:p>
@@ -1458,7 +2112,7 @@
           <a:p>
             <a:fld id="{E060CA8C-FDB1-4B31-AC60-C65CAB4A7A5C}" type="datetimeFigureOut">
               <a:rPr lang="de-DE" smtClean="0"/>
-              <a:t>18.11.2025</a:t>
+              <a:t>20.11.2025</a:t>
             </a:fld>
             <a:endParaRPr lang="de-DE"/>
           </a:p>
@@ -1870,7 +2524,7 @@
           <a:p>
             <a:fld id="{E060CA8C-FDB1-4B31-AC60-C65CAB4A7A5C}" type="datetimeFigureOut">
               <a:rPr lang="de-DE" smtClean="0"/>
-              <a:t>18.11.2025</a:t>
+              <a:t>20.11.2025</a:t>
             </a:fld>
             <a:endParaRPr lang="de-DE"/>
           </a:p>
@@ -2011,7 +2665,7 @@
           <a:p>
             <a:fld id="{E060CA8C-FDB1-4B31-AC60-C65CAB4A7A5C}" type="datetimeFigureOut">
               <a:rPr lang="de-DE" smtClean="0"/>
-              <a:t>18.11.2025</a:t>
+              <a:t>20.11.2025</a:t>
             </a:fld>
             <a:endParaRPr lang="de-DE"/>
           </a:p>
@@ -2124,7 +2778,7 @@
           <a:p>
             <a:fld id="{E060CA8C-FDB1-4B31-AC60-C65CAB4A7A5C}" type="datetimeFigureOut">
               <a:rPr lang="de-DE" smtClean="0"/>
-              <a:t>18.11.2025</a:t>
+              <a:t>20.11.2025</a:t>
             </a:fld>
             <a:endParaRPr lang="de-DE"/>
           </a:p>
@@ -2435,7 +3089,7 @@
           <a:p>
             <a:fld id="{E060CA8C-FDB1-4B31-AC60-C65CAB4A7A5C}" type="datetimeFigureOut">
               <a:rPr lang="de-DE" smtClean="0"/>
-              <a:t>18.11.2025</a:t>
+              <a:t>20.11.2025</a:t>
             </a:fld>
             <a:endParaRPr lang="de-DE"/>
           </a:p>
@@ -2723,7 +3377,7 @@
           <a:p>
             <a:fld id="{E060CA8C-FDB1-4B31-AC60-C65CAB4A7A5C}" type="datetimeFigureOut">
               <a:rPr lang="de-DE" smtClean="0"/>
-              <a:t>18.11.2025</a:t>
+              <a:t>20.11.2025</a:t>
             </a:fld>
             <a:endParaRPr lang="de-DE"/>
           </a:p>
@@ -2964,7 +3618,7 @@
           <a:p>
             <a:fld id="{E060CA8C-FDB1-4B31-AC60-C65CAB4A7A5C}" type="datetimeFigureOut">
               <a:rPr lang="de-DE" smtClean="0"/>
-              <a:t>18.11.2025</a:t>
+              <a:t>20.11.2025</a:t>
             </a:fld>
             <a:endParaRPr lang="de-DE"/>
           </a:p>
@@ -3367,6 +4021,14 @@
 <file path=ppt/slides/slide1.xml><?xml version="1.0" encoding="utf-8"?>
 <p:sld xmlns:a="http://schemas.openxmlformats.org/drawingml/2006/main" xmlns:r="http://schemas.openxmlformats.org/officeDocument/2006/relationships" xmlns:p="http://schemas.openxmlformats.org/presentationml/2006/main">
   <p:cSld>
+    <p:bg>
+      <p:bgPr>
+        <a:solidFill>
+          <a:schemeClr val="bg1"/>
+        </a:solidFill>
+        <a:effectLst/>
+      </p:bgPr>
+    </p:bg>
     <p:spTree>
       <p:nvGrpSpPr>
         <p:cNvPr id="1" name=""/>
@@ -3381,6 +4043,205 @@
           <a:chExt cx="0" cy="0"/>
         </a:xfrm>
       </p:grpSpPr>
+      <p:sp useBgFill="1">
+        <p:nvSpPr>
+          <p:cNvPr id="63" name="Rectangle 41">
+            <a:extLst>
+              <a:ext uri="{FF2B5EF4-FFF2-40B4-BE49-F238E27FC236}">
+                <a16:creationId xmlns:a16="http://schemas.microsoft.com/office/drawing/2014/main" id="{73A25D70-4A55-4F72-B9C5-A69CDBF4DB42}"/>
+              </a:ext>
+              <a:ext uri="{C183D7F6-B498-43B3-948B-1728B52AA6E4}">
+                <adec:decorative xmlns:adec="http://schemas.microsoft.com/office/drawing/2017/decorative" val="1"/>
+              </a:ext>
+            </a:extLst>
+          </p:cNvPr>
+          <p:cNvSpPr>
+            <a:spLocks noGrp="1" noRot="1" noChangeAspect="1" noMove="1" noResize="1" noEditPoints="1" noAdjustHandles="1" noChangeArrowheads="1" noChangeShapeType="1" noTextEdit="1"/>
+          </p:cNvSpPr>
+          <p:nvPr>
+            <p:extLst>
+              <p:ext uri="{386F3935-93C4-4BCD-93E2-E3B085C9AB24}">
+                <p16:designElem xmlns:p16="http://schemas.microsoft.com/office/powerpoint/2015/main" val="1"/>
+              </p:ext>
+            </p:extLst>
+          </p:nvPr>
+        </p:nvSpPr>
+        <p:spPr>
+          <a:xfrm>
+            <a:off x="0" y="1"/>
+            <a:ext cx="12191695" cy="6858000"/>
+          </a:xfrm>
+          <a:prstGeom prst="rect">
+            <a:avLst/>
+          </a:prstGeom>
+          <a:ln>
+            <a:noFill/>
+          </a:ln>
+        </p:spPr>
+        <p:style>
+          <a:lnRef idx="2">
+            <a:schemeClr val="accent1">
+              <a:shade val="50000"/>
+            </a:schemeClr>
+          </a:lnRef>
+          <a:fillRef idx="1">
+            <a:schemeClr val="accent1"/>
+          </a:fillRef>
+          <a:effectRef idx="0">
+            <a:schemeClr val="accent1"/>
+          </a:effectRef>
+          <a:fontRef idx="minor">
+            <a:schemeClr val="lt1"/>
+          </a:fontRef>
+        </p:style>
+        <p:txBody>
+          <a:bodyPr rtlCol="0" anchor="ctr"/>
+          <a:lstStyle/>
+          <a:p>
+            <a:pPr algn="ctr"/>
+            <a:endParaRPr lang="en-US"/>
+          </a:p>
+        </p:txBody>
+      </p:sp>
+      <p:sp>
+        <p:nvSpPr>
+          <p:cNvPr id="64" name="Rectangle 43">
+            <a:extLst>
+              <a:ext uri="{FF2B5EF4-FFF2-40B4-BE49-F238E27FC236}">
+                <a16:creationId xmlns:a16="http://schemas.microsoft.com/office/drawing/2014/main" id="{54957100-6D8B-4161-9F2F-C0A949EC84C4}"/>
+              </a:ext>
+              <a:ext uri="{C183D7F6-B498-43B3-948B-1728B52AA6E4}">
+                <adec:decorative xmlns:adec="http://schemas.microsoft.com/office/drawing/2017/decorative" val="1"/>
+              </a:ext>
+            </a:extLst>
+          </p:cNvPr>
+          <p:cNvSpPr>
+            <a:spLocks noGrp="1" noRot="1" noChangeAspect="1" noMove="1" noResize="1" noEditPoints="1" noAdjustHandles="1" noChangeArrowheads="1" noChangeShapeType="1" noTextEdit="1"/>
+          </p:cNvSpPr>
+          <p:nvPr>
+            <p:extLst>
+              <p:ext uri="{386F3935-93C4-4BCD-93E2-E3B085C9AB24}">
+                <p16:designElem xmlns:p16="http://schemas.microsoft.com/office/powerpoint/2015/main" val="1"/>
+              </p:ext>
+            </p:extLst>
+          </p:nvPr>
+        </p:nvSpPr>
+        <p:spPr>
+          <a:xfrm>
+            <a:off x="305" y="0"/>
+            <a:ext cx="12191695" cy="6858000"/>
+          </a:xfrm>
+          <a:prstGeom prst="rect">
+            <a:avLst/>
+          </a:prstGeom>
+          <a:solidFill>
+            <a:schemeClr val="bg1"/>
+          </a:solidFill>
+          <a:ln>
+            <a:noFill/>
+          </a:ln>
+        </p:spPr>
+        <p:style>
+          <a:lnRef idx="2">
+            <a:schemeClr val="accent1">
+              <a:shade val="50000"/>
+            </a:schemeClr>
+          </a:lnRef>
+          <a:fillRef idx="1">
+            <a:schemeClr val="accent1"/>
+          </a:fillRef>
+          <a:effectRef idx="0">
+            <a:schemeClr val="accent1"/>
+          </a:effectRef>
+          <a:fontRef idx="minor">
+            <a:schemeClr val="lt1"/>
+          </a:fontRef>
+        </p:style>
+        <p:txBody>
+          <a:bodyPr rtlCol="0" anchor="ctr"/>
+          <a:lstStyle/>
+          <a:p>
+            <a:pPr algn="ctr"/>
+            <a:endParaRPr lang="en-US" sz="800"/>
+          </a:p>
+        </p:txBody>
+      </p:sp>
+      <p:sp>
+        <p:nvSpPr>
+          <p:cNvPr id="65" name="Rectangle 45">
+            <a:extLst>
+              <a:ext uri="{FF2B5EF4-FFF2-40B4-BE49-F238E27FC236}">
+                <a16:creationId xmlns:a16="http://schemas.microsoft.com/office/drawing/2014/main" id="{0BD8B065-EE51-4AE2-A94C-86249998FD7B}"/>
+              </a:ext>
+              <a:ext uri="{C183D7F6-B498-43B3-948B-1728B52AA6E4}">
+                <adec:decorative xmlns:adec="http://schemas.microsoft.com/office/drawing/2017/decorative" val="1"/>
+              </a:ext>
+            </a:extLst>
+          </p:cNvPr>
+          <p:cNvSpPr>
+            <a:spLocks noGrp="1" noRot="1" noChangeAspect="1" noMove="1" noResize="1" noEditPoints="1" noAdjustHandles="1" noChangeArrowheads="1" noChangeShapeType="1" noTextEdit="1"/>
+          </p:cNvSpPr>
+          <p:nvPr>
+            <p:extLst>
+              <p:ext uri="{386F3935-93C4-4BCD-93E2-E3B085C9AB24}">
+                <p16:designElem xmlns:p16="http://schemas.microsoft.com/office/powerpoint/2015/main" val="1"/>
+              </p:ext>
+            </p:extLst>
+          </p:nvPr>
+        </p:nvSpPr>
+        <p:spPr>
+          <a:xfrm>
+            <a:off x="0" y="0"/>
+            <a:ext cx="12191695" cy="6858000"/>
+          </a:xfrm>
+          <a:prstGeom prst="rect">
+            <a:avLst/>
+          </a:prstGeom>
+          <a:gradFill flip="none" rotWithShape="1">
+            <a:gsLst>
+              <a:gs pos="16000">
+                <a:schemeClr val="accent6">
+                  <a:alpha val="20000"/>
+                </a:schemeClr>
+              </a:gs>
+              <a:gs pos="85000">
+                <a:schemeClr val="accent1">
+                  <a:alpha val="40000"/>
+                </a:schemeClr>
+              </a:gs>
+            </a:gsLst>
+            <a:lin ang="12000000" scaled="0"/>
+            <a:tileRect/>
+          </a:gradFill>
+          <a:ln>
+            <a:noFill/>
+          </a:ln>
+        </p:spPr>
+        <p:style>
+          <a:lnRef idx="2">
+            <a:schemeClr val="accent1">
+              <a:shade val="50000"/>
+            </a:schemeClr>
+          </a:lnRef>
+          <a:fillRef idx="1">
+            <a:schemeClr val="accent1"/>
+          </a:fillRef>
+          <a:effectRef idx="0">
+            <a:schemeClr val="accent1"/>
+          </a:effectRef>
+          <a:fontRef idx="minor">
+            <a:schemeClr val="lt1"/>
+          </a:fontRef>
+        </p:style>
+        <p:txBody>
+          <a:bodyPr rtlCol="0" anchor="ctr"/>
+          <a:lstStyle/>
+          <a:p>
+            <a:pPr algn="ctr"/>
+            <a:endParaRPr lang="en-US"/>
+          </a:p>
+        </p:txBody>
+      </p:sp>
       <p:sp>
         <p:nvSpPr>
           <p:cNvPr id="2" name="Titel 1">
@@ -3397,25 +4258,48 @@
             <p:ph type="ctrTitle"/>
           </p:nvPr>
         </p:nvSpPr>
-        <p:spPr/>
+        <p:spPr>
+          <a:xfrm>
+            <a:off x="3371787" y="1741337"/>
+            <a:ext cx="5448730" cy="2387918"/>
+          </a:xfrm>
+        </p:spPr>
         <p:txBody>
-          <a:bodyPr/>
+          <a:bodyPr anchor="b">
+            <a:normAutofit/>
+          </a:bodyPr>
           <a:lstStyle/>
           <a:p>
             <a:r>
-              <a:rPr lang="de-DE" dirty="0" err="1"/>
+              <a:rPr lang="de-DE" sz="5200" dirty="0" err="1">
+                <a:solidFill>
+                  <a:schemeClr val="tx2"/>
+                </a:solidFill>
+              </a:rPr>
               <a:t>Projet</a:t>
             </a:r>
             <a:r>
-              <a:rPr lang="de-DE" dirty="0"/>
+              <a:rPr lang="de-DE" sz="5200" dirty="0">
+                <a:solidFill>
+                  <a:schemeClr val="tx2"/>
+                </a:solidFill>
+              </a:rPr>
               <a:t> </a:t>
             </a:r>
             <a:r>
-              <a:rPr lang="de-DE" dirty="0" err="1"/>
+              <a:rPr lang="de-DE" sz="5200" dirty="0" err="1">
+                <a:solidFill>
+                  <a:schemeClr val="tx2"/>
+                </a:solidFill>
+              </a:rPr>
               <a:t>Avancée</a:t>
             </a:r>
             <a:r>
-              <a:rPr lang="de-DE" dirty="0"/>
+              <a:rPr lang="de-DE" sz="5200" dirty="0">
+                <a:solidFill>
+                  <a:schemeClr val="tx2"/>
+                </a:solidFill>
+              </a:rPr>
               <a:t> CC3</a:t>
             </a:r>
           </a:p>
@@ -3437,18 +4321,2789 @@
             <p:ph type="subTitle" idx="1"/>
           </p:nvPr>
         </p:nvSpPr>
-        <p:spPr/>
+        <p:spPr>
+          <a:xfrm>
+            <a:off x="3371161" y="4200522"/>
+            <a:ext cx="5449982" cy="682079"/>
+          </a:xfrm>
+        </p:spPr>
         <p:txBody>
-          <a:bodyPr/>
+          <a:bodyPr>
+            <a:normAutofit/>
+          </a:bodyPr>
           <a:lstStyle/>
           <a:p>
             <a:r>
-              <a:rPr lang="de-DE" dirty="0"/>
+              <a:rPr lang="de-DE" dirty="0">
+                <a:solidFill>
+                  <a:schemeClr val="tx2"/>
+                </a:solidFill>
+              </a:rPr>
               <a:t>Tests</a:t>
             </a:r>
           </a:p>
         </p:txBody>
       </p:sp>
+      <p:grpSp>
+        <p:nvGrpSpPr>
+          <p:cNvPr id="66" name="Group 47">
+            <a:extLst>
+              <a:ext uri="{FF2B5EF4-FFF2-40B4-BE49-F238E27FC236}">
+                <a16:creationId xmlns:a16="http://schemas.microsoft.com/office/drawing/2014/main" id="{18999293-B054-4B57-A26F-D04C2BB11338}"/>
+              </a:ext>
+              <a:ext uri="{C183D7F6-B498-43B3-948B-1728B52AA6E4}">
+                <adec:decorative xmlns:adec="http://schemas.microsoft.com/office/drawing/2017/decorative" val="1"/>
+              </a:ext>
+            </a:extLst>
+          </p:cNvPr>
+          <p:cNvGrpSpPr>
+            <a:grpSpLocks noGrp="1" noUngrp="1" noRot="1" noChangeAspect="1" noMove="1" noResize="1"/>
+          </p:cNvGrpSpPr>
+          <p:nvPr>
+            <p:extLst>
+              <p:ext uri="{386F3935-93C4-4BCD-93E2-E3B085C9AB24}">
+                <p16:designElem xmlns:p16="http://schemas.microsoft.com/office/powerpoint/2015/main" val="1"/>
+              </p:ext>
+            </p:extLst>
+          </p:nvPr>
+        </p:nvGrpSpPr>
+        <p:grpSpPr>
+          <a:xfrm flipH="1">
+            <a:off x="-18230" y="-43336"/>
+            <a:ext cx="5163047" cy="2657478"/>
+            <a:chOff x="6867015" y="-1"/>
+            <a:chExt cx="5324985" cy="3251912"/>
+          </a:xfrm>
+          <a:solidFill>
+            <a:schemeClr val="bg1">
+              <a:alpha val="30000"/>
+            </a:schemeClr>
+          </a:solidFill>
+        </p:grpSpPr>
+        <p:sp>
+          <p:nvSpPr>
+            <p:cNvPr id="67" name="Freeform: Shape 48">
+              <a:extLst>
+                <a:ext uri="{FF2B5EF4-FFF2-40B4-BE49-F238E27FC236}">
+                  <a16:creationId xmlns:a16="http://schemas.microsoft.com/office/drawing/2014/main" id="{5E505D8A-F41A-450D-A648-E77DF6B8D84C}"/>
+                </a:ext>
+                <a:ext uri="{C183D7F6-B498-43B3-948B-1728B52AA6E4}">
+                  <adec:decorative xmlns:adec="http://schemas.microsoft.com/office/drawing/2017/decorative" val="1"/>
+                </a:ext>
+              </a:extLst>
+            </p:cNvPr>
+            <p:cNvSpPr/>
+            <p:nvPr>
+              <p:extLst>
+                <p:ext uri="{386F3935-93C4-4BCD-93E2-E3B085C9AB24}">
+                  <p16:designElem xmlns:p16="http://schemas.microsoft.com/office/powerpoint/2015/main" val="1"/>
+                </p:ext>
+              </p:extLst>
+            </p:nvPr>
+          </p:nvSpPr>
+          <p:spPr>
+            <a:xfrm>
+              <a:off x="6867015" y="-1"/>
+              <a:ext cx="5324985" cy="3251912"/>
+            </a:xfrm>
+            <a:custGeom>
+              <a:avLst/>
+              <a:gdLst>
+                <a:gd name="connsiteX0" fmla="*/ 0 w 5324985"/>
+                <a:gd name="connsiteY0" fmla="*/ 0 h 3251912"/>
+                <a:gd name="connsiteX1" fmla="*/ 36826 w 5324985"/>
+                <a:gd name="connsiteY1" fmla="*/ 0 h 3251912"/>
+                <a:gd name="connsiteX2" fmla="*/ 45003 w 5324985"/>
+                <a:gd name="connsiteY2" fmla="*/ 152909 h 3251912"/>
+                <a:gd name="connsiteX3" fmla="*/ 68956 w 5324985"/>
+                <a:gd name="connsiteY3" fmla="*/ 308600 h 3251912"/>
+                <a:gd name="connsiteX4" fmla="*/ 167774 w 5324985"/>
+                <a:gd name="connsiteY4" fmla="*/ 607968 h 3251912"/>
+                <a:gd name="connsiteX5" fmla="*/ 201857 w 5324985"/>
+                <a:gd name="connsiteY5" fmla="*/ 679539 h 3251912"/>
+                <a:gd name="connsiteX6" fmla="*/ 239741 w 5324985"/>
+                <a:gd name="connsiteY6" fmla="*/ 749488 h 3251912"/>
+                <a:gd name="connsiteX7" fmla="*/ 323724 w 5324985"/>
+                <a:gd name="connsiteY7" fmla="*/ 885101 h 3251912"/>
+                <a:gd name="connsiteX8" fmla="*/ 416412 w 5324985"/>
+                <a:gd name="connsiteY8" fmla="*/ 1016081 h 3251912"/>
+                <a:gd name="connsiteX9" fmla="*/ 515719 w 5324985"/>
+                <a:gd name="connsiteY9" fmla="*/ 1143356 h 3251912"/>
+                <a:gd name="connsiteX10" fmla="*/ 722427 w 5324985"/>
+                <a:gd name="connsiteY10" fmla="*/ 1395127 h 3251912"/>
+                <a:gd name="connsiteX11" fmla="*/ 825780 w 5324985"/>
+                <a:gd name="connsiteY11" fmla="*/ 1522749 h 3251912"/>
+                <a:gd name="connsiteX12" fmla="*/ 926314 w 5324985"/>
+                <a:gd name="connsiteY12" fmla="*/ 1651992 h 3251912"/>
+                <a:gd name="connsiteX13" fmla="*/ 1026848 w 5324985"/>
+                <a:gd name="connsiteY13" fmla="*/ 1776836 h 3251912"/>
+                <a:gd name="connsiteX14" fmla="*/ 1131918 w 5324985"/>
+                <a:gd name="connsiteY14" fmla="*/ 1897393 h 3251912"/>
+                <a:gd name="connsiteX15" fmla="*/ 1354688 w 5324985"/>
+                <a:gd name="connsiteY15" fmla="*/ 2124728 h 3251912"/>
+                <a:gd name="connsiteX16" fmla="*/ 1855027 w 5324985"/>
+                <a:gd name="connsiteY16" fmla="*/ 2504236 h 3251912"/>
+                <a:gd name="connsiteX17" fmla="*/ 2131618 w 5324985"/>
+                <a:gd name="connsiteY17" fmla="*/ 2646913 h 3251912"/>
+                <a:gd name="connsiteX18" fmla="*/ 2423534 w 5324985"/>
+                <a:gd name="connsiteY18" fmla="*/ 2754732 h 3251912"/>
+                <a:gd name="connsiteX19" fmla="*/ 2727588 w 5324985"/>
+                <a:gd name="connsiteY19" fmla="*/ 2829197 h 3251912"/>
+                <a:gd name="connsiteX20" fmla="*/ 3041083 w 5324985"/>
+                <a:gd name="connsiteY20" fmla="*/ 2870890 h 3251912"/>
+                <a:gd name="connsiteX21" fmla="*/ 3360340 w 5324985"/>
+                <a:gd name="connsiteY21" fmla="*/ 2883976 h 3251912"/>
+                <a:gd name="connsiteX22" fmla="*/ 3439663 w 5324985"/>
+                <a:gd name="connsiteY22" fmla="*/ 2883396 h 3251912"/>
+                <a:gd name="connsiteX23" fmla="*/ 3478529 w 5324985"/>
+                <a:gd name="connsiteY23" fmla="*/ 2882471 h 3251912"/>
+                <a:gd name="connsiteX24" fmla="*/ 3517271 w 5324985"/>
+                <a:gd name="connsiteY24" fmla="*/ 2880616 h 3251912"/>
+                <a:gd name="connsiteX25" fmla="*/ 3671260 w 5324985"/>
+                <a:gd name="connsiteY25" fmla="*/ 2867878 h 3251912"/>
+                <a:gd name="connsiteX26" fmla="*/ 4265268 w 5324985"/>
+                <a:gd name="connsiteY26" fmla="*/ 2716283 h 3251912"/>
+                <a:gd name="connsiteX27" fmla="*/ 4546395 w 5324985"/>
+                <a:gd name="connsiteY27" fmla="*/ 2584724 h 3251912"/>
+                <a:gd name="connsiteX28" fmla="*/ 4817837 w 5324985"/>
+                <a:gd name="connsiteY28" fmla="*/ 2424674 h 3251912"/>
+                <a:gd name="connsiteX29" fmla="*/ 5081677 w 5324985"/>
+                <a:gd name="connsiteY29" fmla="*/ 2243548 h 3251912"/>
+                <a:gd name="connsiteX30" fmla="*/ 5211881 w 5324985"/>
+                <a:gd name="connsiteY30" fmla="*/ 2147658 h 3251912"/>
+                <a:gd name="connsiteX31" fmla="*/ 5324985 w 5324985"/>
+                <a:gd name="connsiteY31" fmla="*/ 2062128 h 3251912"/>
+                <a:gd name="connsiteX32" fmla="*/ 5324985 w 5324985"/>
+                <a:gd name="connsiteY32" fmla="*/ 2514993 h 3251912"/>
+                <a:gd name="connsiteX33" fmla="*/ 5314867 w 5324985"/>
+                <a:gd name="connsiteY33" fmla="*/ 2522881 h 3251912"/>
+                <a:gd name="connsiteX34" fmla="*/ 5038276 w 5324985"/>
+                <a:gd name="connsiteY34" fmla="*/ 2722421 h 3251912"/>
+                <a:gd name="connsiteX35" fmla="*/ 4741701 w 5324985"/>
+                <a:gd name="connsiteY35" fmla="*/ 2904937 h 3251912"/>
+                <a:gd name="connsiteX36" fmla="*/ 4420728 w 5324985"/>
+                <a:gd name="connsiteY36" fmla="*/ 3058848 h 3251912"/>
+                <a:gd name="connsiteX37" fmla="*/ 3717481 w 5324985"/>
+                <a:gd name="connsiteY37" fmla="*/ 3237079 h 3251912"/>
+                <a:gd name="connsiteX38" fmla="*/ 3535661 w 5324985"/>
+                <a:gd name="connsiteY38" fmla="*/ 3249934 h 3251912"/>
+                <a:gd name="connsiteX39" fmla="*/ 3490175 w 5324985"/>
+                <a:gd name="connsiteY39" fmla="*/ 3251555 h 3251912"/>
+                <a:gd name="connsiteX40" fmla="*/ 3444813 w 5324985"/>
+                <a:gd name="connsiteY40" fmla="*/ 3251787 h 3251912"/>
+                <a:gd name="connsiteX41" fmla="*/ 3355681 w 5324985"/>
+                <a:gd name="connsiteY41" fmla="*/ 3250745 h 3251912"/>
+                <a:gd name="connsiteX42" fmla="*/ 3179011 w 5324985"/>
+                <a:gd name="connsiteY42" fmla="*/ 3243795 h 3251912"/>
+                <a:gd name="connsiteX43" fmla="*/ 3002217 w 5324985"/>
+                <a:gd name="connsiteY43" fmla="*/ 3227814 h 3251912"/>
+                <a:gd name="connsiteX44" fmla="*/ 2650103 w 5324985"/>
+                <a:gd name="connsiteY44" fmla="*/ 3170836 h 3251912"/>
+                <a:gd name="connsiteX45" fmla="*/ 2305836 w 5324985"/>
+                <a:gd name="connsiteY45" fmla="*/ 3072514 h 3251912"/>
+                <a:gd name="connsiteX46" fmla="*/ 1978611 w 5324985"/>
+                <a:gd name="connsiteY46" fmla="*/ 2929952 h 3251912"/>
+                <a:gd name="connsiteX47" fmla="*/ 1678235 w 5324985"/>
+                <a:gd name="connsiteY47" fmla="*/ 2744424 h 3251912"/>
+                <a:gd name="connsiteX48" fmla="*/ 1175688 w 5324985"/>
+                <a:gd name="connsiteY48" fmla="*/ 2277018 h 3251912"/>
+                <a:gd name="connsiteX49" fmla="*/ 971310 w 5324985"/>
+                <a:gd name="connsiteY49" fmla="*/ 2012044 h 3251912"/>
+                <a:gd name="connsiteX50" fmla="*/ 790717 w 5324985"/>
+                <a:gd name="connsiteY50" fmla="*/ 1735723 h 3251912"/>
+                <a:gd name="connsiteX51" fmla="*/ 706488 w 5324985"/>
+                <a:gd name="connsiteY51" fmla="*/ 1598604 h 3251912"/>
+                <a:gd name="connsiteX52" fmla="*/ 618951 w 5324985"/>
+                <a:gd name="connsiteY52" fmla="*/ 1463802 h 3251912"/>
+                <a:gd name="connsiteX53" fmla="*/ 436273 w 5324985"/>
+                <a:gd name="connsiteY53" fmla="*/ 1195355 h 3251912"/>
+                <a:gd name="connsiteX54" fmla="*/ 346896 w 5324985"/>
+                <a:gd name="connsiteY54" fmla="*/ 1058816 h 3251912"/>
+                <a:gd name="connsiteX55" fmla="*/ 261809 w 5324985"/>
+                <a:gd name="connsiteY55" fmla="*/ 919264 h 3251912"/>
+                <a:gd name="connsiteX56" fmla="*/ 118487 w 5324985"/>
+                <a:gd name="connsiteY56" fmla="*/ 626498 h 3251912"/>
+                <a:gd name="connsiteX57" fmla="*/ 28130 w 5324985"/>
+                <a:gd name="connsiteY57" fmla="*/ 315781 h 3251912"/>
+                <a:gd name="connsiteX58" fmla="*/ 6751 w 5324985"/>
+                <a:gd name="connsiteY58" fmla="*/ 156195 h 3251912"/>
+              </a:gdLst>
+              <a:ahLst/>
+              <a:cxnLst>
+                <a:cxn ang="0">
+                  <a:pos x="connsiteX0" y="connsiteY0"/>
+                </a:cxn>
+                <a:cxn ang="0">
+                  <a:pos x="connsiteX1" y="connsiteY1"/>
+                </a:cxn>
+                <a:cxn ang="0">
+                  <a:pos x="connsiteX2" y="connsiteY2"/>
+                </a:cxn>
+                <a:cxn ang="0">
+                  <a:pos x="connsiteX3" y="connsiteY3"/>
+                </a:cxn>
+                <a:cxn ang="0">
+                  <a:pos x="connsiteX4" y="connsiteY4"/>
+                </a:cxn>
+                <a:cxn ang="0">
+                  <a:pos x="connsiteX5" y="connsiteY5"/>
+                </a:cxn>
+                <a:cxn ang="0">
+                  <a:pos x="connsiteX6" y="connsiteY6"/>
+                </a:cxn>
+                <a:cxn ang="0">
+                  <a:pos x="connsiteX7" y="connsiteY7"/>
+                </a:cxn>
+                <a:cxn ang="0">
+                  <a:pos x="connsiteX8" y="connsiteY8"/>
+                </a:cxn>
+                <a:cxn ang="0">
+                  <a:pos x="connsiteX9" y="connsiteY9"/>
+                </a:cxn>
+                <a:cxn ang="0">
+                  <a:pos x="connsiteX10" y="connsiteY10"/>
+                </a:cxn>
+                <a:cxn ang="0">
+                  <a:pos x="connsiteX11" y="connsiteY11"/>
+                </a:cxn>
+                <a:cxn ang="0">
+                  <a:pos x="connsiteX12" y="connsiteY12"/>
+                </a:cxn>
+                <a:cxn ang="0">
+                  <a:pos x="connsiteX13" y="connsiteY13"/>
+                </a:cxn>
+                <a:cxn ang="0">
+                  <a:pos x="connsiteX14" y="connsiteY14"/>
+                </a:cxn>
+                <a:cxn ang="0">
+                  <a:pos x="connsiteX15" y="connsiteY15"/>
+                </a:cxn>
+                <a:cxn ang="0">
+                  <a:pos x="connsiteX16" y="connsiteY16"/>
+                </a:cxn>
+                <a:cxn ang="0">
+                  <a:pos x="connsiteX17" y="connsiteY17"/>
+                </a:cxn>
+                <a:cxn ang="0">
+                  <a:pos x="connsiteX18" y="connsiteY18"/>
+                </a:cxn>
+                <a:cxn ang="0">
+                  <a:pos x="connsiteX19" y="connsiteY19"/>
+                </a:cxn>
+                <a:cxn ang="0">
+                  <a:pos x="connsiteX20" y="connsiteY20"/>
+                </a:cxn>
+                <a:cxn ang="0">
+                  <a:pos x="connsiteX21" y="connsiteY21"/>
+                </a:cxn>
+                <a:cxn ang="0">
+                  <a:pos x="connsiteX22" y="connsiteY22"/>
+                </a:cxn>
+                <a:cxn ang="0">
+                  <a:pos x="connsiteX23" y="connsiteY23"/>
+                </a:cxn>
+                <a:cxn ang="0">
+                  <a:pos x="connsiteX24" y="connsiteY24"/>
+                </a:cxn>
+                <a:cxn ang="0">
+                  <a:pos x="connsiteX25" y="connsiteY25"/>
+                </a:cxn>
+                <a:cxn ang="0">
+                  <a:pos x="connsiteX26" y="connsiteY26"/>
+                </a:cxn>
+                <a:cxn ang="0">
+                  <a:pos x="connsiteX27" y="connsiteY27"/>
+                </a:cxn>
+                <a:cxn ang="0">
+                  <a:pos x="connsiteX28" y="connsiteY28"/>
+                </a:cxn>
+                <a:cxn ang="0">
+                  <a:pos x="connsiteX29" y="connsiteY29"/>
+                </a:cxn>
+                <a:cxn ang="0">
+                  <a:pos x="connsiteX30" y="connsiteY30"/>
+                </a:cxn>
+                <a:cxn ang="0">
+                  <a:pos x="connsiteX31" y="connsiteY31"/>
+                </a:cxn>
+                <a:cxn ang="0">
+                  <a:pos x="connsiteX32" y="connsiteY32"/>
+                </a:cxn>
+                <a:cxn ang="0">
+                  <a:pos x="connsiteX33" y="connsiteY33"/>
+                </a:cxn>
+                <a:cxn ang="0">
+                  <a:pos x="connsiteX34" y="connsiteY34"/>
+                </a:cxn>
+                <a:cxn ang="0">
+                  <a:pos x="connsiteX35" y="connsiteY35"/>
+                </a:cxn>
+                <a:cxn ang="0">
+                  <a:pos x="connsiteX36" y="connsiteY36"/>
+                </a:cxn>
+                <a:cxn ang="0">
+                  <a:pos x="connsiteX37" y="connsiteY37"/>
+                </a:cxn>
+                <a:cxn ang="0">
+                  <a:pos x="connsiteX38" y="connsiteY38"/>
+                </a:cxn>
+                <a:cxn ang="0">
+                  <a:pos x="connsiteX39" y="connsiteY39"/>
+                </a:cxn>
+                <a:cxn ang="0">
+                  <a:pos x="connsiteX40" y="connsiteY40"/>
+                </a:cxn>
+                <a:cxn ang="0">
+                  <a:pos x="connsiteX41" y="connsiteY41"/>
+                </a:cxn>
+                <a:cxn ang="0">
+                  <a:pos x="connsiteX42" y="connsiteY42"/>
+                </a:cxn>
+                <a:cxn ang="0">
+                  <a:pos x="connsiteX43" y="connsiteY43"/>
+                </a:cxn>
+                <a:cxn ang="0">
+                  <a:pos x="connsiteX44" y="connsiteY44"/>
+                </a:cxn>
+                <a:cxn ang="0">
+                  <a:pos x="connsiteX45" y="connsiteY45"/>
+                </a:cxn>
+                <a:cxn ang="0">
+                  <a:pos x="connsiteX46" y="connsiteY46"/>
+                </a:cxn>
+                <a:cxn ang="0">
+                  <a:pos x="connsiteX47" y="connsiteY47"/>
+                </a:cxn>
+                <a:cxn ang="0">
+                  <a:pos x="connsiteX48" y="connsiteY48"/>
+                </a:cxn>
+                <a:cxn ang="0">
+                  <a:pos x="connsiteX49" y="connsiteY49"/>
+                </a:cxn>
+                <a:cxn ang="0">
+                  <a:pos x="connsiteX50" y="connsiteY50"/>
+                </a:cxn>
+                <a:cxn ang="0">
+                  <a:pos x="connsiteX51" y="connsiteY51"/>
+                </a:cxn>
+                <a:cxn ang="0">
+                  <a:pos x="connsiteX52" y="connsiteY52"/>
+                </a:cxn>
+                <a:cxn ang="0">
+                  <a:pos x="connsiteX53" y="connsiteY53"/>
+                </a:cxn>
+                <a:cxn ang="0">
+                  <a:pos x="connsiteX54" y="connsiteY54"/>
+                </a:cxn>
+                <a:cxn ang="0">
+                  <a:pos x="connsiteX55" y="connsiteY55"/>
+                </a:cxn>
+                <a:cxn ang="0">
+                  <a:pos x="connsiteX56" y="connsiteY56"/>
+                </a:cxn>
+                <a:cxn ang="0">
+                  <a:pos x="connsiteX57" y="connsiteY57"/>
+                </a:cxn>
+                <a:cxn ang="0">
+                  <a:pos x="connsiteX58" y="connsiteY58"/>
+                </a:cxn>
+              </a:cxnLst>
+              <a:rect l="l" t="t" r="r" b="b"/>
+              <a:pathLst>
+                <a:path w="5324985" h="3251912">
+                  <a:moveTo>
+                    <a:pt x="0" y="0"/>
+                  </a:moveTo>
+                  <a:lnTo>
+                    <a:pt x="36826" y="0"/>
+                  </a:lnTo>
+                  <a:lnTo>
+                    <a:pt x="45003" y="152909"/>
+                  </a:lnTo>
+                  <a:cubicBezTo>
+                    <a:pt x="50351" y="205154"/>
+                    <a:pt x="58290" y="257123"/>
+                    <a:pt x="68956" y="308600"/>
+                  </a:cubicBezTo>
+                  <a:cubicBezTo>
+                    <a:pt x="91393" y="411324"/>
+                    <a:pt x="123882" y="511847"/>
+                    <a:pt x="167774" y="607968"/>
+                  </a:cubicBezTo>
+                  <a:cubicBezTo>
+                    <a:pt x="178195" y="632173"/>
+                    <a:pt x="190333" y="655798"/>
+                    <a:pt x="201857" y="679539"/>
+                  </a:cubicBezTo>
+                  <a:cubicBezTo>
+                    <a:pt x="214363" y="702933"/>
+                    <a:pt x="226255" y="726557"/>
+                    <a:pt x="239741" y="749488"/>
+                  </a:cubicBezTo>
+                  <a:cubicBezTo>
+                    <a:pt x="265488" y="795812"/>
+                    <a:pt x="294176" y="840746"/>
+                    <a:pt x="323724" y="885101"/>
+                  </a:cubicBezTo>
+                  <a:cubicBezTo>
+                    <a:pt x="353149" y="929572"/>
+                    <a:pt x="384657" y="972885"/>
+                    <a:pt x="416412" y="1016081"/>
+                  </a:cubicBezTo>
+                  <a:cubicBezTo>
+                    <a:pt x="448655" y="1058931"/>
+                    <a:pt x="482127" y="1101202"/>
+                    <a:pt x="515719" y="1143356"/>
+                  </a:cubicBezTo>
+                  <a:cubicBezTo>
+                    <a:pt x="583027" y="1227782"/>
+                    <a:pt x="653402" y="1310470"/>
+                    <a:pt x="722427" y="1395127"/>
+                  </a:cubicBezTo>
+                  <a:cubicBezTo>
+                    <a:pt x="757123" y="1437282"/>
+                    <a:pt x="791697" y="1479783"/>
+                    <a:pt x="825780" y="1522749"/>
+                  </a:cubicBezTo>
+                  <a:cubicBezTo>
+                    <a:pt x="859742" y="1565367"/>
+                    <a:pt x="893457" y="1610649"/>
+                    <a:pt x="926314" y="1651992"/>
+                  </a:cubicBezTo>
+                  <a:cubicBezTo>
+                    <a:pt x="958927" y="1694379"/>
+                    <a:pt x="993132" y="1735492"/>
+                    <a:pt x="1026848" y="1776836"/>
+                  </a:cubicBezTo>
+                  <a:cubicBezTo>
+                    <a:pt x="1061545" y="1817485"/>
+                    <a:pt x="1095996" y="1858133"/>
+                    <a:pt x="1131918" y="1897393"/>
+                  </a:cubicBezTo>
+                  <a:cubicBezTo>
+                    <a:pt x="1203273" y="1976376"/>
+                    <a:pt x="1277447" y="2052463"/>
+                    <a:pt x="1354688" y="2124728"/>
+                  </a:cubicBezTo>
+                  <a:cubicBezTo>
+                    <a:pt x="1509411" y="2268911"/>
+                    <a:pt x="1676396" y="2397575"/>
+                    <a:pt x="1855027" y="2504236"/>
+                  </a:cubicBezTo>
+                  <a:cubicBezTo>
+                    <a:pt x="1944528" y="2557277"/>
+                    <a:pt x="2036357" y="2605917"/>
+                    <a:pt x="2131618" y="2646913"/>
+                  </a:cubicBezTo>
+                  <a:cubicBezTo>
+                    <a:pt x="2226267" y="2689068"/>
+                    <a:pt x="2323981" y="2724622"/>
+                    <a:pt x="2423534" y="2754732"/>
+                  </a:cubicBezTo>
+                  <a:cubicBezTo>
+                    <a:pt x="2523087" y="2784958"/>
+                    <a:pt x="2624602" y="2809394"/>
+                    <a:pt x="2727588" y="2829197"/>
+                  </a:cubicBezTo>
+                  <a:cubicBezTo>
+                    <a:pt x="2830698" y="2848653"/>
+                    <a:pt x="2935522" y="2861971"/>
+                    <a:pt x="3041083" y="2870890"/>
+                  </a:cubicBezTo>
+                  <a:cubicBezTo>
+                    <a:pt x="3146644" y="2879922"/>
+                    <a:pt x="3253307" y="2883860"/>
+                    <a:pt x="3360340" y="2883976"/>
+                  </a:cubicBezTo>
+                  <a:cubicBezTo>
+                    <a:pt x="3387067" y="2883976"/>
+                    <a:pt x="3414162" y="2884439"/>
+                    <a:pt x="3439663" y="2883396"/>
+                  </a:cubicBezTo>
+                  <a:lnTo>
+                    <a:pt x="3478529" y="2882471"/>
+                  </a:lnTo>
+                  <a:lnTo>
+                    <a:pt x="3517271" y="2880616"/>
+                  </a:lnTo>
+                  <a:cubicBezTo>
+                    <a:pt x="3568887" y="2878417"/>
+                    <a:pt x="3620257" y="2873552"/>
+                    <a:pt x="3671260" y="2867878"/>
+                  </a:cubicBezTo>
+                  <a:cubicBezTo>
+                    <a:pt x="3875515" y="2844253"/>
+                    <a:pt x="4074253" y="2792486"/>
+                    <a:pt x="4265268" y="2716283"/>
+                  </a:cubicBezTo>
+                  <a:cubicBezTo>
+                    <a:pt x="4361020" y="2678529"/>
+                    <a:pt x="4454444" y="2633710"/>
+                    <a:pt x="4546395" y="2584724"/>
+                  </a:cubicBezTo>
+                  <a:cubicBezTo>
+                    <a:pt x="4638470" y="2535967"/>
+                    <a:pt x="4728827" y="2481885"/>
+                    <a:pt x="4817837" y="2424674"/>
+                  </a:cubicBezTo>
+                  <a:cubicBezTo>
+                    <a:pt x="4906846" y="2367348"/>
+                    <a:pt x="4994385" y="2306317"/>
+                    <a:pt x="5081677" y="2243548"/>
+                  </a:cubicBezTo>
+                  <a:cubicBezTo>
+                    <a:pt x="5125201" y="2212164"/>
+                    <a:pt x="5168603" y="2179969"/>
+                    <a:pt x="5211881" y="2147658"/>
+                  </a:cubicBezTo>
+                  <a:lnTo>
+                    <a:pt x="5324985" y="2062128"/>
+                  </a:lnTo>
+                  <a:lnTo>
+                    <a:pt x="5324985" y="2514993"/>
+                  </a:lnTo>
+                  <a:lnTo>
+                    <a:pt x="5314867" y="2522881"/>
+                  </a:lnTo>
+                  <a:cubicBezTo>
+                    <a:pt x="5225490" y="2591325"/>
+                    <a:pt x="5133783" y="2658379"/>
+                    <a:pt x="5038276" y="2722421"/>
+                  </a:cubicBezTo>
+                  <a:cubicBezTo>
+                    <a:pt x="4942892" y="2786348"/>
+                    <a:pt x="4844810" y="2848422"/>
+                    <a:pt x="4741701" y="2904937"/>
+                  </a:cubicBezTo>
+                  <a:cubicBezTo>
+                    <a:pt x="4638592" y="2961337"/>
+                    <a:pt x="4531929" y="3013683"/>
+                    <a:pt x="4420728" y="3058848"/>
+                  </a:cubicBezTo>
+                  <a:cubicBezTo>
+                    <a:pt x="4199063" y="3150338"/>
+                    <a:pt x="3959621" y="3211485"/>
+                    <a:pt x="3717481" y="3237079"/>
+                  </a:cubicBezTo>
+                  <a:cubicBezTo>
+                    <a:pt x="3656914" y="3243101"/>
+                    <a:pt x="3596227" y="3247966"/>
+                    <a:pt x="3535661" y="3249934"/>
+                  </a:cubicBezTo>
+                  <a:lnTo>
+                    <a:pt x="3490175" y="3251555"/>
+                  </a:lnTo>
+                  <a:lnTo>
+                    <a:pt x="3444813" y="3251787"/>
+                  </a:lnTo>
+                  <a:cubicBezTo>
+                    <a:pt x="3414162" y="3252250"/>
+                    <a:pt x="3385105" y="3251324"/>
+                    <a:pt x="3355681" y="3250745"/>
+                  </a:cubicBezTo>
+                  <a:cubicBezTo>
+                    <a:pt x="3296954" y="3250050"/>
+                    <a:pt x="3237860" y="3246692"/>
+                    <a:pt x="3179011" y="3243795"/>
+                  </a:cubicBezTo>
+                  <a:cubicBezTo>
+                    <a:pt x="3120039" y="3239164"/>
+                    <a:pt x="3061067" y="3234878"/>
+                    <a:pt x="3002217" y="3227814"/>
+                  </a:cubicBezTo>
+                  <a:cubicBezTo>
+                    <a:pt x="2884397" y="3214496"/>
+                    <a:pt x="2766699" y="3196314"/>
+                    <a:pt x="2650103" y="3170836"/>
+                  </a:cubicBezTo>
+                  <a:cubicBezTo>
+                    <a:pt x="2533510" y="3145358"/>
+                    <a:pt x="2418263" y="3112583"/>
+                    <a:pt x="2305836" y="3072514"/>
+                  </a:cubicBezTo>
+                  <a:cubicBezTo>
+                    <a:pt x="2193410" y="3032328"/>
+                    <a:pt x="2083926" y="2984383"/>
+                    <a:pt x="1978611" y="2929952"/>
+                  </a:cubicBezTo>
+                  <a:cubicBezTo>
+                    <a:pt x="1873663" y="2874711"/>
+                    <a:pt x="1772884" y="2812985"/>
+                    <a:pt x="1678235" y="2744424"/>
+                  </a:cubicBezTo>
+                  <a:cubicBezTo>
+                    <a:pt x="1488201" y="2608001"/>
+                    <a:pt x="1321708" y="2448068"/>
+                    <a:pt x="1175688" y="2277018"/>
+                  </a:cubicBezTo>
+                  <a:cubicBezTo>
+                    <a:pt x="1102985" y="2191086"/>
+                    <a:pt x="1035309" y="2102377"/>
+                    <a:pt x="971310" y="2012044"/>
+                  </a:cubicBezTo>
+                  <a:cubicBezTo>
+                    <a:pt x="907188" y="1921714"/>
+                    <a:pt x="847358" y="1829413"/>
+                    <a:pt x="790717" y="1735723"/>
+                  </a:cubicBezTo>
+                  <a:cubicBezTo>
+                    <a:pt x="761782" y="1688357"/>
+                    <a:pt x="735300" y="1644002"/>
+                    <a:pt x="706488" y="1598604"/>
+                  </a:cubicBezTo>
+                  <a:cubicBezTo>
+                    <a:pt x="677922" y="1553555"/>
+                    <a:pt x="648866" y="1508505"/>
+                    <a:pt x="618951" y="1463802"/>
+                  </a:cubicBezTo>
+                  <a:lnTo>
+                    <a:pt x="436273" y="1195355"/>
+                  </a:lnTo>
+                  <a:cubicBezTo>
+                    <a:pt x="405990" y="1150189"/>
+                    <a:pt x="376075" y="1104792"/>
+                    <a:pt x="346896" y="1058816"/>
+                  </a:cubicBezTo>
+                  <a:cubicBezTo>
+                    <a:pt x="317716" y="1012838"/>
+                    <a:pt x="288782" y="966747"/>
+                    <a:pt x="261809" y="919264"/>
+                  </a:cubicBezTo>
+                  <a:cubicBezTo>
+                    <a:pt x="207742" y="824764"/>
+                    <a:pt x="158088" y="727485"/>
+                    <a:pt x="118487" y="626498"/>
+                  </a:cubicBezTo>
+                  <a:cubicBezTo>
+                    <a:pt x="78151" y="525859"/>
+                    <a:pt x="48237" y="421515"/>
+                    <a:pt x="28130" y="315781"/>
+                  </a:cubicBezTo>
+                  <a:cubicBezTo>
+                    <a:pt x="18506" y="262914"/>
+                    <a:pt x="11425" y="209642"/>
+                    <a:pt x="6751" y="156195"/>
+                  </a:cubicBezTo>
+                  <a:close/>
+                </a:path>
+              </a:pathLst>
+            </a:custGeom>
+            <a:grpFill/>
+            <a:ln>
+              <a:noFill/>
+            </a:ln>
+          </p:spPr>
+          <p:style>
+            <a:lnRef idx="2">
+              <a:schemeClr val="accent1">
+                <a:shade val="50000"/>
+              </a:schemeClr>
+            </a:lnRef>
+            <a:fillRef idx="1">
+              <a:schemeClr val="accent1"/>
+            </a:fillRef>
+            <a:effectRef idx="0">
+              <a:schemeClr val="accent1"/>
+            </a:effectRef>
+            <a:fontRef idx="minor">
+              <a:schemeClr val="lt1"/>
+            </a:fontRef>
+          </p:style>
+          <p:txBody>
+            <a:bodyPr rtlCol="0" anchor="ctr"/>
+            <a:lstStyle/>
+            <a:p>
+              <a:pPr algn="ctr"/>
+              <a:endParaRPr lang="en-US"/>
+            </a:p>
+          </p:txBody>
+        </p:sp>
+        <p:sp>
+          <p:nvSpPr>
+            <p:cNvPr id="68" name="Freeform: Shape 49">
+              <a:extLst>
+                <a:ext uri="{FF2B5EF4-FFF2-40B4-BE49-F238E27FC236}">
+                  <a16:creationId xmlns:a16="http://schemas.microsoft.com/office/drawing/2014/main" id="{E2BD6DCE-6A81-4F34-9958-67B578EA1662}"/>
+                </a:ext>
+                <a:ext uri="{C183D7F6-B498-43B3-948B-1728B52AA6E4}">
+                  <adec:decorative xmlns:adec="http://schemas.microsoft.com/office/drawing/2017/decorative" val="1"/>
+                </a:ext>
+              </a:extLst>
+            </p:cNvPr>
+            <p:cNvSpPr/>
+            <p:nvPr>
+              <p:extLst>
+                <p:ext uri="{386F3935-93C4-4BCD-93E2-E3B085C9AB24}">
+                  <p16:designElem xmlns:p16="http://schemas.microsoft.com/office/powerpoint/2015/main" val="1"/>
+                </p:ext>
+              </p:extLst>
+            </p:nvPr>
+          </p:nvSpPr>
+          <p:spPr>
+            <a:xfrm>
+              <a:off x="6916467" y="-1"/>
+              <a:ext cx="5275533" cy="2980757"/>
+            </a:xfrm>
+            <a:custGeom>
+              <a:avLst/>
+              <a:gdLst>
+                <a:gd name="connsiteX0" fmla="*/ 0 w 5275533"/>
+                <a:gd name="connsiteY0" fmla="*/ 0 h 2980757"/>
+                <a:gd name="connsiteX1" fmla="*/ 201166 w 5275533"/>
+                <a:gd name="connsiteY1" fmla="*/ 0 h 2980757"/>
+                <a:gd name="connsiteX2" fmla="*/ 206734 w 5275533"/>
+                <a:gd name="connsiteY2" fmla="*/ 89286 h 2980757"/>
+                <a:gd name="connsiteX3" fmla="*/ 232051 w 5275533"/>
+                <a:gd name="connsiteY3" fmla="*/ 226897 h 2980757"/>
+                <a:gd name="connsiteX4" fmla="*/ 332707 w 5275533"/>
+                <a:gd name="connsiteY4" fmla="*/ 487120 h 2980757"/>
+                <a:gd name="connsiteX5" fmla="*/ 402959 w 5275533"/>
+                <a:gd name="connsiteY5" fmla="*/ 609647 h 2980757"/>
+                <a:gd name="connsiteX6" fmla="*/ 483631 w 5275533"/>
+                <a:gd name="connsiteY6" fmla="*/ 728236 h 2980757"/>
+                <a:gd name="connsiteX7" fmla="*/ 669986 w 5275533"/>
+                <a:gd name="connsiteY7" fmla="*/ 957424 h 2980757"/>
+                <a:gd name="connsiteX8" fmla="*/ 871667 w 5275533"/>
+                <a:gd name="connsiteY8" fmla="*/ 1188348 h 2980757"/>
+                <a:gd name="connsiteX9" fmla="*/ 971956 w 5275533"/>
+                <a:gd name="connsiteY9" fmla="*/ 1308905 h 2980757"/>
+                <a:gd name="connsiteX10" fmla="*/ 1020139 w 5275533"/>
+                <a:gd name="connsiteY10" fmla="*/ 1368084 h 2980757"/>
+                <a:gd name="connsiteX11" fmla="*/ 1067340 w 5275533"/>
+                <a:gd name="connsiteY11" fmla="*/ 1424715 h 2980757"/>
+                <a:gd name="connsiteX12" fmla="*/ 1472909 w 5275533"/>
+                <a:gd name="connsiteY12" fmla="*/ 1843252 h 2980757"/>
+                <a:gd name="connsiteX13" fmla="*/ 1688567 w 5275533"/>
+                <a:gd name="connsiteY13" fmla="*/ 2031559 h 2980757"/>
+                <a:gd name="connsiteX14" fmla="*/ 1914401 w 5275533"/>
+                <a:gd name="connsiteY14" fmla="*/ 2205156 h 2980757"/>
+                <a:gd name="connsiteX15" fmla="*/ 2418909 w 5275533"/>
+                <a:gd name="connsiteY15" fmla="*/ 2479741 h 2980757"/>
+                <a:gd name="connsiteX16" fmla="*/ 2701141 w 5275533"/>
+                <a:gd name="connsiteY16" fmla="*/ 2557333 h 2980757"/>
+                <a:gd name="connsiteX17" fmla="*/ 2773475 w 5275533"/>
+                <a:gd name="connsiteY17" fmla="*/ 2570999 h 2980757"/>
+                <a:gd name="connsiteX18" fmla="*/ 2846424 w 5275533"/>
+                <a:gd name="connsiteY18" fmla="*/ 2582465 h 2980757"/>
+                <a:gd name="connsiteX19" fmla="*/ 2993669 w 5275533"/>
+                <a:gd name="connsiteY19" fmla="*/ 2598909 h 2980757"/>
+                <a:gd name="connsiteX20" fmla="*/ 3067721 w 5275533"/>
+                <a:gd name="connsiteY20" fmla="*/ 2604237 h 2980757"/>
+                <a:gd name="connsiteX21" fmla="*/ 3142019 w 5275533"/>
+                <a:gd name="connsiteY21" fmla="*/ 2607943 h 2980757"/>
+                <a:gd name="connsiteX22" fmla="*/ 3216561 w 5275533"/>
+                <a:gd name="connsiteY22" fmla="*/ 2609564 h 2980757"/>
+                <a:gd name="connsiteX23" fmla="*/ 3291225 w 5275533"/>
+                <a:gd name="connsiteY23" fmla="*/ 2609217 h 2980757"/>
+                <a:gd name="connsiteX24" fmla="*/ 3328619 w 5275533"/>
+                <a:gd name="connsiteY24" fmla="*/ 2608869 h 2980757"/>
+                <a:gd name="connsiteX25" fmla="*/ 3364665 w 5275533"/>
+                <a:gd name="connsiteY25" fmla="*/ 2607363 h 2980757"/>
+                <a:gd name="connsiteX26" fmla="*/ 3400587 w 5275533"/>
+                <a:gd name="connsiteY26" fmla="*/ 2605627 h 2980757"/>
+                <a:gd name="connsiteX27" fmla="*/ 3436387 w 5275533"/>
+                <a:gd name="connsiteY27" fmla="*/ 2602847 h 2980757"/>
+                <a:gd name="connsiteX28" fmla="*/ 3578361 w 5275533"/>
+                <a:gd name="connsiteY28" fmla="*/ 2586286 h 2980757"/>
+                <a:gd name="connsiteX29" fmla="*/ 4119159 w 5275533"/>
+                <a:gd name="connsiteY29" fmla="*/ 2418594 h 2980757"/>
+                <a:gd name="connsiteX30" fmla="*/ 4618765 w 5275533"/>
+                <a:gd name="connsiteY30" fmla="*/ 2124668 h 2980757"/>
+                <a:gd name="connsiteX31" fmla="*/ 4739895 w 5275533"/>
+                <a:gd name="connsiteY31" fmla="*/ 2038275 h 2980757"/>
+                <a:gd name="connsiteX32" fmla="*/ 4861027 w 5275533"/>
+                <a:gd name="connsiteY32" fmla="*/ 1948986 h 2980757"/>
+                <a:gd name="connsiteX33" fmla="*/ 5106354 w 5275533"/>
+                <a:gd name="connsiteY33" fmla="*/ 1763690 h 2980757"/>
+                <a:gd name="connsiteX34" fmla="*/ 5275533 w 5275533"/>
+                <a:gd name="connsiteY34" fmla="*/ 1641017 h 2980757"/>
+                <a:gd name="connsiteX35" fmla="*/ 5275533 w 5275533"/>
+                <a:gd name="connsiteY35" fmla="*/ 2257481 h 2980757"/>
+                <a:gd name="connsiteX36" fmla="*/ 5168881 w 5275533"/>
+                <a:gd name="connsiteY36" fmla="*/ 2332084 h 2980757"/>
+                <a:gd name="connsiteX37" fmla="*/ 5036225 w 5275533"/>
+                <a:gd name="connsiteY37" fmla="*/ 2421489 h 2980757"/>
+                <a:gd name="connsiteX38" fmla="*/ 4899401 w 5275533"/>
+                <a:gd name="connsiteY38" fmla="*/ 2508347 h 2980757"/>
+                <a:gd name="connsiteX39" fmla="*/ 4612145 w 5275533"/>
+                <a:gd name="connsiteY39" fmla="*/ 2671407 h 2980757"/>
+                <a:gd name="connsiteX40" fmla="*/ 4303187 w 5275533"/>
+                <a:gd name="connsiteY40" fmla="*/ 2810030 h 2980757"/>
+                <a:gd name="connsiteX41" fmla="*/ 3630835 w 5275533"/>
+                <a:gd name="connsiteY41" fmla="*/ 2969500 h 2980757"/>
+                <a:gd name="connsiteX42" fmla="*/ 3457719 w 5275533"/>
+                <a:gd name="connsiteY42" fmla="*/ 2979808 h 2980757"/>
+                <a:gd name="connsiteX43" fmla="*/ 3414441 w 5275533"/>
+                <a:gd name="connsiteY43" fmla="*/ 2980733 h 2980757"/>
+                <a:gd name="connsiteX44" fmla="*/ 3371285 w 5275533"/>
+                <a:gd name="connsiteY44" fmla="*/ 2980502 h 2980757"/>
+                <a:gd name="connsiteX45" fmla="*/ 3328252 w 5275533"/>
+                <a:gd name="connsiteY45" fmla="*/ 2980039 h 2980757"/>
+                <a:gd name="connsiteX46" fmla="*/ 3286445 w 5275533"/>
+                <a:gd name="connsiteY46" fmla="*/ 2978534 h 2980757"/>
+                <a:gd name="connsiteX47" fmla="*/ 2952475 w 5275533"/>
+                <a:gd name="connsiteY47" fmla="*/ 2953402 h 2980757"/>
+                <a:gd name="connsiteX48" fmla="*/ 2620591 w 5275533"/>
+                <a:gd name="connsiteY48" fmla="*/ 2898046 h 2980757"/>
+                <a:gd name="connsiteX49" fmla="*/ 2294591 w 5275533"/>
+                <a:gd name="connsiteY49" fmla="*/ 2811305 h 2980757"/>
+                <a:gd name="connsiteX50" fmla="*/ 1670544 w 5275533"/>
+                <a:gd name="connsiteY50" fmla="*/ 2550501 h 2980757"/>
+                <a:gd name="connsiteX51" fmla="*/ 1144703 w 5275533"/>
+                <a:gd name="connsiteY51" fmla="*/ 2144472 h 2980757"/>
+                <a:gd name="connsiteX52" fmla="*/ 931497 w 5275533"/>
+                <a:gd name="connsiteY52" fmla="*/ 1900114 h 2980757"/>
+                <a:gd name="connsiteX53" fmla="*/ 745265 w 5275533"/>
+                <a:gd name="connsiteY53" fmla="*/ 1641395 h 2980757"/>
+                <a:gd name="connsiteX54" fmla="*/ 701741 w 5275533"/>
+                <a:gd name="connsiteY54" fmla="*/ 1575500 h 2980757"/>
+                <a:gd name="connsiteX55" fmla="*/ 660178 w 5275533"/>
+                <a:gd name="connsiteY55" fmla="*/ 1511573 h 2980757"/>
+                <a:gd name="connsiteX56" fmla="*/ 578158 w 5275533"/>
+                <a:gd name="connsiteY56" fmla="*/ 1387656 h 2980757"/>
+                <a:gd name="connsiteX57" fmla="*/ 408230 w 5275533"/>
+                <a:gd name="connsiteY57" fmla="*/ 1134497 h 2980757"/>
+                <a:gd name="connsiteX58" fmla="*/ 242349 w 5275533"/>
+                <a:gd name="connsiteY58" fmla="*/ 866860 h 2980757"/>
+                <a:gd name="connsiteX59" fmla="*/ 167562 w 5275533"/>
+                <a:gd name="connsiteY59" fmla="*/ 724994 h 2980757"/>
+                <a:gd name="connsiteX60" fmla="*/ 104054 w 5275533"/>
+                <a:gd name="connsiteY60" fmla="*/ 576525 h 2980757"/>
+                <a:gd name="connsiteX61" fmla="*/ 55381 w 5275533"/>
+                <a:gd name="connsiteY61" fmla="*/ 422499 h 2980757"/>
+                <a:gd name="connsiteX62" fmla="*/ 37236 w 5275533"/>
+                <a:gd name="connsiteY62" fmla="*/ 343980 h 2980757"/>
+                <a:gd name="connsiteX63" fmla="*/ 29267 w 5275533"/>
+                <a:gd name="connsiteY63" fmla="*/ 304604 h 2980757"/>
+                <a:gd name="connsiteX64" fmla="*/ 22646 w 5275533"/>
+                <a:gd name="connsiteY64" fmla="*/ 265113 h 2980757"/>
+                <a:gd name="connsiteX65" fmla="*/ 3903 w 5275533"/>
+                <a:gd name="connsiteY65" fmla="*/ 106787 h 2980757"/>
+              </a:gdLst>
+              <a:ahLst/>
+              <a:cxnLst>
+                <a:cxn ang="0">
+                  <a:pos x="connsiteX0" y="connsiteY0"/>
+                </a:cxn>
+                <a:cxn ang="0">
+                  <a:pos x="connsiteX1" y="connsiteY1"/>
+                </a:cxn>
+                <a:cxn ang="0">
+                  <a:pos x="connsiteX2" y="connsiteY2"/>
+                </a:cxn>
+                <a:cxn ang="0">
+                  <a:pos x="connsiteX3" y="connsiteY3"/>
+                </a:cxn>
+                <a:cxn ang="0">
+                  <a:pos x="connsiteX4" y="connsiteY4"/>
+                </a:cxn>
+                <a:cxn ang="0">
+                  <a:pos x="connsiteX5" y="connsiteY5"/>
+                </a:cxn>
+                <a:cxn ang="0">
+                  <a:pos x="connsiteX6" y="connsiteY6"/>
+                </a:cxn>
+                <a:cxn ang="0">
+                  <a:pos x="connsiteX7" y="connsiteY7"/>
+                </a:cxn>
+                <a:cxn ang="0">
+                  <a:pos x="connsiteX8" y="connsiteY8"/>
+                </a:cxn>
+                <a:cxn ang="0">
+                  <a:pos x="connsiteX9" y="connsiteY9"/>
+                </a:cxn>
+                <a:cxn ang="0">
+                  <a:pos x="connsiteX10" y="connsiteY10"/>
+                </a:cxn>
+                <a:cxn ang="0">
+                  <a:pos x="connsiteX11" y="connsiteY11"/>
+                </a:cxn>
+                <a:cxn ang="0">
+                  <a:pos x="connsiteX12" y="connsiteY12"/>
+                </a:cxn>
+                <a:cxn ang="0">
+                  <a:pos x="connsiteX13" y="connsiteY13"/>
+                </a:cxn>
+                <a:cxn ang="0">
+                  <a:pos x="connsiteX14" y="connsiteY14"/>
+                </a:cxn>
+                <a:cxn ang="0">
+                  <a:pos x="connsiteX15" y="connsiteY15"/>
+                </a:cxn>
+                <a:cxn ang="0">
+                  <a:pos x="connsiteX16" y="connsiteY16"/>
+                </a:cxn>
+                <a:cxn ang="0">
+                  <a:pos x="connsiteX17" y="connsiteY17"/>
+                </a:cxn>
+                <a:cxn ang="0">
+                  <a:pos x="connsiteX18" y="connsiteY18"/>
+                </a:cxn>
+                <a:cxn ang="0">
+                  <a:pos x="connsiteX19" y="connsiteY19"/>
+                </a:cxn>
+                <a:cxn ang="0">
+                  <a:pos x="connsiteX20" y="connsiteY20"/>
+                </a:cxn>
+                <a:cxn ang="0">
+                  <a:pos x="connsiteX21" y="connsiteY21"/>
+                </a:cxn>
+                <a:cxn ang="0">
+                  <a:pos x="connsiteX22" y="connsiteY22"/>
+                </a:cxn>
+                <a:cxn ang="0">
+                  <a:pos x="connsiteX23" y="connsiteY23"/>
+                </a:cxn>
+                <a:cxn ang="0">
+                  <a:pos x="connsiteX24" y="connsiteY24"/>
+                </a:cxn>
+                <a:cxn ang="0">
+                  <a:pos x="connsiteX25" y="connsiteY25"/>
+                </a:cxn>
+                <a:cxn ang="0">
+                  <a:pos x="connsiteX26" y="connsiteY26"/>
+                </a:cxn>
+                <a:cxn ang="0">
+                  <a:pos x="connsiteX27" y="connsiteY27"/>
+                </a:cxn>
+                <a:cxn ang="0">
+                  <a:pos x="connsiteX28" y="connsiteY28"/>
+                </a:cxn>
+                <a:cxn ang="0">
+                  <a:pos x="connsiteX29" y="connsiteY29"/>
+                </a:cxn>
+                <a:cxn ang="0">
+                  <a:pos x="connsiteX30" y="connsiteY30"/>
+                </a:cxn>
+                <a:cxn ang="0">
+                  <a:pos x="connsiteX31" y="connsiteY31"/>
+                </a:cxn>
+                <a:cxn ang="0">
+                  <a:pos x="connsiteX32" y="connsiteY32"/>
+                </a:cxn>
+                <a:cxn ang="0">
+                  <a:pos x="connsiteX33" y="connsiteY33"/>
+                </a:cxn>
+                <a:cxn ang="0">
+                  <a:pos x="connsiteX34" y="connsiteY34"/>
+                </a:cxn>
+                <a:cxn ang="0">
+                  <a:pos x="connsiteX35" y="connsiteY35"/>
+                </a:cxn>
+                <a:cxn ang="0">
+                  <a:pos x="connsiteX36" y="connsiteY36"/>
+                </a:cxn>
+                <a:cxn ang="0">
+                  <a:pos x="connsiteX37" y="connsiteY37"/>
+                </a:cxn>
+                <a:cxn ang="0">
+                  <a:pos x="connsiteX38" y="connsiteY38"/>
+                </a:cxn>
+                <a:cxn ang="0">
+                  <a:pos x="connsiteX39" y="connsiteY39"/>
+                </a:cxn>
+                <a:cxn ang="0">
+                  <a:pos x="connsiteX40" y="connsiteY40"/>
+                </a:cxn>
+                <a:cxn ang="0">
+                  <a:pos x="connsiteX41" y="connsiteY41"/>
+                </a:cxn>
+                <a:cxn ang="0">
+                  <a:pos x="connsiteX42" y="connsiteY42"/>
+                </a:cxn>
+                <a:cxn ang="0">
+                  <a:pos x="connsiteX43" y="connsiteY43"/>
+                </a:cxn>
+                <a:cxn ang="0">
+                  <a:pos x="connsiteX44" y="connsiteY44"/>
+                </a:cxn>
+                <a:cxn ang="0">
+                  <a:pos x="connsiteX45" y="connsiteY45"/>
+                </a:cxn>
+                <a:cxn ang="0">
+                  <a:pos x="connsiteX46" y="connsiteY46"/>
+                </a:cxn>
+                <a:cxn ang="0">
+                  <a:pos x="connsiteX47" y="connsiteY47"/>
+                </a:cxn>
+                <a:cxn ang="0">
+                  <a:pos x="connsiteX48" y="connsiteY48"/>
+                </a:cxn>
+                <a:cxn ang="0">
+                  <a:pos x="connsiteX49" y="connsiteY49"/>
+                </a:cxn>
+                <a:cxn ang="0">
+                  <a:pos x="connsiteX50" y="connsiteY50"/>
+                </a:cxn>
+                <a:cxn ang="0">
+                  <a:pos x="connsiteX51" y="connsiteY51"/>
+                </a:cxn>
+                <a:cxn ang="0">
+                  <a:pos x="connsiteX52" y="connsiteY52"/>
+                </a:cxn>
+                <a:cxn ang="0">
+                  <a:pos x="connsiteX53" y="connsiteY53"/>
+                </a:cxn>
+                <a:cxn ang="0">
+                  <a:pos x="connsiteX54" y="connsiteY54"/>
+                </a:cxn>
+                <a:cxn ang="0">
+                  <a:pos x="connsiteX55" y="connsiteY55"/>
+                </a:cxn>
+                <a:cxn ang="0">
+                  <a:pos x="connsiteX56" y="connsiteY56"/>
+                </a:cxn>
+                <a:cxn ang="0">
+                  <a:pos x="connsiteX57" y="connsiteY57"/>
+                </a:cxn>
+                <a:cxn ang="0">
+                  <a:pos x="connsiteX58" y="connsiteY58"/>
+                </a:cxn>
+                <a:cxn ang="0">
+                  <a:pos x="connsiteX59" y="connsiteY59"/>
+                </a:cxn>
+                <a:cxn ang="0">
+                  <a:pos x="connsiteX60" y="connsiteY60"/>
+                </a:cxn>
+                <a:cxn ang="0">
+                  <a:pos x="connsiteX61" y="connsiteY61"/>
+                </a:cxn>
+                <a:cxn ang="0">
+                  <a:pos x="connsiteX62" y="connsiteY62"/>
+                </a:cxn>
+                <a:cxn ang="0">
+                  <a:pos x="connsiteX63" y="connsiteY63"/>
+                </a:cxn>
+                <a:cxn ang="0">
+                  <a:pos x="connsiteX64" y="connsiteY64"/>
+                </a:cxn>
+                <a:cxn ang="0">
+                  <a:pos x="connsiteX65" y="connsiteY65"/>
+                </a:cxn>
+              </a:cxnLst>
+              <a:rect l="l" t="t" r="r" b="b"/>
+              <a:pathLst>
+                <a:path w="5275533" h="2980757">
+                  <a:moveTo>
+                    <a:pt x="0" y="0"/>
+                  </a:moveTo>
+                  <a:lnTo>
+                    <a:pt x="201166" y="0"/>
+                  </a:lnTo>
+                  <a:lnTo>
+                    <a:pt x="206734" y="89286"/>
+                  </a:lnTo>
+                  <a:cubicBezTo>
+                    <a:pt x="212220" y="135755"/>
+                    <a:pt x="220465" y="181731"/>
+                    <a:pt x="232051" y="226897"/>
+                  </a:cubicBezTo>
+                  <a:cubicBezTo>
+                    <a:pt x="254855" y="317344"/>
+                    <a:pt x="290287" y="403854"/>
+                    <a:pt x="332707" y="487120"/>
+                  </a:cubicBezTo>
+                  <a:cubicBezTo>
+                    <a:pt x="354163" y="528696"/>
+                    <a:pt x="377948" y="569461"/>
+                    <a:pt x="402959" y="609647"/>
+                  </a:cubicBezTo>
+                  <a:cubicBezTo>
+                    <a:pt x="428337" y="649717"/>
+                    <a:pt x="455433" y="689209"/>
+                    <a:pt x="483631" y="728236"/>
+                  </a:cubicBezTo>
+                  <a:cubicBezTo>
+                    <a:pt x="540764" y="806061"/>
+                    <a:pt x="604271" y="881569"/>
+                    <a:pt x="669986" y="957424"/>
+                  </a:cubicBezTo>
+                  <a:cubicBezTo>
+                    <a:pt x="735701" y="1033395"/>
+                    <a:pt x="804359" y="1109366"/>
+                    <a:pt x="871667" y="1188348"/>
+                  </a:cubicBezTo>
+                  <a:cubicBezTo>
+                    <a:pt x="905383" y="1227723"/>
+                    <a:pt x="938731" y="1268025"/>
+                    <a:pt x="971956" y="1308905"/>
+                  </a:cubicBezTo>
+                  <a:lnTo>
+                    <a:pt x="1020139" y="1368084"/>
+                  </a:lnTo>
+                  <a:cubicBezTo>
+                    <a:pt x="1035954" y="1386962"/>
+                    <a:pt x="1051035" y="1406302"/>
+                    <a:pt x="1067340" y="1424715"/>
+                  </a:cubicBezTo>
+                  <a:cubicBezTo>
+                    <a:pt x="1194602" y="1574573"/>
+                    <a:pt x="1332652" y="1712503"/>
+                    <a:pt x="1472909" y="1843252"/>
+                  </a:cubicBezTo>
+                  <a:cubicBezTo>
+                    <a:pt x="1543406" y="1908337"/>
+                    <a:pt x="1615128" y="1971221"/>
+                    <a:pt x="1688567" y="2031559"/>
+                  </a:cubicBezTo>
+                  <a:cubicBezTo>
+                    <a:pt x="1762006" y="2091895"/>
+                    <a:pt x="1836793" y="2150263"/>
+                    <a:pt x="1914401" y="2205156"/>
+                  </a:cubicBezTo>
+                  <a:cubicBezTo>
+                    <a:pt x="2069003" y="2315176"/>
+                    <a:pt x="2235742" y="2413498"/>
+                    <a:pt x="2418909" y="2479741"/>
+                  </a:cubicBezTo>
+                  <a:cubicBezTo>
+                    <a:pt x="2510249" y="2512863"/>
+                    <a:pt x="2604898" y="2538225"/>
+                    <a:pt x="2701141" y="2557333"/>
+                  </a:cubicBezTo>
+                  <a:cubicBezTo>
+                    <a:pt x="2725293" y="2561850"/>
+                    <a:pt x="2749201" y="2567062"/>
+                    <a:pt x="2773475" y="2570999"/>
+                  </a:cubicBezTo>
+                  <a:lnTo>
+                    <a:pt x="2846424" y="2582465"/>
+                  </a:lnTo>
+                  <a:cubicBezTo>
+                    <a:pt x="2895343" y="2588602"/>
+                    <a:pt x="2944261" y="2595088"/>
+                    <a:pt x="2993669" y="2598909"/>
+                  </a:cubicBezTo>
+                  <a:cubicBezTo>
+                    <a:pt x="3018313" y="2601110"/>
+                    <a:pt x="3042956" y="2603195"/>
+                    <a:pt x="3067721" y="2604237"/>
+                  </a:cubicBezTo>
+                  <a:cubicBezTo>
+                    <a:pt x="3092487" y="2605394"/>
+                    <a:pt x="3117130" y="2607247"/>
+                    <a:pt x="3142019" y="2607943"/>
+                  </a:cubicBezTo>
+                  <a:lnTo>
+                    <a:pt x="3216561" y="2609564"/>
+                  </a:lnTo>
+                  <a:cubicBezTo>
+                    <a:pt x="3241326" y="2610142"/>
+                    <a:pt x="3266337" y="2609333"/>
+                    <a:pt x="3291225" y="2609217"/>
+                  </a:cubicBezTo>
+                  <a:lnTo>
+                    <a:pt x="3328619" y="2608869"/>
+                  </a:lnTo>
+                  <a:cubicBezTo>
+                    <a:pt x="3340757" y="2608522"/>
+                    <a:pt x="3352649" y="2607827"/>
+                    <a:pt x="3364665" y="2607363"/>
+                  </a:cubicBezTo>
+                  <a:cubicBezTo>
+                    <a:pt x="3376679" y="2606784"/>
+                    <a:pt x="3388695" y="2606438"/>
+                    <a:pt x="3400587" y="2605627"/>
+                  </a:cubicBezTo>
+                  <a:lnTo>
+                    <a:pt x="3436387" y="2602847"/>
+                  </a:lnTo>
+                  <a:cubicBezTo>
+                    <a:pt x="3484079" y="2599257"/>
+                    <a:pt x="3531404" y="2593235"/>
+                    <a:pt x="3578361" y="2586286"/>
+                  </a:cubicBezTo>
+                  <a:cubicBezTo>
+                    <a:pt x="3766310" y="2556871"/>
+                    <a:pt x="3947025" y="2499314"/>
+                    <a:pt x="4119159" y="2418594"/>
+                  </a:cubicBezTo>
+                  <a:cubicBezTo>
+                    <a:pt x="4291907" y="2338801"/>
+                    <a:pt x="4456317" y="2236657"/>
+                    <a:pt x="4618765" y="2124668"/>
+                  </a:cubicBezTo>
+                  <a:cubicBezTo>
+                    <a:pt x="4659346" y="2096759"/>
+                    <a:pt x="4699682" y="2067575"/>
+                    <a:pt x="4739895" y="2038275"/>
+                  </a:cubicBezTo>
+                  <a:cubicBezTo>
+                    <a:pt x="4780355" y="2008976"/>
+                    <a:pt x="4820691" y="1979212"/>
+                    <a:pt x="4861027" y="1948986"/>
+                  </a:cubicBezTo>
+                  <a:lnTo>
+                    <a:pt x="5106354" y="1763690"/>
+                  </a:lnTo>
+                  <a:lnTo>
+                    <a:pt x="5275533" y="1641017"/>
+                  </a:lnTo>
+                  <a:lnTo>
+                    <a:pt x="5275533" y="2257481"/>
+                  </a:lnTo>
+                  <a:lnTo>
+                    <a:pt x="5168881" y="2332084"/>
+                  </a:lnTo>
+                  <a:cubicBezTo>
+                    <a:pt x="5125235" y="2362079"/>
+                    <a:pt x="5081099" y="2391958"/>
+                    <a:pt x="5036225" y="2421489"/>
+                  </a:cubicBezTo>
+                  <a:cubicBezTo>
+                    <a:pt x="4991231" y="2450790"/>
+                    <a:pt x="4945867" y="2479857"/>
+                    <a:pt x="4899401" y="2508347"/>
+                  </a:cubicBezTo>
+                  <a:cubicBezTo>
+                    <a:pt x="4806959" y="2565440"/>
+                    <a:pt x="4711574" y="2620798"/>
+                    <a:pt x="4612145" y="2671407"/>
+                  </a:cubicBezTo>
+                  <a:cubicBezTo>
+                    <a:pt x="4512836" y="2722247"/>
+                    <a:pt x="4410095" y="2769496"/>
+                    <a:pt x="4303187" y="2810030"/>
+                  </a:cubicBezTo>
+                  <a:cubicBezTo>
+                    <a:pt x="4090349" y="2892256"/>
+                    <a:pt x="3861694" y="2947728"/>
+                    <a:pt x="3630835" y="2969500"/>
+                  </a:cubicBezTo>
+                  <a:cubicBezTo>
+                    <a:pt x="3573089" y="2974712"/>
+                    <a:pt x="3515343" y="2978649"/>
+                    <a:pt x="3457719" y="2979808"/>
+                  </a:cubicBezTo>
+                  <a:lnTo>
+                    <a:pt x="3414441" y="2980733"/>
+                  </a:lnTo>
+                  <a:cubicBezTo>
+                    <a:pt x="3400097" y="2980850"/>
+                    <a:pt x="3385630" y="2980502"/>
+                    <a:pt x="3371285" y="2980502"/>
+                  </a:cubicBezTo>
+                  <a:lnTo>
+                    <a:pt x="3328252" y="2980039"/>
+                  </a:lnTo>
+                  <a:lnTo>
+                    <a:pt x="3286445" y="2978534"/>
+                  </a:lnTo>
+                  <a:cubicBezTo>
+                    <a:pt x="3175121" y="2975174"/>
+                    <a:pt x="3063553" y="2966837"/>
+                    <a:pt x="2952475" y="2953402"/>
+                  </a:cubicBezTo>
+                  <a:cubicBezTo>
+                    <a:pt x="2841275" y="2940664"/>
+                    <a:pt x="2730319" y="2922365"/>
+                    <a:pt x="2620591" y="2898046"/>
+                  </a:cubicBezTo>
+                  <a:cubicBezTo>
+                    <a:pt x="2510984" y="2873494"/>
+                    <a:pt x="2402235" y="2844426"/>
+                    <a:pt x="2294591" y="2811305"/>
+                  </a:cubicBezTo>
+                  <a:cubicBezTo>
+                    <a:pt x="2079669" y="2744483"/>
+                    <a:pt x="1867198" y="2661331"/>
+                    <a:pt x="1670544" y="2550501"/>
+                  </a:cubicBezTo>
+                  <a:cubicBezTo>
+                    <a:pt x="1473767" y="2439903"/>
+                    <a:pt x="1298079" y="2299657"/>
+                    <a:pt x="1144703" y="2144472"/>
+                  </a:cubicBezTo>
+                  <a:cubicBezTo>
+                    <a:pt x="1067586" y="2066996"/>
+                    <a:pt x="997458" y="1984539"/>
+                    <a:pt x="931497" y="1900114"/>
+                  </a:cubicBezTo>
+                  <a:cubicBezTo>
+                    <a:pt x="865906" y="1815342"/>
+                    <a:pt x="803500" y="1729295"/>
+                    <a:pt x="745265" y="1641395"/>
+                  </a:cubicBezTo>
+                  <a:cubicBezTo>
+                    <a:pt x="730307" y="1619623"/>
+                    <a:pt x="716207" y="1597503"/>
+                    <a:pt x="701741" y="1575500"/>
+                  </a:cubicBezTo>
+                  <a:lnTo>
+                    <a:pt x="660178" y="1511573"/>
+                  </a:lnTo>
+                  <a:cubicBezTo>
+                    <a:pt x="633574" y="1470229"/>
+                    <a:pt x="605989" y="1429232"/>
+                    <a:pt x="578158" y="1387656"/>
+                  </a:cubicBezTo>
+                  <a:lnTo>
+                    <a:pt x="408230" y="1134497"/>
+                  </a:lnTo>
+                  <a:cubicBezTo>
+                    <a:pt x="351220" y="1048219"/>
+                    <a:pt x="294945" y="959392"/>
+                    <a:pt x="242349" y="866860"/>
+                  </a:cubicBezTo>
+                  <a:cubicBezTo>
+                    <a:pt x="216112" y="820536"/>
+                    <a:pt x="190734" y="773402"/>
+                    <a:pt x="167562" y="724994"/>
+                  </a:cubicBezTo>
+                  <a:cubicBezTo>
+                    <a:pt x="144513" y="676469"/>
+                    <a:pt x="123057" y="627019"/>
+                    <a:pt x="104054" y="576525"/>
+                  </a:cubicBezTo>
+                  <a:cubicBezTo>
+                    <a:pt x="85418" y="525917"/>
+                    <a:pt x="68867" y="474613"/>
+                    <a:pt x="55381" y="422499"/>
+                  </a:cubicBezTo>
+                  <a:cubicBezTo>
+                    <a:pt x="49006" y="396442"/>
+                    <a:pt x="42508" y="370269"/>
+                    <a:pt x="37236" y="343980"/>
+                  </a:cubicBezTo>
+                  <a:lnTo>
+                    <a:pt x="29267" y="304604"/>
+                  </a:lnTo>
+                  <a:lnTo>
+                    <a:pt x="22646" y="265113"/>
+                  </a:lnTo>
+                  <a:cubicBezTo>
+                    <a:pt x="14003" y="212420"/>
+                    <a:pt x="7872" y="159582"/>
+                    <a:pt x="3903" y="106787"/>
+                  </a:cubicBezTo>
+                  <a:close/>
+                </a:path>
+              </a:pathLst>
+            </a:custGeom>
+            <a:grpFill/>
+            <a:ln>
+              <a:noFill/>
+            </a:ln>
+          </p:spPr>
+          <p:style>
+            <a:lnRef idx="2">
+              <a:schemeClr val="accent1">
+                <a:shade val="50000"/>
+              </a:schemeClr>
+            </a:lnRef>
+            <a:fillRef idx="1">
+              <a:schemeClr val="accent1"/>
+            </a:fillRef>
+            <a:effectRef idx="0">
+              <a:schemeClr val="accent1"/>
+            </a:effectRef>
+            <a:fontRef idx="minor">
+              <a:schemeClr val="lt1"/>
+            </a:fontRef>
+          </p:style>
+          <p:txBody>
+            <a:bodyPr rtlCol="0" anchor="ctr"/>
+            <a:lstStyle/>
+            <a:p>
+              <a:pPr algn="ctr"/>
+              <a:endParaRPr lang="en-US"/>
+            </a:p>
+          </p:txBody>
+        </p:sp>
+        <p:sp>
+          <p:nvSpPr>
+            <p:cNvPr id="69" name="Freeform: Shape 50">
+              <a:extLst>
+                <a:ext uri="{FF2B5EF4-FFF2-40B4-BE49-F238E27FC236}">
+                  <a16:creationId xmlns:a16="http://schemas.microsoft.com/office/drawing/2014/main" id="{5C462BE8-CD72-48CF-8A7B-C716D2B99EB4}"/>
+                </a:ext>
+                <a:ext uri="{C183D7F6-B498-43B3-948B-1728B52AA6E4}">
+                  <adec:decorative xmlns:adec="http://schemas.microsoft.com/office/drawing/2017/decorative" val="1"/>
+                </a:ext>
+              </a:extLst>
+            </p:cNvPr>
+            <p:cNvSpPr/>
+            <p:nvPr>
+              <p:extLst>
+                <p:ext uri="{386F3935-93C4-4BCD-93E2-E3B085C9AB24}">
+                  <p16:designElem xmlns:p16="http://schemas.microsoft.com/office/powerpoint/2015/main" val="1"/>
+                </p:ext>
+              </p:extLst>
+            </p:nvPr>
+          </p:nvSpPr>
+          <p:spPr>
+            <a:xfrm>
+              <a:off x="6921214" y="-1"/>
+              <a:ext cx="5270786" cy="2927775"/>
+            </a:xfrm>
+            <a:custGeom>
+              <a:avLst/>
+              <a:gdLst>
+                <a:gd name="connsiteX0" fmla="*/ 0 w 5270786"/>
+                <a:gd name="connsiteY0" fmla="*/ 0 h 2927775"/>
+                <a:gd name="connsiteX1" fmla="*/ 613805 w 5270786"/>
+                <a:gd name="connsiteY1" fmla="*/ 0 h 2927775"/>
+                <a:gd name="connsiteX2" fmla="*/ 618487 w 5270786"/>
+                <a:gd name="connsiteY2" fmla="*/ 85404 h 2927775"/>
+                <a:gd name="connsiteX3" fmla="*/ 1054084 w 5270786"/>
+                <a:gd name="connsiteY3" fmla="*/ 895200 h 2927775"/>
+                <a:gd name="connsiteX4" fmla="*/ 1276976 w 5270786"/>
+                <a:gd name="connsiteY4" fmla="*/ 1191325 h 2927775"/>
+                <a:gd name="connsiteX5" fmla="*/ 3368450 w 5270786"/>
+                <a:gd name="connsiteY5" fmla="*/ 2348843 h 2927775"/>
+                <a:gd name="connsiteX6" fmla="*/ 4956151 w 5270786"/>
+                <a:gd name="connsiteY6" fmla="*/ 1636730 h 2927775"/>
+                <a:gd name="connsiteX7" fmla="*/ 5149372 w 5270786"/>
+                <a:gd name="connsiteY7" fmla="*/ 1495325 h 2927775"/>
+                <a:gd name="connsiteX8" fmla="*/ 5270786 w 5270786"/>
+                <a:gd name="connsiteY8" fmla="*/ 1406110 h 2927775"/>
+                <a:gd name="connsiteX9" fmla="*/ 5270786 w 5270786"/>
+                <a:gd name="connsiteY9" fmla="*/ 2138641 h 2927775"/>
+                <a:gd name="connsiteX10" fmla="*/ 5112925 w 5270786"/>
+                <a:gd name="connsiteY10" fmla="*/ 2253730 h 2927775"/>
+                <a:gd name="connsiteX11" fmla="*/ 3368327 w 5270786"/>
+                <a:gd name="connsiteY11" fmla="*/ 2927775 h 2927775"/>
+                <a:gd name="connsiteX12" fmla="*/ 769646 w 5270786"/>
+                <a:gd name="connsiteY12" fmla="*/ 1516288 h 2927775"/>
+                <a:gd name="connsiteX13" fmla="*/ 3149 w 5270786"/>
+                <a:gd name="connsiteY13" fmla="*/ 85252 h 2927775"/>
+              </a:gdLst>
+              <a:ahLst/>
+              <a:cxnLst>
+                <a:cxn ang="0">
+                  <a:pos x="connsiteX0" y="connsiteY0"/>
+                </a:cxn>
+                <a:cxn ang="0">
+                  <a:pos x="connsiteX1" y="connsiteY1"/>
+                </a:cxn>
+                <a:cxn ang="0">
+                  <a:pos x="connsiteX2" y="connsiteY2"/>
+                </a:cxn>
+                <a:cxn ang="0">
+                  <a:pos x="connsiteX3" y="connsiteY3"/>
+                </a:cxn>
+                <a:cxn ang="0">
+                  <a:pos x="connsiteX4" y="connsiteY4"/>
+                </a:cxn>
+                <a:cxn ang="0">
+                  <a:pos x="connsiteX5" y="connsiteY5"/>
+                </a:cxn>
+                <a:cxn ang="0">
+                  <a:pos x="connsiteX6" y="connsiteY6"/>
+                </a:cxn>
+                <a:cxn ang="0">
+                  <a:pos x="connsiteX7" y="connsiteY7"/>
+                </a:cxn>
+                <a:cxn ang="0">
+                  <a:pos x="connsiteX8" y="connsiteY8"/>
+                </a:cxn>
+                <a:cxn ang="0">
+                  <a:pos x="connsiteX9" y="connsiteY9"/>
+                </a:cxn>
+                <a:cxn ang="0">
+                  <a:pos x="connsiteX10" y="connsiteY10"/>
+                </a:cxn>
+                <a:cxn ang="0">
+                  <a:pos x="connsiteX11" y="connsiteY11"/>
+                </a:cxn>
+                <a:cxn ang="0">
+                  <a:pos x="connsiteX12" y="connsiteY12"/>
+                </a:cxn>
+                <a:cxn ang="0">
+                  <a:pos x="connsiteX13" y="connsiteY13"/>
+                </a:cxn>
+              </a:cxnLst>
+              <a:rect l="l" t="t" r="r" b="b"/>
+              <a:pathLst>
+                <a:path w="5270786" h="2927775">
+                  <a:moveTo>
+                    <a:pt x="0" y="0"/>
+                  </a:moveTo>
+                  <a:lnTo>
+                    <a:pt x="613805" y="0"/>
+                  </a:lnTo>
+                  <a:lnTo>
+                    <a:pt x="618487" y="85404"/>
+                  </a:lnTo>
+                  <a:cubicBezTo>
+                    <a:pt x="650052" y="360109"/>
+                    <a:pt x="792650" y="556543"/>
+                    <a:pt x="1054084" y="895200"/>
+                  </a:cubicBezTo>
+                  <a:cubicBezTo>
+                    <a:pt x="1126174" y="988542"/>
+                    <a:pt x="1200716" y="1085128"/>
+                    <a:pt x="1276976" y="1191325"/>
+                  </a:cubicBezTo>
+                  <a:cubicBezTo>
+                    <a:pt x="1859704" y="2002688"/>
+                    <a:pt x="2485223" y="2348843"/>
+                    <a:pt x="3368450" y="2348843"/>
+                  </a:cubicBezTo>
+                  <a:cubicBezTo>
+                    <a:pt x="3948114" y="2348843"/>
+                    <a:pt x="4373422" y="2066846"/>
+                    <a:pt x="4956151" y="1636730"/>
+                  </a:cubicBezTo>
+                  <a:cubicBezTo>
+                    <a:pt x="5021253" y="1588668"/>
+                    <a:pt x="5086356" y="1541186"/>
+                    <a:pt x="5149372" y="1495325"/>
+                  </a:cubicBezTo>
+                  <a:lnTo>
+                    <a:pt x="5270786" y="1406110"/>
+                  </a:lnTo>
+                  <a:lnTo>
+                    <a:pt x="5270786" y="2138641"/>
+                  </a:lnTo>
+                  <a:lnTo>
+                    <a:pt x="5112925" y="2253730"/>
+                  </a:lnTo>
+                  <a:cubicBezTo>
+                    <a:pt x="4598179" y="2621786"/>
+                    <a:pt x="4074961" y="2927775"/>
+                    <a:pt x="3368327" y="2927775"/>
+                  </a:cubicBezTo>
+                  <a:cubicBezTo>
+                    <a:pt x="2170746" y="2927775"/>
+                    <a:pt x="1393203" y="2384512"/>
+                    <a:pt x="769646" y="1516288"/>
+                  </a:cubicBezTo>
+                  <a:cubicBezTo>
+                    <a:pt x="418850" y="1027932"/>
+                    <a:pt x="48120" y="683401"/>
+                    <a:pt x="3149" y="85252"/>
+                  </a:cubicBezTo>
+                  <a:close/>
+                </a:path>
+              </a:pathLst>
+            </a:custGeom>
+            <a:grpFill/>
+            <a:ln>
+              <a:noFill/>
+            </a:ln>
+          </p:spPr>
+          <p:style>
+            <a:lnRef idx="2">
+              <a:schemeClr val="accent1">
+                <a:shade val="50000"/>
+              </a:schemeClr>
+            </a:lnRef>
+            <a:fillRef idx="1">
+              <a:schemeClr val="accent1"/>
+            </a:fillRef>
+            <a:effectRef idx="0">
+              <a:schemeClr val="accent1"/>
+            </a:effectRef>
+            <a:fontRef idx="minor">
+              <a:schemeClr val="lt1"/>
+            </a:fontRef>
+          </p:style>
+          <p:txBody>
+            <a:bodyPr rtlCol="0" anchor="ctr"/>
+            <a:lstStyle/>
+            <a:p>
+              <a:pPr algn="ctr"/>
+              <a:endParaRPr lang="en-US"/>
+            </a:p>
+          </p:txBody>
+        </p:sp>
+        <p:sp>
+          <p:nvSpPr>
+            <p:cNvPr id="52" name="Freeform: Shape 51">
+              <a:extLst>
+                <a:ext uri="{FF2B5EF4-FFF2-40B4-BE49-F238E27FC236}">
+                  <a16:creationId xmlns:a16="http://schemas.microsoft.com/office/drawing/2014/main" id="{1C2CDB70-40F1-4D00-8F17-A532E732EB2B}"/>
+                </a:ext>
+                <a:ext uri="{C183D7F6-B498-43B3-948B-1728B52AA6E4}">
+                  <adec:decorative xmlns:adec="http://schemas.microsoft.com/office/drawing/2017/decorative" val="1"/>
+                </a:ext>
+              </a:extLst>
+            </p:cNvPr>
+            <p:cNvSpPr/>
+            <p:nvPr>
+              <p:extLst>
+                <p:ext uri="{386F3935-93C4-4BCD-93E2-E3B085C9AB24}">
+                  <p16:designElem xmlns:p16="http://schemas.microsoft.com/office/powerpoint/2015/main" val="1"/>
+                </p:ext>
+              </p:extLst>
+            </p:nvPr>
+          </p:nvSpPr>
+          <p:spPr>
+            <a:xfrm>
+              <a:off x="6921214" y="-1"/>
+              <a:ext cx="5270786" cy="2927775"/>
+            </a:xfrm>
+            <a:custGeom>
+              <a:avLst/>
+              <a:gdLst>
+                <a:gd name="connsiteX0" fmla="*/ 0 w 5270786"/>
+                <a:gd name="connsiteY0" fmla="*/ 0 h 2927775"/>
+                <a:gd name="connsiteX1" fmla="*/ 736294 w 5270786"/>
+                <a:gd name="connsiteY1" fmla="*/ 0 h 2927775"/>
+                <a:gd name="connsiteX2" fmla="*/ 740298 w 5270786"/>
+                <a:gd name="connsiteY2" fmla="*/ 72745 h 2927775"/>
+                <a:gd name="connsiteX3" fmla="*/ 1153024 w 5270786"/>
+                <a:gd name="connsiteY3" fmla="*/ 826989 h 2927775"/>
+                <a:gd name="connsiteX4" fmla="*/ 1378368 w 5270786"/>
+                <a:gd name="connsiteY4" fmla="*/ 1126356 h 2927775"/>
+                <a:gd name="connsiteX5" fmla="*/ 2238056 w 5270786"/>
+                <a:gd name="connsiteY5" fmla="*/ 1955322 h 2927775"/>
+                <a:gd name="connsiteX6" fmla="*/ 3368327 w 5270786"/>
+                <a:gd name="connsiteY6" fmla="*/ 2233033 h 2927775"/>
+                <a:gd name="connsiteX7" fmla="*/ 4095360 w 5270786"/>
+                <a:gd name="connsiteY7" fmla="*/ 2056192 h 2927775"/>
+                <a:gd name="connsiteX8" fmla="*/ 4880506 w 5270786"/>
+                <a:gd name="connsiteY8" fmla="*/ 1545587 h 2927775"/>
+                <a:gd name="connsiteX9" fmla="*/ 5074340 w 5270786"/>
+                <a:gd name="connsiteY9" fmla="*/ 1403721 h 2927775"/>
+                <a:gd name="connsiteX10" fmla="*/ 5270786 w 5270786"/>
+                <a:gd name="connsiteY10" fmla="*/ 1259367 h 2927775"/>
+                <a:gd name="connsiteX11" fmla="*/ 5270786 w 5270786"/>
+                <a:gd name="connsiteY11" fmla="*/ 2138641 h 2927775"/>
+                <a:gd name="connsiteX12" fmla="*/ 5112925 w 5270786"/>
+                <a:gd name="connsiteY12" fmla="*/ 2253730 h 2927775"/>
+                <a:gd name="connsiteX13" fmla="*/ 3368327 w 5270786"/>
+                <a:gd name="connsiteY13" fmla="*/ 2927775 h 2927775"/>
+                <a:gd name="connsiteX14" fmla="*/ 769646 w 5270786"/>
+                <a:gd name="connsiteY14" fmla="*/ 1516288 h 2927775"/>
+                <a:gd name="connsiteX15" fmla="*/ 3149 w 5270786"/>
+                <a:gd name="connsiteY15" fmla="*/ 85252 h 2927775"/>
+              </a:gdLst>
+              <a:ahLst/>
+              <a:cxnLst>
+                <a:cxn ang="0">
+                  <a:pos x="connsiteX0" y="connsiteY0"/>
+                </a:cxn>
+                <a:cxn ang="0">
+                  <a:pos x="connsiteX1" y="connsiteY1"/>
+                </a:cxn>
+                <a:cxn ang="0">
+                  <a:pos x="connsiteX2" y="connsiteY2"/>
+                </a:cxn>
+                <a:cxn ang="0">
+                  <a:pos x="connsiteX3" y="connsiteY3"/>
+                </a:cxn>
+                <a:cxn ang="0">
+                  <a:pos x="connsiteX4" y="connsiteY4"/>
+                </a:cxn>
+                <a:cxn ang="0">
+                  <a:pos x="connsiteX5" y="connsiteY5"/>
+                </a:cxn>
+                <a:cxn ang="0">
+                  <a:pos x="connsiteX6" y="connsiteY6"/>
+                </a:cxn>
+                <a:cxn ang="0">
+                  <a:pos x="connsiteX7" y="connsiteY7"/>
+                </a:cxn>
+                <a:cxn ang="0">
+                  <a:pos x="connsiteX8" y="connsiteY8"/>
+                </a:cxn>
+                <a:cxn ang="0">
+                  <a:pos x="connsiteX9" y="connsiteY9"/>
+                </a:cxn>
+                <a:cxn ang="0">
+                  <a:pos x="connsiteX10" y="connsiteY10"/>
+                </a:cxn>
+                <a:cxn ang="0">
+                  <a:pos x="connsiteX11" y="connsiteY11"/>
+                </a:cxn>
+                <a:cxn ang="0">
+                  <a:pos x="connsiteX12" y="connsiteY12"/>
+                </a:cxn>
+                <a:cxn ang="0">
+                  <a:pos x="connsiteX13" y="connsiteY13"/>
+                </a:cxn>
+                <a:cxn ang="0">
+                  <a:pos x="connsiteX14" y="connsiteY14"/>
+                </a:cxn>
+                <a:cxn ang="0">
+                  <a:pos x="connsiteX15" y="connsiteY15"/>
+                </a:cxn>
+              </a:cxnLst>
+              <a:rect l="l" t="t" r="r" b="b"/>
+              <a:pathLst>
+                <a:path w="5270786" h="2927775">
+                  <a:moveTo>
+                    <a:pt x="0" y="0"/>
+                  </a:moveTo>
+                  <a:lnTo>
+                    <a:pt x="736294" y="0"/>
+                  </a:lnTo>
+                  <a:lnTo>
+                    <a:pt x="740298" y="72745"/>
+                  </a:lnTo>
+                  <a:cubicBezTo>
+                    <a:pt x="768839" y="319371"/>
+                    <a:pt x="898885" y="497858"/>
+                    <a:pt x="1153024" y="826989"/>
+                  </a:cubicBezTo>
+                  <a:cubicBezTo>
+                    <a:pt x="1225727" y="921142"/>
+                    <a:pt x="1300882" y="1018537"/>
+                    <a:pt x="1378368" y="1126356"/>
+                  </a:cubicBezTo>
+                  <a:cubicBezTo>
+                    <a:pt x="1652384" y="1507833"/>
+                    <a:pt x="1933512" y="1779060"/>
+                    <a:pt x="2238056" y="1955322"/>
+                  </a:cubicBezTo>
+                  <a:cubicBezTo>
+                    <a:pt x="2560868" y="2142238"/>
+                    <a:pt x="2930637" y="2233033"/>
+                    <a:pt x="3368327" y="2233033"/>
+                  </a:cubicBezTo>
+                  <a:cubicBezTo>
+                    <a:pt x="3616720" y="2233033"/>
+                    <a:pt x="3847703" y="2176866"/>
+                    <a:pt x="4095360" y="2056192"/>
+                  </a:cubicBezTo>
+                  <a:cubicBezTo>
+                    <a:pt x="4349636" y="1932276"/>
+                    <a:pt x="4601340" y="1751613"/>
+                    <a:pt x="4880506" y="1545587"/>
+                  </a:cubicBezTo>
+                  <a:cubicBezTo>
+                    <a:pt x="4945974" y="1497295"/>
+                    <a:pt x="5011199" y="1449697"/>
+                    <a:pt x="5074340" y="1403721"/>
+                  </a:cubicBezTo>
+                  <a:lnTo>
+                    <a:pt x="5270786" y="1259367"/>
+                  </a:lnTo>
+                  <a:lnTo>
+                    <a:pt x="5270786" y="2138641"/>
+                  </a:lnTo>
+                  <a:lnTo>
+                    <a:pt x="5112925" y="2253730"/>
+                  </a:lnTo>
+                  <a:cubicBezTo>
+                    <a:pt x="4598179" y="2621786"/>
+                    <a:pt x="4074961" y="2927775"/>
+                    <a:pt x="3368327" y="2927775"/>
+                  </a:cubicBezTo>
+                  <a:cubicBezTo>
+                    <a:pt x="2170746" y="2927775"/>
+                    <a:pt x="1393203" y="2384512"/>
+                    <a:pt x="769646" y="1516288"/>
+                  </a:cubicBezTo>
+                  <a:cubicBezTo>
+                    <a:pt x="418850" y="1027932"/>
+                    <a:pt x="48120" y="683401"/>
+                    <a:pt x="3149" y="85252"/>
+                  </a:cubicBezTo>
+                  <a:close/>
+                </a:path>
+              </a:pathLst>
+            </a:custGeom>
+            <a:grpFill/>
+            <a:ln>
+              <a:noFill/>
+            </a:ln>
+          </p:spPr>
+          <p:style>
+            <a:lnRef idx="2">
+              <a:schemeClr val="accent1">
+                <a:shade val="50000"/>
+              </a:schemeClr>
+            </a:lnRef>
+            <a:fillRef idx="1">
+              <a:schemeClr val="accent1"/>
+            </a:fillRef>
+            <a:effectRef idx="0">
+              <a:schemeClr val="accent1"/>
+            </a:effectRef>
+            <a:fontRef idx="minor">
+              <a:schemeClr val="lt1"/>
+            </a:fontRef>
+          </p:style>
+          <p:txBody>
+            <a:bodyPr rtlCol="0" anchor="ctr"/>
+            <a:lstStyle/>
+            <a:p>
+              <a:pPr algn="ctr"/>
+              <a:endParaRPr lang="en-US"/>
+            </a:p>
+          </p:txBody>
+        </p:sp>
+      </p:grpSp>
+      <p:grpSp>
+        <p:nvGrpSpPr>
+          <p:cNvPr id="54" name="Group 53">
+            <a:extLst>
+              <a:ext uri="{FF2B5EF4-FFF2-40B4-BE49-F238E27FC236}">
+                <a16:creationId xmlns:a16="http://schemas.microsoft.com/office/drawing/2014/main" id="{761945C4-D997-42F3-B59A-984CF0066715}"/>
+              </a:ext>
+              <a:ext uri="{C183D7F6-B498-43B3-948B-1728B52AA6E4}">
+                <adec:decorative xmlns:adec="http://schemas.microsoft.com/office/drawing/2017/decorative" val="1"/>
+              </a:ext>
+            </a:extLst>
+          </p:cNvPr>
+          <p:cNvGrpSpPr>
+            <a:grpSpLocks noGrp="1" noUngrp="1" noRot="1" noChangeAspect="1" noMove="1" noResize="1"/>
+          </p:cNvGrpSpPr>
+          <p:nvPr>
+            <p:extLst>
+              <p:ext uri="{386F3935-93C4-4BCD-93E2-E3B085C9AB24}">
+                <p16:designElem xmlns:p16="http://schemas.microsoft.com/office/powerpoint/2015/main" val="1"/>
+              </p:ext>
+            </p:extLst>
+          </p:nvPr>
+        </p:nvGrpSpPr>
+        <p:grpSpPr>
+          <a:xfrm rot="10800000">
+            <a:off x="9058275" y="4146310"/>
+            <a:ext cx="3142400" cy="2716805"/>
+            <a:chOff x="-305" y="-4155"/>
+            <a:chExt cx="2514948" cy="2174333"/>
+          </a:xfrm>
+          <a:solidFill>
+            <a:schemeClr val="bg1">
+              <a:alpha val="30000"/>
+            </a:schemeClr>
+          </a:solidFill>
+        </p:grpSpPr>
+        <p:sp>
+          <p:nvSpPr>
+            <p:cNvPr id="55" name="Freeform: Shape 54">
+              <a:extLst>
+                <a:ext uri="{FF2B5EF4-FFF2-40B4-BE49-F238E27FC236}">
+                  <a16:creationId xmlns:a16="http://schemas.microsoft.com/office/drawing/2014/main" id="{4651FE4A-9487-43BE-A388-134535743B70}"/>
+                </a:ext>
+                <a:ext uri="{C183D7F6-B498-43B3-948B-1728B52AA6E4}">
+                  <adec:decorative xmlns:adec="http://schemas.microsoft.com/office/drawing/2017/decorative" val="1"/>
+                </a:ext>
+              </a:extLst>
+            </p:cNvPr>
+            <p:cNvSpPr/>
+            <p:nvPr>
+              <p:extLst>
+                <p:ext uri="{386F3935-93C4-4BCD-93E2-E3B085C9AB24}">
+                  <p16:designElem xmlns:p16="http://schemas.microsoft.com/office/powerpoint/2015/main" val="1"/>
+                </p:ext>
+              </p:extLst>
+            </p:nvPr>
+          </p:nvSpPr>
+          <p:spPr>
+            <a:xfrm>
+              <a:off x="-305" y="0"/>
+              <a:ext cx="2514948" cy="2170178"/>
+            </a:xfrm>
+            <a:custGeom>
+              <a:avLst/>
+              <a:gdLst>
+                <a:gd name="connsiteX0" fmla="*/ 2466091 w 2514948"/>
+                <a:gd name="connsiteY0" fmla="*/ 0 h 2170178"/>
+                <a:gd name="connsiteX1" fmla="*/ 2514948 w 2514948"/>
+                <a:gd name="connsiteY1" fmla="*/ 0 h 2170178"/>
+                <a:gd name="connsiteX2" fmla="*/ 2512286 w 2514948"/>
+                <a:gd name="connsiteY2" fmla="*/ 12375 h 2170178"/>
+                <a:gd name="connsiteX3" fmla="*/ 2394961 w 2514948"/>
+                <a:gd name="connsiteY3" fmla="*/ 368660 h 2170178"/>
+                <a:gd name="connsiteX4" fmla="*/ 2289734 w 2514948"/>
+                <a:gd name="connsiteY4" fmla="*/ 598078 h 2170178"/>
+                <a:gd name="connsiteX5" fmla="*/ 2163747 w 2514948"/>
+                <a:gd name="connsiteY5" fmla="*/ 819078 h 2170178"/>
+                <a:gd name="connsiteX6" fmla="*/ 1852241 w 2514948"/>
+                <a:gd name="connsiteY6" fmla="*/ 1228932 h 2170178"/>
+                <a:gd name="connsiteX7" fmla="*/ 1668235 w 2514948"/>
+                <a:gd name="connsiteY7" fmla="*/ 1413844 h 2170178"/>
+                <a:gd name="connsiteX8" fmla="*/ 1619510 w 2514948"/>
+                <a:gd name="connsiteY8" fmla="*/ 1457722 h 2170178"/>
+                <a:gd name="connsiteX9" fmla="*/ 1569835 w 2514948"/>
+                <a:gd name="connsiteY9" fmla="*/ 1500704 h 2170178"/>
+                <a:gd name="connsiteX10" fmla="*/ 1467169 w 2514948"/>
+                <a:gd name="connsiteY10" fmla="*/ 1583266 h 2170178"/>
+                <a:gd name="connsiteX11" fmla="*/ 1018393 w 2514948"/>
+                <a:gd name="connsiteY11" fmla="*/ 1867576 h 2170178"/>
+                <a:gd name="connsiteX12" fmla="*/ 255857 w 2514948"/>
+                <a:gd name="connsiteY12" fmla="*/ 2133049 h 2170178"/>
+                <a:gd name="connsiteX13" fmla="*/ 0 w 2514948"/>
+                <a:gd name="connsiteY13" fmla="*/ 2170178 h 2170178"/>
+                <a:gd name="connsiteX14" fmla="*/ 0 w 2514948"/>
+                <a:gd name="connsiteY14" fmla="*/ 1940056 h 2170178"/>
+                <a:gd name="connsiteX15" fmla="*/ 201609 w 2514948"/>
+                <a:gd name="connsiteY15" fmla="*/ 1902856 h 2170178"/>
+                <a:gd name="connsiteX16" fmla="*/ 440974 w 2514948"/>
+                <a:gd name="connsiteY16" fmla="*/ 1838472 h 2170178"/>
+                <a:gd name="connsiteX17" fmla="*/ 674558 w 2514948"/>
+                <a:gd name="connsiteY17" fmla="*/ 1756359 h 2170178"/>
+                <a:gd name="connsiteX18" fmla="*/ 901222 w 2514948"/>
+                <a:gd name="connsiteY18" fmla="*/ 1657142 h 2170178"/>
+                <a:gd name="connsiteX19" fmla="*/ 1330943 w 2514948"/>
+                <a:gd name="connsiteY19" fmla="*/ 1413396 h 2170178"/>
+                <a:gd name="connsiteX20" fmla="*/ 1432566 w 2514948"/>
+                <a:gd name="connsiteY20" fmla="*/ 1343193 h 2170178"/>
+                <a:gd name="connsiteX21" fmla="*/ 1482527 w 2514948"/>
+                <a:gd name="connsiteY21" fmla="*/ 1306926 h 2170178"/>
+                <a:gd name="connsiteX22" fmla="*/ 1531821 w 2514948"/>
+                <a:gd name="connsiteY22" fmla="*/ 1269765 h 2170178"/>
+                <a:gd name="connsiteX23" fmla="*/ 1721986 w 2514948"/>
+                <a:gd name="connsiteY23" fmla="*/ 1112073 h 2170178"/>
+                <a:gd name="connsiteX24" fmla="*/ 2061460 w 2514948"/>
+                <a:gd name="connsiteY24" fmla="*/ 754336 h 2170178"/>
+                <a:gd name="connsiteX25" fmla="*/ 2206218 w 2514948"/>
+                <a:gd name="connsiteY25" fmla="*/ 554827 h 2170178"/>
+                <a:gd name="connsiteX26" fmla="*/ 2329455 w 2514948"/>
+                <a:gd name="connsiteY26" fmla="*/ 341886 h 2170178"/>
+                <a:gd name="connsiteX27" fmla="*/ 2356757 w 2514948"/>
+                <a:gd name="connsiteY27" fmla="*/ 286815 h 2170178"/>
+                <a:gd name="connsiteX28" fmla="*/ 2370030 w 2514948"/>
+                <a:gd name="connsiteY28" fmla="*/ 259056 h 2170178"/>
+                <a:gd name="connsiteX29" fmla="*/ 2382637 w 2514948"/>
+                <a:gd name="connsiteY29" fmla="*/ 231028 h 2170178"/>
+                <a:gd name="connsiteX30" fmla="*/ 2406716 w 2514948"/>
+                <a:gd name="connsiteY30" fmla="*/ 174525 h 2170178"/>
+                <a:gd name="connsiteX31" fmla="*/ 2429278 w 2514948"/>
+                <a:gd name="connsiteY31" fmla="*/ 117393 h 2170178"/>
+              </a:gdLst>
+              <a:ahLst/>
+              <a:cxnLst>
+                <a:cxn ang="0">
+                  <a:pos x="connsiteX0" y="connsiteY0"/>
+                </a:cxn>
+                <a:cxn ang="0">
+                  <a:pos x="connsiteX1" y="connsiteY1"/>
+                </a:cxn>
+                <a:cxn ang="0">
+                  <a:pos x="connsiteX2" y="connsiteY2"/>
+                </a:cxn>
+                <a:cxn ang="0">
+                  <a:pos x="connsiteX3" y="connsiteY3"/>
+                </a:cxn>
+                <a:cxn ang="0">
+                  <a:pos x="connsiteX4" y="connsiteY4"/>
+                </a:cxn>
+                <a:cxn ang="0">
+                  <a:pos x="connsiteX5" y="connsiteY5"/>
+                </a:cxn>
+                <a:cxn ang="0">
+                  <a:pos x="connsiteX6" y="connsiteY6"/>
+                </a:cxn>
+                <a:cxn ang="0">
+                  <a:pos x="connsiteX7" y="connsiteY7"/>
+                </a:cxn>
+                <a:cxn ang="0">
+                  <a:pos x="connsiteX8" y="connsiteY8"/>
+                </a:cxn>
+                <a:cxn ang="0">
+                  <a:pos x="connsiteX9" y="connsiteY9"/>
+                </a:cxn>
+                <a:cxn ang="0">
+                  <a:pos x="connsiteX10" y="connsiteY10"/>
+                </a:cxn>
+                <a:cxn ang="0">
+                  <a:pos x="connsiteX11" y="connsiteY11"/>
+                </a:cxn>
+                <a:cxn ang="0">
+                  <a:pos x="connsiteX12" y="connsiteY12"/>
+                </a:cxn>
+                <a:cxn ang="0">
+                  <a:pos x="connsiteX13" y="connsiteY13"/>
+                </a:cxn>
+                <a:cxn ang="0">
+                  <a:pos x="connsiteX14" y="connsiteY14"/>
+                </a:cxn>
+                <a:cxn ang="0">
+                  <a:pos x="connsiteX15" y="connsiteY15"/>
+                </a:cxn>
+                <a:cxn ang="0">
+                  <a:pos x="connsiteX16" y="connsiteY16"/>
+                </a:cxn>
+                <a:cxn ang="0">
+                  <a:pos x="connsiteX17" y="connsiteY17"/>
+                </a:cxn>
+                <a:cxn ang="0">
+                  <a:pos x="connsiteX18" y="connsiteY18"/>
+                </a:cxn>
+                <a:cxn ang="0">
+                  <a:pos x="connsiteX19" y="connsiteY19"/>
+                </a:cxn>
+                <a:cxn ang="0">
+                  <a:pos x="connsiteX20" y="connsiteY20"/>
+                </a:cxn>
+                <a:cxn ang="0">
+                  <a:pos x="connsiteX21" y="connsiteY21"/>
+                </a:cxn>
+                <a:cxn ang="0">
+                  <a:pos x="connsiteX22" y="connsiteY22"/>
+                </a:cxn>
+                <a:cxn ang="0">
+                  <a:pos x="connsiteX23" y="connsiteY23"/>
+                </a:cxn>
+                <a:cxn ang="0">
+                  <a:pos x="connsiteX24" y="connsiteY24"/>
+                </a:cxn>
+                <a:cxn ang="0">
+                  <a:pos x="connsiteX25" y="connsiteY25"/>
+                </a:cxn>
+                <a:cxn ang="0">
+                  <a:pos x="connsiteX26" y="connsiteY26"/>
+                </a:cxn>
+                <a:cxn ang="0">
+                  <a:pos x="connsiteX27" y="connsiteY27"/>
+                </a:cxn>
+                <a:cxn ang="0">
+                  <a:pos x="connsiteX28" y="connsiteY28"/>
+                </a:cxn>
+                <a:cxn ang="0">
+                  <a:pos x="connsiteX29" y="connsiteY29"/>
+                </a:cxn>
+                <a:cxn ang="0">
+                  <a:pos x="connsiteX30" y="connsiteY30"/>
+                </a:cxn>
+                <a:cxn ang="0">
+                  <a:pos x="connsiteX31" y="connsiteY31"/>
+                </a:cxn>
+              </a:cxnLst>
+              <a:rect l="l" t="t" r="r" b="b"/>
+              <a:pathLst>
+                <a:path w="2514948" h="2170178">
+                  <a:moveTo>
+                    <a:pt x="2466091" y="0"/>
+                  </a:moveTo>
+                  <a:lnTo>
+                    <a:pt x="2514948" y="0"/>
+                  </a:lnTo>
+                  <a:lnTo>
+                    <a:pt x="2512286" y="12375"/>
+                  </a:lnTo>
+                  <a:cubicBezTo>
+                    <a:pt x="2481760" y="133161"/>
+                    <a:pt x="2442526" y="252239"/>
+                    <a:pt x="2394961" y="368660"/>
+                  </a:cubicBezTo>
+                  <a:cubicBezTo>
+                    <a:pt x="2363109" y="446208"/>
+                    <a:pt x="2328603" y="523039"/>
+                    <a:pt x="2289734" y="598078"/>
+                  </a:cubicBezTo>
+                  <a:cubicBezTo>
+                    <a:pt x="2251436" y="673387"/>
+                    <a:pt x="2209251" y="747083"/>
+                    <a:pt x="2163747" y="819078"/>
+                  </a:cubicBezTo>
+                  <a:cubicBezTo>
+                    <a:pt x="2072646" y="962979"/>
+                    <a:pt x="1968652" y="1100611"/>
+                    <a:pt x="1852241" y="1228932"/>
+                  </a:cubicBezTo>
+                  <a:cubicBezTo>
+                    <a:pt x="1793748" y="1292868"/>
+                    <a:pt x="1732698" y="1354923"/>
+                    <a:pt x="1668235" y="1413844"/>
+                  </a:cubicBezTo>
+                  <a:cubicBezTo>
+                    <a:pt x="1652214" y="1428709"/>
+                    <a:pt x="1636100" y="1443395"/>
+                    <a:pt x="1619510" y="1457722"/>
+                  </a:cubicBezTo>
+                  <a:cubicBezTo>
+                    <a:pt x="1603015" y="1472140"/>
+                    <a:pt x="1586805" y="1486825"/>
+                    <a:pt x="1569835" y="1500704"/>
+                  </a:cubicBezTo>
+                  <a:cubicBezTo>
+                    <a:pt x="1536276" y="1528911"/>
+                    <a:pt x="1501865" y="1556223"/>
+                    <a:pt x="1467169" y="1583266"/>
+                  </a:cubicBezTo>
+                  <a:cubicBezTo>
+                    <a:pt x="1327719" y="1690722"/>
+                    <a:pt x="1177085" y="1785910"/>
+                    <a:pt x="1018393" y="1867576"/>
+                  </a:cubicBezTo>
+                  <a:cubicBezTo>
+                    <a:pt x="780425" y="1990142"/>
+                    <a:pt x="522567" y="2080875"/>
+                    <a:pt x="255857" y="2133049"/>
+                  </a:cubicBezTo>
+                  <a:lnTo>
+                    <a:pt x="0" y="2170178"/>
+                  </a:lnTo>
+                  <a:lnTo>
+                    <a:pt x="0" y="1940056"/>
+                  </a:lnTo>
+                  <a:lnTo>
+                    <a:pt x="201609" y="1902856"/>
+                  </a:lnTo>
+                  <a:cubicBezTo>
+                    <a:pt x="282186" y="1884231"/>
+                    <a:pt x="362102" y="1863008"/>
+                    <a:pt x="440974" y="1838472"/>
+                  </a:cubicBezTo>
+                  <a:cubicBezTo>
+                    <a:pt x="519848" y="1814027"/>
+                    <a:pt x="597771" y="1786627"/>
+                    <a:pt x="674558" y="1756359"/>
+                  </a:cubicBezTo>
+                  <a:cubicBezTo>
+                    <a:pt x="751250" y="1726003"/>
+                    <a:pt x="826900" y="1692870"/>
+                    <a:pt x="901222" y="1657142"/>
+                  </a:cubicBezTo>
+                  <a:cubicBezTo>
+                    <a:pt x="1049865" y="1585774"/>
+                    <a:pt x="1193581" y="1504376"/>
+                    <a:pt x="1330943" y="1413396"/>
+                  </a:cubicBezTo>
+                  <a:cubicBezTo>
+                    <a:pt x="1365165" y="1390563"/>
+                    <a:pt x="1399293" y="1367370"/>
+                    <a:pt x="1432566" y="1343193"/>
+                  </a:cubicBezTo>
+                  <a:cubicBezTo>
+                    <a:pt x="1449441" y="1331373"/>
+                    <a:pt x="1465936" y="1319104"/>
+                    <a:pt x="1482527" y="1306926"/>
+                  </a:cubicBezTo>
+                  <a:cubicBezTo>
+                    <a:pt x="1499210" y="1294837"/>
+                    <a:pt x="1515611" y="1282391"/>
+                    <a:pt x="1531821" y="1269765"/>
+                  </a:cubicBezTo>
+                  <a:cubicBezTo>
+                    <a:pt x="1596947" y="1219350"/>
+                    <a:pt x="1660652" y="1167055"/>
+                    <a:pt x="1721986" y="1112073"/>
+                  </a:cubicBezTo>
+                  <a:cubicBezTo>
+                    <a:pt x="1844940" y="1002469"/>
+                    <a:pt x="1958983" y="882926"/>
+                    <a:pt x="2061460" y="754336"/>
+                  </a:cubicBezTo>
+                  <a:cubicBezTo>
+                    <a:pt x="2112652" y="690042"/>
+                    <a:pt x="2161094" y="623510"/>
+                    <a:pt x="2206218" y="554827"/>
+                  </a:cubicBezTo>
+                  <a:cubicBezTo>
+                    <a:pt x="2250583" y="485787"/>
+                    <a:pt x="2292484" y="415046"/>
+                    <a:pt x="2329455" y="341886"/>
+                  </a:cubicBezTo>
+                  <a:cubicBezTo>
+                    <a:pt x="2339030" y="323709"/>
+                    <a:pt x="2347941" y="305261"/>
+                    <a:pt x="2356757" y="286815"/>
+                  </a:cubicBezTo>
+                  <a:lnTo>
+                    <a:pt x="2370030" y="259056"/>
+                  </a:lnTo>
+                  <a:lnTo>
+                    <a:pt x="2382637" y="231028"/>
+                  </a:lnTo>
+                  <a:cubicBezTo>
+                    <a:pt x="2390885" y="212312"/>
+                    <a:pt x="2399227" y="193598"/>
+                    <a:pt x="2406716" y="174525"/>
+                  </a:cubicBezTo>
+                  <a:cubicBezTo>
+                    <a:pt x="2414206" y="155452"/>
+                    <a:pt x="2422453" y="136646"/>
+                    <a:pt x="2429278" y="117393"/>
+                  </a:cubicBezTo>
+                  <a:close/>
+                </a:path>
+              </a:pathLst>
+            </a:custGeom>
+            <a:grpFill/>
+            <a:ln>
+              <a:noFill/>
+            </a:ln>
+          </p:spPr>
+          <p:style>
+            <a:lnRef idx="2">
+              <a:schemeClr val="accent1">
+                <a:shade val="50000"/>
+              </a:schemeClr>
+            </a:lnRef>
+            <a:fillRef idx="1">
+              <a:schemeClr val="accent1"/>
+            </a:fillRef>
+            <a:effectRef idx="0">
+              <a:schemeClr val="accent1"/>
+            </a:effectRef>
+            <a:fontRef idx="minor">
+              <a:schemeClr val="lt1"/>
+            </a:fontRef>
+          </p:style>
+          <p:txBody>
+            <a:bodyPr rtlCol="0" anchor="ctr"/>
+            <a:lstStyle/>
+            <a:p>
+              <a:pPr algn="ctr"/>
+              <a:endParaRPr lang="en-US"/>
+            </a:p>
+          </p:txBody>
+        </p:sp>
+        <p:sp>
+          <p:nvSpPr>
+            <p:cNvPr id="56" name="Freeform: Shape 55">
+              <a:extLst>
+                <a:ext uri="{FF2B5EF4-FFF2-40B4-BE49-F238E27FC236}">
+                  <a16:creationId xmlns:a16="http://schemas.microsoft.com/office/drawing/2014/main" id="{F44B0EF3-9992-4B95-8A43-6206B3FC3FAD}"/>
+                </a:ext>
+                <a:ext uri="{C183D7F6-B498-43B3-948B-1728B52AA6E4}">
+                  <adec:decorative xmlns:adec="http://schemas.microsoft.com/office/drawing/2017/decorative" val="1"/>
+                </a:ext>
+              </a:extLst>
+            </p:cNvPr>
+            <p:cNvSpPr/>
+            <p:nvPr>
+              <p:extLst>
+                <p:ext uri="{386F3935-93C4-4BCD-93E2-E3B085C9AB24}">
+                  <p16:designElem xmlns:p16="http://schemas.microsoft.com/office/powerpoint/2015/main" val="1"/>
+                </p:ext>
+              </p:extLst>
+            </p:nvPr>
+          </p:nvSpPr>
+          <p:spPr>
+            <a:xfrm>
+              <a:off x="-305" y="-4155"/>
+              <a:ext cx="2493062" cy="1947896"/>
+            </a:xfrm>
+            <a:custGeom>
+              <a:avLst/>
+              <a:gdLst>
+                <a:gd name="connsiteX0" fmla="*/ 1896911 w 2493062"/>
+                <a:gd name="connsiteY0" fmla="*/ 0 h 1947896"/>
+                <a:gd name="connsiteX1" fmla="*/ 2493062 w 2493062"/>
+                <a:gd name="connsiteY1" fmla="*/ 0 h 1947896"/>
+                <a:gd name="connsiteX2" fmla="*/ 2435315 w 2493062"/>
+                <a:gd name="connsiteY2" fmla="*/ 178165 h 1947896"/>
+                <a:gd name="connsiteX3" fmla="*/ 93066 w 2493062"/>
+                <a:gd name="connsiteY3" fmla="*/ 1935859 h 1947896"/>
+                <a:gd name="connsiteX4" fmla="*/ 0 w 2493062"/>
+                <a:gd name="connsiteY4" fmla="*/ 1947896 h 1947896"/>
+                <a:gd name="connsiteX5" fmla="*/ 0 w 2493062"/>
+                <a:gd name="connsiteY5" fmla="*/ 1404756 h 1947896"/>
+                <a:gd name="connsiteX6" fmla="*/ 17392 w 2493062"/>
+                <a:gd name="connsiteY6" fmla="*/ 1402364 h 1947896"/>
+                <a:gd name="connsiteX7" fmla="*/ 464249 w 2493062"/>
+                <a:gd name="connsiteY7" fmla="*/ 1281208 h 1947896"/>
+                <a:gd name="connsiteX8" fmla="*/ 1260556 w 2493062"/>
+                <a:gd name="connsiteY8" fmla="*/ 833835 h 1947896"/>
+                <a:gd name="connsiteX9" fmla="*/ 1807924 w 2493062"/>
+                <a:gd name="connsiteY9" fmla="*/ 193222 h 1947896"/>
+                <a:gd name="connsiteX10" fmla="*/ 1874357 w 2493062"/>
+                <a:gd name="connsiteY10" fmla="*/ 58333 h 1947896"/>
+              </a:gdLst>
+              <a:ahLst/>
+              <a:cxnLst>
+                <a:cxn ang="0">
+                  <a:pos x="connsiteX0" y="connsiteY0"/>
+                </a:cxn>
+                <a:cxn ang="0">
+                  <a:pos x="connsiteX1" y="connsiteY1"/>
+                </a:cxn>
+                <a:cxn ang="0">
+                  <a:pos x="connsiteX2" y="connsiteY2"/>
+                </a:cxn>
+                <a:cxn ang="0">
+                  <a:pos x="connsiteX3" y="connsiteY3"/>
+                </a:cxn>
+                <a:cxn ang="0">
+                  <a:pos x="connsiteX4" y="connsiteY4"/>
+                </a:cxn>
+                <a:cxn ang="0">
+                  <a:pos x="connsiteX5" y="connsiteY5"/>
+                </a:cxn>
+                <a:cxn ang="0">
+                  <a:pos x="connsiteX6" y="connsiteY6"/>
+                </a:cxn>
+                <a:cxn ang="0">
+                  <a:pos x="connsiteX7" y="connsiteY7"/>
+                </a:cxn>
+                <a:cxn ang="0">
+                  <a:pos x="connsiteX8" y="connsiteY8"/>
+                </a:cxn>
+                <a:cxn ang="0">
+                  <a:pos x="connsiteX9" y="connsiteY9"/>
+                </a:cxn>
+                <a:cxn ang="0">
+                  <a:pos x="connsiteX10" y="connsiteY10"/>
+                </a:cxn>
+              </a:cxnLst>
+              <a:rect l="l" t="t" r="r" b="b"/>
+              <a:pathLst>
+                <a:path w="2493062" h="1947896">
+                  <a:moveTo>
+                    <a:pt x="1896911" y="0"/>
+                  </a:moveTo>
+                  <a:lnTo>
+                    <a:pt x="2493062" y="0"/>
+                  </a:lnTo>
+                  <a:lnTo>
+                    <a:pt x="2435315" y="178165"/>
+                  </a:lnTo>
+                  <a:cubicBezTo>
+                    <a:pt x="2088122" y="1071812"/>
+                    <a:pt x="1129732" y="1758033"/>
+                    <a:pt x="93066" y="1935859"/>
+                  </a:cubicBezTo>
+                  <a:lnTo>
+                    <a:pt x="0" y="1947896"/>
+                  </a:lnTo>
+                  <a:lnTo>
+                    <a:pt x="0" y="1404756"/>
+                  </a:lnTo>
+                  <a:lnTo>
+                    <a:pt x="17392" y="1402364"/>
+                  </a:lnTo>
+                  <a:cubicBezTo>
+                    <a:pt x="167719" y="1375030"/>
+                    <a:pt x="318070" y="1334398"/>
+                    <a:pt x="464249" y="1281208"/>
+                  </a:cubicBezTo>
+                  <a:cubicBezTo>
+                    <a:pt x="753480" y="1176081"/>
+                    <a:pt x="1028869" y="1021346"/>
+                    <a:pt x="1260556" y="833835"/>
+                  </a:cubicBezTo>
+                  <a:cubicBezTo>
+                    <a:pt x="1491960" y="646594"/>
+                    <a:pt x="1681177" y="425056"/>
+                    <a:pt x="1807924" y="193222"/>
+                  </a:cubicBezTo>
+                  <a:cubicBezTo>
+                    <a:pt x="1832328" y="148578"/>
+                    <a:pt x="1854477" y="103599"/>
+                    <a:pt x="1874357" y="58333"/>
+                  </a:cubicBezTo>
+                  <a:close/>
+                </a:path>
+              </a:pathLst>
+            </a:custGeom>
+            <a:grpFill/>
+            <a:ln>
+              <a:noFill/>
+            </a:ln>
+          </p:spPr>
+          <p:style>
+            <a:lnRef idx="2">
+              <a:schemeClr val="accent1">
+                <a:shade val="50000"/>
+              </a:schemeClr>
+            </a:lnRef>
+            <a:fillRef idx="1">
+              <a:schemeClr val="accent1"/>
+            </a:fillRef>
+            <a:effectRef idx="0">
+              <a:schemeClr val="accent1"/>
+            </a:effectRef>
+            <a:fontRef idx="minor">
+              <a:schemeClr val="lt1"/>
+            </a:fontRef>
+          </p:style>
+          <p:txBody>
+            <a:bodyPr rtlCol="0" anchor="ctr"/>
+            <a:lstStyle/>
+            <a:p>
+              <a:pPr algn="ctr"/>
+              <a:endParaRPr lang="en-US"/>
+            </a:p>
+          </p:txBody>
+        </p:sp>
+        <p:sp>
+          <p:nvSpPr>
+            <p:cNvPr id="57" name="Freeform: Shape 56">
+              <a:extLst>
+                <a:ext uri="{FF2B5EF4-FFF2-40B4-BE49-F238E27FC236}">
+                  <a16:creationId xmlns:a16="http://schemas.microsoft.com/office/drawing/2014/main" id="{041B1C1F-C2FE-4C47-9D74-ADB9B53F4BFF}"/>
+                </a:ext>
+                <a:ext uri="{C183D7F6-B498-43B3-948B-1728B52AA6E4}">
+                  <adec:decorative xmlns:adec="http://schemas.microsoft.com/office/drawing/2017/decorative" val="1"/>
+                </a:ext>
+              </a:extLst>
+            </p:cNvPr>
+            <p:cNvSpPr/>
+            <p:nvPr>
+              <p:extLst>
+                <p:ext uri="{386F3935-93C4-4BCD-93E2-E3B085C9AB24}">
+                  <p16:designElem xmlns:p16="http://schemas.microsoft.com/office/powerpoint/2015/main" val="1"/>
+                </p:ext>
+              </p:extLst>
+            </p:nvPr>
+          </p:nvSpPr>
+          <p:spPr>
+            <a:xfrm>
+              <a:off x="-305" y="0"/>
+              <a:ext cx="2501089" cy="1972702"/>
+            </a:xfrm>
+            <a:custGeom>
+              <a:avLst/>
+              <a:gdLst>
+                <a:gd name="connsiteX0" fmla="*/ 2318728 w 2501089"/>
+                <a:gd name="connsiteY0" fmla="*/ 0 h 1972702"/>
+                <a:gd name="connsiteX1" fmla="*/ 2501089 w 2501089"/>
+                <a:gd name="connsiteY1" fmla="*/ 0 h 1972702"/>
+                <a:gd name="connsiteX2" fmla="*/ 2453909 w 2501089"/>
+                <a:gd name="connsiteY2" fmla="*/ 167837 h 1972702"/>
+                <a:gd name="connsiteX3" fmla="*/ 2361125 w 2501089"/>
+                <a:gd name="connsiteY3" fmla="*/ 392084 h 1972702"/>
+                <a:gd name="connsiteX4" fmla="*/ 1768255 w 2501089"/>
+                <a:gd name="connsiteY4" fmla="*/ 1167644 h 1972702"/>
+                <a:gd name="connsiteX5" fmla="*/ 1375125 w 2501089"/>
+                <a:gd name="connsiteY5" fmla="*/ 1471474 h 1972702"/>
+                <a:gd name="connsiteX6" fmla="*/ 935735 w 2501089"/>
+                <a:gd name="connsiteY6" fmla="*/ 1712713 h 1972702"/>
+                <a:gd name="connsiteX7" fmla="*/ 212353 w 2501089"/>
+                <a:gd name="connsiteY7" fmla="*/ 1940294 h 1972702"/>
+                <a:gd name="connsiteX8" fmla="*/ 0 w 2501089"/>
+                <a:gd name="connsiteY8" fmla="*/ 1972702 h 1972702"/>
+                <a:gd name="connsiteX9" fmla="*/ 0 w 2501089"/>
+                <a:gd name="connsiteY9" fmla="*/ 1732181 h 1972702"/>
+                <a:gd name="connsiteX10" fmla="*/ 161195 w 2501089"/>
+                <a:gd name="connsiteY10" fmla="*/ 1706590 h 1972702"/>
+                <a:gd name="connsiteX11" fmla="*/ 388463 w 2501089"/>
+                <a:gd name="connsiteY11" fmla="*/ 1652268 h 1972702"/>
+                <a:gd name="connsiteX12" fmla="*/ 826716 w 2501089"/>
+                <a:gd name="connsiteY12" fmla="*/ 1493950 h 1972702"/>
+                <a:gd name="connsiteX13" fmla="*/ 1609847 w 2501089"/>
+                <a:gd name="connsiteY13" fmla="*/ 1007535 h 1972702"/>
+                <a:gd name="connsiteX14" fmla="*/ 1929982 w 2501089"/>
+                <a:gd name="connsiteY14" fmla="*/ 682930 h 1972702"/>
+                <a:gd name="connsiteX15" fmla="*/ 2183093 w 2501089"/>
+                <a:gd name="connsiteY15" fmla="*/ 310149 h 1972702"/>
+                <a:gd name="connsiteX16" fmla="*/ 2280286 w 2501089"/>
+                <a:gd name="connsiteY16" fmla="*/ 108435 h 1972702"/>
+              </a:gdLst>
+              <a:ahLst/>
+              <a:cxnLst>
+                <a:cxn ang="0">
+                  <a:pos x="connsiteX0" y="connsiteY0"/>
+                </a:cxn>
+                <a:cxn ang="0">
+                  <a:pos x="connsiteX1" y="connsiteY1"/>
+                </a:cxn>
+                <a:cxn ang="0">
+                  <a:pos x="connsiteX2" y="connsiteY2"/>
+                </a:cxn>
+                <a:cxn ang="0">
+                  <a:pos x="connsiteX3" y="connsiteY3"/>
+                </a:cxn>
+                <a:cxn ang="0">
+                  <a:pos x="connsiteX4" y="connsiteY4"/>
+                </a:cxn>
+                <a:cxn ang="0">
+                  <a:pos x="connsiteX5" y="connsiteY5"/>
+                </a:cxn>
+                <a:cxn ang="0">
+                  <a:pos x="connsiteX6" y="connsiteY6"/>
+                </a:cxn>
+                <a:cxn ang="0">
+                  <a:pos x="connsiteX7" y="connsiteY7"/>
+                </a:cxn>
+                <a:cxn ang="0">
+                  <a:pos x="connsiteX8" y="connsiteY8"/>
+                </a:cxn>
+                <a:cxn ang="0">
+                  <a:pos x="connsiteX9" y="connsiteY9"/>
+                </a:cxn>
+                <a:cxn ang="0">
+                  <a:pos x="connsiteX10" y="connsiteY10"/>
+                </a:cxn>
+                <a:cxn ang="0">
+                  <a:pos x="connsiteX11" y="connsiteY11"/>
+                </a:cxn>
+                <a:cxn ang="0">
+                  <a:pos x="connsiteX12" y="connsiteY12"/>
+                </a:cxn>
+                <a:cxn ang="0">
+                  <a:pos x="connsiteX13" y="connsiteY13"/>
+                </a:cxn>
+                <a:cxn ang="0">
+                  <a:pos x="connsiteX14" y="connsiteY14"/>
+                </a:cxn>
+                <a:cxn ang="0">
+                  <a:pos x="connsiteX15" y="connsiteY15"/>
+                </a:cxn>
+                <a:cxn ang="0">
+                  <a:pos x="connsiteX16" y="connsiteY16"/>
+                </a:cxn>
+              </a:cxnLst>
+              <a:rect l="l" t="t" r="r" b="b"/>
+              <a:pathLst>
+                <a:path w="2501089" h="1972702">
+                  <a:moveTo>
+                    <a:pt x="2318728" y="0"/>
+                  </a:moveTo>
+                  <a:lnTo>
+                    <a:pt x="2501089" y="0"/>
+                  </a:lnTo>
+                  <a:lnTo>
+                    <a:pt x="2453909" y="167837"/>
+                  </a:lnTo>
+                  <a:cubicBezTo>
+                    <a:pt x="2427555" y="244153"/>
+                    <a:pt x="2396627" y="319103"/>
+                    <a:pt x="2361125" y="392084"/>
+                  </a:cubicBezTo>
+                  <a:cubicBezTo>
+                    <a:pt x="2218453" y="684005"/>
+                    <a:pt x="2011698" y="945211"/>
+                    <a:pt x="1768255" y="1167644"/>
+                  </a:cubicBezTo>
+                  <a:cubicBezTo>
+                    <a:pt x="1646250" y="1278860"/>
+                    <a:pt x="1514385" y="1380316"/>
+                    <a:pt x="1375125" y="1471474"/>
+                  </a:cubicBezTo>
+                  <a:cubicBezTo>
+                    <a:pt x="1235677" y="1562542"/>
+                    <a:pt x="1088928" y="1643672"/>
+                    <a:pt x="935735" y="1712713"/>
+                  </a:cubicBezTo>
+                  <a:cubicBezTo>
+                    <a:pt x="705659" y="1815533"/>
+                    <a:pt x="462359" y="1892212"/>
+                    <a:pt x="212353" y="1940294"/>
+                  </a:cubicBezTo>
+                  <a:lnTo>
+                    <a:pt x="0" y="1972702"/>
+                  </a:lnTo>
+                  <a:lnTo>
+                    <a:pt x="0" y="1732181"/>
+                  </a:lnTo>
+                  <a:lnTo>
+                    <a:pt x="161195" y="1706590"/>
+                  </a:lnTo>
+                  <a:cubicBezTo>
+                    <a:pt x="237638" y="1691378"/>
+                    <a:pt x="313477" y="1673222"/>
+                    <a:pt x="388463" y="1652268"/>
+                  </a:cubicBezTo>
+                  <a:cubicBezTo>
+                    <a:pt x="538529" y="1610539"/>
+                    <a:pt x="684898" y="1556543"/>
+                    <a:pt x="826716" y="1493950"/>
+                  </a:cubicBezTo>
+                  <a:cubicBezTo>
+                    <a:pt x="1111207" y="1370107"/>
+                    <a:pt x="1376832" y="1205881"/>
+                    <a:pt x="1609847" y="1007535"/>
+                  </a:cubicBezTo>
+                  <a:cubicBezTo>
+                    <a:pt x="1725975" y="908049"/>
+                    <a:pt x="1833571" y="799519"/>
+                    <a:pt x="1929982" y="682930"/>
+                  </a:cubicBezTo>
+                  <a:cubicBezTo>
+                    <a:pt x="2026581" y="566520"/>
+                    <a:pt x="2111806" y="441692"/>
+                    <a:pt x="2183093" y="310149"/>
+                  </a:cubicBezTo>
+                  <a:cubicBezTo>
+                    <a:pt x="2218738" y="244422"/>
+                    <a:pt x="2251396" y="177150"/>
+                    <a:pt x="2280286" y="108435"/>
+                  </a:cubicBezTo>
+                  <a:close/>
+                </a:path>
+              </a:pathLst>
+            </a:custGeom>
+            <a:grpFill/>
+            <a:ln>
+              <a:noFill/>
+            </a:ln>
+          </p:spPr>
+          <p:style>
+            <a:lnRef idx="2">
+              <a:schemeClr val="accent1">
+                <a:shade val="50000"/>
+              </a:schemeClr>
+            </a:lnRef>
+            <a:fillRef idx="1">
+              <a:schemeClr val="accent1"/>
+            </a:fillRef>
+            <a:effectRef idx="0">
+              <a:schemeClr val="accent1"/>
+            </a:effectRef>
+            <a:fontRef idx="minor">
+              <a:schemeClr val="lt1"/>
+            </a:fontRef>
+          </p:style>
+          <p:txBody>
+            <a:bodyPr wrap="square" rtlCol="0" anchor="ctr">
+              <a:noAutofit/>
+            </a:bodyPr>
+            <a:lstStyle/>
+            <a:p>
+              <a:pPr algn="ctr"/>
+              <a:endParaRPr lang="en-US" sz="800"/>
+            </a:p>
+          </p:txBody>
+        </p:sp>
+        <p:sp>
+          <p:nvSpPr>
+            <p:cNvPr id="58" name="Freeform: Shape 57">
+              <a:extLst>
+                <a:ext uri="{FF2B5EF4-FFF2-40B4-BE49-F238E27FC236}">
+                  <a16:creationId xmlns:a16="http://schemas.microsoft.com/office/drawing/2014/main" id="{1048177B-A49E-4E24-9007-07A0EDD6A2E3}"/>
+                </a:ext>
+                <a:ext uri="{C183D7F6-B498-43B3-948B-1728B52AA6E4}">
+                  <adec:decorative xmlns:adec="http://schemas.microsoft.com/office/drawing/2017/decorative" val="1"/>
+                </a:ext>
+              </a:extLst>
+            </p:cNvPr>
+            <p:cNvSpPr/>
+            <p:nvPr>
+              <p:extLst>
+                <p:ext uri="{386F3935-93C4-4BCD-93E2-E3B085C9AB24}">
+                  <p16:designElem xmlns:p16="http://schemas.microsoft.com/office/powerpoint/2015/main" val="1"/>
+                </p:ext>
+              </p:extLst>
+            </p:nvPr>
+          </p:nvSpPr>
+          <p:spPr>
+            <a:xfrm>
+              <a:off x="305" y="1"/>
+              <a:ext cx="2491105" cy="1943661"/>
+            </a:xfrm>
+            <a:custGeom>
+              <a:avLst/>
+              <a:gdLst>
+                <a:gd name="connsiteX0" fmla="*/ 1995408 w 2491105"/>
+                <a:gd name="connsiteY0" fmla="*/ 0 h 1943661"/>
+                <a:gd name="connsiteX1" fmla="*/ 2491105 w 2491105"/>
+                <a:gd name="connsiteY1" fmla="*/ 0 h 1943661"/>
+                <a:gd name="connsiteX2" fmla="*/ 2434705 w 2491105"/>
+                <a:gd name="connsiteY2" fmla="*/ 174009 h 1943661"/>
+                <a:gd name="connsiteX3" fmla="*/ 92457 w 2491105"/>
+                <a:gd name="connsiteY3" fmla="*/ 1931703 h 1943661"/>
+                <a:gd name="connsiteX4" fmla="*/ 0 w 2491105"/>
+                <a:gd name="connsiteY4" fmla="*/ 1943661 h 1943661"/>
+                <a:gd name="connsiteX5" fmla="*/ 0 w 2491105"/>
+                <a:gd name="connsiteY5" fmla="*/ 1491489 h 1943661"/>
+                <a:gd name="connsiteX6" fmla="*/ 34107 w 2491105"/>
+                <a:gd name="connsiteY6" fmla="*/ 1486836 h 1943661"/>
+                <a:gd name="connsiteX7" fmla="*/ 497577 w 2491105"/>
+                <a:gd name="connsiteY7" fmla="*/ 1360598 h 1943661"/>
+                <a:gd name="connsiteX8" fmla="*/ 1321566 w 2491105"/>
+                <a:gd name="connsiteY8" fmla="*/ 897645 h 1943661"/>
+                <a:gd name="connsiteX9" fmla="*/ 1891495 w 2491105"/>
+                <a:gd name="connsiteY9" fmla="*/ 230078 h 1943661"/>
+                <a:gd name="connsiteX10" fmla="*/ 1961469 w 2491105"/>
+                <a:gd name="connsiteY10" fmla="*/ 87885 h 1943661"/>
+              </a:gdLst>
+              <a:ahLst/>
+              <a:cxnLst>
+                <a:cxn ang="0">
+                  <a:pos x="connsiteX0" y="connsiteY0"/>
+                </a:cxn>
+                <a:cxn ang="0">
+                  <a:pos x="connsiteX1" y="connsiteY1"/>
+                </a:cxn>
+                <a:cxn ang="0">
+                  <a:pos x="connsiteX2" y="connsiteY2"/>
+                </a:cxn>
+                <a:cxn ang="0">
+                  <a:pos x="connsiteX3" y="connsiteY3"/>
+                </a:cxn>
+                <a:cxn ang="0">
+                  <a:pos x="connsiteX4" y="connsiteY4"/>
+                </a:cxn>
+                <a:cxn ang="0">
+                  <a:pos x="connsiteX5" y="connsiteY5"/>
+                </a:cxn>
+                <a:cxn ang="0">
+                  <a:pos x="connsiteX6" y="connsiteY6"/>
+                </a:cxn>
+                <a:cxn ang="0">
+                  <a:pos x="connsiteX7" y="connsiteY7"/>
+                </a:cxn>
+                <a:cxn ang="0">
+                  <a:pos x="connsiteX8" y="connsiteY8"/>
+                </a:cxn>
+                <a:cxn ang="0">
+                  <a:pos x="connsiteX9" y="connsiteY9"/>
+                </a:cxn>
+                <a:cxn ang="0">
+                  <a:pos x="connsiteX10" y="connsiteY10"/>
+                </a:cxn>
+              </a:cxnLst>
+              <a:rect l="l" t="t" r="r" b="b"/>
+              <a:pathLst>
+                <a:path w="2491105" h="1943661">
+                  <a:moveTo>
+                    <a:pt x="1995408" y="0"/>
+                  </a:moveTo>
+                  <a:lnTo>
+                    <a:pt x="2491105" y="0"/>
+                  </a:lnTo>
+                  <a:lnTo>
+                    <a:pt x="2434705" y="174009"/>
+                  </a:lnTo>
+                  <a:cubicBezTo>
+                    <a:pt x="2087512" y="1067655"/>
+                    <a:pt x="1129122" y="1753877"/>
+                    <a:pt x="92457" y="1931703"/>
+                  </a:cubicBezTo>
+                  <a:lnTo>
+                    <a:pt x="0" y="1943661"/>
+                  </a:lnTo>
+                  <a:lnTo>
+                    <a:pt x="0" y="1491489"/>
+                  </a:lnTo>
+                  <a:lnTo>
+                    <a:pt x="34107" y="1486836"/>
+                  </a:lnTo>
+                  <a:cubicBezTo>
+                    <a:pt x="189055" y="1458696"/>
+                    <a:pt x="343908" y="1416565"/>
+                    <a:pt x="497577" y="1360598"/>
+                  </a:cubicBezTo>
+                  <a:cubicBezTo>
+                    <a:pt x="796856" y="1251889"/>
+                    <a:pt x="1081725" y="1091781"/>
+                    <a:pt x="1321566" y="897645"/>
+                  </a:cubicBezTo>
+                  <a:cubicBezTo>
+                    <a:pt x="1565577" y="700195"/>
+                    <a:pt x="1757355" y="475523"/>
+                    <a:pt x="1891495" y="230078"/>
+                  </a:cubicBezTo>
+                  <a:cubicBezTo>
+                    <a:pt x="1917197" y="183033"/>
+                    <a:pt x="1940526" y="135619"/>
+                    <a:pt x="1961469" y="87885"/>
+                  </a:cubicBezTo>
+                  <a:close/>
+                </a:path>
+              </a:pathLst>
+            </a:custGeom>
+            <a:grpFill/>
+            <a:ln>
+              <a:noFill/>
+            </a:ln>
+          </p:spPr>
+          <p:style>
+            <a:lnRef idx="2">
+              <a:schemeClr val="accent1">
+                <a:shade val="50000"/>
+              </a:schemeClr>
+            </a:lnRef>
+            <a:fillRef idx="1">
+              <a:schemeClr val="accent1"/>
+            </a:fillRef>
+            <a:effectRef idx="0">
+              <a:schemeClr val="accent1"/>
+            </a:effectRef>
+            <a:fontRef idx="minor">
+              <a:schemeClr val="lt1"/>
+            </a:fontRef>
+          </p:style>
+          <p:txBody>
+            <a:bodyPr rtlCol="0" anchor="ctr"/>
+            <a:lstStyle/>
+            <a:p>
+              <a:pPr algn="ctr"/>
+              <a:endParaRPr lang="en-US" dirty="0"/>
+            </a:p>
+          </p:txBody>
+        </p:sp>
+      </p:grpSp>
     </p:spTree>
     <p:extLst>
       <p:ext uri="{BB962C8B-B14F-4D97-AF65-F5344CB8AC3E}">
@@ -3499,7 +7154,12 @@
           <a:prstGeom prst="rect">
             <a:avLst/>
           </a:prstGeom>
-          <a:noFill/>
+          <a:solidFill>
+            <a:schemeClr val="accent6">
+              <a:lumMod val="40000"/>
+              <a:lumOff val="60000"/>
+            </a:schemeClr>
+          </a:solidFill>
         </p:spPr>
         <p:txBody>
           <a:bodyPr wrap="square" rtlCol="0">
@@ -3508,27 +7168,27 @@
           <a:lstStyle/>
           <a:p>
             <a:r>
-              <a:rPr lang="de-DE" dirty="0" err="1"/>
+              <a:rPr lang="de-DE" b="1" i="1" dirty="0" err="1"/>
               <a:t>Algorihme</a:t>
             </a:r>
             <a:r>
-              <a:rPr lang="de-DE" dirty="0"/>
+              <a:rPr lang="de-DE" b="1" i="1" dirty="0"/>
               <a:t> </a:t>
             </a:r>
             <a:r>
-              <a:rPr lang="de-DE" dirty="0" err="1"/>
+              <a:rPr lang="de-DE" b="1" i="1" dirty="0" err="1"/>
               <a:t>générique</a:t>
             </a:r>
             <a:r>
-              <a:rPr lang="de-DE" dirty="0"/>
+              <a:rPr lang="de-DE" b="1" i="1" dirty="0"/>
               <a:t> att48.tsp (  </a:t>
             </a:r>
             <a:r>
-              <a:rPr lang="de-DE" dirty="0" err="1"/>
+              <a:rPr lang="de-DE" b="1" i="1" dirty="0" err="1"/>
               <a:t>language</a:t>
             </a:r>
             <a:r>
-              <a:rPr lang="de-DE" dirty="0"/>
+              <a:rPr lang="de-DE" b="1" i="1" dirty="0"/>
               <a:t> C)  </a:t>
             </a:r>
           </a:p>
@@ -3590,7 +7250,12 @@
           <a:prstGeom prst="rect">
             <a:avLst/>
           </a:prstGeom>
-          <a:noFill/>
+          <a:solidFill>
+            <a:schemeClr val="accent6">
+              <a:lumMod val="40000"/>
+              <a:lumOff val="60000"/>
+            </a:schemeClr>
+          </a:solidFill>
         </p:spPr>
         <p:txBody>
           <a:bodyPr wrap="square" rtlCol="0">
@@ -3599,35 +7264,35 @@
           <a:lstStyle/>
           <a:p>
             <a:r>
-              <a:rPr lang="de-DE" dirty="0" err="1"/>
+              <a:rPr lang="de-DE" b="1" i="1" dirty="0" err="1"/>
               <a:t>Algorihme</a:t>
             </a:r>
             <a:r>
-              <a:rPr lang="de-DE" dirty="0"/>
+              <a:rPr lang="de-DE" b="1" i="1" dirty="0"/>
               <a:t> </a:t>
             </a:r>
             <a:r>
-              <a:rPr lang="de-DE" dirty="0" err="1"/>
+              <a:rPr lang="de-DE" b="1" i="1" dirty="0" err="1"/>
               <a:t>générique</a:t>
             </a:r>
             <a:r>
-              <a:rPr lang="de-DE" dirty="0"/>
+              <a:rPr lang="de-DE" b="1" i="1" dirty="0"/>
               <a:t> att48.tsp (  </a:t>
             </a:r>
             <a:r>
-              <a:rPr lang="de-DE" dirty="0" err="1"/>
+              <a:rPr lang="de-DE" b="1" i="1" dirty="0" err="1"/>
               <a:t>language</a:t>
             </a:r>
             <a:r>
-              <a:rPr lang="de-DE" dirty="0"/>
+              <a:rPr lang="de-DE" b="1" i="1" dirty="0"/>
               <a:t>  </a:t>
             </a:r>
             <a:r>
-              <a:rPr lang="de-DE" dirty="0" err="1"/>
+              <a:rPr lang="de-DE" b="1" i="1" dirty="0" err="1"/>
               <a:t>Phyton</a:t>
             </a:r>
             <a:r>
-              <a:rPr lang="de-DE" dirty="0"/>
+              <a:rPr lang="de-DE" b="1" i="1" dirty="0"/>
               <a:t>)  </a:t>
             </a:r>
           </a:p>
@@ -3663,10 +7328,3229 @@
           </a:prstGeom>
         </p:spPr>
       </p:pic>
+      <mc:AlternateContent xmlns:mc="http://schemas.openxmlformats.org/markup-compatibility/2006">
+        <mc:Choice xmlns:p14="http://schemas.microsoft.com/office/powerpoint/2010/main" Requires="p14">
+          <p:contentPart p14:bwMode="auto" r:id="rId4">
+            <p14:nvContentPartPr>
+              <p14:cNvPr id="3" name="Freihand 2">
+                <a:extLst>
+                  <a:ext uri="{FF2B5EF4-FFF2-40B4-BE49-F238E27FC236}">
+                    <a16:creationId xmlns:a16="http://schemas.microsoft.com/office/drawing/2014/main" id="{F58F9616-D194-0D8D-2226-0C95A16003B7}"/>
+                  </a:ext>
+                </a:extLst>
+              </p14:cNvPr>
+              <p14:cNvContentPartPr/>
+              <p14:nvPr/>
+            </p14:nvContentPartPr>
+            <p14:xfrm>
+              <a:off x="990027" y="1845800"/>
+              <a:ext cx="474840" cy="8640"/>
+            </p14:xfrm>
+          </p:contentPart>
+        </mc:Choice>
+        <mc:Fallback>
+          <p:pic>
+            <p:nvPicPr>
+              <p:cNvPr id="3" name="Freihand 2">
+                <a:extLst>
+                  <a:ext uri="{FF2B5EF4-FFF2-40B4-BE49-F238E27FC236}">
+                    <a16:creationId xmlns:a16="http://schemas.microsoft.com/office/drawing/2014/main" id="{F58F9616-D194-0D8D-2226-0C95A16003B7}"/>
+                  </a:ext>
+                </a:extLst>
+              </p:cNvPr>
+              <p:cNvPicPr/>
+              <p:nvPr/>
+            </p:nvPicPr>
+            <p:blipFill>
+              <a:blip r:embed="rId5"/>
+              <a:stretch>
+                <a:fillRect/>
+              </a:stretch>
+            </p:blipFill>
+            <p:spPr>
+              <a:xfrm>
+                <a:off x="954387" y="1773800"/>
+                <a:ext cx="546480" cy="152280"/>
+              </a:xfrm>
+              <a:prstGeom prst="rect">
+                <a:avLst/>
+              </a:prstGeom>
+            </p:spPr>
+          </p:pic>
+        </mc:Fallback>
+      </mc:AlternateContent>
+      <mc:AlternateContent xmlns:mc="http://schemas.openxmlformats.org/markup-compatibility/2006">
+        <mc:Choice xmlns:p14="http://schemas.microsoft.com/office/powerpoint/2010/main" Requires="p14">
+          <p:contentPart p14:bwMode="auto" r:id="rId6">
+            <p14:nvContentPartPr>
+              <p14:cNvPr id="7" name="Freihand 6">
+                <a:extLst>
+                  <a:ext uri="{FF2B5EF4-FFF2-40B4-BE49-F238E27FC236}">
+                    <a16:creationId xmlns:a16="http://schemas.microsoft.com/office/drawing/2014/main" id="{D3A4A58B-658A-AE7D-3B76-95501C52A7B7}"/>
+                  </a:ext>
+                </a:extLst>
+              </p14:cNvPr>
+              <p14:cNvContentPartPr/>
+              <p14:nvPr/>
+            </p14:nvContentPartPr>
+            <p14:xfrm>
+              <a:off x="1083267" y="2031560"/>
+              <a:ext cx="508320" cy="360"/>
+            </p14:xfrm>
+          </p:contentPart>
+        </mc:Choice>
+        <mc:Fallback>
+          <p:pic>
+            <p:nvPicPr>
+              <p:cNvPr id="7" name="Freihand 6">
+                <a:extLst>
+                  <a:ext uri="{FF2B5EF4-FFF2-40B4-BE49-F238E27FC236}">
+                    <a16:creationId xmlns:a16="http://schemas.microsoft.com/office/drawing/2014/main" id="{D3A4A58B-658A-AE7D-3B76-95501C52A7B7}"/>
+                  </a:ext>
+                </a:extLst>
+              </p:cNvPr>
+              <p:cNvPicPr/>
+              <p:nvPr/>
+            </p:nvPicPr>
+            <p:blipFill>
+              <a:blip r:embed="rId7"/>
+              <a:stretch>
+                <a:fillRect/>
+              </a:stretch>
+            </p:blipFill>
+            <p:spPr>
+              <a:xfrm>
+                <a:off x="1047627" y="1959920"/>
+                <a:ext cx="579960" cy="144000"/>
+              </a:xfrm>
+              <a:prstGeom prst="rect">
+                <a:avLst/>
+              </a:prstGeom>
+            </p:spPr>
+          </p:pic>
+        </mc:Fallback>
+      </mc:AlternateContent>
+      <mc:AlternateContent xmlns:mc="http://schemas.openxmlformats.org/markup-compatibility/2006">
+        <mc:Choice xmlns:p14="http://schemas.microsoft.com/office/powerpoint/2010/main" Requires="p14">
+          <p:contentPart p14:bwMode="auto" r:id="rId8">
+            <p14:nvContentPartPr>
+              <p14:cNvPr id="10" name="Freihand 9">
+                <a:extLst>
+                  <a:ext uri="{FF2B5EF4-FFF2-40B4-BE49-F238E27FC236}">
+                    <a16:creationId xmlns:a16="http://schemas.microsoft.com/office/drawing/2014/main" id="{C8BCBD21-D7E6-A727-4F05-3F3A57784C7F}"/>
+                  </a:ext>
+                </a:extLst>
+              </p14:cNvPr>
+              <p14:cNvContentPartPr/>
+              <p14:nvPr/>
+            </p14:nvContentPartPr>
+            <p14:xfrm>
+              <a:off x="939267" y="4995080"/>
+              <a:ext cx="424080" cy="25560"/>
+            </p14:xfrm>
+          </p:contentPart>
+        </mc:Choice>
+        <mc:Fallback>
+          <p:pic>
+            <p:nvPicPr>
+              <p:cNvPr id="10" name="Freihand 9">
+                <a:extLst>
+                  <a:ext uri="{FF2B5EF4-FFF2-40B4-BE49-F238E27FC236}">
+                    <a16:creationId xmlns:a16="http://schemas.microsoft.com/office/drawing/2014/main" id="{C8BCBD21-D7E6-A727-4F05-3F3A57784C7F}"/>
+                  </a:ext>
+                </a:extLst>
+              </p:cNvPr>
+              <p:cNvPicPr/>
+              <p:nvPr/>
+            </p:nvPicPr>
+            <p:blipFill>
+              <a:blip r:embed="rId9"/>
+              <a:stretch>
+                <a:fillRect/>
+              </a:stretch>
+            </p:blipFill>
+            <p:spPr>
+              <a:xfrm>
+                <a:off x="903627" y="4923440"/>
+                <a:ext cx="495720" cy="169200"/>
+              </a:xfrm>
+              <a:prstGeom prst="rect">
+                <a:avLst/>
+              </a:prstGeom>
+            </p:spPr>
+          </p:pic>
+        </mc:Fallback>
+      </mc:AlternateContent>
+      <mc:AlternateContent xmlns:mc="http://schemas.openxmlformats.org/markup-compatibility/2006">
+        <mc:Choice xmlns:p14="http://schemas.microsoft.com/office/powerpoint/2010/main" Requires="p14">
+          <p:contentPart p14:bwMode="auto" r:id="rId10">
+            <p14:nvContentPartPr>
+              <p14:cNvPr id="14" name="Freihand 13">
+                <a:extLst>
+                  <a:ext uri="{FF2B5EF4-FFF2-40B4-BE49-F238E27FC236}">
+                    <a16:creationId xmlns:a16="http://schemas.microsoft.com/office/drawing/2014/main" id="{5155F6A2-2DBD-7C54-E908-CD12F9D57E25}"/>
+                  </a:ext>
+                </a:extLst>
+              </p14:cNvPr>
+              <p14:cNvContentPartPr/>
+              <p14:nvPr/>
+            </p14:nvContentPartPr>
+            <p14:xfrm>
+              <a:off x="736227" y="5189840"/>
+              <a:ext cx="1355400" cy="8640"/>
+            </p14:xfrm>
+          </p:contentPart>
+        </mc:Choice>
+        <mc:Fallback>
+          <p:pic>
+            <p:nvPicPr>
+              <p:cNvPr id="14" name="Freihand 13">
+                <a:extLst>
+                  <a:ext uri="{FF2B5EF4-FFF2-40B4-BE49-F238E27FC236}">
+                    <a16:creationId xmlns:a16="http://schemas.microsoft.com/office/drawing/2014/main" id="{5155F6A2-2DBD-7C54-E908-CD12F9D57E25}"/>
+                  </a:ext>
+                </a:extLst>
+              </p:cNvPr>
+              <p:cNvPicPr/>
+              <p:nvPr/>
+            </p:nvPicPr>
+            <p:blipFill>
+              <a:blip r:embed="rId11"/>
+              <a:stretch>
+                <a:fillRect/>
+              </a:stretch>
+            </p:blipFill>
+            <p:spPr>
+              <a:xfrm>
+                <a:off x="700227" y="5118200"/>
+                <a:ext cx="1427040" cy="152280"/>
+              </a:xfrm>
+              <a:prstGeom prst="rect">
+                <a:avLst/>
+              </a:prstGeom>
+            </p:spPr>
+          </p:pic>
+        </mc:Fallback>
+      </mc:AlternateContent>
     </p:spTree>
     <p:extLst>
       <p:ext uri="{BB962C8B-B14F-4D97-AF65-F5344CB8AC3E}">
         <p14:creationId xmlns:p14="http://schemas.microsoft.com/office/powerpoint/2010/main" val="1345074567"/>
+      </p:ext>
+    </p:extLst>
+  </p:cSld>
+  <p:clrMapOvr>
+    <a:masterClrMapping/>
+  </p:clrMapOvr>
+</p:sld>
+</file>
+
+<file path=ppt/slides/slide11.xml><?xml version="1.0" encoding="utf-8"?>
+<p:sld xmlns:a="http://schemas.openxmlformats.org/drawingml/2006/main" xmlns:r="http://schemas.openxmlformats.org/officeDocument/2006/relationships" xmlns:p="http://schemas.openxmlformats.org/presentationml/2006/main">
+  <p:cSld>
+    <p:bg>
+      <p:bgPr>
+        <a:solidFill>
+          <a:schemeClr val="bg1"/>
+        </a:solidFill>
+        <a:effectLst/>
+      </p:bgPr>
+    </p:bg>
+    <p:spTree>
+      <p:nvGrpSpPr>
+        <p:cNvPr id="1" name=""/>
+        <p:cNvGrpSpPr/>
+        <p:nvPr/>
+      </p:nvGrpSpPr>
+      <p:grpSpPr>
+        <a:xfrm>
+          <a:off x="0" y="0"/>
+          <a:ext cx="0" cy="0"/>
+          <a:chOff x="0" y="0"/>
+          <a:chExt cx="0" cy="0"/>
+        </a:xfrm>
+      </p:grpSpPr>
+      <p:sp useBgFill="1">
+        <p:nvSpPr>
+          <p:cNvPr id="9" name="Rectangle 8">
+            <a:extLst>
+              <a:ext uri="{FF2B5EF4-FFF2-40B4-BE49-F238E27FC236}">
+                <a16:creationId xmlns:a16="http://schemas.microsoft.com/office/drawing/2014/main" id="{4BC99CB9-DDAD-44A2-8A1C-E3AF4E72DF5C}"/>
+              </a:ext>
+              <a:ext uri="{C183D7F6-B498-43B3-948B-1728B52AA6E4}">
+                <adec:decorative xmlns:adec="http://schemas.microsoft.com/office/drawing/2017/decorative" val="1"/>
+              </a:ext>
+            </a:extLst>
+          </p:cNvPr>
+          <p:cNvSpPr>
+            <a:spLocks noGrp="1" noRot="1" noChangeAspect="1" noMove="1" noResize="1" noEditPoints="1" noAdjustHandles="1" noChangeArrowheads="1" noChangeShapeType="1" noTextEdit="1"/>
+          </p:cNvSpPr>
+          <p:nvPr>
+            <p:extLst>
+              <p:ext uri="{386F3935-93C4-4BCD-93E2-E3B085C9AB24}">
+                <p16:designElem xmlns:p16="http://schemas.microsoft.com/office/powerpoint/2015/main" val="1"/>
+              </p:ext>
+            </p:extLst>
+          </p:nvPr>
+        </p:nvSpPr>
+        <p:spPr>
+          <a:xfrm>
+            <a:off x="0" y="1"/>
+            <a:ext cx="12191695" cy="6858000"/>
+          </a:xfrm>
+          <a:prstGeom prst="rect">
+            <a:avLst/>
+          </a:prstGeom>
+          <a:ln>
+            <a:noFill/>
+          </a:ln>
+        </p:spPr>
+        <p:style>
+          <a:lnRef idx="2">
+            <a:schemeClr val="accent1">
+              <a:shade val="50000"/>
+            </a:schemeClr>
+          </a:lnRef>
+          <a:fillRef idx="1">
+            <a:schemeClr val="accent1"/>
+          </a:fillRef>
+          <a:effectRef idx="0">
+            <a:schemeClr val="accent1"/>
+          </a:effectRef>
+          <a:fontRef idx="minor">
+            <a:schemeClr val="lt1"/>
+          </a:fontRef>
+        </p:style>
+        <p:txBody>
+          <a:bodyPr rtlCol="0" anchor="ctr"/>
+          <a:lstStyle/>
+          <a:p>
+            <a:pPr algn="ctr"/>
+            <a:endParaRPr lang="en-US"/>
+          </a:p>
+        </p:txBody>
+      </p:sp>
+      <p:sp>
+        <p:nvSpPr>
+          <p:cNvPr id="11" name="Rectangle 10">
+            <a:extLst>
+              <a:ext uri="{FF2B5EF4-FFF2-40B4-BE49-F238E27FC236}">
+                <a16:creationId xmlns:a16="http://schemas.microsoft.com/office/drawing/2014/main" id="{64053CBF-3932-45FF-8285-EE5146085F3A}"/>
+              </a:ext>
+              <a:ext uri="{C183D7F6-B498-43B3-948B-1728B52AA6E4}">
+                <adec:decorative xmlns:adec="http://schemas.microsoft.com/office/drawing/2017/decorative" val="1"/>
+              </a:ext>
+            </a:extLst>
+          </p:cNvPr>
+          <p:cNvSpPr>
+            <a:spLocks noGrp="1" noRot="1" noChangeAspect="1" noMove="1" noResize="1" noEditPoints="1" noAdjustHandles="1" noChangeArrowheads="1" noChangeShapeType="1" noTextEdit="1"/>
+          </p:cNvSpPr>
+          <p:nvPr>
+            <p:extLst>
+              <p:ext uri="{386F3935-93C4-4BCD-93E2-E3B085C9AB24}">
+                <p16:designElem xmlns:p16="http://schemas.microsoft.com/office/powerpoint/2015/main" val="1"/>
+              </p:ext>
+            </p:extLst>
+          </p:nvPr>
+        </p:nvSpPr>
+        <p:spPr>
+          <a:xfrm>
+            <a:off x="0" y="0"/>
+            <a:ext cx="12191695" cy="6858000"/>
+          </a:xfrm>
+          <a:prstGeom prst="rect">
+            <a:avLst/>
+          </a:prstGeom>
+          <a:gradFill flip="none" rotWithShape="1">
+            <a:gsLst>
+              <a:gs pos="16000">
+                <a:schemeClr val="accent6">
+                  <a:alpha val="20000"/>
+                </a:schemeClr>
+              </a:gs>
+              <a:gs pos="85000">
+                <a:schemeClr val="accent1">
+                  <a:alpha val="40000"/>
+                </a:schemeClr>
+              </a:gs>
+            </a:gsLst>
+            <a:lin ang="12000000" scaled="0"/>
+            <a:tileRect/>
+          </a:gradFill>
+          <a:ln>
+            <a:noFill/>
+          </a:ln>
+        </p:spPr>
+        <p:style>
+          <a:lnRef idx="2">
+            <a:schemeClr val="accent1">
+              <a:shade val="50000"/>
+            </a:schemeClr>
+          </a:lnRef>
+          <a:fillRef idx="1">
+            <a:schemeClr val="accent1"/>
+          </a:fillRef>
+          <a:effectRef idx="0">
+            <a:schemeClr val="accent1"/>
+          </a:effectRef>
+          <a:fontRef idx="minor">
+            <a:schemeClr val="lt1"/>
+          </a:fontRef>
+        </p:style>
+        <p:txBody>
+          <a:bodyPr rtlCol="0" anchor="ctr"/>
+          <a:lstStyle/>
+          <a:p>
+            <a:pPr algn="ctr"/>
+            <a:endParaRPr lang="en-US"/>
+          </a:p>
+        </p:txBody>
+      </p:sp>
+      <p:grpSp>
+        <p:nvGrpSpPr>
+          <p:cNvPr id="13" name="Group 12">
+            <a:extLst>
+              <a:ext uri="{FF2B5EF4-FFF2-40B4-BE49-F238E27FC236}">
+                <a16:creationId xmlns:a16="http://schemas.microsoft.com/office/drawing/2014/main" id="{2E751C04-BEA6-446B-A678-9C74819EBD4C}"/>
+              </a:ext>
+              <a:ext uri="{C183D7F6-B498-43B3-948B-1728B52AA6E4}">
+                <adec:decorative xmlns:adec="http://schemas.microsoft.com/office/drawing/2017/decorative" val="1"/>
+              </a:ext>
+            </a:extLst>
+          </p:cNvPr>
+          <p:cNvGrpSpPr>
+            <a:grpSpLocks noGrp="1" noUngrp="1" noRot="1" noChangeAspect="1" noMove="1" noResize="1"/>
+          </p:cNvGrpSpPr>
+          <p:nvPr>
+            <p:extLst>
+              <p:ext uri="{386F3935-93C4-4BCD-93E2-E3B085C9AB24}">
+                <p16:designElem xmlns:p16="http://schemas.microsoft.com/office/powerpoint/2015/main" val="1"/>
+              </p:ext>
+            </p:extLst>
+          </p:nvPr>
+        </p:nvGrpSpPr>
+        <p:grpSpPr>
+          <a:xfrm flipH="1">
+            <a:off x="-18230" y="-8167"/>
+            <a:ext cx="4834070" cy="2488150"/>
+            <a:chOff x="6867015" y="-1"/>
+            <a:chExt cx="5324985" cy="3251912"/>
+          </a:xfrm>
+          <a:solidFill>
+            <a:schemeClr val="bg1">
+              <a:alpha val="30000"/>
+            </a:schemeClr>
+          </a:solidFill>
+        </p:grpSpPr>
+        <p:sp>
+          <p:nvSpPr>
+            <p:cNvPr id="14" name="Freeform: Shape 13">
+              <a:extLst>
+                <a:ext uri="{FF2B5EF4-FFF2-40B4-BE49-F238E27FC236}">
+                  <a16:creationId xmlns:a16="http://schemas.microsoft.com/office/drawing/2014/main" id="{2625A013-D9BE-43C4-AF21-6F2B003EFBEF}"/>
+                </a:ext>
+                <a:ext uri="{C183D7F6-B498-43B3-948B-1728B52AA6E4}">
+                  <adec:decorative xmlns:adec="http://schemas.microsoft.com/office/drawing/2017/decorative" val="1"/>
+                </a:ext>
+              </a:extLst>
+            </p:cNvPr>
+            <p:cNvSpPr/>
+            <p:nvPr>
+              <p:extLst>
+                <p:ext uri="{386F3935-93C4-4BCD-93E2-E3B085C9AB24}">
+                  <p16:designElem xmlns:p16="http://schemas.microsoft.com/office/powerpoint/2015/main" val="1"/>
+                </p:ext>
+              </p:extLst>
+            </p:nvPr>
+          </p:nvSpPr>
+          <p:spPr>
+            <a:xfrm>
+              <a:off x="6867015" y="-1"/>
+              <a:ext cx="5324985" cy="3251912"/>
+            </a:xfrm>
+            <a:custGeom>
+              <a:avLst/>
+              <a:gdLst>
+                <a:gd name="connsiteX0" fmla="*/ 0 w 5324985"/>
+                <a:gd name="connsiteY0" fmla="*/ 0 h 3251912"/>
+                <a:gd name="connsiteX1" fmla="*/ 36826 w 5324985"/>
+                <a:gd name="connsiteY1" fmla="*/ 0 h 3251912"/>
+                <a:gd name="connsiteX2" fmla="*/ 45003 w 5324985"/>
+                <a:gd name="connsiteY2" fmla="*/ 152909 h 3251912"/>
+                <a:gd name="connsiteX3" fmla="*/ 68956 w 5324985"/>
+                <a:gd name="connsiteY3" fmla="*/ 308600 h 3251912"/>
+                <a:gd name="connsiteX4" fmla="*/ 167774 w 5324985"/>
+                <a:gd name="connsiteY4" fmla="*/ 607968 h 3251912"/>
+                <a:gd name="connsiteX5" fmla="*/ 201857 w 5324985"/>
+                <a:gd name="connsiteY5" fmla="*/ 679539 h 3251912"/>
+                <a:gd name="connsiteX6" fmla="*/ 239741 w 5324985"/>
+                <a:gd name="connsiteY6" fmla="*/ 749488 h 3251912"/>
+                <a:gd name="connsiteX7" fmla="*/ 323724 w 5324985"/>
+                <a:gd name="connsiteY7" fmla="*/ 885101 h 3251912"/>
+                <a:gd name="connsiteX8" fmla="*/ 416412 w 5324985"/>
+                <a:gd name="connsiteY8" fmla="*/ 1016081 h 3251912"/>
+                <a:gd name="connsiteX9" fmla="*/ 515719 w 5324985"/>
+                <a:gd name="connsiteY9" fmla="*/ 1143356 h 3251912"/>
+                <a:gd name="connsiteX10" fmla="*/ 722427 w 5324985"/>
+                <a:gd name="connsiteY10" fmla="*/ 1395127 h 3251912"/>
+                <a:gd name="connsiteX11" fmla="*/ 825780 w 5324985"/>
+                <a:gd name="connsiteY11" fmla="*/ 1522749 h 3251912"/>
+                <a:gd name="connsiteX12" fmla="*/ 926314 w 5324985"/>
+                <a:gd name="connsiteY12" fmla="*/ 1651992 h 3251912"/>
+                <a:gd name="connsiteX13" fmla="*/ 1026848 w 5324985"/>
+                <a:gd name="connsiteY13" fmla="*/ 1776836 h 3251912"/>
+                <a:gd name="connsiteX14" fmla="*/ 1131918 w 5324985"/>
+                <a:gd name="connsiteY14" fmla="*/ 1897393 h 3251912"/>
+                <a:gd name="connsiteX15" fmla="*/ 1354688 w 5324985"/>
+                <a:gd name="connsiteY15" fmla="*/ 2124728 h 3251912"/>
+                <a:gd name="connsiteX16" fmla="*/ 1855027 w 5324985"/>
+                <a:gd name="connsiteY16" fmla="*/ 2504236 h 3251912"/>
+                <a:gd name="connsiteX17" fmla="*/ 2131618 w 5324985"/>
+                <a:gd name="connsiteY17" fmla="*/ 2646913 h 3251912"/>
+                <a:gd name="connsiteX18" fmla="*/ 2423534 w 5324985"/>
+                <a:gd name="connsiteY18" fmla="*/ 2754732 h 3251912"/>
+                <a:gd name="connsiteX19" fmla="*/ 2727588 w 5324985"/>
+                <a:gd name="connsiteY19" fmla="*/ 2829197 h 3251912"/>
+                <a:gd name="connsiteX20" fmla="*/ 3041083 w 5324985"/>
+                <a:gd name="connsiteY20" fmla="*/ 2870890 h 3251912"/>
+                <a:gd name="connsiteX21" fmla="*/ 3360340 w 5324985"/>
+                <a:gd name="connsiteY21" fmla="*/ 2883976 h 3251912"/>
+                <a:gd name="connsiteX22" fmla="*/ 3439663 w 5324985"/>
+                <a:gd name="connsiteY22" fmla="*/ 2883396 h 3251912"/>
+                <a:gd name="connsiteX23" fmla="*/ 3478529 w 5324985"/>
+                <a:gd name="connsiteY23" fmla="*/ 2882471 h 3251912"/>
+                <a:gd name="connsiteX24" fmla="*/ 3517271 w 5324985"/>
+                <a:gd name="connsiteY24" fmla="*/ 2880616 h 3251912"/>
+                <a:gd name="connsiteX25" fmla="*/ 3671260 w 5324985"/>
+                <a:gd name="connsiteY25" fmla="*/ 2867878 h 3251912"/>
+                <a:gd name="connsiteX26" fmla="*/ 4265268 w 5324985"/>
+                <a:gd name="connsiteY26" fmla="*/ 2716283 h 3251912"/>
+                <a:gd name="connsiteX27" fmla="*/ 4546395 w 5324985"/>
+                <a:gd name="connsiteY27" fmla="*/ 2584724 h 3251912"/>
+                <a:gd name="connsiteX28" fmla="*/ 4817837 w 5324985"/>
+                <a:gd name="connsiteY28" fmla="*/ 2424674 h 3251912"/>
+                <a:gd name="connsiteX29" fmla="*/ 5081677 w 5324985"/>
+                <a:gd name="connsiteY29" fmla="*/ 2243548 h 3251912"/>
+                <a:gd name="connsiteX30" fmla="*/ 5211881 w 5324985"/>
+                <a:gd name="connsiteY30" fmla="*/ 2147658 h 3251912"/>
+                <a:gd name="connsiteX31" fmla="*/ 5324985 w 5324985"/>
+                <a:gd name="connsiteY31" fmla="*/ 2062128 h 3251912"/>
+                <a:gd name="connsiteX32" fmla="*/ 5324985 w 5324985"/>
+                <a:gd name="connsiteY32" fmla="*/ 2514993 h 3251912"/>
+                <a:gd name="connsiteX33" fmla="*/ 5314867 w 5324985"/>
+                <a:gd name="connsiteY33" fmla="*/ 2522881 h 3251912"/>
+                <a:gd name="connsiteX34" fmla="*/ 5038276 w 5324985"/>
+                <a:gd name="connsiteY34" fmla="*/ 2722421 h 3251912"/>
+                <a:gd name="connsiteX35" fmla="*/ 4741701 w 5324985"/>
+                <a:gd name="connsiteY35" fmla="*/ 2904937 h 3251912"/>
+                <a:gd name="connsiteX36" fmla="*/ 4420728 w 5324985"/>
+                <a:gd name="connsiteY36" fmla="*/ 3058848 h 3251912"/>
+                <a:gd name="connsiteX37" fmla="*/ 3717481 w 5324985"/>
+                <a:gd name="connsiteY37" fmla="*/ 3237079 h 3251912"/>
+                <a:gd name="connsiteX38" fmla="*/ 3535661 w 5324985"/>
+                <a:gd name="connsiteY38" fmla="*/ 3249934 h 3251912"/>
+                <a:gd name="connsiteX39" fmla="*/ 3490175 w 5324985"/>
+                <a:gd name="connsiteY39" fmla="*/ 3251555 h 3251912"/>
+                <a:gd name="connsiteX40" fmla="*/ 3444813 w 5324985"/>
+                <a:gd name="connsiteY40" fmla="*/ 3251787 h 3251912"/>
+                <a:gd name="connsiteX41" fmla="*/ 3355681 w 5324985"/>
+                <a:gd name="connsiteY41" fmla="*/ 3250745 h 3251912"/>
+                <a:gd name="connsiteX42" fmla="*/ 3179011 w 5324985"/>
+                <a:gd name="connsiteY42" fmla="*/ 3243795 h 3251912"/>
+                <a:gd name="connsiteX43" fmla="*/ 3002217 w 5324985"/>
+                <a:gd name="connsiteY43" fmla="*/ 3227814 h 3251912"/>
+                <a:gd name="connsiteX44" fmla="*/ 2650103 w 5324985"/>
+                <a:gd name="connsiteY44" fmla="*/ 3170836 h 3251912"/>
+                <a:gd name="connsiteX45" fmla="*/ 2305836 w 5324985"/>
+                <a:gd name="connsiteY45" fmla="*/ 3072514 h 3251912"/>
+                <a:gd name="connsiteX46" fmla="*/ 1978611 w 5324985"/>
+                <a:gd name="connsiteY46" fmla="*/ 2929952 h 3251912"/>
+                <a:gd name="connsiteX47" fmla="*/ 1678235 w 5324985"/>
+                <a:gd name="connsiteY47" fmla="*/ 2744424 h 3251912"/>
+                <a:gd name="connsiteX48" fmla="*/ 1175688 w 5324985"/>
+                <a:gd name="connsiteY48" fmla="*/ 2277018 h 3251912"/>
+                <a:gd name="connsiteX49" fmla="*/ 971310 w 5324985"/>
+                <a:gd name="connsiteY49" fmla="*/ 2012044 h 3251912"/>
+                <a:gd name="connsiteX50" fmla="*/ 790717 w 5324985"/>
+                <a:gd name="connsiteY50" fmla="*/ 1735723 h 3251912"/>
+                <a:gd name="connsiteX51" fmla="*/ 706488 w 5324985"/>
+                <a:gd name="connsiteY51" fmla="*/ 1598604 h 3251912"/>
+                <a:gd name="connsiteX52" fmla="*/ 618951 w 5324985"/>
+                <a:gd name="connsiteY52" fmla="*/ 1463802 h 3251912"/>
+                <a:gd name="connsiteX53" fmla="*/ 436273 w 5324985"/>
+                <a:gd name="connsiteY53" fmla="*/ 1195355 h 3251912"/>
+                <a:gd name="connsiteX54" fmla="*/ 346896 w 5324985"/>
+                <a:gd name="connsiteY54" fmla="*/ 1058816 h 3251912"/>
+                <a:gd name="connsiteX55" fmla="*/ 261809 w 5324985"/>
+                <a:gd name="connsiteY55" fmla="*/ 919264 h 3251912"/>
+                <a:gd name="connsiteX56" fmla="*/ 118487 w 5324985"/>
+                <a:gd name="connsiteY56" fmla="*/ 626498 h 3251912"/>
+                <a:gd name="connsiteX57" fmla="*/ 28130 w 5324985"/>
+                <a:gd name="connsiteY57" fmla="*/ 315781 h 3251912"/>
+                <a:gd name="connsiteX58" fmla="*/ 6751 w 5324985"/>
+                <a:gd name="connsiteY58" fmla="*/ 156195 h 3251912"/>
+              </a:gdLst>
+              <a:ahLst/>
+              <a:cxnLst>
+                <a:cxn ang="0">
+                  <a:pos x="connsiteX0" y="connsiteY0"/>
+                </a:cxn>
+                <a:cxn ang="0">
+                  <a:pos x="connsiteX1" y="connsiteY1"/>
+                </a:cxn>
+                <a:cxn ang="0">
+                  <a:pos x="connsiteX2" y="connsiteY2"/>
+                </a:cxn>
+                <a:cxn ang="0">
+                  <a:pos x="connsiteX3" y="connsiteY3"/>
+                </a:cxn>
+                <a:cxn ang="0">
+                  <a:pos x="connsiteX4" y="connsiteY4"/>
+                </a:cxn>
+                <a:cxn ang="0">
+                  <a:pos x="connsiteX5" y="connsiteY5"/>
+                </a:cxn>
+                <a:cxn ang="0">
+                  <a:pos x="connsiteX6" y="connsiteY6"/>
+                </a:cxn>
+                <a:cxn ang="0">
+                  <a:pos x="connsiteX7" y="connsiteY7"/>
+                </a:cxn>
+                <a:cxn ang="0">
+                  <a:pos x="connsiteX8" y="connsiteY8"/>
+                </a:cxn>
+                <a:cxn ang="0">
+                  <a:pos x="connsiteX9" y="connsiteY9"/>
+                </a:cxn>
+                <a:cxn ang="0">
+                  <a:pos x="connsiteX10" y="connsiteY10"/>
+                </a:cxn>
+                <a:cxn ang="0">
+                  <a:pos x="connsiteX11" y="connsiteY11"/>
+                </a:cxn>
+                <a:cxn ang="0">
+                  <a:pos x="connsiteX12" y="connsiteY12"/>
+                </a:cxn>
+                <a:cxn ang="0">
+                  <a:pos x="connsiteX13" y="connsiteY13"/>
+                </a:cxn>
+                <a:cxn ang="0">
+                  <a:pos x="connsiteX14" y="connsiteY14"/>
+                </a:cxn>
+                <a:cxn ang="0">
+                  <a:pos x="connsiteX15" y="connsiteY15"/>
+                </a:cxn>
+                <a:cxn ang="0">
+                  <a:pos x="connsiteX16" y="connsiteY16"/>
+                </a:cxn>
+                <a:cxn ang="0">
+                  <a:pos x="connsiteX17" y="connsiteY17"/>
+                </a:cxn>
+                <a:cxn ang="0">
+                  <a:pos x="connsiteX18" y="connsiteY18"/>
+                </a:cxn>
+                <a:cxn ang="0">
+                  <a:pos x="connsiteX19" y="connsiteY19"/>
+                </a:cxn>
+                <a:cxn ang="0">
+                  <a:pos x="connsiteX20" y="connsiteY20"/>
+                </a:cxn>
+                <a:cxn ang="0">
+                  <a:pos x="connsiteX21" y="connsiteY21"/>
+                </a:cxn>
+                <a:cxn ang="0">
+                  <a:pos x="connsiteX22" y="connsiteY22"/>
+                </a:cxn>
+                <a:cxn ang="0">
+                  <a:pos x="connsiteX23" y="connsiteY23"/>
+                </a:cxn>
+                <a:cxn ang="0">
+                  <a:pos x="connsiteX24" y="connsiteY24"/>
+                </a:cxn>
+                <a:cxn ang="0">
+                  <a:pos x="connsiteX25" y="connsiteY25"/>
+                </a:cxn>
+                <a:cxn ang="0">
+                  <a:pos x="connsiteX26" y="connsiteY26"/>
+                </a:cxn>
+                <a:cxn ang="0">
+                  <a:pos x="connsiteX27" y="connsiteY27"/>
+                </a:cxn>
+                <a:cxn ang="0">
+                  <a:pos x="connsiteX28" y="connsiteY28"/>
+                </a:cxn>
+                <a:cxn ang="0">
+                  <a:pos x="connsiteX29" y="connsiteY29"/>
+                </a:cxn>
+                <a:cxn ang="0">
+                  <a:pos x="connsiteX30" y="connsiteY30"/>
+                </a:cxn>
+                <a:cxn ang="0">
+                  <a:pos x="connsiteX31" y="connsiteY31"/>
+                </a:cxn>
+                <a:cxn ang="0">
+                  <a:pos x="connsiteX32" y="connsiteY32"/>
+                </a:cxn>
+                <a:cxn ang="0">
+                  <a:pos x="connsiteX33" y="connsiteY33"/>
+                </a:cxn>
+                <a:cxn ang="0">
+                  <a:pos x="connsiteX34" y="connsiteY34"/>
+                </a:cxn>
+                <a:cxn ang="0">
+                  <a:pos x="connsiteX35" y="connsiteY35"/>
+                </a:cxn>
+                <a:cxn ang="0">
+                  <a:pos x="connsiteX36" y="connsiteY36"/>
+                </a:cxn>
+                <a:cxn ang="0">
+                  <a:pos x="connsiteX37" y="connsiteY37"/>
+                </a:cxn>
+                <a:cxn ang="0">
+                  <a:pos x="connsiteX38" y="connsiteY38"/>
+                </a:cxn>
+                <a:cxn ang="0">
+                  <a:pos x="connsiteX39" y="connsiteY39"/>
+                </a:cxn>
+                <a:cxn ang="0">
+                  <a:pos x="connsiteX40" y="connsiteY40"/>
+                </a:cxn>
+                <a:cxn ang="0">
+                  <a:pos x="connsiteX41" y="connsiteY41"/>
+                </a:cxn>
+                <a:cxn ang="0">
+                  <a:pos x="connsiteX42" y="connsiteY42"/>
+                </a:cxn>
+                <a:cxn ang="0">
+                  <a:pos x="connsiteX43" y="connsiteY43"/>
+                </a:cxn>
+                <a:cxn ang="0">
+                  <a:pos x="connsiteX44" y="connsiteY44"/>
+                </a:cxn>
+                <a:cxn ang="0">
+                  <a:pos x="connsiteX45" y="connsiteY45"/>
+                </a:cxn>
+                <a:cxn ang="0">
+                  <a:pos x="connsiteX46" y="connsiteY46"/>
+                </a:cxn>
+                <a:cxn ang="0">
+                  <a:pos x="connsiteX47" y="connsiteY47"/>
+                </a:cxn>
+                <a:cxn ang="0">
+                  <a:pos x="connsiteX48" y="connsiteY48"/>
+                </a:cxn>
+                <a:cxn ang="0">
+                  <a:pos x="connsiteX49" y="connsiteY49"/>
+                </a:cxn>
+                <a:cxn ang="0">
+                  <a:pos x="connsiteX50" y="connsiteY50"/>
+                </a:cxn>
+                <a:cxn ang="0">
+                  <a:pos x="connsiteX51" y="connsiteY51"/>
+                </a:cxn>
+                <a:cxn ang="0">
+                  <a:pos x="connsiteX52" y="connsiteY52"/>
+                </a:cxn>
+                <a:cxn ang="0">
+                  <a:pos x="connsiteX53" y="connsiteY53"/>
+                </a:cxn>
+                <a:cxn ang="0">
+                  <a:pos x="connsiteX54" y="connsiteY54"/>
+                </a:cxn>
+                <a:cxn ang="0">
+                  <a:pos x="connsiteX55" y="connsiteY55"/>
+                </a:cxn>
+                <a:cxn ang="0">
+                  <a:pos x="connsiteX56" y="connsiteY56"/>
+                </a:cxn>
+                <a:cxn ang="0">
+                  <a:pos x="connsiteX57" y="connsiteY57"/>
+                </a:cxn>
+                <a:cxn ang="0">
+                  <a:pos x="connsiteX58" y="connsiteY58"/>
+                </a:cxn>
+              </a:cxnLst>
+              <a:rect l="l" t="t" r="r" b="b"/>
+              <a:pathLst>
+                <a:path w="5324985" h="3251912">
+                  <a:moveTo>
+                    <a:pt x="0" y="0"/>
+                  </a:moveTo>
+                  <a:lnTo>
+                    <a:pt x="36826" y="0"/>
+                  </a:lnTo>
+                  <a:lnTo>
+                    <a:pt x="45003" y="152909"/>
+                  </a:lnTo>
+                  <a:cubicBezTo>
+                    <a:pt x="50351" y="205154"/>
+                    <a:pt x="58290" y="257123"/>
+                    <a:pt x="68956" y="308600"/>
+                  </a:cubicBezTo>
+                  <a:cubicBezTo>
+                    <a:pt x="91393" y="411324"/>
+                    <a:pt x="123882" y="511847"/>
+                    <a:pt x="167774" y="607968"/>
+                  </a:cubicBezTo>
+                  <a:cubicBezTo>
+                    <a:pt x="178195" y="632173"/>
+                    <a:pt x="190333" y="655798"/>
+                    <a:pt x="201857" y="679539"/>
+                  </a:cubicBezTo>
+                  <a:cubicBezTo>
+                    <a:pt x="214363" y="702933"/>
+                    <a:pt x="226255" y="726557"/>
+                    <a:pt x="239741" y="749488"/>
+                  </a:cubicBezTo>
+                  <a:cubicBezTo>
+                    <a:pt x="265488" y="795812"/>
+                    <a:pt x="294176" y="840746"/>
+                    <a:pt x="323724" y="885101"/>
+                  </a:cubicBezTo>
+                  <a:cubicBezTo>
+                    <a:pt x="353149" y="929572"/>
+                    <a:pt x="384657" y="972885"/>
+                    <a:pt x="416412" y="1016081"/>
+                  </a:cubicBezTo>
+                  <a:cubicBezTo>
+                    <a:pt x="448655" y="1058931"/>
+                    <a:pt x="482127" y="1101202"/>
+                    <a:pt x="515719" y="1143356"/>
+                  </a:cubicBezTo>
+                  <a:cubicBezTo>
+                    <a:pt x="583027" y="1227782"/>
+                    <a:pt x="653402" y="1310470"/>
+                    <a:pt x="722427" y="1395127"/>
+                  </a:cubicBezTo>
+                  <a:cubicBezTo>
+                    <a:pt x="757123" y="1437282"/>
+                    <a:pt x="791697" y="1479783"/>
+                    <a:pt x="825780" y="1522749"/>
+                  </a:cubicBezTo>
+                  <a:cubicBezTo>
+                    <a:pt x="859742" y="1565367"/>
+                    <a:pt x="893457" y="1610649"/>
+                    <a:pt x="926314" y="1651992"/>
+                  </a:cubicBezTo>
+                  <a:cubicBezTo>
+                    <a:pt x="958927" y="1694379"/>
+                    <a:pt x="993132" y="1735492"/>
+                    <a:pt x="1026848" y="1776836"/>
+                  </a:cubicBezTo>
+                  <a:cubicBezTo>
+                    <a:pt x="1061545" y="1817485"/>
+                    <a:pt x="1095996" y="1858133"/>
+                    <a:pt x="1131918" y="1897393"/>
+                  </a:cubicBezTo>
+                  <a:cubicBezTo>
+                    <a:pt x="1203273" y="1976376"/>
+                    <a:pt x="1277447" y="2052463"/>
+                    <a:pt x="1354688" y="2124728"/>
+                  </a:cubicBezTo>
+                  <a:cubicBezTo>
+                    <a:pt x="1509411" y="2268911"/>
+                    <a:pt x="1676396" y="2397575"/>
+                    <a:pt x="1855027" y="2504236"/>
+                  </a:cubicBezTo>
+                  <a:cubicBezTo>
+                    <a:pt x="1944528" y="2557277"/>
+                    <a:pt x="2036357" y="2605917"/>
+                    <a:pt x="2131618" y="2646913"/>
+                  </a:cubicBezTo>
+                  <a:cubicBezTo>
+                    <a:pt x="2226267" y="2689068"/>
+                    <a:pt x="2323981" y="2724622"/>
+                    <a:pt x="2423534" y="2754732"/>
+                  </a:cubicBezTo>
+                  <a:cubicBezTo>
+                    <a:pt x="2523087" y="2784958"/>
+                    <a:pt x="2624602" y="2809394"/>
+                    <a:pt x="2727588" y="2829197"/>
+                  </a:cubicBezTo>
+                  <a:cubicBezTo>
+                    <a:pt x="2830698" y="2848653"/>
+                    <a:pt x="2935522" y="2861971"/>
+                    <a:pt x="3041083" y="2870890"/>
+                  </a:cubicBezTo>
+                  <a:cubicBezTo>
+                    <a:pt x="3146644" y="2879922"/>
+                    <a:pt x="3253307" y="2883860"/>
+                    <a:pt x="3360340" y="2883976"/>
+                  </a:cubicBezTo>
+                  <a:cubicBezTo>
+                    <a:pt x="3387067" y="2883976"/>
+                    <a:pt x="3414162" y="2884439"/>
+                    <a:pt x="3439663" y="2883396"/>
+                  </a:cubicBezTo>
+                  <a:lnTo>
+                    <a:pt x="3478529" y="2882471"/>
+                  </a:lnTo>
+                  <a:lnTo>
+                    <a:pt x="3517271" y="2880616"/>
+                  </a:lnTo>
+                  <a:cubicBezTo>
+                    <a:pt x="3568887" y="2878417"/>
+                    <a:pt x="3620257" y="2873552"/>
+                    <a:pt x="3671260" y="2867878"/>
+                  </a:cubicBezTo>
+                  <a:cubicBezTo>
+                    <a:pt x="3875515" y="2844253"/>
+                    <a:pt x="4074253" y="2792486"/>
+                    <a:pt x="4265268" y="2716283"/>
+                  </a:cubicBezTo>
+                  <a:cubicBezTo>
+                    <a:pt x="4361020" y="2678529"/>
+                    <a:pt x="4454444" y="2633710"/>
+                    <a:pt x="4546395" y="2584724"/>
+                  </a:cubicBezTo>
+                  <a:cubicBezTo>
+                    <a:pt x="4638470" y="2535967"/>
+                    <a:pt x="4728827" y="2481885"/>
+                    <a:pt x="4817837" y="2424674"/>
+                  </a:cubicBezTo>
+                  <a:cubicBezTo>
+                    <a:pt x="4906846" y="2367348"/>
+                    <a:pt x="4994385" y="2306317"/>
+                    <a:pt x="5081677" y="2243548"/>
+                  </a:cubicBezTo>
+                  <a:cubicBezTo>
+                    <a:pt x="5125201" y="2212164"/>
+                    <a:pt x="5168603" y="2179969"/>
+                    <a:pt x="5211881" y="2147658"/>
+                  </a:cubicBezTo>
+                  <a:lnTo>
+                    <a:pt x="5324985" y="2062128"/>
+                  </a:lnTo>
+                  <a:lnTo>
+                    <a:pt x="5324985" y="2514993"/>
+                  </a:lnTo>
+                  <a:lnTo>
+                    <a:pt x="5314867" y="2522881"/>
+                  </a:lnTo>
+                  <a:cubicBezTo>
+                    <a:pt x="5225490" y="2591325"/>
+                    <a:pt x="5133783" y="2658379"/>
+                    <a:pt x="5038276" y="2722421"/>
+                  </a:cubicBezTo>
+                  <a:cubicBezTo>
+                    <a:pt x="4942892" y="2786348"/>
+                    <a:pt x="4844810" y="2848422"/>
+                    <a:pt x="4741701" y="2904937"/>
+                  </a:cubicBezTo>
+                  <a:cubicBezTo>
+                    <a:pt x="4638592" y="2961337"/>
+                    <a:pt x="4531929" y="3013683"/>
+                    <a:pt x="4420728" y="3058848"/>
+                  </a:cubicBezTo>
+                  <a:cubicBezTo>
+                    <a:pt x="4199063" y="3150338"/>
+                    <a:pt x="3959621" y="3211485"/>
+                    <a:pt x="3717481" y="3237079"/>
+                  </a:cubicBezTo>
+                  <a:cubicBezTo>
+                    <a:pt x="3656914" y="3243101"/>
+                    <a:pt x="3596227" y="3247966"/>
+                    <a:pt x="3535661" y="3249934"/>
+                  </a:cubicBezTo>
+                  <a:lnTo>
+                    <a:pt x="3490175" y="3251555"/>
+                  </a:lnTo>
+                  <a:lnTo>
+                    <a:pt x="3444813" y="3251787"/>
+                  </a:lnTo>
+                  <a:cubicBezTo>
+                    <a:pt x="3414162" y="3252250"/>
+                    <a:pt x="3385105" y="3251324"/>
+                    <a:pt x="3355681" y="3250745"/>
+                  </a:cubicBezTo>
+                  <a:cubicBezTo>
+                    <a:pt x="3296954" y="3250050"/>
+                    <a:pt x="3237860" y="3246692"/>
+                    <a:pt x="3179011" y="3243795"/>
+                  </a:cubicBezTo>
+                  <a:cubicBezTo>
+                    <a:pt x="3120039" y="3239164"/>
+                    <a:pt x="3061067" y="3234878"/>
+                    <a:pt x="3002217" y="3227814"/>
+                  </a:cubicBezTo>
+                  <a:cubicBezTo>
+                    <a:pt x="2884397" y="3214496"/>
+                    <a:pt x="2766699" y="3196314"/>
+                    <a:pt x="2650103" y="3170836"/>
+                  </a:cubicBezTo>
+                  <a:cubicBezTo>
+                    <a:pt x="2533510" y="3145358"/>
+                    <a:pt x="2418263" y="3112583"/>
+                    <a:pt x="2305836" y="3072514"/>
+                  </a:cubicBezTo>
+                  <a:cubicBezTo>
+                    <a:pt x="2193410" y="3032328"/>
+                    <a:pt x="2083926" y="2984383"/>
+                    <a:pt x="1978611" y="2929952"/>
+                  </a:cubicBezTo>
+                  <a:cubicBezTo>
+                    <a:pt x="1873663" y="2874711"/>
+                    <a:pt x="1772884" y="2812985"/>
+                    <a:pt x="1678235" y="2744424"/>
+                  </a:cubicBezTo>
+                  <a:cubicBezTo>
+                    <a:pt x="1488201" y="2608001"/>
+                    <a:pt x="1321708" y="2448068"/>
+                    <a:pt x="1175688" y="2277018"/>
+                  </a:cubicBezTo>
+                  <a:cubicBezTo>
+                    <a:pt x="1102985" y="2191086"/>
+                    <a:pt x="1035309" y="2102377"/>
+                    <a:pt x="971310" y="2012044"/>
+                  </a:cubicBezTo>
+                  <a:cubicBezTo>
+                    <a:pt x="907188" y="1921714"/>
+                    <a:pt x="847358" y="1829413"/>
+                    <a:pt x="790717" y="1735723"/>
+                  </a:cubicBezTo>
+                  <a:cubicBezTo>
+                    <a:pt x="761782" y="1688357"/>
+                    <a:pt x="735300" y="1644002"/>
+                    <a:pt x="706488" y="1598604"/>
+                  </a:cubicBezTo>
+                  <a:cubicBezTo>
+                    <a:pt x="677922" y="1553555"/>
+                    <a:pt x="648866" y="1508505"/>
+                    <a:pt x="618951" y="1463802"/>
+                  </a:cubicBezTo>
+                  <a:lnTo>
+                    <a:pt x="436273" y="1195355"/>
+                  </a:lnTo>
+                  <a:cubicBezTo>
+                    <a:pt x="405990" y="1150189"/>
+                    <a:pt x="376075" y="1104792"/>
+                    <a:pt x="346896" y="1058816"/>
+                  </a:cubicBezTo>
+                  <a:cubicBezTo>
+                    <a:pt x="317716" y="1012838"/>
+                    <a:pt x="288782" y="966747"/>
+                    <a:pt x="261809" y="919264"/>
+                  </a:cubicBezTo>
+                  <a:cubicBezTo>
+                    <a:pt x="207742" y="824764"/>
+                    <a:pt x="158088" y="727485"/>
+                    <a:pt x="118487" y="626498"/>
+                  </a:cubicBezTo>
+                  <a:cubicBezTo>
+                    <a:pt x="78151" y="525859"/>
+                    <a:pt x="48237" y="421515"/>
+                    <a:pt x="28130" y="315781"/>
+                  </a:cubicBezTo>
+                  <a:cubicBezTo>
+                    <a:pt x="18506" y="262914"/>
+                    <a:pt x="11425" y="209642"/>
+                    <a:pt x="6751" y="156195"/>
+                  </a:cubicBezTo>
+                  <a:close/>
+                </a:path>
+              </a:pathLst>
+            </a:custGeom>
+            <a:grpFill/>
+            <a:ln>
+              <a:noFill/>
+            </a:ln>
+          </p:spPr>
+          <p:style>
+            <a:lnRef idx="2">
+              <a:schemeClr val="accent1">
+                <a:shade val="50000"/>
+              </a:schemeClr>
+            </a:lnRef>
+            <a:fillRef idx="1">
+              <a:schemeClr val="accent1"/>
+            </a:fillRef>
+            <a:effectRef idx="0">
+              <a:schemeClr val="accent1"/>
+            </a:effectRef>
+            <a:fontRef idx="minor">
+              <a:schemeClr val="lt1"/>
+            </a:fontRef>
+          </p:style>
+          <p:txBody>
+            <a:bodyPr rtlCol="0" anchor="ctr"/>
+            <a:lstStyle/>
+            <a:p>
+              <a:pPr algn="ctr"/>
+              <a:endParaRPr lang="en-US"/>
+            </a:p>
+          </p:txBody>
+        </p:sp>
+        <p:sp>
+          <p:nvSpPr>
+            <p:cNvPr id="15" name="Freeform: Shape 14">
+              <a:extLst>
+                <a:ext uri="{FF2B5EF4-FFF2-40B4-BE49-F238E27FC236}">
+                  <a16:creationId xmlns:a16="http://schemas.microsoft.com/office/drawing/2014/main" id="{F7875715-EC2E-457F-851D-F6C817685FEC}"/>
+                </a:ext>
+                <a:ext uri="{C183D7F6-B498-43B3-948B-1728B52AA6E4}">
+                  <adec:decorative xmlns:adec="http://schemas.microsoft.com/office/drawing/2017/decorative" val="1"/>
+                </a:ext>
+              </a:extLst>
+            </p:cNvPr>
+            <p:cNvSpPr/>
+            <p:nvPr>
+              <p:extLst>
+                <p:ext uri="{386F3935-93C4-4BCD-93E2-E3B085C9AB24}">
+                  <p16:designElem xmlns:p16="http://schemas.microsoft.com/office/powerpoint/2015/main" val="1"/>
+                </p:ext>
+              </p:extLst>
+            </p:nvPr>
+          </p:nvSpPr>
+          <p:spPr>
+            <a:xfrm>
+              <a:off x="6916467" y="-1"/>
+              <a:ext cx="5275533" cy="2980757"/>
+            </a:xfrm>
+            <a:custGeom>
+              <a:avLst/>
+              <a:gdLst>
+                <a:gd name="connsiteX0" fmla="*/ 0 w 5275533"/>
+                <a:gd name="connsiteY0" fmla="*/ 0 h 2980757"/>
+                <a:gd name="connsiteX1" fmla="*/ 201166 w 5275533"/>
+                <a:gd name="connsiteY1" fmla="*/ 0 h 2980757"/>
+                <a:gd name="connsiteX2" fmla="*/ 206734 w 5275533"/>
+                <a:gd name="connsiteY2" fmla="*/ 89286 h 2980757"/>
+                <a:gd name="connsiteX3" fmla="*/ 232051 w 5275533"/>
+                <a:gd name="connsiteY3" fmla="*/ 226897 h 2980757"/>
+                <a:gd name="connsiteX4" fmla="*/ 332707 w 5275533"/>
+                <a:gd name="connsiteY4" fmla="*/ 487120 h 2980757"/>
+                <a:gd name="connsiteX5" fmla="*/ 402959 w 5275533"/>
+                <a:gd name="connsiteY5" fmla="*/ 609647 h 2980757"/>
+                <a:gd name="connsiteX6" fmla="*/ 483631 w 5275533"/>
+                <a:gd name="connsiteY6" fmla="*/ 728236 h 2980757"/>
+                <a:gd name="connsiteX7" fmla="*/ 669986 w 5275533"/>
+                <a:gd name="connsiteY7" fmla="*/ 957424 h 2980757"/>
+                <a:gd name="connsiteX8" fmla="*/ 871667 w 5275533"/>
+                <a:gd name="connsiteY8" fmla="*/ 1188348 h 2980757"/>
+                <a:gd name="connsiteX9" fmla="*/ 971956 w 5275533"/>
+                <a:gd name="connsiteY9" fmla="*/ 1308905 h 2980757"/>
+                <a:gd name="connsiteX10" fmla="*/ 1020139 w 5275533"/>
+                <a:gd name="connsiteY10" fmla="*/ 1368084 h 2980757"/>
+                <a:gd name="connsiteX11" fmla="*/ 1067340 w 5275533"/>
+                <a:gd name="connsiteY11" fmla="*/ 1424715 h 2980757"/>
+                <a:gd name="connsiteX12" fmla="*/ 1472909 w 5275533"/>
+                <a:gd name="connsiteY12" fmla="*/ 1843252 h 2980757"/>
+                <a:gd name="connsiteX13" fmla="*/ 1688567 w 5275533"/>
+                <a:gd name="connsiteY13" fmla="*/ 2031559 h 2980757"/>
+                <a:gd name="connsiteX14" fmla="*/ 1914401 w 5275533"/>
+                <a:gd name="connsiteY14" fmla="*/ 2205156 h 2980757"/>
+                <a:gd name="connsiteX15" fmla="*/ 2418909 w 5275533"/>
+                <a:gd name="connsiteY15" fmla="*/ 2479741 h 2980757"/>
+                <a:gd name="connsiteX16" fmla="*/ 2701141 w 5275533"/>
+                <a:gd name="connsiteY16" fmla="*/ 2557333 h 2980757"/>
+                <a:gd name="connsiteX17" fmla="*/ 2773475 w 5275533"/>
+                <a:gd name="connsiteY17" fmla="*/ 2570999 h 2980757"/>
+                <a:gd name="connsiteX18" fmla="*/ 2846424 w 5275533"/>
+                <a:gd name="connsiteY18" fmla="*/ 2582465 h 2980757"/>
+                <a:gd name="connsiteX19" fmla="*/ 2993669 w 5275533"/>
+                <a:gd name="connsiteY19" fmla="*/ 2598909 h 2980757"/>
+                <a:gd name="connsiteX20" fmla="*/ 3067721 w 5275533"/>
+                <a:gd name="connsiteY20" fmla="*/ 2604237 h 2980757"/>
+                <a:gd name="connsiteX21" fmla="*/ 3142019 w 5275533"/>
+                <a:gd name="connsiteY21" fmla="*/ 2607943 h 2980757"/>
+                <a:gd name="connsiteX22" fmla="*/ 3216561 w 5275533"/>
+                <a:gd name="connsiteY22" fmla="*/ 2609564 h 2980757"/>
+                <a:gd name="connsiteX23" fmla="*/ 3291225 w 5275533"/>
+                <a:gd name="connsiteY23" fmla="*/ 2609217 h 2980757"/>
+                <a:gd name="connsiteX24" fmla="*/ 3328619 w 5275533"/>
+                <a:gd name="connsiteY24" fmla="*/ 2608869 h 2980757"/>
+                <a:gd name="connsiteX25" fmla="*/ 3364665 w 5275533"/>
+                <a:gd name="connsiteY25" fmla="*/ 2607363 h 2980757"/>
+                <a:gd name="connsiteX26" fmla="*/ 3400587 w 5275533"/>
+                <a:gd name="connsiteY26" fmla="*/ 2605627 h 2980757"/>
+                <a:gd name="connsiteX27" fmla="*/ 3436387 w 5275533"/>
+                <a:gd name="connsiteY27" fmla="*/ 2602847 h 2980757"/>
+                <a:gd name="connsiteX28" fmla="*/ 3578361 w 5275533"/>
+                <a:gd name="connsiteY28" fmla="*/ 2586286 h 2980757"/>
+                <a:gd name="connsiteX29" fmla="*/ 4119159 w 5275533"/>
+                <a:gd name="connsiteY29" fmla="*/ 2418594 h 2980757"/>
+                <a:gd name="connsiteX30" fmla="*/ 4618765 w 5275533"/>
+                <a:gd name="connsiteY30" fmla="*/ 2124668 h 2980757"/>
+                <a:gd name="connsiteX31" fmla="*/ 4739895 w 5275533"/>
+                <a:gd name="connsiteY31" fmla="*/ 2038275 h 2980757"/>
+                <a:gd name="connsiteX32" fmla="*/ 4861027 w 5275533"/>
+                <a:gd name="connsiteY32" fmla="*/ 1948986 h 2980757"/>
+                <a:gd name="connsiteX33" fmla="*/ 5106354 w 5275533"/>
+                <a:gd name="connsiteY33" fmla="*/ 1763690 h 2980757"/>
+                <a:gd name="connsiteX34" fmla="*/ 5275533 w 5275533"/>
+                <a:gd name="connsiteY34" fmla="*/ 1641017 h 2980757"/>
+                <a:gd name="connsiteX35" fmla="*/ 5275533 w 5275533"/>
+                <a:gd name="connsiteY35" fmla="*/ 2257481 h 2980757"/>
+                <a:gd name="connsiteX36" fmla="*/ 5168881 w 5275533"/>
+                <a:gd name="connsiteY36" fmla="*/ 2332084 h 2980757"/>
+                <a:gd name="connsiteX37" fmla="*/ 5036225 w 5275533"/>
+                <a:gd name="connsiteY37" fmla="*/ 2421489 h 2980757"/>
+                <a:gd name="connsiteX38" fmla="*/ 4899401 w 5275533"/>
+                <a:gd name="connsiteY38" fmla="*/ 2508347 h 2980757"/>
+                <a:gd name="connsiteX39" fmla="*/ 4612145 w 5275533"/>
+                <a:gd name="connsiteY39" fmla="*/ 2671407 h 2980757"/>
+                <a:gd name="connsiteX40" fmla="*/ 4303187 w 5275533"/>
+                <a:gd name="connsiteY40" fmla="*/ 2810030 h 2980757"/>
+                <a:gd name="connsiteX41" fmla="*/ 3630835 w 5275533"/>
+                <a:gd name="connsiteY41" fmla="*/ 2969500 h 2980757"/>
+                <a:gd name="connsiteX42" fmla="*/ 3457719 w 5275533"/>
+                <a:gd name="connsiteY42" fmla="*/ 2979808 h 2980757"/>
+                <a:gd name="connsiteX43" fmla="*/ 3414441 w 5275533"/>
+                <a:gd name="connsiteY43" fmla="*/ 2980733 h 2980757"/>
+                <a:gd name="connsiteX44" fmla="*/ 3371285 w 5275533"/>
+                <a:gd name="connsiteY44" fmla="*/ 2980502 h 2980757"/>
+                <a:gd name="connsiteX45" fmla="*/ 3328252 w 5275533"/>
+                <a:gd name="connsiteY45" fmla="*/ 2980039 h 2980757"/>
+                <a:gd name="connsiteX46" fmla="*/ 3286445 w 5275533"/>
+                <a:gd name="connsiteY46" fmla="*/ 2978534 h 2980757"/>
+                <a:gd name="connsiteX47" fmla="*/ 2952475 w 5275533"/>
+                <a:gd name="connsiteY47" fmla="*/ 2953402 h 2980757"/>
+                <a:gd name="connsiteX48" fmla="*/ 2620591 w 5275533"/>
+                <a:gd name="connsiteY48" fmla="*/ 2898046 h 2980757"/>
+                <a:gd name="connsiteX49" fmla="*/ 2294591 w 5275533"/>
+                <a:gd name="connsiteY49" fmla="*/ 2811305 h 2980757"/>
+                <a:gd name="connsiteX50" fmla="*/ 1670544 w 5275533"/>
+                <a:gd name="connsiteY50" fmla="*/ 2550501 h 2980757"/>
+                <a:gd name="connsiteX51" fmla="*/ 1144703 w 5275533"/>
+                <a:gd name="connsiteY51" fmla="*/ 2144472 h 2980757"/>
+                <a:gd name="connsiteX52" fmla="*/ 931497 w 5275533"/>
+                <a:gd name="connsiteY52" fmla="*/ 1900114 h 2980757"/>
+                <a:gd name="connsiteX53" fmla="*/ 745265 w 5275533"/>
+                <a:gd name="connsiteY53" fmla="*/ 1641395 h 2980757"/>
+                <a:gd name="connsiteX54" fmla="*/ 701741 w 5275533"/>
+                <a:gd name="connsiteY54" fmla="*/ 1575500 h 2980757"/>
+                <a:gd name="connsiteX55" fmla="*/ 660178 w 5275533"/>
+                <a:gd name="connsiteY55" fmla="*/ 1511573 h 2980757"/>
+                <a:gd name="connsiteX56" fmla="*/ 578158 w 5275533"/>
+                <a:gd name="connsiteY56" fmla="*/ 1387656 h 2980757"/>
+                <a:gd name="connsiteX57" fmla="*/ 408230 w 5275533"/>
+                <a:gd name="connsiteY57" fmla="*/ 1134497 h 2980757"/>
+                <a:gd name="connsiteX58" fmla="*/ 242349 w 5275533"/>
+                <a:gd name="connsiteY58" fmla="*/ 866860 h 2980757"/>
+                <a:gd name="connsiteX59" fmla="*/ 167562 w 5275533"/>
+                <a:gd name="connsiteY59" fmla="*/ 724994 h 2980757"/>
+                <a:gd name="connsiteX60" fmla="*/ 104054 w 5275533"/>
+                <a:gd name="connsiteY60" fmla="*/ 576525 h 2980757"/>
+                <a:gd name="connsiteX61" fmla="*/ 55381 w 5275533"/>
+                <a:gd name="connsiteY61" fmla="*/ 422499 h 2980757"/>
+                <a:gd name="connsiteX62" fmla="*/ 37236 w 5275533"/>
+                <a:gd name="connsiteY62" fmla="*/ 343980 h 2980757"/>
+                <a:gd name="connsiteX63" fmla="*/ 29267 w 5275533"/>
+                <a:gd name="connsiteY63" fmla="*/ 304604 h 2980757"/>
+                <a:gd name="connsiteX64" fmla="*/ 22646 w 5275533"/>
+                <a:gd name="connsiteY64" fmla="*/ 265113 h 2980757"/>
+                <a:gd name="connsiteX65" fmla="*/ 3903 w 5275533"/>
+                <a:gd name="connsiteY65" fmla="*/ 106787 h 2980757"/>
+              </a:gdLst>
+              <a:ahLst/>
+              <a:cxnLst>
+                <a:cxn ang="0">
+                  <a:pos x="connsiteX0" y="connsiteY0"/>
+                </a:cxn>
+                <a:cxn ang="0">
+                  <a:pos x="connsiteX1" y="connsiteY1"/>
+                </a:cxn>
+                <a:cxn ang="0">
+                  <a:pos x="connsiteX2" y="connsiteY2"/>
+                </a:cxn>
+                <a:cxn ang="0">
+                  <a:pos x="connsiteX3" y="connsiteY3"/>
+                </a:cxn>
+                <a:cxn ang="0">
+                  <a:pos x="connsiteX4" y="connsiteY4"/>
+                </a:cxn>
+                <a:cxn ang="0">
+                  <a:pos x="connsiteX5" y="connsiteY5"/>
+                </a:cxn>
+                <a:cxn ang="0">
+                  <a:pos x="connsiteX6" y="connsiteY6"/>
+                </a:cxn>
+                <a:cxn ang="0">
+                  <a:pos x="connsiteX7" y="connsiteY7"/>
+                </a:cxn>
+                <a:cxn ang="0">
+                  <a:pos x="connsiteX8" y="connsiteY8"/>
+                </a:cxn>
+                <a:cxn ang="0">
+                  <a:pos x="connsiteX9" y="connsiteY9"/>
+                </a:cxn>
+                <a:cxn ang="0">
+                  <a:pos x="connsiteX10" y="connsiteY10"/>
+                </a:cxn>
+                <a:cxn ang="0">
+                  <a:pos x="connsiteX11" y="connsiteY11"/>
+                </a:cxn>
+                <a:cxn ang="0">
+                  <a:pos x="connsiteX12" y="connsiteY12"/>
+                </a:cxn>
+                <a:cxn ang="0">
+                  <a:pos x="connsiteX13" y="connsiteY13"/>
+                </a:cxn>
+                <a:cxn ang="0">
+                  <a:pos x="connsiteX14" y="connsiteY14"/>
+                </a:cxn>
+                <a:cxn ang="0">
+                  <a:pos x="connsiteX15" y="connsiteY15"/>
+                </a:cxn>
+                <a:cxn ang="0">
+                  <a:pos x="connsiteX16" y="connsiteY16"/>
+                </a:cxn>
+                <a:cxn ang="0">
+                  <a:pos x="connsiteX17" y="connsiteY17"/>
+                </a:cxn>
+                <a:cxn ang="0">
+                  <a:pos x="connsiteX18" y="connsiteY18"/>
+                </a:cxn>
+                <a:cxn ang="0">
+                  <a:pos x="connsiteX19" y="connsiteY19"/>
+                </a:cxn>
+                <a:cxn ang="0">
+                  <a:pos x="connsiteX20" y="connsiteY20"/>
+                </a:cxn>
+                <a:cxn ang="0">
+                  <a:pos x="connsiteX21" y="connsiteY21"/>
+                </a:cxn>
+                <a:cxn ang="0">
+                  <a:pos x="connsiteX22" y="connsiteY22"/>
+                </a:cxn>
+                <a:cxn ang="0">
+                  <a:pos x="connsiteX23" y="connsiteY23"/>
+                </a:cxn>
+                <a:cxn ang="0">
+                  <a:pos x="connsiteX24" y="connsiteY24"/>
+                </a:cxn>
+                <a:cxn ang="0">
+                  <a:pos x="connsiteX25" y="connsiteY25"/>
+                </a:cxn>
+                <a:cxn ang="0">
+                  <a:pos x="connsiteX26" y="connsiteY26"/>
+                </a:cxn>
+                <a:cxn ang="0">
+                  <a:pos x="connsiteX27" y="connsiteY27"/>
+                </a:cxn>
+                <a:cxn ang="0">
+                  <a:pos x="connsiteX28" y="connsiteY28"/>
+                </a:cxn>
+                <a:cxn ang="0">
+                  <a:pos x="connsiteX29" y="connsiteY29"/>
+                </a:cxn>
+                <a:cxn ang="0">
+                  <a:pos x="connsiteX30" y="connsiteY30"/>
+                </a:cxn>
+                <a:cxn ang="0">
+                  <a:pos x="connsiteX31" y="connsiteY31"/>
+                </a:cxn>
+                <a:cxn ang="0">
+                  <a:pos x="connsiteX32" y="connsiteY32"/>
+                </a:cxn>
+                <a:cxn ang="0">
+                  <a:pos x="connsiteX33" y="connsiteY33"/>
+                </a:cxn>
+                <a:cxn ang="0">
+                  <a:pos x="connsiteX34" y="connsiteY34"/>
+                </a:cxn>
+                <a:cxn ang="0">
+                  <a:pos x="connsiteX35" y="connsiteY35"/>
+                </a:cxn>
+                <a:cxn ang="0">
+                  <a:pos x="connsiteX36" y="connsiteY36"/>
+                </a:cxn>
+                <a:cxn ang="0">
+                  <a:pos x="connsiteX37" y="connsiteY37"/>
+                </a:cxn>
+                <a:cxn ang="0">
+                  <a:pos x="connsiteX38" y="connsiteY38"/>
+                </a:cxn>
+                <a:cxn ang="0">
+                  <a:pos x="connsiteX39" y="connsiteY39"/>
+                </a:cxn>
+                <a:cxn ang="0">
+                  <a:pos x="connsiteX40" y="connsiteY40"/>
+                </a:cxn>
+                <a:cxn ang="0">
+                  <a:pos x="connsiteX41" y="connsiteY41"/>
+                </a:cxn>
+                <a:cxn ang="0">
+                  <a:pos x="connsiteX42" y="connsiteY42"/>
+                </a:cxn>
+                <a:cxn ang="0">
+                  <a:pos x="connsiteX43" y="connsiteY43"/>
+                </a:cxn>
+                <a:cxn ang="0">
+                  <a:pos x="connsiteX44" y="connsiteY44"/>
+                </a:cxn>
+                <a:cxn ang="0">
+                  <a:pos x="connsiteX45" y="connsiteY45"/>
+                </a:cxn>
+                <a:cxn ang="0">
+                  <a:pos x="connsiteX46" y="connsiteY46"/>
+                </a:cxn>
+                <a:cxn ang="0">
+                  <a:pos x="connsiteX47" y="connsiteY47"/>
+                </a:cxn>
+                <a:cxn ang="0">
+                  <a:pos x="connsiteX48" y="connsiteY48"/>
+                </a:cxn>
+                <a:cxn ang="0">
+                  <a:pos x="connsiteX49" y="connsiteY49"/>
+                </a:cxn>
+                <a:cxn ang="0">
+                  <a:pos x="connsiteX50" y="connsiteY50"/>
+                </a:cxn>
+                <a:cxn ang="0">
+                  <a:pos x="connsiteX51" y="connsiteY51"/>
+                </a:cxn>
+                <a:cxn ang="0">
+                  <a:pos x="connsiteX52" y="connsiteY52"/>
+                </a:cxn>
+                <a:cxn ang="0">
+                  <a:pos x="connsiteX53" y="connsiteY53"/>
+                </a:cxn>
+                <a:cxn ang="0">
+                  <a:pos x="connsiteX54" y="connsiteY54"/>
+                </a:cxn>
+                <a:cxn ang="0">
+                  <a:pos x="connsiteX55" y="connsiteY55"/>
+                </a:cxn>
+                <a:cxn ang="0">
+                  <a:pos x="connsiteX56" y="connsiteY56"/>
+                </a:cxn>
+                <a:cxn ang="0">
+                  <a:pos x="connsiteX57" y="connsiteY57"/>
+                </a:cxn>
+                <a:cxn ang="0">
+                  <a:pos x="connsiteX58" y="connsiteY58"/>
+                </a:cxn>
+                <a:cxn ang="0">
+                  <a:pos x="connsiteX59" y="connsiteY59"/>
+                </a:cxn>
+                <a:cxn ang="0">
+                  <a:pos x="connsiteX60" y="connsiteY60"/>
+                </a:cxn>
+                <a:cxn ang="0">
+                  <a:pos x="connsiteX61" y="connsiteY61"/>
+                </a:cxn>
+                <a:cxn ang="0">
+                  <a:pos x="connsiteX62" y="connsiteY62"/>
+                </a:cxn>
+                <a:cxn ang="0">
+                  <a:pos x="connsiteX63" y="connsiteY63"/>
+                </a:cxn>
+                <a:cxn ang="0">
+                  <a:pos x="connsiteX64" y="connsiteY64"/>
+                </a:cxn>
+                <a:cxn ang="0">
+                  <a:pos x="connsiteX65" y="connsiteY65"/>
+                </a:cxn>
+              </a:cxnLst>
+              <a:rect l="l" t="t" r="r" b="b"/>
+              <a:pathLst>
+                <a:path w="5275533" h="2980757">
+                  <a:moveTo>
+                    <a:pt x="0" y="0"/>
+                  </a:moveTo>
+                  <a:lnTo>
+                    <a:pt x="201166" y="0"/>
+                  </a:lnTo>
+                  <a:lnTo>
+                    <a:pt x="206734" y="89286"/>
+                  </a:lnTo>
+                  <a:cubicBezTo>
+                    <a:pt x="212220" y="135755"/>
+                    <a:pt x="220465" y="181731"/>
+                    <a:pt x="232051" y="226897"/>
+                  </a:cubicBezTo>
+                  <a:cubicBezTo>
+                    <a:pt x="254855" y="317344"/>
+                    <a:pt x="290287" y="403854"/>
+                    <a:pt x="332707" y="487120"/>
+                  </a:cubicBezTo>
+                  <a:cubicBezTo>
+                    <a:pt x="354163" y="528696"/>
+                    <a:pt x="377948" y="569461"/>
+                    <a:pt x="402959" y="609647"/>
+                  </a:cubicBezTo>
+                  <a:cubicBezTo>
+                    <a:pt x="428337" y="649717"/>
+                    <a:pt x="455433" y="689209"/>
+                    <a:pt x="483631" y="728236"/>
+                  </a:cubicBezTo>
+                  <a:cubicBezTo>
+                    <a:pt x="540764" y="806061"/>
+                    <a:pt x="604271" y="881569"/>
+                    <a:pt x="669986" y="957424"/>
+                  </a:cubicBezTo>
+                  <a:cubicBezTo>
+                    <a:pt x="735701" y="1033395"/>
+                    <a:pt x="804359" y="1109366"/>
+                    <a:pt x="871667" y="1188348"/>
+                  </a:cubicBezTo>
+                  <a:cubicBezTo>
+                    <a:pt x="905383" y="1227723"/>
+                    <a:pt x="938731" y="1268025"/>
+                    <a:pt x="971956" y="1308905"/>
+                  </a:cubicBezTo>
+                  <a:lnTo>
+                    <a:pt x="1020139" y="1368084"/>
+                  </a:lnTo>
+                  <a:cubicBezTo>
+                    <a:pt x="1035954" y="1386962"/>
+                    <a:pt x="1051035" y="1406302"/>
+                    <a:pt x="1067340" y="1424715"/>
+                  </a:cubicBezTo>
+                  <a:cubicBezTo>
+                    <a:pt x="1194602" y="1574573"/>
+                    <a:pt x="1332652" y="1712503"/>
+                    <a:pt x="1472909" y="1843252"/>
+                  </a:cubicBezTo>
+                  <a:cubicBezTo>
+                    <a:pt x="1543406" y="1908337"/>
+                    <a:pt x="1615128" y="1971221"/>
+                    <a:pt x="1688567" y="2031559"/>
+                  </a:cubicBezTo>
+                  <a:cubicBezTo>
+                    <a:pt x="1762006" y="2091895"/>
+                    <a:pt x="1836793" y="2150263"/>
+                    <a:pt x="1914401" y="2205156"/>
+                  </a:cubicBezTo>
+                  <a:cubicBezTo>
+                    <a:pt x="2069003" y="2315176"/>
+                    <a:pt x="2235742" y="2413498"/>
+                    <a:pt x="2418909" y="2479741"/>
+                  </a:cubicBezTo>
+                  <a:cubicBezTo>
+                    <a:pt x="2510249" y="2512863"/>
+                    <a:pt x="2604898" y="2538225"/>
+                    <a:pt x="2701141" y="2557333"/>
+                  </a:cubicBezTo>
+                  <a:cubicBezTo>
+                    <a:pt x="2725293" y="2561850"/>
+                    <a:pt x="2749201" y="2567062"/>
+                    <a:pt x="2773475" y="2570999"/>
+                  </a:cubicBezTo>
+                  <a:lnTo>
+                    <a:pt x="2846424" y="2582465"/>
+                  </a:lnTo>
+                  <a:cubicBezTo>
+                    <a:pt x="2895343" y="2588602"/>
+                    <a:pt x="2944261" y="2595088"/>
+                    <a:pt x="2993669" y="2598909"/>
+                  </a:cubicBezTo>
+                  <a:cubicBezTo>
+                    <a:pt x="3018313" y="2601110"/>
+                    <a:pt x="3042956" y="2603195"/>
+                    <a:pt x="3067721" y="2604237"/>
+                  </a:cubicBezTo>
+                  <a:cubicBezTo>
+                    <a:pt x="3092487" y="2605394"/>
+                    <a:pt x="3117130" y="2607247"/>
+                    <a:pt x="3142019" y="2607943"/>
+                  </a:cubicBezTo>
+                  <a:lnTo>
+                    <a:pt x="3216561" y="2609564"/>
+                  </a:lnTo>
+                  <a:cubicBezTo>
+                    <a:pt x="3241326" y="2610142"/>
+                    <a:pt x="3266337" y="2609333"/>
+                    <a:pt x="3291225" y="2609217"/>
+                  </a:cubicBezTo>
+                  <a:lnTo>
+                    <a:pt x="3328619" y="2608869"/>
+                  </a:lnTo>
+                  <a:cubicBezTo>
+                    <a:pt x="3340757" y="2608522"/>
+                    <a:pt x="3352649" y="2607827"/>
+                    <a:pt x="3364665" y="2607363"/>
+                  </a:cubicBezTo>
+                  <a:cubicBezTo>
+                    <a:pt x="3376679" y="2606784"/>
+                    <a:pt x="3388695" y="2606438"/>
+                    <a:pt x="3400587" y="2605627"/>
+                  </a:cubicBezTo>
+                  <a:lnTo>
+                    <a:pt x="3436387" y="2602847"/>
+                  </a:lnTo>
+                  <a:cubicBezTo>
+                    <a:pt x="3484079" y="2599257"/>
+                    <a:pt x="3531404" y="2593235"/>
+                    <a:pt x="3578361" y="2586286"/>
+                  </a:cubicBezTo>
+                  <a:cubicBezTo>
+                    <a:pt x="3766310" y="2556871"/>
+                    <a:pt x="3947025" y="2499314"/>
+                    <a:pt x="4119159" y="2418594"/>
+                  </a:cubicBezTo>
+                  <a:cubicBezTo>
+                    <a:pt x="4291907" y="2338801"/>
+                    <a:pt x="4456317" y="2236657"/>
+                    <a:pt x="4618765" y="2124668"/>
+                  </a:cubicBezTo>
+                  <a:cubicBezTo>
+                    <a:pt x="4659346" y="2096759"/>
+                    <a:pt x="4699682" y="2067575"/>
+                    <a:pt x="4739895" y="2038275"/>
+                  </a:cubicBezTo>
+                  <a:cubicBezTo>
+                    <a:pt x="4780355" y="2008976"/>
+                    <a:pt x="4820691" y="1979212"/>
+                    <a:pt x="4861027" y="1948986"/>
+                  </a:cubicBezTo>
+                  <a:lnTo>
+                    <a:pt x="5106354" y="1763690"/>
+                  </a:lnTo>
+                  <a:lnTo>
+                    <a:pt x="5275533" y="1641017"/>
+                  </a:lnTo>
+                  <a:lnTo>
+                    <a:pt x="5275533" y="2257481"/>
+                  </a:lnTo>
+                  <a:lnTo>
+                    <a:pt x="5168881" y="2332084"/>
+                  </a:lnTo>
+                  <a:cubicBezTo>
+                    <a:pt x="5125235" y="2362079"/>
+                    <a:pt x="5081099" y="2391958"/>
+                    <a:pt x="5036225" y="2421489"/>
+                  </a:cubicBezTo>
+                  <a:cubicBezTo>
+                    <a:pt x="4991231" y="2450790"/>
+                    <a:pt x="4945867" y="2479857"/>
+                    <a:pt x="4899401" y="2508347"/>
+                  </a:cubicBezTo>
+                  <a:cubicBezTo>
+                    <a:pt x="4806959" y="2565440"/>
+                    <a:pt x="4711574" y="2620798"/>
+                    <a:pt x="4612145" y="2671407"/>
+                  </a:cubicBezTo>
+                  <a:cubicBezTo>
+                    <a:pt x="4512836" y="2722247"/>
+                    <a:pt x="4410095" y="2769496"/>
+                    <a:pt x="4303187" y="2810030"/>
+                  </a:cubicBezTo>
+                  <a:cubicBezTo>
+                    <a:pt x="4090349" y="2892256"/>
+                    <a:pt x="3861694" y="2947728"/>
+                    <a:pt x="3630835" y="2969500"/>
+                  </a:cubicBezTo>
+                  <a:cubicBezTo>
+                    <a:pt x="3573089" y="2974712"/>
+                    <a:pt x="3515343" y="2978649"/>
+                    <a:pt x="3457719" y="2979808"/>
+                  </a:cubicBezTo>
+                  <a:lnTo>
+                    <a:pt x="3414441" y="2980733"/>
+                  </a:lnTo>
+                  <a:cubicBezTo>
+                    <a:pt x="3400097" y="2980850"/>
+                    <a:pt x="3385630" y="2980502"/>
+                    <a:pt x="3371285" y="2980502"/>
+                  </a:cubicBezTo>
+                  <a:lnTo>
+                    <a:pt x="3328252" y="2980039"/>
+                  </a:lnTo>
+                  <a:lnTo>
+                    <a:pt x="3286445" y="2978534"/>
+                  </a:lnTo>
+                  <a:cubicBezTo>
+                    <a:pt x="3175121" y="2975174"/>
+                    <a:pt x="3063553" y="2966837"/>
+                    <a:pt x="2952475" y="2953402"/>
+                  </a:cubicBezTo>
+                  <a:cubicBezTo>
+                    <a:pt x="2841275" y="2940664"/>
+                    <a:pt x="2730319" y="2922365"/>
+                    <a:pt x="2620591" y="2898046"/>
+                  </a:cubicBezTo>
+                  <a:cubicBezTo>
+                    <a:pt x="2510984" y="2873494"/>
+                    <a:pt x="2402235" y="2844426"/>
+                    <a:pt x="2294591" y="2811305"/>
+                  </a:cubicBezTo>
+                  <a:cubicBezTo>
+                    <a:pt x="2079669" y="2744483"/>
+                    <a:pt x="1867198" y="2661331"/>
+                    <a:pt x="1670544" y="2550501"/>
+                  </a:cubicBezTo>
+                  <a:cubicBezTo>
+                    <a:pt x="1473767" y="2439903"/>
+                    <a:pt x="1298079" y="2299657"/>
+                    <a:pt x="1144703" y="2144472"/>
+                  </a:cubicBezTo>
+                  <a:cubicBezTo>
+                    <a:pt x="1067586" y="2066996"/>
+                    <a:pt x="997458" y="1984539"/>
+                    <a:pt x="931497" y="1900114"/>
+                  </a:cubicBezTo>
+                  <a:cubicBezTo>
+                    <a:pt x="865906" y="1815342"/>
+                    <a:pt x="803500" y="1729295"/>
+                    <a:pt x="745265" y="1641395"/>
+                  </a:cubicBezTo>
+                  <a:cubicBezTo>
+                    <a:pt x="730307" y="1619623"/>
+                    <a:pt x="716207" y="1597503"/>
+                    <a:pt x="701741" y="1575500"/>
+                  </a:cubicBezTo>
+                  <a:lnTo>
+                    <a:pt x="660178" y="1511573"/>
+                  </a:lnTo>
+                  <a:cubicBezTo>
+                    <a:pt x="633574" y="1470229"/>
+                    <a:pt x="605989" y="1429232"/>
+                    <a:pt x="578158" y="1387656"/>
+                  </a:cubicBezTo>
+                  <a:lnTo>
+                    <a:pt x="408230" y="1134497"/>
+                  </a:lnTo>
+                  <a:cubicBezTo>
+                    <a:pt x="351220" y="1048219"/>
+                    <a:pt x="294945" y="959392"/>
+                    <a:pt x="242349" y="866860"/>
+                  </a:cubicBezTo>
+                  <a:cubicBezTo>
+                    <a:pt x="216112" y="820536"/>
+                    <a:pt x="190734" y="773402"/>
+                    <a:pt x="167562" y="724994"/>
+                  </a:cubicBezTo>
+                  <a:cubicBezTo>
+                    <a:pt x="144513" y="676469"/>
+                    <a:pt x="123057" y="627019"/>
+                    <a:pt x="104054" y="576525"/>
+                  </a:cubicBezTo>
+                  <a:cubicBezTo>
+                    <a:pt x="85418" y="525917"/>
+                    <a:pt x="68867" y="474613"/>
+                    <a:pt x="55381" y="422499"/>
+                  </a:cubicBezTo>
+                  <a:cubicBezTo>
+                    <a:pt x="49006" y="396442"/>
+                    <a:pt x="42508" y="370269"/>
+                    <a:pt x="37236" y="343980"/>
+                  </a:cubicBezTo>
+                  <a:lnTo>
+                    <a:pt x="29267" y="304604"/>
+                  </a:lnTo>
+                  <a:lnTo>
+                    <a:pt x="22646" y="265113"/>
+                  </a:lnTo>
+                  <a:cubicBezTo>
+                    <a:pt x="14003" y="212420"/>
+                    <a:pt x="7872" y="159582"/>
+                    <a:pt x="3903" y="106787"/>
+                  </a:cubicBezTo>
+                  <a:close/>
+                </a:path>
+              </a:pathLst>
+            </a:custGeom>
+            <a:grpFill/>
+            <a:ln>
+              <a:noFill/>
+            </a:ln>
+          </p:spPr>
+          <p:style>
+            <a:lnRef idx="2">
+              <a:schemeClr val="accent1">
+                <a:shade val="50000"/>
+              </a:schemeClr>
+            </a:lnRef>
+            <a:fillRef idx="1">
+              <a:schemeClr val="accent1"/>
+            </a:fillRef>
+            <a:effectRef idx="0">
+              <a:schemeClr val="accent1"/>
+            </a:effectRef>
+            <a:fontRef idx="minor">
+              <a:schemeClr val="lt1"/>
+            </a:fontRef>
+          </p:style>
+          <p:txBody>
+            <a:bodyPr rtlCol="0" anchor="ctr"/>
+            <a:lstStyle/>
+            <a:p>
+              <a:pPr algn="ctr"/>
+              <a:endParaRPr lang="en-US"/>
+            </a:p>
+          </p:txBody>
+        </p:sp>
+        <p:sp>
+          <p:nvSpPr>
+            <p:cNvPr id="16" name="Freeform: Shape 15">
+              <a:extLst>
+                <a:ext uri="{FF2B5EF4-FFF2-40B4-BE49-F238E27FC236}">
+                  <a16:creationId xmlns:a16="http://schemas.microsoft.com/office/drawing/2014/main" id="{F7E41CC6-0C83-40EE-80BB-79394D9E9B2F}"/>
+                </a:ext>
+                <a:ext uri="{C183D7F6-B498-43B3-948B-1728B52AA6E4}">
+                  <adec:decorative xmlns:adec="http://schemas.microsoft.com/office/drawing/2017/decorative" val="1"/>
+                </a:ext>
+              </a:extLst>
+            </p:cNvPr>
+            <p:cNvSpPr/>
+            <p:nvPr>
+              <p:extLst>
+                <p:ext uri="{386F3935-93C4-4BCD-93E2-E3B085C9AB24}">
+                  <p16:designElem xmlns:p16="http://schemas.microsoft.com/office/powerpoint/2015/main" val="1"/>
+                </p:ext>
+              </p:extLst>
+            </p:nvPr>
+          </p:nvSpPr>
+          <p:spPr>
+            <a:xfrm>
+              <a:off x="6921214" y="-1"/>
+              <a:ext cx="5270786" cy="2927775"/>
+            </a:xfrm>
+            <a:custGeom>
+              <a:avLst/>
+              <a:gdLst>
+                <a:gd name="connsiteX0" fmla="*/ 0 w 5270786"/>
+                <a:gd name="connsiteY0" fmla="*/ 0 h 2927775"/>
+                <a:gd name="connsiteX1" fmla="*/ 613805 w 5270786"/>
+                <a:gd name="connsiteY1" fmla="*/ 0 h 2927775"/>
+                <a:gd name="connsiteX2" fmla="*/ 618487 w 5270786"/>
+                <a:gd name="connsiteY2" fmla="*/ 85404 h 2927775"/>
+                <a:gd name="connsiteX3" fmla="*/ 1054084 w 5270786"/>
+                <a:gd name="connsiteY3" fmla="*/ 895200 h 2927775"/>
+                <a:gd name="connsiteX4" fmla="*/ 1276976 w 5270786"/>
+                <a:gd name="connsiteY4" fmla="*/ 1191325 h 2927775"/>
+                <a:gd name="connsiteX5" fmla="*/ 3368450 w 5270786"/>
+                <a:gd name="connsiteY5" fmla="*/ 2348843 h 2927775"/>
+                <a:gd name="connsiteX6" fmla="*/ 4956151 w 5270786"/>
+                <a:gd name="connsiteY6" fmla="*/ 1636730 h 2927775"/>
+                <a:gd name="connsiteX7" fmla="*/ 5149372 w 5270786"/>
+                <a:gd name="connsiteY7" fmla="*/ 1495325 h 2927775"/>
+                <a:gd name="connsiteX8" fmla="*/ 5270786 w 5270786"/>
+                <a:gd name="connsiteY8" fmla="*/ 1406110 h 2927775"/>
+                <a:gd name="connsiteX9" fmla="*/ 5270786 w 5270786"/>
+                <a:gd name="connsiteY9" fmla="*/ 2138641 h 2927775"/>
+                <a:gd name="connsiteX10" fmla="*/ 5112925 w 5270786"/>
+                <a:gd name="connsiteY10" fmla="*/ 2253730 h 2927775"/>
+                <a:gd name="connsiteX11" fmla="*/ 3368327 w 5270786"/>
+                <a:gd name="connsiteY11" fmla="*/ 2927775 h 2927775"/>
+                <a:gd name="connsiteX12" fmla="*/ 769646 w 5270786"/>
+                <a:gd name="connsiteY12" fmla="*/ 1516288 h 2927775"/>
+                <a:gd name="connsiteX13" fmla="*/ 3149 w 5270786"/>
+                <a:gd name="connsiteY13" fmla="*/ 85252 h 2927775"/>
+              </a:gdLst>
+              <a:ahLst/>
+              <a:cxnLst>
+                <a:cxn ang="0">
+                  <a:pos x="connsiteX0" y="connsiteY0"/>
+                </a:cxn>
+                <a:cxn ang="0">
+                  <a:pos x="connsiteX1" y="connsiteY1"/>
+                </a:cxn>
+                <a:cxn ang="0">
+                  <a:pos x="connsiteX2" y="connsiteY2"/>
+                </a:cxn>
+                <a:cxn ang="0">
+                  <a:pos x="connsiteX3" y="connsiteY3"/>
+                </a:cxn>
+                <a:cxn ang="0">
+                  <a:pos x="connsiteX4" y="connsiteY4"/>
+                </a:cxn>
+                <a:cxn ang="0">
+                  <a:pos x="connsiteX5" y="connsiteY5"/>
+                </a:cxn>
+                <a:cxn ang="0">
+                  <a:pos x="connsiteX6" y="connsiteY6"/>
+                </a:cxn>
+                <a:cxn ang="0">
+                  <a:pos x="connsiteX7" y="connsiteY7"/>
+                </a:cxn>
+                <a:cxn ang="0">
+                  <a:pos x="connsiteX8" y="connsiteY8"/>
+                </a:cxn>
+                <a:cxn ang="0">
+                  <a:pos x="connsiteX9" y="connsiteY9"/>
+                </a:cxn>
+                <a:cxn ang="0">
+                  <a:pos x="connsiteX10" y="connsiteY10"/>
+                </a:cxn>
+                <a:cxn ang="0">
+                  <a:pos x="connsiteX11" y="connsiteY11"/>
+                </a:cxn>
+                <a:cxn ang="0">
+                  <a:pos x="connsiteX12" y="connsiteY12"/>
+                </a:cxn>
+                <a:cxn ang="0">
+                  <a:pos x="connsiteX13" y="connsiteY13"/>
+                </a:cxn>
+              </a:cxnLst>
+              <a:rect l="l" t="t" r="r" b="b"/>
+              <a:pathLst>
+                <a:path w="5270786" h="2927775">
+                  <a:moveTo>
+                    <a:pt x="0" y="0"/>
+                  </a:moveTo>
+                  <a:lnTo>
+                    <a:pt x="613805" y="0"/>
+                  </a:lnTo>
+                  <a:lnTo>
+                    <a:pt x="618487" y="85404"/>
+                  </a:lnTo>
+                  <a:cubicBezTo>
+                    <a:pt x="650052" y="360109"/>
+                    <a:pt x="792650" y="556543"/>
+                    <a:pt x="1054084" y="895200"/>
+                  </a:cubicBezTo>
+                  <a:cubicBezTo>
+                    <a:pt x="1126174" y="988542"/>
+                    <a:pt x="1200716" y="1085128"/>
+                    <a:pt x="1276976" y="1191325"/>
+                  </a:cubicBezTo>
+                  <a:cubicBezTo>
+                    <a:pt x="1859704" y="2002688"/>
+                    <a:pt x="2485223" y="2348843"/>
+                    <a:pt x="3368450" y="2348843"/>
+                  </a:cubicBezTo>
+                  <a:cubicBezTo>
+                    <a:pt x="3948114" y="2348843"/>
+                    <a:pt x="4373422" y="2066846"/>
+                    <a:pt x="4956151" y="1636730"/>
+                  </a:cubicBezTo>
+                  <a:cubicBezTo>
+                    <a:pt x="5021253" y="1588668"/>
+                    <a:pt x="5086356" y="1541186"/>
+                    <a:pt x="5149372" y="1495325"/>
+                  </a:cubicBezTo>
+                  <a:lnTo>
+                    <a:pt x="5270786" y="1406110"/>
+                  </a:lnTo>
+                  <a:lnTo>
+                    <a:pt x="5270786" y="2138641"/>
+                  </a:lnTo>
+                  <a:lnTo>
+                    <a:pt x="5112925" y="2253730"/>
+                  </a:lnTo>
+                  <a:cubicBezTo>
+                    <a:pt x="4598179" y="2621786"/>
+                    <a:pt x="4074961" y="2927775"/>
+                    <a:pt x="3368327" y="2927775"/>
+                  </a:cubicBezTo>
+                  <a:cubicBezTo>
+                    <a:pt x="2170746" y="2927775"/>
+                    <a:pt x="1393203" y="2384512"/>
+                    <a:pt x="769646" y="1516288"/>
+                  </a:cubicBezTo>
+                  <a:cubicBezTo>
+                    <a:pt x="418850" y="1027932"/>
+                    <a:pt x="48120" y="683401"/>
+                    <a:pt x="3149" y="85252"/>
+                  </a:cubicBezTo>
+                  <a:close/>
+                </a:path>
+              </a:pathLst>
+            </a:custGeom>
+            <a:grpFill/>
+            <a:ln>
+              <a:noFill/>
+            </a:ln>
+          </p:spPr>
+          <p:style>
+            <a:lnRef idx="2">
+              <a:schemeClr val="accent1">
+                <a:shade val="50000"/>
+              </a:schemeClr>
+            </a:lnRef>
+            <a:fillRef idx="1">
+              <a:schemeClr val="accent1"/>
+            </a:fillRef>
+            <a:effectRef idx="0">
+              <a:schemeClr val="accent1"/>
+            </a:effectRef>
+            <a:fontRef idx="minor">
+              <a:schemeClr val="lt1"/>
+            </a:fontRef>
+          </p:style>
+          <p:txBody>
+            <a:bodyPr rtlCol="0" anchor="ctr"/>
+            <a:lstStyle/>
+            <a:p>
+              <a:pPr algn="ctr"/>
+              <a:endParaRPr lang="en-US"/>
+            </a:p>
+          </p:txBody>
+        </p:sp>
+        <p:sp>
+          <p:nvSpPr>
+            <p:cNvPr id="17" name="Freeform: Shape 16">
+              <a:extLst>
+                <a:ext uri="{FF2B5EF4-FFF2-40B4-BE49-F238E27FC236}">
+                  <a16:creationId xmlns:a16="http://schemas.microsoft.com/office/drawing/2014/main" id="{00603498-5DFE-4D26-BFB5-C9269C9BDB0A}"/>
+                </a:ext>
+                <a:ext uri="{C183D7F6-B498-43B3-948B-1728B52AA6E4}">
+                  <adec:decorative xmlns:adec="http://schemas.microsoft.com/office/drawing/2017/decorative" val="1"/>
+                </a:ext>
+              </a:extLst>
+            </p:cNvPr>
+            <p:cNvSpPr/>
+            <p:nvPr>
+              <p:extLst>
+                <p:ext uri="{386F3935-93C4-4BCD-93E2-E3B085C9AB24}">
+                  <p16:designElem xmlns:p16="http://schemas.microsoft.com/office/powerpoint/2015/main" val="1"/>
+                </p:ext>
+              </p:extLst>
+            </p:nvPr>
+          </p:nvSpPr>
+          <p:spPr>
+            <a:xfrm>
+              <a:off x="6921214" y="-1"/>
+              <a:ext cx="5270786" cy="2927775"/>
+            </a:xfrm>
+            <a:custGeom>
+              <a:avLst/>
+              <a:gdLst>
+                <a:gd name="connsiteX0" fmla="*/ 0 w 5270786"/>
+                <a:gd name="connsiteY0" fmla="*/ 0 h 2927775"/>
+                <a:gd name="connsiteX1" fmla="*/ 736294 w 5270786"/>
+                <a:gd name="connsiteY1" fmla="*/ 0 h 2927775"/>
+                <a:gd name="connsiteX2" fmla="*/ 740298 w 5270786"/>
+                <a:gd name="connsiteY2" fmla="*/ 72745 h 2927775"/>
+                <a:gd name="connsiteX3" fmla="*/ 1153024 w 5270786"/>
+                <a:gd name="connsiteY3" fmla="*/ 826989 h 2927775"/>
+                <a:gd name="connsiteX4" fmla="*/ 1378368 w 5270786"/>
+                <a:gd name="connsiteY4" fmla="*/ 1126356 h 2927775"/>
+                <a:gd name="connsiteX5" fmla="*/ 2238056 w 5270786"/>
+                <a:gd name="connsiteY5" fmla="*/ 1955322 h 2927775"/>
+                <a:gd name="connsiteX6" fmla="*/ 3368327 w 5270786"/>
+                <a:gd name="connsiteY6" fmla="*/ 2233033 h 2927775"/>
+                <a:gd name="connsiteX7" fmla="*/ 4095360 w 5270786"/>
+                <a:gd name="connsiteY7" fmla="*/ 2056192 h 2927775"/>
+                <a:gd name="connsiteX8" fmla="*/ 4880506 w 5270786"/>
+                <a:gd name="connsiteY8" fmla="*/ 1545587 h 2927775"/>
+                <a:gd name="connsiteX9" fmla="*/ 5074340 w 5270786"/>
+                <a:gd name="connsiteY9" fmla="*/ 1403721 h 2927775"/>
+                <a:gd name="connsiteX10" fmla="*/ 5270786 w 5270786"/>
+                <a:gd name="connsiteY10" fmla="*/ 1259367 h 2927775"/>
+                <a:gd name="connsiteX11" fmla="*/ 5270786 w 5270786"/>
+                <a:gd name="connsiteY11" fmla="*/ 2138641 h 2927775"/>
+                <a:gd name="connsiteX12" fmla="*/ 5112925 w 5270786"/>
+                <a:gd name="connsiteY12" fmla="*/ 2253730 h 2927775"/>
+                <a:gd name="connsiteX13" fmla="*/ 3368327 w 5270786"/>
+                <a:gd name="connsiteY13" fmla="*/ 2927775 h 2927775"/>
+                <a:gd name="connsiteX14" fmla="*/ 769646 w 5270786"/>
+                <a:gd name="connsiteY14" fmla="*/ 1516288 h 2927775"/>
+                <a:gd name="connsiteX15" fmla="*/ 3149 w 5270786"/>
+                <a:gd name="connsiteY15" fmla="*/ 85252 h 2927775"/>
+              </a:gdLst>
+              <a:ahLst/>
+              <a:cxnLst>
+                <a:cxn ang="0">
+                  <a:pos x="connsiteX0" y="connsiteY0"/>
+                </a:cxn>
+                <a:cxn ang="0">
+                  <a:pos x="connsiteX1" y="connsiteY1"/>
+                </a:cxn>
+                <a:cxn ang="0">
+                  <a:pos x="connsiteX2" y="connsiteY2"/>
+                </a:cxn>
+                <a:cxn ang="0">
+                  <a:pos x="connsiteX3" y="connsiteY3"/>
+                </a:cxn>
+                <a:cxn ang="0">
+                  <a:pos x="connsiteX4" y="connsiteY4"/>
+                </a:cxn>
+                <a:cxn ang="0">
+                  <a:pos x="connsiteX5" y="connsiteY5"/>
+                </a:cxn>
+                <a:cxn ang="0">
+                  <a:pos x="connsiteX6" y="connsiteY6"/>
+                </a:cxn>
+                <a:cxn ang="0">
+                  <a:pos x="connsiteX7" y="connsiteY7"/>
+                </a:cxn>
+                <a:cxn ang="0">
+                  <a:pos x="connsiteX8" y="connsiteY8"/>
+                </a:cxn>
+                <a:cxn ang="0">
+                  <a:pos x="connsiteX9" y="connsiteY9"/>
+                </a:cxn>
+                <a:cxn ang="0">
+                  <a:pos x="connsiteX10" y="connsiteY10"/>
+                </a:cxn>
+                <a:cxn ang="0">
+                  <a:pos x="connsiteX11" y="connsiteY11"/>
+                </a:cxn>
+                <a:cxn ang="0">
+                  <a:pos x="connsiteX12" y="connsiteY12"/>
+                </a:cxn>
+                <a:cxn ang="0">
+                  <a:pos x="connsiteX13" y="connsiteY13"/>
+                </a:cxn>
+                <a:cxn ang="0">
+                  <a:pos x="connsiteX14" y="connsiteY14"/>
+                </a:cxn>
+                <a:cxn ang="0">
+                  <a:pos x="connsiteX15" y="connsiteY15"/>
+                </a:cxn>
+              </a:cxnLst>
+              <a:rect l="l" t="t" r="r" b="b"/>
+              <a:pathLst>
+                <a:path w="5270786" h="2927775">
+                  <a:moveTo>
+                    <a:pt x="0" y="0"/>
+                  </a:moveTo>
+                  <a:lnTo>
+                    <a:pt x="736294" y="0"/>
+                  </a:lnTo>
+                  <a:lnTo>
+                    <a:pt x="740298" y="72745"/>
+                  </a:lnTo>
+                  <a:cubicBezTo>
+                    <a:pt x="768839" y="319371"/>
+                    <a:pt x="898885" y="497858"/>
+                    <a:pt x="1153024" y="826989"/>
+                  </a:cubicBezTo>
+                  <a:cubicBezTo>
+                    <a:pt x="1225727" y="921142"/>
+                    <a:pt x="1300882" y="1018537"/>
+                    <a:pt x="1378368" y="1126356"/>
+                  </a:cubicBezTo>
+                  <a:cubicBezTo>
+                    <a:pt x="1652384" y="1507833"/>
+                    <a:pt x="1933512" y="1779060"/>
+                    <a:pt x="2238056" y="1955322"/>
+                  </a:cubicBezTo>
+                  <a:cubicBezTo>
+                    <a:pt x="2560868" y="2142238"/>
+                    <a:pt x="2930637" y="2233033"/>
+                    <a:pt x="3368327" y="2233033"/>
+                  </a:cubicBezTo>
+                  <a:cubicBezTo>
+                    <a:pt x="3616720" y="2233033"/>
+                    <a:pt x="3847703" y="2176866"/>
+                    <a:pt x="4095360" y="2056192"/>
+                  </a:cubicBezTo>
+                  <a:cubicBezTo>
+                    <a:pt x="4349636" y="1932276"/>
+                    <a:pt x="4601340" y="1751613"/>
+                    <a:pt x="4880506" y="1545587"/>
+                  </a:cubicBezTo>
+                  <a:cubicBezTo>
+                    <a:pt x="4945974" y="1497295"/>
+                    <a:pt x="5011199" y="1449697"/>
+                    <a:pt x="5074340" y="1403721"/>
+                  </a:cubicBezTo>
+                  <a:lnTo>
+                    <a:pt x="5270786" y="1259367"/>
+                  </a:lnTo>
+                  <a:lnTo>
+                    <a:pt x="5270786" y="2138641"/>
+                  </a:lnTo>
+                  <a:lnTo>
+                    <a:pt x="5112925" y="2253730"/>
+                  </a:lnTo>
+                  <a:cubicBezTo>
+                    <a:pt x="4598179" y="2621786"/>
+                    <a:pt x="4074961" y="2927775"/>
+                    <a:pt x="3368327" y="2927775"/>
+                  </a:cubicBezTo>
+                  <a:cubicBezTo>
+                    <a:pt x="2170746" y="2927775"/>
+                    <a:pt x="1393203" y="2384512"/>
+                    <a:pt x="769646" y="1516288"/>
+                  </a:cubicBezTo>
+                  <a:cubicBezTo>
+                    <a:pt x="418850" y="1027932"/>
+                    <a:pt x="48120" y="683401"/>
+                    <a:pt x="3149" y="85252"/>
+                  </a:cubicBezTo>
+                  <a:close/>
+                </a:path>
+              </a:pathLst>
+            </a:custGeom>
+            <a:grpFill/>
+            <a:ln>
+              <a:noFill/>
+            </a:ln>
+          </p:spPr>
+          <p:style>
+            <a:lnRef idx="2">
+              <a:schemeClr val="accent1">
+                <a:shade val="50000"/>
+              </a:schemeClr>
+            </a:lnRef>
+            <a:fillRef idx="1">
+              <a:schemeClr val="accent1"/>
+            </a:fillRef>
+            <a:effectRef idx="0">
+              <a:schemeClr val="accent1"/>
+            </a:effectRef>
+            <a:fontRef idx="minor">
+              <a:schemeClr val="lt1"/>
+            </a:fontRef>
+          </p:style>
+          <p:txBody>
+            <a:bodyPr rtlCol="0" anchor="ctr"/>
+            <a:lstStyle/>
+            <a:p>
+              <a:pPr algn="ctr"/>
+              <a:endParaRPr lang="en-US"/>
+            </a:p>
+          </p:txBody>
+        </p:sp>
+      </p:grpSp>
+      <p:sp>
+        <p:nvSpPr>
+          <p:cNvPr id="4" name="Textfeld 3">
+            <a:extLst>
+              <a:ext uri="{FF2B5EF4-FFF2-40B4-BE49-F238E27FC236}">
+                <a16:creationId xmlns:a16="http://schemas.microsoft.com/office/drawing/2014/main" id="{0CF2D917-0ED5-8510-C0F2-3D3625A41013}"/>
+              </a:ext>
+            </a:extLst>
+          </p:cNvPr>
+          <p:cNvSpPr txBox="1"/>
+          <p:nvPr/>
+        </p:nvSpPr>
+        <p:spPr>
+          <a:xfrm>
+            <a:off x="3050412" y="2979336"/>
+            <a:ext cx="5709721" cy="2430864"/>
+          </a:xfrm>
+          <a:prstGeom prst="rect">
+            <a:avLst/>
+          </a:prstGeom>
+        </p:spPr>
+        <p:txBody>
+          <a:bodyPr vert="horz" lIns="91440" tIns="45720" rIns="91440" bIns="45720" rtlCol="0" anchor="t">
+            <a:normAutofit/>
+          </a:bodyPr>
+          <a:lstStyle/>
+          <a:p>
+            <a:pPr algn="ctr">
+              <a:lnSpc>
+                <a:spcPct val="90000"/>
+              </a:lnSpc>
+              <a:spcAft>
+                <a:spcPts val="600"/>
+              </a:spcAft>
+            </a:pPr>
+            <a:r>
+              <a:rPr lang="en-US" sz="4000" dirty="0">
+                <a:solidFill>
+                  <a:schemeClr val="tx2"/>
+                </a:solidFill>
+              </a:rPr>
+              <a:t>Fin </a:t>
+            </a:r>
+          </a:p>
+          <a:p>
+            <a:pPr algn="ctr">
+              <a:lnSpc>
+                <a:spcPct val="90000"/>
+              </a:lnSpc>
+              <a:spcAft>
+                <a:spcPts val="600"/>
+              </a:spcAft>
+            </a:pPr>
+            <a:r>
+              <a:rPr lang="en-US" dirty="0">
+                <a:solidFill>
+                  <a:schemeClr val="tx2"/>
+                </a:solidFill>
+              </a:rPr>
+              <a:t>Merci pour votre attention</a:t>
+            </a:r>
+          </a:p>
+          <a:p>
+            <a:pPr indent="-228600">
+              <a:lnSpc>
+                <a:spcPct val="90000"/>
+              </a:lnSpc>
+              <a:spcAft>
+                <a:spcPts val="600"/>
+              </a:spcAft>
+              <a:buFont typeface="Arial" panose="020B0604020202020204" pitchFamily="34" charset="0"/>
+              <a:buChar char="•"/>
+            </a:pPr>
+            <a:endParaRPr lang="en-US" sz="2000" dirty="0">
+              <a:solidFill>
+                <a:schemeClr val="tx2"/>
+              </a:solidFill>
+            </a:endParaRPr>
+          </a:p>
+        </p:txBody>
+      </p:sp>
+      <p:grpSp>
+        <p:nvGrpSpPr>
+          <p:cNvPr id="19" name="Group 18">
+            <a:extLst>
+              <a:ext uri="{FF2B5EF4-FFF2-40B4-BE49-F238E27FC236}">
+                <a16:creationId xmlns:a16="http://schemas.microsoft.com/office/drawing/2014/main" id="{B63ACBA3-DEFD-4C6D-BBA0-64468FA99C2D}"/>
+              </a:ext>
+              <a:ext uri="{C183D7F6-B498-43B3-948B-1728B52AA6E4}">
+                <adec:decorative xmlns:adec="http://schemas.microsoft.com/office/drawing/2017/decorative" val="1"/>
+              </a:ext>
+            </a:extLst>
+          </p:cNvPr>
+          <p:cNvGrpSpPr>
+            <a:grpSpLocks noGrp="1" noUngrp="1" noRot="1" noChangeAspect="1" noMove="1" noResize="1"/>
+          </p:cNvGrpSpPr>
+          <p:nvPr>
+            <p:extLst>
+              <p:ext uri="{386F3935-93C4-4BCD-93E2-E3B085C9AB24}">
+                <p16:designElem xmlns:p16="http://schemas.microsoft.com/office/powerpoint/2015/main" val="1"/>
+              </p:ext>
+            </p:extLst>
+          </p:nvPr>
+        </p:nvGrpSpPr>
+        <p:grpSpPr>
+          <a:xfrm rot="10800000">
+            <a:off x="9058275" y="4146310"/>
+            <a:ext cx="3142400" cy="2716805"/>
+            <a:chOff x="-305" y="-4155"/>
+            <a:chExt cx="2514948" cy="2174333"/>
+          </a:xfrm>
+          <a:solidFill>
+            <a:schemeClr val="bg1">
+              <a:alpha val="30000"/>
+            </a:schemeClr>
+          </a:solidFill>
+        </p:grpSpPr>
+        <p:sp>
+          <p:nvSpPr>
+            <p:cNvPr id="20" name="Freeform: Shape 19">
+              <a:extLst>
+                <a:ext uri="{FF2B5EF4-FFF2-40B4-BE49-F238E27FC236}">
+                  <a16:creationId xmlns:a16="http://schemas.microsoft.com/office/drawing/2014/main" id="{62F7819D-2B89-4D80-A1C3-8B318116BAAD}"/>
+                </a:ext>
+                <a:ext uri="{C183D7F6-B498-43B3-948B-1728B52AA6E4}">
+                  <adec:decorative xmlns:adec="http://schemas.microsoft.com/office/drawing/2017/decorative" val="1"/>
+                </a:ext>
+              </a:extLst>
+            </p:cNvPr>
+            <p:cNvSpPr/>
+            <p:nvPr>
+              <p:extLst>
+                <p:ext uri="{386F3935-93C4-4BCD-93E2-E3B085C9AB24}">
+                  <p16:designElem xmlns:p16="http://schemas.microsoft.com/office/powerpoint/2015/main" val="1"/>
+                </p:ext>
+              </p:extLst>
+            </p:nvPr>
+          </p:nvSpPr>
+          <p:spPr>
+            <a:xfrm>
+              <a:off x="-305" y="0"/>
+              <a:ext cx="2514948" cy="2170178"/>
+            </a:xfrm>
+            <a:custGeom>
+              <a:avLst/>
+              <a:gdLst>
+                <a:gd name="connsiteX0" fmla="*/ 2466091 w 2514948"/>
+                <a:gd name="connsiteY0" fmla="*/ 0 h 2170178"/>
+                <a:gd name="connsiteX1" fmla="*/ 2514948 w 2514948"/>
+                <a:gd name="connsiteY1" fmla="*/ 0 h 2170178"/>
+                <a:gd name="connsiteX2" fmla="*/ 2512286 w 2514948"/>
+                <a:gd name="connsiteY2" fmla="*/ 12375 h 2170178"/>
+                <a:gd name="connsiteX3" fmla="*/ 2394961 w 2514948"/>
+                <a:gd name="connsiteY3" fmla="*/ 368660 h 2170178"/>
+                <a:gd name="connsiteX4" fmla="*/ 2289734 w 2514948"/>
+                <a:gd name="connsiteY4" fmla="*/ 598078 h 2170178"/>
+                <a:gd name="connsiteX5" fmla="*/ 2163747 w 2514948"/>
+                <a:gd name="connsiteY5" fmla="*/ 819078 h 2170178"/>
+                <a:gd name="connsiteX6" fmla="*/ 1852241 w 2514948"/>
+                <a:gd name="connsiteY6" fmla="*/ 1228932 h 2170178"/>
+                <a:gd name="connsiteX7" fmla="*/ 1668235 w 2514948"/>
+                <a:gd name="connsiteY7" fmla="*/ 1413844 h 2170178"/>
+                <a:gd name="connsiteX8" fmla="*/ 1619510 w 2514948"/>
+                <a:gd name="connsiteY8" fmla="*/ 1457722 h 2170178"/>
+                <a:gd name="connsiteX9" fmla="*/ 1569835 w 2514948"/>
+                <a:gd name="connsiteY9" fmla="*/ 1500704 h 2170178"/>
+                <a:gd name="connsiteX10" fmla="*/ 1467169 w 2514948"/>
+                <a:gd name="connsiteY10" fmla="*/ 1583266 h 2170178"/>
+                <a:gd name="connsiteX11" fmla="*/ 1018393 w 2514948"/>
+                <a:gd name="connsiteY11" fmla="*/ 1867576 h 2170178"/>
+                <a:gd name="connsiteX12" fmla="*/ 255857 w 2514948"/>
+                <a:gd name="connsiteY12" fmla="*/ 2133049 h 2170178"/>
+                <a:gd name="connsiteX13" fmla="*/ 0 w 2514948"/>
+                <a:gd name="connsiteY13" fmla="*/ 2170178 h 2170178"/>
+                <a:gd name="connsiteX14" fmla="*/ 0 w 2514948"/>
+                <a:gd name="connsiteY14" fmla="*/ 1940056 h 2170178"/>
+                <a:gd name="connsiteX15" fmla="*/ 201609 w 2514948"/>
+                <a:gd name="connsiteY15" fmla="*/ 1902856 h 2170178"/>
+                <a:gd name="connsiteX16" fmla="*/ 440974 w 2514948"/>
+                <a:gd name="connsiteY16" fmla="*/ 1838472 h 2170178"/>
+                <a:gd name="connsiteX17" fmla="*/ 674558 w 2514948"/>
+                <a:gd name="connsiteY17" fmla="*/ 1756359 h 2170178"/>
+                <a:gd name="connsiteX18" fmla="*/ 901222 w 2514948"/>
+                <a:gd name="connsiteY18" fmla="*/ 1657142 h 2170178"/>
+                <a:gd name="connsiteX19" fmla="*/ 1330943 w 2514948"/>
+                <a:gd name="connsiteY19" fmla="*/ 1413396 h 2170178"/>
+                <a:gd name="connsiteX20" fmla="*/ 1432566 w 2514948"/>
+                <a:gd name="connsiteY20" fmla="*/ 1343193 h 2170178"/>
+                <a:gd name="connsiteX21" fmla="*/ 1482527 w 2514948"/>
+                <a:gd name="connsiteY21" fmla="*/ 1306926 h 2170178"/>
+                <a:gd name="connsiteX22" fmla="*/ 1531821 w 2514948"/>
+                <a:gd name="connsiteY22" fmla="*/ 1269765 h 2170178"/>
+                <a:gd name="connsiteX23" fmla="*/ 1721986 w 2514948"/>
+                <a:gd name="connsiteY23" fmla="*/ 1112073 h 2170178"/>
+                <a:gd name="connsiteX24" fmla="*/ 2061460 w 2514948"/>
+                <a:gd name="connsiteY24" fmla="*/ 754336 h 2170178"/>
+                <a:gd name="connsiteX25" fmla="*/ 2206218 w 2514948"/>
+                <a:gd name="connsiteY25" fmla="*/ 554827 h 2170178"/>
+                <a:gd name="connsiteX26" fmla="*/ 2329455 w 2514948"/>
+                <a:gd name="connsiteY26" fmla="*/ 341886 h 2170178"/>
+                <a:gd name="connsiteX27" fmla="*/ 2356757 w 2514948"/>
+                <a:gd name="connsiteY27" fmla="*/ 286815 h 2170178"/>
+                <a:gd name="connsiteX28" fmla="*/ 2370030 w 2514948"/>
+                <a:gd name="connsiteY28" fmla="*/ 259056 h 2170178"/>
+                <a:gd name="connsiteX29" fmla="*/ 2382637 w 2514948"/>
+                <a:gd name="connsiteY29" fmla="*/ 231028 h 2170178"/>
+                <a:gd name="connsiteX30" fmla="*/ 2406716 w 2514948"/>
+                <a:gd name="connsiteY30" fmla="*/ 174525 h 2170178"/>
+                <a:gd name="connsiteX31" fmla="*/ 2429278 w 2514948"/>
+                <a:gd name="connsiteY31" fmla="*/ 117393 h 2170178"/>
+              </a:gdLst>
+              <a:ahLst/>
+              <a:cxnLst>
+                <a:cxn ang="0">
+                  <a:pos x="connsiteX0" y="connsiteY0"/>
+                </a:cxn>
+                <a:cxn ang="0">
+                  <a:pos x="connsiteX1" y="connsiteY1"/>
+                </a:cxn>
+                <a:cxn ang="0">
+                  <a:pos x="connsiteX2" y="connsiteY2"/>
+                </a:cxn>
+                <a:cxn ang="0">
+                  <a:pos x="connsiteX3" y="connsiteY3"/>
+                </a:cxn>
+                <a:cxn ang="0">
+                  <a:pos x="connsiteX4" y="connsiteY4"/>
+                </a:cxn>
+                <a:cxn ang="0">
+                  <a:pos x="connsiteX5" y="connsiteY5"/>
+                </a:cxn>
+                <a:cxn ang="0">
+                  <a:pos x="connsiteX6" y="connsiteY6"/>
+                </a:cxn>
+                <a:cxn ang="0">
+                  <a:pos x="connsiteX7" y="connsiteY7"/>
+                </a:cxn>
+                <a:cxn ang="0">
+                  <a:pos x="connsiteX8" y="connsiteY8"/>
+                </a:cxn>
+                <a:cxn ang="0">
+                  <a:pos x="connsiteX9" y="connsiteY9"/>
+                </a:cxn>
+                <a:cxn ang="0">
+                  <a:pos x="connsiteX10" y="connsiteY10"/>
+                </a:cxn>
+                <a:cxn ang="0">
+                  <a:pos x="connsiteX11" y="connsiteY11"/>
+                </a:cxn>
+                <a:cxn ang="0">
+                  <a:pos x="connsiteX12" y="connsiteY12"/>
+                </a:cxn>
+                <a:cxn ang="0">
+                  <a:pos x="connsiteX13" y="connsiteY13"/>
+                </a:cxn>
+                <a:cxn ang="0">
+                  <a:pos x="connsiteX14" y="connsiteY14"/>
+                </a:cxn>
+                <a:cxn ang="0">
+                  <a:pos x="connsiteX15" y="connsiteY15"/>
+                </a:cxn>
+                <a:cxn ang="0">
+                  <a:pos x="connsiteX16" y="connsiteY16"/>
+                </a:cxn>
+                <a:cxn ang="0">
+                  <a:pos x="connsiteX17" y="connsiteY17"/>
+                </a:cxn>
+                <a:cxn ang="0">
+                  <a:pos x="connsiteX18" y="connsiteY18"/>
+                </a:cxn>
+                <a:cxn ang="0">
+                  <a:pos x="connsiteX19" y="connsiteY19"/>
+                </a:cxn>
+                <a:cxn ang="0">
+                  <a:pos x="connsiteX20" y="connsiteY20"/>
+                </a:cxn>
+                <a:cxn ang="0">
+                  <a:pos x="connsiteX21" y="connsiteY21"/>
+                </a:cxn>
+                <a:cxn ang="0">
+                  <a:pos x="connsiteX22" y="connsiteY22"/>
+                </a:cxn>
+                <a:cxn ang="0">
+                  <a:pos x="connsiteX23" y="connsiteY23"/>
+                </a:cxn>
+                <a:cxn ang="0">
+                  <a:pos x="connsiteX24" y="connsiteY24"/>
+                </a:cxn>
+                <a:cxn ang="0">
+                  <a:pos x="connsiteX25" y="connsiteY25"/>
+                </a:cxn>
+                <a:cxn ang="0">
+                  <a:pos x="connsiteX26" y="connsiteY26"/>
+                </a:cxn>
+                <a:cxn ang="0">
+                  <a:pos x="connsiteX27" y="connsiteY27"/>
+                </a:cxn>
+                <a:cxn ang="0">
+                  <a:pos x="connsiteX28" y="connsiteY28"/>
+                </a:cxn>
+                <a:cxn ang="0">
+                  <a:pos x="connsiteX29" y="connsiteY29"/>
+                </a:cxn>
+                <a:cxn ang="0">
+                  <a:pos x="connsiteX30" y="connsiteY30"/>
+                </a:cxn>
+                <a:cxn ang="0">
+                  <a:pos x="connsiteX31" y="connsiteY31"/>
+                </a:cxn>
+              </a:cxnLst>
+              <a:rect l="l" t="t" r="r" b="b"/>
+              <a:pathLst>
+                <a:path w="2514948" h="2170178">
+                  <a:moveTo>
+                    <a:pt x="2466091" y="0"/>
+                  </a:moveTo>
+                  <a:lnTo>
+                    <a:pt x="2514948" y="0"/>
+                  </a:lnTo>
+                  <a:lnTo>
+                    <a:pt x="2512286" y="12375"/>
+                  </a:lnTo>
+                  <a:cubicBezTo>
+                    <a:pt x="2481760" y="133161"/>
+                    <a:pt x="2442526" y="252239"/>
+                    <a:pt x="2394961" y="368660"/>
+                  </a:cubicBezTo>
+                  <a:cubicBezTo>
+                    <a:pt x="2363109" y="446208"/>
+                    <a:pt x="2328603" y="523039"/>
+                    <a:pt x="2289734" y="598078"/>
+                  </a:cubicBezTo>
+                  <a:cubicBezTo>
+                    <a:pt x="2251436" y="673387"/>
+                    <a:pt x="2209251" y="747083"/>
+                    <a:pt x="2163747" y="819078"/>
+                  </a:cubicBezTo>
+                  <a:cubicBezTo>
+                    <a:pt x="2072646" y="962979"/>
+                    <a:pt x="1968652" y="1100611"/>
+                    <a:pt x="1852241" y="1228932"/>
+                  </a:cubicBezTo>
+                  <a:cubicBezTo>
+                    <a:pt x="1793748" y="1292868"/>
+                    <a:pt x="1732698" y="1354923"/>
+                    <a:pt x="1668235" y="1413844"/>
+                  </a:cubicBezTo>
+                  <a:cubicBezTo>
+                    <a:pt x="1652214" y="1428709"/>
+                    <a:pt x="1636100" y="1443395"/>
+                    <a:pt x="1619510" y="1457722"/>
+                  </a:cubicBezTo>
+                  <a:cubicBezTo>
+                    <a:pt x="1603015" y="1472140"/>
+                    <a:pt x="1586805" y="1486825"/>
+                    <a:pt x="1569835" y="1500704"/>
+                  </a:cubicBezTo>
+                  <a:cubicBezTo>
+                    <a:pt x="1536276" y="1528911"/>
+                    <a:pt x="1501865" y="1556223"/>
+                    <a:pt x="1467169" y="1583266"/>
+                  </a:cubicBezTo>
+                  <a:cubicBezTo>
+                    <a:pt x="1327719" y="1690722"/>
+                    <a:pt x="1177085" y="1785910"/>
+                    <a:pt x="1018393" y="1867576"/>
+                  </a:cubicBezTo>
+                  <a:cubicBezTo>
+                    <a:pt x="780425" y="1990142"/>
+                    <a:pt x="522567" y="2080875"/>
+                    <a:pt x="255857" y="2133049"/>
+                  </a:cubicBezTo>
+                  <a:lnTo>
+                    <a:pt x="0" y="2170178"/>
+                  </a:lnTo>
+                  <a:lnTo>
+                    <a:pt x="0" y="1940056"/>
+                  </a:lnTo>
+                  <a:lnTo>
+                    <a:pt x="201609" y="1902856"/>
+                  </a:lnTo>
+                  <a:cubicBezTo>
+                    <a:pt x="282186" y="1884231"/>
+                    <a:pt x="362102" y="1863008"/>
+                    <a:pt x="440974" y="1838472"/>
+                  </a:cubicBezTo>
+                  <a:cubicBezTo>
+                    <a:pt x="519848" y="1814027"/>
+                    <a:pt x="597771" y="1786627"/>
+                    <a:pt x="674558" y="1756359"/>
+                  </a:cubicBezTo>
+                  <a:cubicBezTo>
+                    <a:pt x="751250" y="1726003"/>
+                    <a:pt x="826900" y="1692870"/>
+                    <a:pt x="901222" y="1657142"/>
+                  </a:cubicBezTo>
+                  <a:cubicBezTo>
+                    <a:pt x="1049865" y="1585774"/>
+                    <a:pt x="1193581" y="1504376"/>
+                    <a:pt x="1330943" y="1413396"/>
+                  </a:cubicBezTo>
+                  <a:cubicBezTo>
+                    <a:pt x="1365165" y="1390563"/>
+                    <a:pt x="1399293" y="1367370"/>
+                    <a:pt x="1432566" y="1343193"/>
+                  </a:cubicBezTo>
+                  <a:cubicBezTo>
+                    <a:pt x="1449441" y="1331373"/>
+                    <a:pt x="1465936" y="1319104"/>
+                    <a:pt x="1482527" y="1306926"/>
+                  </a:cubicBezTo>
+                  <a:cubicBezTo>
+                    <a:pt x="1499210" y="1294837"/>
+                    <a:pt x="1515611" y="1282391"/>
+                    <a:pt x="1531821" y="1269765"/>
+                  </a:cubicBezTo>
+                  <a:cubicBezTo>
+                    <a:pt x="1596947" y="1219350"/>
+                    <a:pt x="1660652" y="1167055"/>
+                    <a:pt x="1721986" y="1112073"/>
+                  </a:cubicBezTo>
+                  <a:cubicBezTo>
+                    <a:pt x="1844940" y="1002469"/>
+                    <a:pt x="1958983" y="882926"/>
+                    <a:pt x="2061460" y="754336"/>
+                  </a:cubicBezTo>
+                  <a:cubicBezTo>
+                    <a:pt x="2112652" y="690042"/>
+                    <a:pt x="2161094" y="623510"/>
+                    <a:pt x="2206218" y="554827"/>
+                  </a:cubicBezTo>
+                  <a:cubicBezTo>
+                    <a:pt x="2250583" y="485787"/>
+                    <a:pt x="2292484" y="415046"/>
+                    <a:pt x="2329455" y="341886"/>
+                  </a:cubicBezTo>
+                  <a:cubicBezTo>
+                    <a:pt x="2339030" y="323709"/>
+                    <a:pt x="2347941" y="305261"/>
+                    <a:pt x="2356757" y="286815"/>
+                  </a:cubicBezTo>
+                  <a:lnTo>
+                    <a:pt x="2370030" y="259056"/>
+                  </a:lnTo>
+                  <a:lnTo>
+                    <a:pt x="2382637" y="231028"/>
+                  </a:lnTo>
+                  <a:cubicBezTo>
+                    <a:pt x="2390885" y="212312"/>
+                    <a:pt x="2399227" y="193598"/>
+                    <a:pt x="2406716" y="174525"/>
+                  </a:cubicBezTo>
+                  <a:cubicBezTo>
+                    <a:pt x="2414206" y="155452"/>
+                    <a:pt x="2422453" y="136646"/>
+                    <a:pt x="2429278" y="117393"/>
+                  </a:cubicBezTo>
+                  <a:close/>
+                </a:path>
+              </a:pathLst>
+            </a:custGeom>
+            <a:grpFill/>
+            <a:ln>
+              <a:noFill/>
+            </a:ln>
+          </p:spPr>
+          <p:style>
+            <a:lnRef idx="2">
+              <a:schemeClr val="accent1">
+                <a:shade val="50000"/>
+              </a:schemeClr>
+            </a:lnRef>
+            <a:fillRef idx="1">
+              <a:schemeClr val="accent1"/>
+            </a:fillRef>
+            <a:effectRef idx="0">
+              <a:schemeClr val="accent1"/>
+            </a:effectRef>
+            <a:fontRef idx="minor">
+              <a:schemeClr val="lt1"/>
+            </a:fontRef>
+          </p:style>
+          <p:txBody>
+            <a:bodyPr rtlCol="0" anchor="ctr"/>
+            <a:lstStyle/>
+            <a:p>
+              <a:pPr algn="ctr"/>
+              <a:endParaRPr lang="en-US"/>
+            </a:p>
+          </p:txBody>
+        </p:sp>
+        <p:sp>
+          <p:nvSpPr>
+            <p:cNvPr id="21" name="Freeform: Shape 20">
+              <a:extLst>
+                <a:ext uri="{FF2B5EF4-FFF2-40B4-BE49-F238E27FC236}">
+                  <a16:creationId xmlns:a16="http://schemas.microsoft.com/office/drawing/2014/main" id="{B7065990-2350-41B3-858B-20EF8744F26C}"/>
+                </a:ext>
+                <a:ext uri="{C183D7F6-B498-43B3-948B-1728B52AA6E4}">
+                  <adec:decorative xmlns:adec="http://schemas.microsoft.com/office/drawing/2017/decorative" val="1"/>
+                </a:ext>
+              </a:extLst>
+            </p:cNvPr>
+            <p:cNvSpPr/>
+            <p:nvPr>
+              <p:extLst>
+                <p:ext uri="{386F3935-93C4-4BCD-93E2-E3B085C9AB24}">
+                  <p16:designElem xmlns:p16="http://schemas.microsoft.com/office/powerpoint/2015/main" val="1"/>
+                </p:ext>
+              </p:extLst>
+            </p:nvPr>
+          </p:nvSpPr>
+          <p:spPr>
+            <a:xfrm>
+              <a:off x="-305" y="-4155"/>
+              <a:ext cx="2493062" cy="1947896"/>
+            </a:xfrm>
+            <a:custGeom>
+              <a:avLst/>
+              <a:gdLst>
+                <a:gd name="connsiteX0" fmla="*/ 1896911 w 2493062"/>
+                <a:gd name="connsiteY0" fmla="*/ 0 h 1947896"/>
+                <a:gd name="connsiteX1" fmla="*/ 2493062 w 2493062"/>
+                <a:gd name="connsiteY1" fmla="*/ 0 h 1947896"/>
+                <a:gd name="connsiteX2" fmla="*/ 2435315 w 2493062"/>
+                <a:gd name="connsiteY2" fmla="*/ 178165 h 1947896"/>
+                <a:gd name="connsiteX3" fmla="*/ 93066 w 2493062"/>
+                <a:gd name="connsiteY3" fmla="*/ 1935859 h 1947896"/>
+                <a:gd name="connsiteX4" fmla="*/ 0 w 2493062"/>
+                <a:gd name="connsiteY4" fmla="*/ 1947896 h 1947896"/>
+                <a:gd name="connsiteX5" fmla="*/ 0 w 2493062"/>
+                <a:gd name="connsiteY5" fmla="*/ 1404756 h 1947896"/>
+                <a:gd name="connsiteX6" fmla="*/ 17392 w 2493062"/>
+                <a:gd name="connsiteY6" fmla="*/ 1402364 h 1947896"/>
+                <a:gd name="connsiteX7" fmla="*/ 464249 w 2493062"/>
+                <a:gd name="connsiteY7" fmla="*/ 1281208 h 1947896"/>
+                <a:gd name="connsiteX8" fmla="*/ 1260556 w 2493062"/>
+                <a:gd name="connsiteY8" fmla="*/ 833835 h 1947896"/>
+                <a:gd name="connsiteX9" fmla="*/ 1807924 w 2493062"/>
+                <a:gd name="connsiteY9" fmla="*/ 193222 h 1947896"/>
+                <a:gd name="connsiteX10" fmla="*/ 1874357 w 2493062"/>
+                <a:gd name="connsiteY10" fmla="*/ 58333 h 1947896"/>
+              </a:gdLst>
+              <a:ahLst/>
+              <a:cxnLst>
+                <a:cxn ang="0">
+                  <a:pos x="connsiteX0" y="connsiteY0"/>
+                </a:cxn>
+                <a:cxn ang="0">
+                  <a:pos x="connsiteX1" y="connsiteY1"/>
+                </a:cxn>
+                <a:cxn ang="0">
+                  <a:pos x="connsiteX2" y="connsiteY2"/>
+                </a:cxn>
+                <a:cxn ang="0">
+                  <a:pos x="connsiteX3" y="connsiteY3"/>
+                </a:cxn>
+                <a:cxn ang="0">
+                  <a:pos x="connsiteX4" y="connsiteY4"/>
+                </a:cxn>
+                <a:cxn ang="0">
+                  <a:pos x="connsiteX5" y="connsiteY5"/>
+                </a:cxn>
+                <a:cxn ang="0">
+                  <a:pos x="connsiteX6" y="connsiteY6"/>
+                </a:cxn>
+                <a:cxn ang="0">
+                  <a:pos x="connsiteX7" y="connsiteY7"/>
+                </a:cxn>
+                <a:cxn ang="0">
+                  <a:pos x="connsiteX8" y="connsiteY8"/>
+                </a:cxn>
+                <a:cxn ang="0">
+                  <a:pos x="connsiteX9" y="connsiteY9"/>
+                </a:cxn>
+                <a:cxn ang="0">
+                  <a:pos x="connsiteX10" y="connsiteY10"/>
+                </a:cxn>
+              </a:cxnLst>
+              <a:rect l="l" t="t" r="r" b="b"/>
+              <a:pathLst>
+                <a:path w="2493062" h="1947896">
+                  <a:moveTo>
+                    <a:pt x="1896911" y="0"/>
+                  </a:moveTo>
+                  <a:lnTo>
+                    <a:pt x="2493062" y="0"/>
+                  </a:lnTo>
+                  <a:lnTo>
+                    <a:pt x="2435315" y="178165"/>
+                  </a:lnTo>
+                  <a:cubicBezTo>
+                    <a:pt x="2088122" y="1071812"/>
+                    <a:pt x="1129732" y="1758033"/>
+                    <a:pt x="93066" y="1935859"/>
+                  </a:cubicBezTo>
+                  <a:lnTo>
+                    <a:pt x="0" y="1947896"/>
+                  </a:lnTo>
+                  <a:lnTo>
+                    <a:pt x="0" y="1404756"/>
+                  </a:lnTo>
+                  <a:lnTo>
+                    <a:pt x="17392" y="1402364"/>
+                  </a:lnTo>
+                  <a:cubicBezTo>
+                    <a:pt x="167719" y="1375030"/>
+                    <a:pt x="318070" y="1334398"/>
+                    <a:pt x="464249" y="1281208"/>
+                  </a:cubicBezTo>
+                  <a:cubicBezTo>
+                    <a:pt x="753480" y="1176081"/>
+                    <a:pt x="1028869" y="1021346"/>
+                    <a:pt x="1260556" y="833835"/>
+                  </a:cubicBezTo>
+                  <a:cubicBezTo>
+                    <a:pt x="1491960" y="646594"/>
+                    <a:pt x="1681177" y="425056"/>
+                    <a:pt x="1807924" y="193222"/>
+                  </a:cubicBezTo>
+                  <a:cubicBezTo>
+                    <a:pt x="1832328" y="148578"/>
+                    <a:pt x="1854477" y="103599"/>
+                    <a:pt x="1874357" y="58333"/>
+                  </a:cubicBezTo>
+                  <a:close/>
+                </a:path>
+              </a:pathLst>
+            </a:custGeom>
+            <a:grpFill/>
+            <a:ln>
+              <a:noFill/>
+            </a:ln>
+          </p:spPr>
+          <p:style>
+            <a:lnRef idx="2">
+              <a:schemeClr val="accent1">
+                <a:shade val="50000"/>
+              </a:schemeClr>
+            </a:lnRef>
+            <a:fillRef idx="1">
+              <a:schemeClr val="accent1"/>
+            </a:fillRef>
+            <a:effectRef idx="0">
+              <a:schemeClr val="accent1"/>
+            </a:effectRef>
+            <a:fontRef idx="minor">
+              <a:schemeClr val="lt1"/>
+            </a:fontRef>
+          </p:style>
+          <p:txBody>
+            <a:bodyPr rtlCol="0" anchor="ctr"/>
+            <a:lstStyle/>
+            <a:p>
+              <a:pPr algn="ctr"/>
+              <a:endParaRPr lang="en-US"/>
+            </a:p>
+          </p:txBody>
+        </p:sp>
+        <p:sp>
+          <p:nvSpPr>
+            <p:cNvPr id="22" name="Freeform: Shape 21">
+              <a:extLst>
+                <a:ext uri="{FF2B5EF4-FFF2-40B4-BE49-F238E27FC236}">
+                  <a16:creationId xmlns:a16="http://schemas.microsoft.com/office/drawing/2014/main" id="{58DA7EC7-CAA0-4665-AA29-BFBA806ECAB2}"/>
+                </a:ext>
+                <a:ext uri="{C183D7F6-B498-43B3-948B-1728B52AA6E4}">
+                  <adec:decorative xmlns:adec="http://schemas.microsoft.com/office/drawing/2017/decorative" val="1"/>
+                </a:ext>
+              </a:extLst>
+            </p:cNvPr>
+            <p:cNvSpPr/>
+            <p:nvPr>
+              <p:extLst>
+                <p:ext uri="{386F3935-93C4-4BCD-93E2-E3B085C9AB24}">
+                  <p16:designElem xmlns:p16="http://schemas.microsoft.com/office/powerpoint/2015/main" val="1"/>
+                </p:ext>
+              </p:extLst>
+            </p:nvPr>
+          </p:nvSpPr>
+          <p:spPr>
+            <a:xfrm>
+              <a:off x="-305" y="0"/>
+              <a:ext cx="2501089" cy="1972702"/>
+            </a:xfrm>
+            <a:custGeom>
+              <a:avLst/>
+              <a:gdLst>
+                <a:gd name="connsiteX0" fmla="*/ 2318728 w 2501089"/>
+                <a:gd name="connsiteY0" fmla="*/ 0 h 1972702"/>
+                <a:gd name="connsiteX1" fmla="*/ 2501089 w 2501089"/>
+                <a:gd name="connsiteY1" fmla="*/ 0 h 1972702"/>
+                <a:gd name="connsiteX2" fmla="*/ 2453909 w 2501089"/>
+                <a:gd name="connsiteY2" fmla="*/ 167837 h 1972702"/>
+                <a:gd name="connsiteX3" fmla="*/ 2361125 w 2501089"/>
+                <a:gd name="connsiteY3" fmla="*/ 392084 h 1972702"/>
+                <a:gd name="connsiteX4" fmla="*/ 1768255 w 2501089"/>
+                <a:gd name="connsiteY4" fmla="*/ 1167644 h 1972702"/>
+                <a:gd name="connsiteX5" fmla="*/ 1375125 w 2501089"/>
+                <a:gd name="connsiteY5" fmla="*/ 1471474 h 1972702"/>
+                <a:gd name="connsiteX6" fmla="*/ 935735 w 2501089"/>
+                <a:gd name="connsiteY6" fmla="*/ 1712713 h 1972702"/>
+                <a:gd name="connsiteX7" fmla="*/ 212353 w 2501089"/>
+                <a:gd name="connsiteY7" fmla="*/ 1940294 h 1972702"/>
+                <a:gd name="connsiteX8" fmla="*/ 0 w 2501089"/>
+                <a:gd name="connsiteY8" fmla="*/ 1972702 h 1972702"/>
+                <a:gd name="connsiteX9" fmla="*/ 0 w 2501089"/>
+                <a:gd name="connsiteY9" fmla="*/ 1732181 h 1972702"/>
+                <a:gd name="connsiteX10" fmla="*/ 161195 w 2501089"/>
+                <a:gd name="connsiteY10" fmla="*/ 1706590 h 1972702"/>
+                <a:gd name="connsiteX11" fmla="*/ 388463 w 2501089"/>
+                <a:gd name="connsiteY11" fmla="*/ 1652268 h 1972702"/>
+                <a:gd name="connsiteX12" fmla="*/ 826716 w 2501089"/>
+                <a:gd name="connsiteY12" fmla="*/ 1493950 h 1972702"/>
+                <a:gd name="connsiteX13" fmla="*/ 1609847 w 2501089"/>
+                <a:gd name="connsiteY13" fmla="*/ 1007535 h 1972702"/>
+                <a:gd name="connsiteX14" fmla="*/ 1929982 w 2501089"/>
+                <a:gd name="connsiteY14" fmla="*/ 682930 h 1972702"/>
+                <a:gd name="connsiteX15" fmla="*/ 2183093 w 2501089"/>
+                <a:gd name="connsiteY15" fmla="*/ 310149 h 1972702"/>
+                <a:gd name="connsiteX16" fmla="*/ 2280286 w 2501089"/>
+                <a:gd name="connsiteY16" fmla="*/ 108435 h 1972702"/>
+              </a:gdLst>
+              <a:ahLst/>
+              <a:cxnLst>
+                <a:cxn ang="0">
+                  <a:pos x="connsiteX0" y="connsiteY0"/>
+                </a:cxn>
+                <a:cxn ang="0">
+                  <a:pos x="connsiteX1" y="connsiteY1"/>
+                </a:cxn>
+                <a:cxn ang="0">
+                  <a:pos x="connsiteX2" y="connsiteY2"/>
+                </a:cxn>
+                <a:cxn ang="0">
+                  <a:pos x="connsiteX3" y="connsiteY3"/>
+                </a:cxn>
+                <a:cxn ang="0">
+                  <a:pos x="connsiteX4" y="connsiteY4"/>
+                </a:cxn>
+                <a:cxn ang="0">
+                  <a:pos x="connsiteX5" y="connsiteY5"/>
+                </a:cxn>
+                <a:cxn ang="0">
+                  <a:pos x="connsiteX6" y="connsiteY6"/>
+                </a:cxn>
+                <a:cxn ang="0">
+                  <a:pos x="connsiteX7" y="connsiteY7"/>
+                </a:cxn>
+                <a:cxn ang="0">
+                  <a:pos x="connsiteX8" y="connsiteY8"/>
+                </a:cxn>
+                <a:cxn ang="0">
+                  <a:pos x="connsiteX9" y="connsiteY9"/>
+                </a:cxn>
+                <a:cxn ang="0">
+                  <a:pos x="connsiteX10" y="connsiteY10"/>
+                </a:cxn>
+                <a:cxn ang="0">
+                  <a:pos x="connsiteX11" y="connsiteY11"/>
+                </a:cxn>
+                <a:cxn ang="0">
+                  <a:pos x="connsiteX12" y="connsiteY12"/>
+                </a:cxn>
+                <a:cxn ang="0">
+                  <a:pos x="connsiteX13" y="connsiteY13"/>
+                </a:cxn>
+                <a:cxn ang="0">
+                  <a:pos x="connsiteX14" y="connsiteY14"/>
+                </a:cxn>
+                <a:cxn ang="0">
+                  <a:pos x="connsiteX15" y="connsiteY15"/>
+                </a:cxn>
+                <a:cxn ang="0">
+                  <a:pos x="connsiteX16" y="connsiteY16"/>
+                </a:cxn>
+              </a:cxnLst>
+              <a:rect l="l" t="t" r="r" b="b"/>
+              <a:pathLst>
+                <a:path w="2501089" h="1972702">
+                  <a:moveTo>
+                    <a:pt x="2318728" y="0"/>
+                  </a:moveTo>
+                  <a:lnTo>
+                    <a:pt x="2501089" y="0"/>
+                  </a:lnTo>
+                  <a:lnTo>
+                    <a:pt x="2453909" y="167837"/>
+                  </a:lnTo>
+                  <a:cubicBezTo>
+                    <a:pt x="2427555" y="244153"/>
+                    <a:pt x="2396627" y="319103"/>
+                    <a:pt x="2361125" y="392084"/>
+                  </a:cubicBezTo>
+                  <a:cubicBezTo>
+                    <a:pt x="2218453" y="684005"/>
+                    <a:pt x="2011698" y="945211"/>
+                    <a:pt x="1768255" y="1167644"/>
+                  </a:cubicBezTo>
+                  <a:cubicBezTo>
+                    <a:pt x="1646250" y="1278860"/>
+                    <a:pt x="1514385" y="1380316"/>
+                    <a:pt x="1375125" y="1471474"/>
+                  </a:cubicBezTo>
+                  <a:cubicBezTo>
+                    <a:pt x="1235677" y="1562542"/>
+                    <a:pt x="1088928" y="1643672"/>
+                    <a:pt x="935735" y="1712713"/>
+                  </a:cubicBezTo>
+                  <a:cubicBezTo>
+                    <a:pt x="705659" y="1815533"/>
+                    <a:pt x="462359" y="1892212"/>
+                    <a:pt x="212353" y="1940294"/>
+                  </a:cubicBezTo>
+                  <a:lnTo>
+                    <a:pt x="0" y="1972702"/>
+                  </a:lnTo>
+                  <a:lnTo>
+                    <a:pt x="0" y="1732181"/>
+                  </a:lnTo>
+                  <a:lnTo>
+                    <a:pt x="161195" y="1706590"/>
+                  </a:lnTo>
+                  <a:cubicBezTo>
+                    <a:pt x="237638" y="1691378"/>
+                    <a:pt x="313477" y="1673222"/>
+                    <a:pt x="388463" y="1652268"/>
+                  </a:cubicBezTo>
+                  <a:cubicBezTo>
+                    <a:pt x="538529" y="1610539"/>
+                    <a:pt x="684898" y="1556543"/>
+                    <a:pt x="826716" y="1493950"/>
+                  </a:cubicBezTo>
+                  <a:cubicBezTo>
+                    <a:pt x="1111207" y="1370107"/>
+                    <a:pt x="1376832" y="1205881"/>
+                    <a:pt x="1609847" y="1007535"/>
+                  </a:cubicBezTo>
+                  <a:cubicBezTo>
+                    <a:pt x="1725975" y="908049"/>
+                    <a:pt x="1833571" y="799519"/>
+                    <a:pt x="1929982" y="682930"/>
+                  </a:cubicBezTo>
+                  <a:cubicBezTo>
+                    <a:pt x="2026581" y="566520"/>
+                    <a:pt x="2111806" y="441692"/>
+                    <a:pt x="2183093" y="310149"/>
+                  </a:cubicBezTo>
+                  <a:cubicBezTo>
+                    <a:pt x="2218738" y="244422"/>
+                    <a:pt x="2251396" y="177150"/>
+                    <a:pt x="2280286" y="108435"/>
+                  </a:cubicBezTo>
+                  <a:close/>
+                </a:path>
+              </a:pathLst>
+            </a:custGeom>
+            <a:grpFill/>
+            <a:ln>
+              <a:noFill/>
+            </a:ln>
+          </p:spPr>
+          <p:style>
+            <a:lnRef idx="2">
+              <a:schemeClr val="accent1">
+                <a:shade val="50000"/>
+              </a:schemeClr>
+            </a:lnRef>
+            <a:fillRef idx="1">
+              <a:schemeClr val="accent1"/>
+            </a:fillRef>
+            <a:effectRef idx="0">
+              <a:schemeClr val="accent1"/>
+            </a:effectRef>
+            <a:fontRef idx="minor">
+              <a:schemeClr val="lt1"/>
+            </a:fontRef>
+          </p:style>
+          <p:txBody>
+            <a:bodyPr wrap="square" rtlCol="0" anchor="ctr">
+              <a:noAutofit/>
+            </a:bodyPr>
+            <a:lstStyle/>
+            <a:p>
+              <a:pPr algn="ctr"/>
+              <a:endParaRPr lang="en-US" sz="800"/>
+            </a:p>
+          </p:txBody>
+        </p:sp>
+        <p:sp>
+          <p:nvSpPr>
+            <p:cNvPr id="23" name="Freeform: Shape 22">
+              <a:extLst>
+                <a:ext uri="{FF2B5EF4-FFF2-40B4-BE49-F238E27FC236}">
+                  <a16:creationId xmlns:a16="http://schemas.microsoft.com/office/drawing/2014/main" id="{B1132A14-489F-4CED-B626-2A1711C987C2}"/>
+                </a:ext>
+                <a:ext uri="{C183D7F6-B498-43B3-948B-1728B52AA6E4}">
+                  <adec:decorative xmlns:adec="http://schemas.microsoft.com/office/drawing/2017/decorative" val="1"/>
+                </a:ext>
+              </a:extLst>
+            </p:cNvPr>
+            <p:cNvSpPr/>
+            <p:nvPr>
+              <p:extLst>
+                <p:ext uri="{386F3935-93C4-4BCD-93E2-E3B085C9AB24}">
+                  <p16:designElem xmlns:p16="http://schemas.microsoft.com/office/powerpoint/2015/main" val="1"/>
+                </p:ext>
+              </p:extLst>
+            </p:nvPr>
+          </p:nvSpPr>
+          <p:spPr>
+            <a:xfrm>
+              <a:off x="305" y="1"/>
+              <a:ext cx="2491105" cy="1943661"/>
+            </a:xfrm>
+            <a:custGeom>
+              <a:avLst/>
+              <a:gdLst>
+                <a:gd name="connsiteX0" fmla="*/ 1995408 w 2491105"/>
+                <a:gd name="connsiteY0" fmla="*/ 0 h 1943661"/>
+                <a:gd name="connsiteX1" fmla="*/ 2491105 w 2491105"/>
+                <a:gd name="connsiteY1" fmla="*/ 0 h 1943661"/>
+                <a:gd name="connsiteX2" fmla="*/ 2434705 w 2491105"/>
+                <a:gd name="connsiteY2" fmla="*/ 174009 h 1943661"/>
+                <a:gd name="connsiteX3" fmla="*/ 92457 w 2491105"/>
+                <a:gd name="connsiteY3" fmla="*/ 1931703 h 1943661"/>
+                <a:gd name="connsiteX4" fmla="*/ 0 w 2491105"/>
+                <a:gd name="connsiteY4" fmla="*/ 1943661 h 1943661"/>
+                <a:gd name="connsiteX5" fmla="*/ 0 w 2491105"/>
+                <a:gd name="connsiteY5" fmla="*/ 1491489 h 1943661"/>
+                <a:gd name="connsiteX6" fmla="*/ 34107 w 2491105"/>
+                <a:gd name="connsiteY6" fmla="*/ 1486836 h 1943661"/>
+                <a:gd name="connsiteX7" fmla="*/ 497577 w 2491105"/>
+                <a:gd name="connsiteY7" fmla="*/ 1360598 h 1943661"/>
+                <a:gd name="connsiteX8" fmla="*/ 1321566 w 2491105"/>
+                <a:gd name="connsiteY8" fmla="*/ 897645 h 1943661"/>
+                <a:gd name="connsiteX9" fmla="*/ 1891495 w 2491105"/>
+                <a:gd name="connsiteY9" fmla="*/ 230078 h 1943661"/>
+                <a:gd name="connsiteX10" fmla="*/ 1961469 w 2491105"/>
+                <a:gd name="connsiteY10" fmla="*/ 87885 h 1943661"/>
+              </a:gdLst>
+              <a:ahLst/>
+              <a:cxnLst>
+                <a:cxn ang="0">
+                  <a:pos x="connsiteX0" y="connsiteY0"/>
+                </a:cxn>
+                <a:cxn ang="0">
+                  <a:pos x="connsiteX1" y="connsiteY1"/>
+                </a:cxn>
+                <a:cxn ang="0">
+                  <a:pos x="connsiteX2" y="connsiteY2"/>
+                </a:cxn>
+                <a:cxn ang="0">
+                  <a:pos x="connsiteX3" y="connsiteY3"/>
+                </a:cxn>
+                <a:cxn ang="0">
+                  <a:pos x="connsiteX4" y="connsiteY4"/>
+                </a:cxn>
+                <a:cxn ang="0">
+                  <a:pos x="connsiteX5" y="connsiteY5"/>
+                </a:cxn>
+                <a:cxn ang="0">
+                  <a:pos x="connsiteX6" y="connsiteY6"/>
+                </a:cxn>
+                <a:cxn ang="0">
+                  <a:pos x="connsiteX7" y="connsiteY7"/>
+                </a:cxn>
+                <a:cxn ang="0">
+                  <a:pos x="connsiteX8" y="connsiteY8"/>
+                </a:cxn>
+                <a:cxn ang="0">
+                  <a:pos x="connsiteX9" y="connsiteY9"/>
+                </a:cxn>
+                <a:cxn ang="0">
+                  <a:pos x="connsiteX10" y="connsiteY10"/>
+                </a:cxn>
+              </a:cxnLst>
+              <a:rect l="l" t="t" r="r" b="b"/>
+              <a:pathLst>
+                <a:path w="2491105" h="1943661">
+                  <a:moveTo>
+                    <a:pt x="1995408" y="0"/>
+                  </a:moveTo>
+                  <a:lnTo>
+                    <a:pt x="2491105" y="0"/>
+                  </a:lnTo>
+                  <a:lnTo>
+                    <a:pt x="2434705" y="174009"/>
+                  </a:lnTo>
+                  <a:cubicBezTo>
+                    <a:pt x="2087512" y="1067655"/>
+                    <a:pt x="1129122" y="1753877"/>
+                    <a:pt x="92457" y="1931703"/>
+                  </a:cubicBezTo>
+                  <a:lnTo>
+                    <a:pt x="0" y="1943661"/>
+                  </a:lnTo>
+                  <a:lnTo>
+                    <a:pt x="0" y="1491489"/>
+                  </a:lnTo>
+                  <a:lnTo>
+                    <a:pt x="34107" y="1486836"/>
+                  </a:lnTo>
+                  <a:cubicBezTo>
+                    <a:pt x="189055" y="1458696"/>
+                    <a:pt x="343908" y="1416565"/>
+                    <a:pt x="497577" y="1360598"/>
+                  </a:cubicBezTo>
+                  <a:cubicBezTo>
+                    <a:pt x="796856" y="1251889"/>
+                    <a:pt x="1081725" y="1091781"/>
+                    <a:pt x="1321566" y="897645"/>
+                  </a:cubicBezTo>
+                  <a:cubicBezTo>
+                    <a:pt x="1565577" y="700195"/>
+                    <a:pt x="1757355" y="475523"/>
+                    <a:pt x="1891495" y="230078"/>
+                  </a:cubicBezTo>
+                  <a:cubicBezTo>
+                    <a:pt x="1917197" y="183033"/>
+                    <a:pt x="1940526" y="135619"/>
+                    <a:pt x="1961469" y="87885"/>
+                  </a:cubicBezTo>
+                  <a:close/>
+                </a:path>
+              </a:pathLst>
+            </a:custGeom>
+            <a:grpFill/>
+            <a:ln>
+              <a:noFill/>
+            </a:ln>
+          </p:spPr>
+          <p:style>
+            <a:lnRef idx="2">
+              <a:schemeClr val="accent1">
+                <a:shade val="50000"/>
+              </a:schemeClr>
+            </a:lnRef>
+            <a:fillRef idx="1">
+              <a:schemeClr val="accent1"/>
+            </a:fillRef>
+            <a:effectRef idx="0">
+              <a:schemeClr val="accent1"/>
+            </a:effectRef>
+            <a:fontRef idx="minor">
+              <a:schemeClr val="lt1"/>
+            </a:fontRef>
+          </p:style>
+          <p:txBody>
+            <a:bodyPr rtlCol="0" anchor="ctr"/>
+            <a:lstStyle/>
+            <a:p>
+              <a:pPr algn="ctr"/>
+              <a:endParaRPr lang="en-US" dirty="0"/>
+            </a:p>
+          </p:txBody>
+        </p:sp>
+      </p:grpSp>
+    </p:spTree>
+    <p:extLst>
+      <p:ext uri="{BB962C8B-B14F-4D97-AF65-F5344CB8AC3E}">
+        <p14:creationId xmlns:p14="http://schemas.microsoft.com/office/powerpoint/2010/main" val="2066330202"/>
       </p:ext>
     </p:extLst>
   </p:cSld>
@@ -3707,13 +10591,18 @@
         </p:nvSpPr>
         <p:spPr>
           <a:xfrm>
-            <a:off x="508000" y="304800"/>
+            <a:off x="507999" y="313266"/>
             <a:ext cx="6934200" cy="369332"/>
           </a:xfrm>
           <a:prstGeom prst="rect">
             <a:avLst/>
           </a:prstGeom>
-          <a:noFill/>
+          <a:solidFill>
+            <a:schemeClr val="accent6">
+              <a:lumMod val="40000"/>
+              <a:lumOff val="60000"/>
+            </a:schemeClr>
+          </a:solidFill>
         </p:spPr>
         <p:txBody>
           <a:bodyPr wrap="square" rtlCol="0">
@@ -3722,22 +10611,30 @@
           <a:lstStyle/>
           <a:p>
             <a:r>
-              <a:rPr lang="de-DE" dirty="0"/>
+              <a:rPr lang="de-DE" b="1" i="1" dirty="0"/>
               <a:t>Tests de nos </a:t>
             </a:r>
             <a:r>
-              <a:rPr lang="de-DE" dirty="0" err="1"/>
+              <a:rPr lang="de-DE" b="1" i="1" dirty="0" err="1"/>
               <a:t>différentes</a:t>
             </a:r>
             <a:r>
-              <a:rPr lang="de-DE" dirty="0"/>
+              <a:rPr lang="de-DE" b="1" i="1" dirty="0"/>
               <a:t> </a:t>
             </a:r>
             <a:r>
-              <a:rPr lang="de-DE" dirty="0" err="1"/>
+              <a:rPr lang="de-DE" b="1" i="1" dirty="0" err="1"/>
               <a:t>méthodes</a:t>
             </a:r>
-            <a:endParaRPr lang="de-DE" dirty="0"/>
+            <a:r>
+              <a:rPr lang="de-DE" b="1" i="1" dirty="0"/>
+              <a:t> de </a:t>
+            </a:r>
+            <a:r>
+              <a:rPr lang="de-DE" b="1" i="1" dirty="0" err="1"/>
+              <a:t>distance</a:t>
+            </a:r>
+            <a:endParaRPr lang="de-DE" b="1" i="1" dirty="0"/>
           </a:p>
         </p:txBody>
       </p:sp>
@@ -3797,6 +10694,75 @@
           <a:prstGeom prst="rect">
             <a:avLst/>
           </a:prstGeom>
+          <a:solidFill>
+            <a:schemeClr val="accent6">
+              <a:lumMod val="40000"/>
+              <a:lumOff val="60000"/>
+            </a:schemeClr>
+          </a:solidFill>
+        </p:spPr>
+        <p:txBody>
+          <a:bodyPr wrap="square" rtlCol="0">
+            <a:spAutoFit/>
+          </a:bodyPr>
+          <a:lstStyle/>
+          <a:p>
+            <a:r>
+              <a:rPr lang="de-DE" b="1" i="1" dirty="0"/>
+              <a:t>Tests </a:t>
+            </a:r>
+            <a:r>
+              <a:rPr lang="de-DE" b="1" i="1" dirty="0" err="1"/>
+              <a:t>manuels</a:t>
+            </a:r>
+            <a:r>
+              <a:rPr lang="de-DE" b="1" i="1" dirty="0"/>
+              <a:t> de nos </a:t>
+            </a:r>
+            <a:r>
+              <a:rPr lang="de-DE" b="1" i="1" dirty="0" err="1"/>
+              <a:t>différentes</a:t>
+            </a:r>
+            <a:r>
+              <a:rPr lang="de-DE" b="1" i="1" dirty="0"/>
+              <a:t> </a:t>
+            </a:r>
+            <a:r>
+              <a:rPr lang="de-DE" b="1" i="1" dirty="0" err="1"/>
+              <a:t>méthodes</a:t>
+            </a:r>
+            <a:r>
+              <a:rPr lang="de-DE" b="1" i="1" dirty="0"/>
+              <a:t> de </a:t>
+            </a:r>
+            <a:r>
+              <a:rPr lang="de-DE" b="1" i="1" dirty="0" err="1"/>
+              <a:t>distance</a:t>
+            </a:r>
+            <a:endParaRPr lang="de-DE" b="1" i="1" dirty="0"/>
+          </a:p>
+        </p:txBody>
+      </p:sp>
+      <p:sp>
+        <p:nvSpPr>
+          <p:cNvPr id="2" name="Textfeld 1">
+            <a:extLst>
+              <a:ext uri="{FF2B5EF4-FFF2-40B4-BE49-F238E27FC236}">
+                <a16:creationId xmlns:a16="http://schemas.microsoft.com/office/drawing/2014/main" id="{E036718E-7F10-EDC6-CC99-C2DC4BD82277}"/>
+              </a:ext>
+            </a:extLst>
+          </p:cNvPr>
+          <p:cNvSpPr txBox="1"/>
+          <p:nvPr/>
+        </p:nvSpPr>
+        <p:spPr>
+          <a:xfrm>
+            <a:off x="507999" y="3784600"/>
+            <a:ext cx="7035801" cy="369332"/>
+          </a:xfrm>
+          <a:prstGeom prst="rect">
+            <a:avLst/>
+          </a:prstGeom>
           <a:noFill/>
         </p:spPr>
         <p:txBody>
@@ -3807,31 +10773,7 @@
           <a:p>
             <a:r>
               <a:rPr lang="de-DE" dirty="0"/>
-              <a:t>Tests </a:t>
-            </a:r>
-            <a:r>
-              <a:rPr lang="de-DE" dirty="0" err="1"/>
-              <a:t>manuels</a:t>
-            </a:r>
-            <a:r>
-              <a:rPr lang="de-DE" dirty="0"/>
-              <a:t> de nos </a:t>
-            </a:r>
-            <a:r>
-              <a:rPr lang="de-DE" dirty="0" err="1"/>
-              <a:t>différentes</a:t>
-            </a:r>
-            <a:r>
-              <a:rPr lang="de-DE" dirty="0"/>
-              <a:t> </a:t>
-            </a:r>
-            <a:r>
-              <a:rPr lang="de-DE" dirty="0" err="1"/>
-              <a:t>méthodes</a:t>
-            </a:r>
-            <a:r>
-              <a:rPr lang="de-DE" dirty="0"/>
-              <a:t> </a:t>
+              <a:t>EUC_2D ( V1: 10,20;   V2: 14,23)   : </a:t>
             </a:r>
           </a:p>
         </p:txBody>
@@ -3886,7 +10828,17 @@
           <a:prstGeom prst="rect">
             <a:avLst/>
           </a:prstGeom>
-          <a:noFill/>
+          <a:solidFill>
+            <a:schemeClr val="accent6">
+              <a:lumMod val="40000"/>
+              <a:lumOff val="60000"/>
+            </a:schemeClr>
+          </a:solidFill>
+          <a:ln>
+            <a:solidFill>
+              <a:schemeClr val="bg1"/>
+            </a:solidFill>
+          </a:ln>
         </p:spPr>
         <p:txBody>
           <a:bodyPr wrap="square" rtlCol="0">
@@ -3895,35 +10847,35 @@
           <a:lstStyle/>
           <a:p>
             <a:r>
-              <a:rPr lang="de-DE" dirty="0" err="1"/>
+              <a:rPr lang="de-DE" b="1" i="1" dirty="0" err="1"/>
               <a:t>Ctrl</a:t>
             </a:r>
             <a:r>
-              <a:rPr lang="de-DE" dirty="0"/>
+              <a:rPr lang="de-DE" b="1" i="1" dirty="0"/>
               <a:t> C </a:t>
             </a:r>
             <a:r>
-              <a:rPr lang="de-DE" dirty="0" err="1"/>
+              <a:rPr lang="de-DE" b="1" i="1" dirty="0" err="1"/>
               <a:t>pour</a:t>
             </a:r>
             <a:r>
-              <a:rPr lang="de-DE" dirty="0"/>
+              <a:rPr lang="de-DE" b="1" i="1" dirty="0"/>
               <a:t> la </a:t>
             </a:r>
             <a:r>
-              <a:rPr lang="de-DE" dirty="0" err="1"/>
+              <a:rPr lang="de-DE" b="1" i="1" dirty="0" err="1"/>
               <a:t>force</a:t>
             </a:r>
             <a:r>
-              <a:rPr lang="de-DE" dirty="0"/>
+              <a:rPr lang="de-DE" b="1" i="1" dirty="0"/>
               <a:t> </a:t>
             </a:r>
             <a:r>
-              <a:rPr lang="de-DE" dirty="0" err="1"/>
+              <a:rPr lang="de-DE" b="1" i="1" dirty="0" err="1"/>
               <a:t>brute</a:t>
             </a:r>
             <a:r>
-              <a:rPr lang="de-DE" dirty="0"/>
+              <a:rPr lang="de-DE" b="1" i="1" dirty="0"/>
               <a:t> </a:t>
             </a:r>
           </a:p>
@@ -3985,7 +10937,12 @@
           <a:prstGeom prst="rect">
             <a:avLst/>
           </a:prstGeom>
-          <a:noFill/>
+          <a:solidFill>
+            <a:schemeClr val="accent6">
+              <a:lumMod val="40000"/>
+              <a:lumOff val="60000"/>
+            </a:schemeClr>
+          </a:solidFill>
         </p:spPr>
         <p:txBody>
           <a:bodyPr wrap="square" rtlCol="0">
@@ -3994,43 +10951,43 @@
           <a:lstStyle/>
           <a:p>
             <a:r>
-              <a:rPr lang="de-DE" dirty="0" err="1"/>
+              <a:rPr lang="de-DE" b="1" i="1" dirty="0" err="1"/>
               <a:t>Ctrl</a:t>
             </a:r>
             <a:r>
-              <a:rPr lang="de-DE" dirty="0"/>
+              <a:rPr lang="de-DE" b="1" i="1" dirty="0"/>
               <a:t> C </a:t>
             </a:r>
             <a:r>
-              <a:rPr lang="de-DE" dirty="0" err="1"/>
+              <a:rPr lang="de-DE" b="1" i="1" dirty="0" err="1"/>
               <a:t>pour</a:t>
             </a:r>
             <a:r>
-              <a:rPr lang="de-DE" dirty="0"/>
+              <a:rPr lang="de-DE" b="1" i="1" dirty="0"/>
               <a:t> </a:t>
             </a:r>
             <a:r>
-              <a:rPr lang="de-DE" dirty="0" err="1"/>
+              <a:rPr lang="de-DE" b="1" i="1" dirty="0" err="1"/>
               <a:t>l‘algorithme</a:t>
             </a:r>
             <a:r>
-              <a:rPr lang="de-DE" dirty="0"/>
+              <a:rPr lang="de-DE" b="1" i="1" dirty="0"/>
               <a:t> </a:t>
             </a:r>
             <a:r>
-              <a:rPr lang="de-DE" dirty="0" err="1"/>
+              <a:rPr lang="de-DE" b="1" i="1" dirty="0" err="1"/>
               <a:t>générique</a:t>
             </a:r>
             <a:r>
-              <a:rPr lang="de-DE" dirty="0"/>
+              <a:rPr lang="de-DE" b="1" i="1" dirty="0"/>
               <a:t> </a:t>
             </a:r>
             <a:r>
-              <a:rPr lang="de-DE" dirty="0" err="1"/>
+              <a:rPr lang="de-DE" b="1" i="1" dirty="0" err="1"/>
               <a:t>sur</a:t>
             </a:r>
             <a:r>
-              <a:rPr lang="de-DE" dirty="0"/>
+              <a:rPr lang="de-DE" b="1" i="1" dirty="0"/>
               <a:t> att48.tsp</a:t>
             </a:r>
           </a:p>
@@ -4072,6 +11029,159 @@
           </a:prstGeom>
         </p:spPr>
       </p:pic>
+      <mc:AlternateContent xmlns:mc="http://schemas.openxmlformats.org/markup-compatibility/2006">
+        <mc:Choice xmlns:p14="http://schemas.microsoft.com/office/powerpoint/2010/main" Requires="p14">
+          <p:contentPart p14:bwMode="auto" r:id="rId4">
+            <p14:nvContentPartPr>
+              <p14:cNvPr id="7" name="Freihand 6">
+                <a:extLst>
+                  <a:ext uri="{FF2B5EF4-FFF2-40B4-BE49-F238E27FC236}">
+                    <a16:creationId xmlns:a16="http://schemas.microsoft.com/office/drawing/2014/main" id="{16A35F1B-64B2-238E-A06A-9BBB055F600A}"/>
+                  </a:ext>
+                </a:extLst>
+              </p14:cNvPr>
+              <p14:cNvContentPartPr/>
+              <p14:nvPr/>
+            </p14:nvContentPartPr>
+            <p14:xfrm>
+              <a:off x="507627" y="1549160"/>
+              <a:ext cx="3107520" cy="16920"/>
+            </p14:xfrm>
+          </p:contentPart>
+        </mc:Choice>
+        <mc:Fallback>
+          <p:pic>
+            <p:nvPicPr>
+              <p:cNvPr id="7" name="Freihand 6">
+                <a:extLst>
+                  <a:ext uri="{FF2B5EF4-FFF2-40B4-BE49-F238E27FC236}">
+                    <a16:creationId xmlns:a16="http://schemas.microsoft.com/office/drawing/2014/main" id="{16A35F1B-64B2-238E-A06A-9BBB055F600A}"/>
+                  </a:ext>
+                </a:extLst>
+              </p:cNvPr>
+              <p:cNvPicPr/>
+              <p:nvPr/>
+            </p:nvPicPr>
+            <p:blipFill>
+              <a:blip r:embed="rId5"/>
+              <a:stretch>
+                <a:fillRect/>
+              </a:stretch>
+            </p:blipFill>
+            <p:spPr>
+              <a:xfrm>
+                <a:off x="471627" y="1477160"/>
+                <a:ext cx="3179160" cy="160560"/>
+              </a:xfrm>
+              <a:prstGeom prst="rect">
+                <a:avLst/>
+              </a:prstGeom>
+            </p:spPr>
+          </p:pic>
+        </mc:Fallback>
+      </mc:AlternateContent>
+      <mc:AlternateContent xmlns:mc="http://schemas.openxmlformats.org/markup-compatibility/2006">
+        <mc:Choice xmlns:p14="http://schemas.microsoft.com/office/powerpoint/2010/main" Requires="p14">
+          <p:contentPart p14:bwMode="auto" r:id="rId6">
+            <p14:nvContentPartPr>
+              <p14:cNvPr id="12" name="Freihand 11">
+                <a:extLst>
+                  <a:ext uri="{FF2B5EF4-FFF2-40B4-BE49-F238E27FC236}">
+                    <a16:creationId xmlns:a16="http://schemas.microsoft.com/office/drawing/2014/main" id="{0D4473EB-4778-C128-2036-9415775E9D63}"/>
+                  </a:ext>
+                </a:extLst>
+              </p14:cNvPr>
+              <p14:cNvContentPartPr/>
+              <p14:nvPr/>
+            </p14:nvContentPartPr>
+            <p14:xfrm>
+              <a:off x="296307" y="4529600"/>
+              <a:ext cx="3285360" cy="720"/>
+            </p14:xfrm>
+          </p:contentPart>
+        </mc:Choice>
+        <mc:Fallback>
+          <p:pic>
+            <p:nvPicPr>
+              <p:cNvPr id="12" name="Freihand 11">
+                <a:extLst>
+                  <a:ext uri="{FF2B5EF4-FFF2-40B4-BE49-F238E27FC236}">
+                    <a16:creationId xmlns:a16="http://schemas.microsoft.com/office/drawing/2014/main" id="{0D4473EB-4778-C128-2036-9415775E9D63}"/>
+                  </a:ext>
+                </a:extLst>
+              </p:cNvPr>
+              <p:cNvPicPr/>
+              <p:nvPr/>
+            </p:nvPicPr>
+            <p:blipFill>
+              <a:blip r:embed="rId7"/>
+              <a:stretch>
+                <a:fillRect/>
+              </a:stretch>
+            </p:blipFill>
+            <p:spPr>
+              <a:xfrm>
+                <a:off x="260307" y="4385600"/>
+                <a:ext cx="3357000" cy="288000"/>
+              </a:xfrm>
+              <a:prstGeom prst="rect">
+                <a:avLst/>
+              </a:prstGeom>
+            </p:spPr>
+          </p:pic>
+        </mc:Fallback>
+      </mc:AlternateContent>
+      <mc:AlternateContent xmlns:mc="http://schemas.openxmlformats.org/markup-compatibility/2006">
+        <mc:Choice xmlns:p14="http://schemas.microsoft.com/office/powerpoint/2010/main" Requires="p14">
+          <p:contentPart p14:bwMode="auto" r:id="rId8">
+            <p14:nvContentPartPr>
+              <p14:cNvPr id="13" name="Freihand 12">
+                <a:extLst>
+                  <a:ext uri="{FF2B5EF4-FFF2-40B4-BE49-F238E27FC236}">
+                    <a16:creationId xmlns:a16="http://schemas.microsoft.com/office/drawing/2014/main" id="{274E321B-9575-606A-C3EA-65A670616B06}"/>
+                  </a:ext>
+                </a:extLst>
+              </p14:cNvPr>
+              <p14:cNvContentPartPr/>
+              <p14:nvPr/>
+            </p14:nvContentPartPr>
+            <p14:xfrm>
+              <a:off x="3589947" y="4554800"/>
+              <a:ext cx="360" cy="360"/>
+            </p14:xfrm>
+          </p:contentPart>
+        </mc:Choice>
+        <mc:Fallback>
+          <p:pic>
+            <p:nvPicPr>
+              <p:cNvPr id="13" name="Freihand 12">
+                <a:extLst>
+                  <a:ext uri="{FF2B5EF4-FFF2-40B4-BE49-F238E27FC236}">
+                    <a16:creationId xmlns:a16="http://schemas.microsoft.com/office/drawing/2014/main" id="{274E321B-9575-606A-C3EA-65A670616B06}"/>
+                  </a:ext>
+                </a:extLst>
+              </p:cNvPr>
+              <p:cNvPicPr/>
+              <p:nvPr/>
+            </p:nvPicPr>
+            <p:blipFill>
+              <a:blip r:embed="rId9"/>
+              <a:stretch>
+                <a:fillRect/>
+              </a:stretch>
+            </p:blipFill>
+            <p:spPr>
+              <a:xfrm>
+                <a:off x="3553947" y="4483160"/>
+                <a:ext cx="72000" cy="144000"/>
+              </a:xfrm>
+              <a:prstGeom prst="rect">
+                <a:avLst/>
+              </a:prstGeom>
+            </p:spPr>
+          </p:pic>
+        </mc:Fallback>
+      </mc:AlternateContent>
     </p:spTree>
     <p:extLst>
       <p:ext uri="{BB962C8B-B14F-4D97-AF65-F5344CB8AC3E}">
@@ -4122,7 +11232,12 @@
           <a:prstGeom prst="rect">
             <a:avLst/>
           </a:prstGeom>
-          <a:noFill/>
+          <a:solidFill>
+            <a:schemeClr val="accent6">
+              <a:lumMod val="40000"/>
+              <a:lumOff val="60000"/>
+            </a:schemeClr>
+          </a:solidFill>
         </p:spPr>
         <p:txBody>
           <a:bodyPr wrap="square" rtlCol="0">
@@ -4131,23 +11246,23 @@
           <a:lstStyle/>
           <a:p>
             <a:r>
-              <a:rPr lang="de-DE" dirty="0"/>
+              <a:rPr lang="de-DE" b="1" i="1" dirty="0"/>
               <a:t>Brute </a:t>
             </a:r>
             <a:r>
-              <a:rPr lang="de-DE" dirty="0" err="1"/>
+              <a:rPr lang="de-DE" b="1" i="1" dirty="0" err="1"/>
               <a:t>force</a:t>
             </a:r>
             <a:r>
-              <a:rPr lang="de-DE" dirty="0"/>
+              <a:rPr lang="de-DE" b="1" i="1" dirty="0"/>
               <a:t>  (</a:t>
             </a:r>
             <a:r>
-              <a:rPr lang="de-DE" dirty="0" err="1"/>
+              <a:rPr lang="de-DE" b="1" i="1" dirty="0" err="1"/>
               <a:t>language</a:t>
             </a:r>
             <a:r>
-              <a:rPr lang="de-DE" dirty="0"/>
+              <a:rPr lang="de-DE" b="1" i="1" dirty="0"/>
               <a:t> C) </a:t>
             </a:r>
           </a:p>
@@ -4173,7 +11288,12 @@
           <a:prstGeom prst="rect">
             <a:avLst/>
           </a:prstGeom>
-          <a:noFill/>
+          <a:solidFill>
+            <a:schemeClr val="accent6">
+              <a:lumMod val="40000"/>
+              <a:lumOff val="60000"/>
+            </a:schemeClr>
+          </a:solidFill>
         </p:spPr>
         <p:txBody>
           <a:bodyPr wrap="square" rtlCol="0">
@@ -4182,23 +11302,23 @@
           <a:lstStyle/>
           <a:p>
             <a:r>
-              <a:rPr lang="de-DE" dirty="0"/>
+              <a:rPr lang="de-DE" b="1" i="1" dirty="0"/>
               <a:t>Brute </a:t>
             </a:r>
             <a:r>
-              <a:rPr lang="de-DE" dirty="0" err="1"/>
+              <a:rPr lang="de-DE" b="1" i="1" dirty="0" err="1"/>
               <a:t>force</a:t>
             </a:r>
             <a:r>
-              <a:rPr lang="de-DE" dirty="0"/>
+              <a:rPr lang="de-DE" b="1" i="1" dirty="0"/>
               <a:t>  (</a:t>
             </a:r>
             <a:r>
-              <a:rPr lang="de-DE" dirty="0" err="1"/>
+              <a:rPr lang="de-DE" b="1" i="1" dirty="0" err="1"/>
               <a:t>language</a:t>
             </a:r>
             <a:r>
-              <a:rPr lang="de-DE" dirty="0"/>
+              <a:rPr lang="de-DE" b="1" i="1" dirty="0"/>
               <a:t> Python) </a:t>
             </a:r>
           </a:p>
@@ -4264,6 +11384,210 @@
           </a:prstGeom>
         </p:spPr>
       </p:pic>
+      <mc:AlternateContent xmlns:mc="http://schemas.openxmlformats.org/markup-compatibility/2006">
+        <mc:Choice xmlns:p14="http://schemas.microsoft.com/office/powerpoint/2010/main" Requires="p14">
+          <p:contentPart p14:bwMode="auto" r:id="rId4">
+            <p14:nvContentPartPr>
+              <p14:cNvPr id="21" name="Freihand 20">
+                <a:extLst>
+                  <a:ext uri="{FF2B5EF4-FFF2-40B4-BE49-F238E27FC236}">
+                    <a16:creationId xmlns:a16="http://schemas.microsoft.com/office/drawing/2014/main" id="{3BD5BC5D-AFAA-3792-491F-A957D0167FE8}"/>
+                  </a:ext>
+                </a:extLst>
+              </p14:cNvPr>
+              <p14:cNvContentPartPr/>
+              <p14:nvPr/>
+            </p14:nvContentPartPr>
+            <p14:xfrm>
+              <a:off x="1574307" y="2133080"/>
+              <a:ext cx="372960" cy="720"/>
+            </p14:xfrm>
+          </p:contentPart>
+        </mc:Choice>
+        <mc:Fallback>
+          <p:pic>
+            <p:nvPicPr>
+              <p:cNvPr id="21" name="Freihand 20">
+                <a:extLst>
+                  <a:ext uri="{FF2B5EF4-FFF2-40B4-BE49-F238E27FC236}">
+                    <a16:creationId xmlns:a16="http://schemas.microsoft.com/office/drawing/2014/main" id="{3BD5BC5D-AFAA-3792-491F-A957D0167FE8}"/>
+                  </a:ext>
+                </a:extLst>
+              </p:cNvPr>
+              <p:cNvPicPr/>
+              <p:nvPr/>
+            </p:nvPicPr>
+            <p:blipFill>
+              <a:blip r:embed="rId5"/>
+              <a:stretch>
+                <a:fillRect/>
+              </a:stretch>
+            </p:blipFill>
+            <p:spPr>
+              <a:xfrm>
+                <a:off x="1538667" y="1989080"/>
+                <a:ext cx="444600" cy="288000"/>
+              </a:xfrm>
+              <a:prstGeom prst="rect">
+                <a:avLst/>
+              </a:prstGeom>
+            </p:spPr>
+          </p:pic>
+        </mc:Fallback>
+      </mc:AlternateContent>
+      <mc:AlternateContent xmlns:mc="http://schemas.openxmlformats.org/markup-compatibility/2006">
+        <mc:Choice xmlns:p14="http://schemas.microsoft.com/office/powerpoint/2010/main" Requires="p14">
+          <p:contentPart p14:bwMode="auto" r:id="rId6">
+            <p14:nvContentPartPr>
+              <p14:cNvPr id="24" name="Freihand 23">
+                <a:extLst>
+                  <a:ext uri="{FF2B5EF4-FFF2-40B4-BE49-F238E27FC236}">
+                    <a16:creationId xmlns:a16="http://schemas.microsoft.com/office/drawing/2014/main" id="{9DC8AF09-B850-2956-C558-BAAC8649037F}"/>
+                  </a:ext>
+                </a:extLst>
+              </p14:cNvPr>
+              <p14:cNvContentPartPr/>
+              <p14:nvPr/>
+            </p14:nvContentPartPr>
+            <p14:xfrm>
+              <a:off x="1202067" y="5418440"/>
+              <a:ext cx="448920" cy="17280"/>
+            </p14:xfrm>
+          </p:contentPart>
+        </mc:Choice>
+        <mc:Fallback>
+          <p:pic>
+            <p:nvPicPr>
+              <p:cNvPr id="24" name="Freihand 23">
+                <a:extLst>
+                  <a:ext uri="{FF2B5EF4-FFF2-40B4-BE49-F238E27FC236}">
+                    <a16:creationId xmlns:a16="http://schemas.microsoft.com/office/drawing/2014/main" id="{9DC8AF09-B850-2956-C558-BAAC8649037F}"/>
+                  </a:ext>
+                </a:extLst>
+              </p:cNvPr>
+              <p:cNvPicPr/>
+              <p:nvPr/>
+            </p:nvPicPr>
+            <p:blipFill>
+              <a:blip r:embed="rId7"/>
+              <a:stretch>
+                <a:fillRect/>
+              </a:stretch>
+            </p:blipFill>
+            <p:spPr>
+              <a:xfrm>
+                <a:off x="1166067" y="5346440"/>
+                <a:ext cx="520560" cy="160920"/>
+              </a:xfrm>
+              <a:prstGeom prst="rect">
+                <a:avLst/>
+              </a:prstGeom>
+            </p:spPr>
+          </p:pic>
+        </mc:Fallback>
+      </mc:AlternateContent>
+      <mc:AlternateContent xmlns:mc="http://schemas.openxmlformats.org/markup-compatibility/2006">
+        <mc:Choice xmlns:p14="http://schemas.microsoft.com/office/powerpoint/2010/main" Requires="p14">
+          <p:contentPart p14:bwMode="auto" r:id="rId8">
+            <p14:nvContentPartPr>
+              <p14:cNvPr id="26" name="Freihand 25">
+                <a:extLst>
+                  <a:ext uri="{FF2B5EF4-FFF2-40B4-BE49-F238E27FC236}">
+                    <a16:creationId xmlns:a16="http://schemas.microsoft.com/office/drawing/2014/main" id="{5558A191-AC73-F52C-A5AF-0C11816EC5BC}"/>
+                  </a:ext>
+                </a:extLst>
+              </p14:cNvPr>
+              <p14:cNvContentPartPr/>
+              <p14:nvPr/>
+            </p14:nvContentPartPr>
+            <p14:xfrm>
+              <a:off x="1574307" y="2345120"/>
+              <a:ext cx="652680" cy="720"/>
+            </p14:xfrm>
+          </p:contentPart>
+        </mc:Choice>
+        <mc:Fallback>
+          <p:pic>
+            <p:nvPicPr>
+              <p:cNvPr id="26" name="Freihand 25">
+                <a:extLst>
+                  <a:ext uri="{FF2B5EF4-FFF2-40B4-BE49-F238E27FC236}">
+                    <a16:creationId xmlns:a16="http://schemas.microsoft.com/office/drawing/2014/main" id="{5558A191-AC73-F52C-A5AF-0C11816EC5BC}"/>
+                  </a:ext>
+                </a:extLst>
+              </p:cNvPr>
+              <p:cNvPicPr/>
+              <p:nvPr/>
+            </p:nvPicPr>
+            <p:blipFill>
+              <a:blip r:embed="rId9"/>
+              <a:stretch>
+                <a:fillRect/>
+              </a:stretch>
+            </p:blipFill>
+            <p:spPr>
+              <a:xfrm>
+                <a:off x="1538667" y="2201120"/>
+                <a:ext cx="724320" cy="288000"/>
+              </a:xfrm>
+              <a:prstGeom prst="rect">
+                <a:avLst/>
+              </a:prstGeom>
+            </p:spPr>
+          </p:pic>
+        </mc:Fallback>
+      </mc:AlternateContent>
+      <mc:AlternateContent xmlns:mc="http://schemas.openxmlformats.org/markup-compatibility/2006">
+        <mc:Choice xmlns:p14="http://schemas.microsoft.com/office/powerpoint/2010/main" Requires="p14">
+          <p:contentPart p14:bwMode="auto" r:id="rId10">
+            <p14:nvContentPartPr>
+              <p14:cNvPr id="28" name="Freihand 27">
+                <a:extLst>
+                  <a:ext uri="{FF2B5EF4-FFF2-40B4-BE49-F238E27FC236}">
+                    <a16:creationId xmlns:a16="http://schemas.microsoft.com/office/drawing/2014/main" id="{C6F1641E-C6A8-C3AD-EA51-E994CD5270E6}"/>
+                  </a:ext>
+                </a:extLst>
+              </p14:cNvPr>
+              <p14:cNvContentPartPr/>
+              <p14:nvPr/>
+            </p14:nvContentPartPr>
+            <p14:xfrm>
+              <a:off x="981747" y="5621480"/>
+              <a:ext cx="1566720" cy="25920"/>
+            </p14:xfrm>
+          </p:contentPart>
+        </mc:Choice>
+        <mc:Fallback>
+          <p:pic>
+            <p:nvPicPr>
+              <p:cNvPr id="28" name="Freihand 27">
+                <a:extLst>
+                  <a:ext uri="{FF2B5EF4-FFF2-40B4-BE49-F238E27FC236}">
+                    <a16:creationId xmlns:a16="http://schemas.microsoft.com/office/drawing/2014/main" id="{C6F1641E-C6A8-C3AD-EA51-E994CD5270E6}"/>
+                  </a:ext>
+                </a:extLst>
+              </p:cNvPr>
+              <p:cNvPicPr/>
+              <p:nvPr/>
+            </p:nvPicPr>
+            <p:blipFill>
+              <a:blip r:embed="rId11"/>
+              <a:stretch>
+                <a:fillRect/>
+              </a:stretch>
+            </p:blipFill>
+            <p:spPr>
+              <a:xfrm>
+                <a:off x="945747" y="5549840"/>
+                <a:ext cx="1638360" cy="169560"/>
+              </a:xfrm>
+              <a:prstGeom prst="rect">
+                <a:avLst/>
+              </a:prstGeom>
+            </p:spPr>
+          </p:pic>
+        </mc:Fallback>
+      </mc:AlternateContent>
     </p:spTree>
     <p:extLst>
       <p:ext uri="{BB962C8B-B14F-4D97-AF65-F5344CB8AC3E}">
@@ -4314,7 +11638,12 @@
           <a:prstGeom prst="rect">
             <a:avLst/>
           </a:prstGeom>
-          <a:noFill/>
+          <a:solidFill>
+            <a:schemeClr val="accent6">
+              <a:lumMod val="40000"/>
+              <a:lumOff val="60000"/>
+            </a:schemeClr>
+          </a:solidFill>
         </p:spPr>
         <p:txBody>
           <a:bodyPr wrap="square" rtlCol="0">
@@ -4323,27 +11652,27 @@
           <a:lstStyle/>
           <a:p>
             <a:r>
-              <a:rPr lang="de-DE" dirty="0" err="1"/>
+              <a:rPr lang="de-DE" b="1" i="1" dirty="0" err="1"/>
               <a:t>Généricité</a:t>
             </a:r>
             <a:r>
-              <a:rPr lang="de-DE" dirty="0"/>
+              <a:rPr lang="de-DE" b="1" i="1" dirty="0"/>
               <a:t> de la </a:t>
             </a:r>
             <a:r>
-              <a:rPr lang="de-DE" dirty="0" err="1"/>
+              <a:rPr lang="de-DE" b="1" i="1" dirty="0" err="1"/>
               <a:t>brute</a:t>
             </a:r>
             <a:r>
-              <a:rPr lang="de-DE" dirty="0"/>
+              <a:rPr lang="de-DE" b="1" i="1" dirty="0"/>
               <a:t> </a:t>
             </a:r>
             <a:r>
-              <a:rPr lang="de-DE" dirty="0" err="1"/>
+              <a:rPr lang="de-DE" b="1" i="1" dirty="0" err="1"/>
               <a:t>force</a:t>
             </a:r>
             <a:r>
-              <a:rPr lang="de-DE" dirty="0"/>
+              <a:rPr lang="de-DE" b="1" i="1" dirty="0"/>
               <a:t> </a:t>
             </a:r>
           </a:p>
@@ -4377,7 +11706,7 @@
         </p:blipFill>
         <p:spPr>
           <a:xfrm>
-            <a:off x="296333" y="935976"/>
+            <a:off x="296333" y="902110"/>
             <a:ext cx="6906589" cy="2943636"/>
           </a:xfrm>
           <a:prstGeom prst="rect">
@@ -4435,7 +11764,12 @@
           <a:prstGeom prst="rect">
             <a:avLst/>
           </a:prstGeom>
-          <a:noFill/>
+          <a:solidFill>
+            <a:schemeClr val="accent6">
+              <a:lumMod val="40000"/>
+              <a:lumOff val="60000"/>
+            </a:schemeClr>
+          </a:solidFill>
         </p:spPr>
         <p:txBody>
           <a:bodyPr wrap="square" rtlCol="0">
@@ -4444,15 +11778,15 @@
           <a:lstStyle/>
           <a:p>
             <a:r>
-              <a:rPr lang="de-DE" dirty="0"/>
+              <a:rPr lang="de-DE" b="1" i="1" dirty="0"/>
               <a:t>Random Walk att48.tsp (  </a:t>
             </a:r>
             <a:r>
-              <a:rPr lang="de-DE" dirty="0" err="1"/>
+              <a:rPr lang="de-DE" b="1" i="1" dirty="0" err="1"/>
               <a:t>language</a:t>
             </a:r>
             <a:r>
-              <a:rPr lang="de-DE" dirty="0"/>
+              <a:rPr lang="de-DE" b="1" i="1" dirty="0"/>
               <a:t> C)  </a:t>
             </a:r>
           </a:p>
@@ -4514,7 +11848,12 @@
           <a:prstGeom prst="rect">
             <a:avLst/>
           </a:prstGeom>
-          <a:noFill/>
+          <a:solidFill>
+            <a:schemeClr val="accent6">
+              <a:lumMod val="40000"/>
+              <a:lumOff val="60000"/>
+            </a:schemeClr>
+          </a:solidFill>
         </p:spPr>
         <p:txBody>
           <a:bodyPr wrap="square" rtlCol="0">
@@ -4523,23 +11862,23 @@
           <a:lstStyle/>
           <a:p>
             <a:r>
-              <a:rPr lang="de-DE" dirty="0"/>
+              <a:rPr lang="de-DE" b="1" i="1" dirty="0"/>
               <a:t>Random Walk </a:t>
             </a:r>
             <a:r>
-              <a:rPr lang="de-DE" dirty="0" err="1"/>
+              <a:rPr lang="de-DE" b="1" i="1" dirty="0" err="1"/>
               <a:t>avec</a:t>
             </a:r>
             <a:r>
-              <a:rPr lang="de-DE" dirty="0"/>
+              <a:rPr lang="de-DE" b="1" i="1" dirty="0"/>
               <a:t> 2opt att48.tsp (  </a:t>
             </a:r>
             <a:r>
-              <a:rPr lang="de-DE" dirty="0" err="1"/>
+              <a:rPr lang="de-DE" b="1" i="1" dirty="0" err="1"/>
               <a:t>language</a:t>
             </a:r>
             <a:r>
-              <a:rPr lang="de-DE" dirty="0"/>
+              <a:rPr lang="de-DE" b="1" i="1" dirty="0"/>
               <a:t> C)  </a:t>
             </a:r>
           </a:p>
@@ -4581,6 +11920,108 @@
           </a:prstGeom>
         </p:spPr>
       </p:pic>
+      <mc:AlternateContent xmlns:mc="http://schemas.openxmlformats.org/markup-compatibility/2006">
+        <mc:Choice xmlns:p14="http://schemas.microsoft.com/office/powerpoint/2010/main" Requires="p14">
+          <p:contentPart p14:bwMode="auto" r:id="rId4">
+            <p14:nvContentPartPr>
+              <p14:cNvPr id="3" name="Freihand 2">
+                <a:extLst>
+                  <a:ext uri="{FF2B5EF4-FFF2-40B4-BE49-F238E27FC236}">
+                    <a16:creationId xmlns:a16="http://schemas.microsoft.com/office/drawing/2014/main" id="{9E9FD80D-17CA-0E76-3968-F8F40C70B9FB}"/>
+                  </a:ext>
+                </a:extLst>
+              </p14:cNvPr>
+              <p14:cNvContentPartPr/>
+              <p14:nvPr/>
+            </p14:nvContentPartPr>
+            <p14:xfrm>
+              <a:off x="1151307" y="1913120"/>
+              <a:ext cx="440280" cy="360"/>
+            </p14:xfrm>
+          </p:contentPart>
+        </mc:Choice>
+        <mc:Fallback>
+          <p:pic>
+            <p:nvPicPr>
+              <p:cNvPr id="3" name="Freihand 2">
+                <a:extLst>
+                  <a:ext uri="{FF2B5EF4-FFF2-40B4-BE49-F238E27FC236}">
+                    <a16:creationId xmlns:a16="http://schemas.microsoft.com/office/drawing/2014/main" id="{9E9FD80D-17CA-0E76-3968-F8F40C70B9FB}"/>
+                  </a:ext>
+                </a:extLst>
+              </p:cNvPr>
+              <p:cNvPicPr/>
+              <p:nvPr/>
+            </p:nvPicPr>
+            <p:blipFill>
+              <a:blip r:embed="rId5"/>
+              <a:stretch>
+                <a:fillRect/>
+              </a:stretch>
+            </p:blipFill>
+            <p:spPr>
+              <a:xfrm>
+                <a:off x="1115667" y="1841120"/>
+                <a:ext cx="511920" cy="144000"/>
+              </a:xfrm>
+              <a:prstGeom prst="rect">
+                <a:avLst/>
+              </a:prstGeom>
+            </p:spPr>
+          </p:pic>
+        </mc:Fallback>
+      </mc:AlternateContent>
+      <mc:AlternateContent xmlns:mc="http://schemas.openxmlformats.org/markup-compatibility/2006">
+        <mc:Choice xmlns:p14="http://schemas.microsoft.com/office/powerpoint/2010/main" Requires="p14">
+          <p:contentPart p14:bwMode="auto" r:id="rId6">
+            <p14:nvContentPartPr>
+              <p14:cNvPr id="5" name="Freihand 4">
+                <a:extLst>
+                  <a:ext uri="{FF2B5EF4-FFF2-40B4-BE49-F238E27FC236}">
+                    <a16:creationId xmlns:a16="http://schemas.microsoft.com/office/drawing/2014/main" id="{038FDE15-6830-BA35-C5E0-0C82632BE118}"/>
+                  </a:ext>
+                </a:extLst>
+              </p14:cNvPr>
+              <p14:cNvContentPartPr/>
+              <p14:nvPr/>
+            </p14:nvContentPartPr>
+            <p14:xfrm>
+              <a:off x="1117467" y="4258520"/>
+              <a:ext cx="406800" cy="8640"/>
+            </p14:xfrm>
+          </p:contentPart>
+        </mc:Choice>
+        <mc:Fallback>
+          <p:pic>
+            <p:nvPicPr>
+              <p:cNvPr id="5" name="Freihand 4">
+                <a:extLst>
+                  <a:ext uri="{FF2B5EF4-FFF2-40B4-BE49-F238E27FC236}">
+                    <a16:creationId xmlns:a16="http://schemas.microsoft.com/office/drawing/2014/main" id="{038FDE15-6830-BA35-C5E0-0C82632BE118}"/>
+                  </a:ext>
+                </a:extLst>
+              </p:cNvPr>
+              <p:cNvPicPr/>
+              <p:nvPr/>
+            </p:nvPicPr>
+            <p:blipFill>
+              <a:blip r:embed="rId7"/>
+              <a:stretch>
+                <a:fillRect/>
+              </a:stretch>
+            </p:blipFill>
+            <p:spPr>
+              <a:xfrm>
+                <a:off x="1081467" y="4186520"/>
+                <a:ext cx="478440" cy="152280"/>
+              </a:xfrm>
+              <a:prstGeom prst="rect">
+                <a:avLst/>
+              </a:prstGeom>
+            </p:spPr>
+          </p:pic>
+        </mc:Fallback>
+      </mc:AlternateContent>
     </p:spTree>
     <p:extLst>
       <p:ext uri="{BB962C8B-B14F-4D97-AF65-F5344CB8AC3E}">
@@ -4631,7 +12072,12 @@
           <a:prstGeom prst="rect">
             <a:avLst/>
           </a:prstGeom>
-          <a:noFill/>
+          <a:solidFill>
+            <a:schemeClr val="accent6">
+              <a:lumMod val="40000"/>
+              <a:lumOff val="60000"/>
+            </a:schemeClr>
+          </a:solidFill>
         </p:spPr>
         <p:txBody>
           <a:bodyPr wrap="square" rtlCol="0">
@@ -4674,7 +12120,12 @@
           <a:prstGeom prst="rect">
             <a:avLst/>
           </a:prstGeom>
-          <a:noFill/>
+          <a:solidFill>
+            <a:schemeClr val="accent6">
+              <a:lumMod val="40000"/>
+              <a:lumOff val="60000"/>
+            </a:schemeClr>
+          </a:solidFill>
         </p:spPr>
         <p:txBody>
           <a:bodyPr wrap="square" rtlCol="0">
@@ -4769,7 +12220,7 @@
         </p:blipFill>
         <p:spPr>
           <a:xfrm>
-            <a:off x="0" y="4311712"/>
+            <a:off x="0" y="4277846"/>
             <a:ext cx="12192000" cy="1790871"/>
           </a:xfrm>
           <a:prstGeom prst="rect">
@@ -4777,6 +12228,210 @@
           </a:prstGeom>
         </p:spPr>
       </p:pic>
+      <mc:AlternateContent xmlns:mc="http://schemas.openxmlformats.org/markup-compatibility/2006">
+        <mc:Choice xmlns:p14="http://schemas.microsoft.com/office/powerpoint/2010/main" Requires="p14">
+          <p:contentPart p14:bwMode="auto" r:id="rId4">
+            <p14:nvContentPartPr>
+              <p14:cNvPr id="3" name="Freihand 2">
+                <a:extLst>
+                  <a:ext uri="{FF2B5EF4-FFF2-40B4-BE49-F238E27FC236}">
+                    <a16:creationId xmlns:a16="http://schemas.microsoft.com/office/drawing/2014/main" id="{8035703A-4734-7355-D4C8-11EAAA3BF430}"/>
+                  </a:ext>
+                </a:extLst>
+              </p14:cNvPr>
+              <p14:cNvContentPartPr/>
+              <p14:nvPr/>
+            </p14:nvContentPartPr>
+            <p14:xfrm>
+              <a:off x="1024227" y="2040200"/>
+              <a:ext cx="415800" cy="720"/>
+            </p14:xfrm>
+          </p:contentPart>
+        </mc:Choice>
+        <mc:Fallback>
+          <p:pic>
+            <p:nvPicPr>
+              <p:cNvPr id="3" name="Freihand 2">
+                <a:extLst>
+                  <a:ext uri="{FF2B5EF4-FFF2-40B4-BE49-F238E27FC236}">
+                    <a16:creationId xmlns:a16="http://schemas.microsoft.com/office/drawing/2014/main" id="{8035703A-4734-7355-D4C8-11EAAA3BF430}"/>
+                  </a:ext>
+                </a:extLst>
+              </p:cNvPr>
+              <p:cNvPicPr/>
+              <p:nvPr/>
+            </p:nvPicPr>
+            <p:blipFill>
+              <a:blip r:embed="rId5"/>
+              <a:stretch>
+                <a:fillRect/>
+              </a:stretch>
+            </p:blipFill>
+            <p:spPr>
+              <a:xfrm>
+                <a:off x="988227" y="1896920"/>
+                <a:ext cx="487440" cy="288000"/>
+              </a:xfrm>
+              <a:prstGeom prst="rect">
+                <a:avLst/>
+              </a:prstGeom>
+            </p:spPr>
+          </p:pic>
+        </mc:Fallback>
+      </mc:AlternateContent>
+      <mc:AlternateContent xmlns:mc="http://schemas.openxmlformats.org/markup-compatibility/2006">
+        <mc:Choice xmlns:p14="http://schemas.microsoft.com/office/powerpoint/2010/main" Requires="p14">
+          <p:contentPart p14:bwMode="auto" r:id="rId6">
+            <p14:nvContentPartPr>
+              <p14:cNvPr id="11" name="Freihand 10">
+                <a:extLst>
+                  <a:ext uri="{FF2B5EF4-FFF2-40B4-BE49-F238E27FC236}">
+                    <a16:creationId xmlns:a16="http://schemas.microsoft.com/office/drawing/2014/main" id="{C95F262E-8C5C-87A5-1B24-02BDBF6CBA50}"/>
+                  </a:ext>
+                </a:extLst>
+              </p14:cNvPr>
+              <p14:cNvContentPartPr/>
+              <p14:nvPr/>
+            </p14:nvContentPartPr>
+            <p14:xfrm>
+              <a:off x="956547" y="5418440"/>
+              <a:ext cx="398520" cy="8640"/>
+            </p14:xfrm>
+          </p:contentPart>
+        </mc:Choice>
+        <mc:Fallback>
+          <p:pic>
+            <p:nvPicPr>
+              <p:cNvPr id="11" name="Freihand 10">
+                <a:extLst>
+                  <a:ext uri="{FF2B5EF4-FFF2-40B4-BE49-F238E27FC236}">
+                    <a16:creationId xmlns:a16="http://schemas.microsoft.com/office/drawing/2014/main" id="{C95F262E-8C5C-87A5-1B24-02BDBF6CBA50}"/>
+                  </a:ext>
+                </a:extLst>
+              </p:cNvPr>
+              <p:cNvPicPr/>
+              <p:nvPr/>
+            </p:nvPicPr>
+            <p:blipFill>
+              <a:blip r:embed="rId7"/>
+              <a:stretch>
+                <a:fillRect/>
+              </a:stretch>
+            </p:blipFill>
+            <p:spPr>
+              <a:xfrm>
+                <a:off x="920907" y="5346440"/>
+                <a:ext cx="470160" cy="152280"/>
+              </a:xfrm>
+              <a:prstGeom prst="rect">
+                <a:avLst/>
+              </a:prstGeom>
+            </p:spPr>
+          </p:pic>
+        </mc:Fallback>
+      </mc:AlternateContent>
+      <mc:AlternateContent xmlns:mc="http://schemas.openxmlformats.org/markup-compatibility/2006">
+        <mc:Choice xmlns:p14="http://schemas.microsoft.com/office/powerpoint/2010/main" Requires="p14">
+          <p:contentPart p14:bwMode="auto" r:id="rId8">
+            <p14:nvContentPartPr>
+              <p14:cNvPr id="30" name="Freihand 29">
+                <a:extLst>
+                  <a:ext uri="{FF2B5EF4-FFF2-40B4-BE49-F238E27FC236}">
+                    <a16:creationId xmlns:a16="http://schemas.microsoft.com/office/drawing/2014/main" id="{2C72D57A-FBA3-8258-1510-E72CAEF07B3B}"/>
+                  </a:ext>
+                </a:extLst>
+              </p14:cNvPr>
+              <p14:cNvContentPartPr/>
+              <p14:nvPr/>
+            </p14:nvContentPartPr>
+            <p14:xfrm>
+              <a:off x="803907" y="2226320"/>
+              <a:ext cx="1414440" cy="17640"/>
+            </p14:xfrm>
+          </p:contentPart>
+        </mc:Choice>
+        <mc:Fallback>
+          <p:pic>
+            <p:nvPicPr>
+              <p:cNvPr id="30" name="Freihand 29">
+                <a:extLst>
+                  <a:ext uri="{FF2B5EF4-FFF2-40B4-BE49-F238E27FC236}">
+                    <a16:creationId xmlns:a16="http://schemas.microsoft.com/office/drawing/2014/main" id="{2C72D57A-FBA3-8258-1510-E72CAEF07B3B}"/>
+                  </a:ext>
+                </a:extLst>
+              </p:cNvPr>
+              <p:cNvPicPr/>
+              <p:nvPr/>
+            </p:nvPicPr>
+            <p:blipFill>
+              <a:blip r:embed="rId9"/>
+              <a:stretch>
+                <a:fillRect/>
+              </a:stretch>
+            </p:blipFill>
+            <p:spPr>
+              <a:xfrm>
+                <a:off x="768267" y="2154680"/>
+                <a:ext cx="1486080" cy="161280"/>
+              </a:xfrm>
+              <a:prstGeom prst="rect">
+                <a:avLst/>
+              </a:prstGeom>
+            </p:spPr>
+          </p:pic>
+        </mc:Fallback>
+      </mc:AlternateContent>
+      <mc:AlternateContent xmlns:mc="http://schemas.openxmlformats.org/markup-compatibility/2006">
+        <mc:Choice xmlns:p14="http://schemas.microsoft.com/office/powerpoint/2010/main" Requires="p14">
+          <p:contentPart p14:bwMode="auto" r:id="rId10">
+            <p14:nvContentPartPr>
+              <p14:cNvPr id="32" name="Freihand 31">
+                <a:extLst>
+                  <a:ext uri="{FF2B5EF4-FFF2-40B4-BE49-F238E27FC236}">
+                    <a16:creationId xmlns:a16="http://schemas.microsoft.com/office/drawing/2014/main" id="{5FE1FA60-D0A1-F7DA-3DF1-80F966C70A7D}"/>
+                  </a:ext>
+                </a:extLst>
+              </p14:cNvPr>
+              <p14:cNvContentPartPr/>
+              <p14:nvPr/>
+            </p14:nvContentPartPr>
+            <p14:xfrm>
+              <a:off x="727587" y="5621480"/>
+              <a:ext cx="695160" cy="720"/>
+            </p14:xfrm>
+          </p:contentPart>
+        </mc:Choice>
+        <mc:Fallback>
+          <p:pic>
+            <p:nvPicPr>
+              <p:cNvPr id="32" name="Freihand 31">
+                <a:extLst>
+                  <a:ext uri="{FF2B5EF4-FFF2-40B4-BE49-F238E27FC236}">
+                    <a16:creationId xmlns:a16="http://schemas.microsoft.com/office/drawing/2014/main" id="{5FE1FA60-D0A1-F7DA-3DF1-80F966C70A7D}"/>
+                  </a:ext>
+                </a:extLst>
+              </p:cNvPr>
+              <p:cNvPicPr/>
+              <p:nvPr/>
+            </p:nvPicPr>
+            <p:blipFill>
+              <a:blip r:embed="rId11"/>
+              <a:stretch>
+                <a:fillRect/>
+              </a:stretch>
+            </p:blipFill>
+            <p:spPr>
+              <a:xfrm>
+                <a:off x="691947" y="5477480"/>
+                <a:ext cx="766800" cy="288000"/>
+              </a:xfrm>
+              <a:prstGeom prst="rect">
+                <a:avLst/>
+              </a:prstGeom>
+            </p:spPr>
+          </p:pic>
+        </mc:Fallback>
+      </mc:AlternateContent>
     </p:spTree>
     <p:extLst>
       <p:ext uri="{BB962C8B-B14F-4D97-AF65-F5344CB8AC3E}">
@@ -4827,7 +12482,12 @@
           <a:prstGeom prst="rect">
             <a:avLst/>
           </a:prstGeom>
-          <a:noFill/>
+          <a:solidFill>
+            <a:schemeClr val="accent6">
+              <a:lumMod val="40000"/>
+              <a:lumOff val="60000"/>
+            </a:schemeClr>
+          </a:solidFill>
         </p:spPr>
         <p:txBody>
           <a:bodyPr wrap="square" rtlCol="0">
@@ -4836,31 +12496,31 @@
           <a:lstStyle/>
           <a:p>
             <a:r>
-              <a:rPr lang="de-DE" dirty="0"/>
+              <a:rPr lang="de-DE" b="1" i="1" dirty="0"/>
               <a:t>Plus </a:t>
             </a:r>
             <a:r>
-              <a:rPr lang="de-DE" dirty="0" err="1"/>
+              <a:rPr lang="de-DE" b="1" i="1" dirty="0" err="1"/>
               <a:t>proche</a:t>
             </a:r>
             <a:r>
-              <a:rPr lang="de-DE" dirty="0"/>
+              <a:rPr lang="de-DE" b="1" i="1" dirty="0"/>
               <a:t> </a:t>
             </a:r>
             <a:r>
-              <a:rPr lang="de-DE" dirty="0" err="1"/>
+              <a:rPr lang="de-DE" b="1" i="1" dirty="0" err="1"/>
               <a:t>voisin</a:t>
             </a:r>
             <a:r>
-              <a:rPr lang="de-DE" dirty="0"/>
+              <a:rPr lang="de-DE" b="1" i="1" dirty="0"/>
               <a:t> att48.tsp (  </a:t>
             </a:r>
             <a:r>
-              <a:rPr lang="de-DE" dirty="0" err="1"/>
+              <a:rPr lang="de-DE" b="1" i="1" dirty="0" err="1"/>
               <a:t>language</a:t>
             </a:r>
             <a:r>
-              <a:rPr lang="de-DE" dirty="0"/>
+              <a:rPr lang="de-DE" b="1" i="1" dirty="0"/>
               <a:t> C)  </a:t>
             </a:r>
           </a:p>
@@ -4886,7 +12546,12 @@
           <a:prstGeom prst="rect">
             <a:avLst/>
           </a:prstGeom>
-          <a:noFill/>
+          <a:solidFill>
+            <a:schemeClr val="accent6">
+              <a:lumMod val="40000"/>
+              <a:lumOff val="60000"/>
+            </a:schemeClr>
+          </a:solidFill>
         </p:spPr>
         <p:txBody>
           <a:bodyPr wrap="square" rtlCol="0">
@@ -4895,39 +12560,39 @@
           <a:lstStyle/>
           <a:p>
             <a:r>
-              <a:rPr lang="de-DE" dirty="0"/>
+              <a:rPr lang="de-DE" b="1" i="1" dirty="0"/>
               <a:t>Plus </a:t>
             </a:r>
             <a:r>
-              <a:rPr lang="de-DE" dirty="0" err="1"/>
+              <a:rPr lang="de-DE" b="1" i="1" dirty="0" err="1"/>
               <a:t>proche</a:t>
             </a:r>
             <a:r>
-              <a:rPr lang="de-DE" dirty="0"/>
+              <a:rPr lang="de-DE" b="1" i="1" dirty="0"/>
               <a:t> </a:t>
             </a:r>
             <a:r>
-              <a:rPr lang="de-DE" dirty="0" err="1"/>
+              <a:rPr lang="de-DE" b="1" i="1" dirty="0" err="1"/>
               <a:t>voisin</a:t>
             </a:r>
             <a:r>
-              <a:rPr lang="de-DE" dirty="0"/>
+              <a:rPr lang="de-DE" b="1" i="1" dirty="0"/>
               <a:t> </a:t>
             </a:r>
             <a:r>
-              <a:rPr lang="de-DE" dirty="0" err="1"/>
+              <a:rPr lang="de-DE" b="1" i="1" dirty="0" err="1"/>
               <a:t>avec</a:t>
             </a:r>
             <a:r>
-              <a:rPr lang="de-DE" dirty="0"/>
+              <a:rPr lang="de-DE" b="1" i="1" dirty="0"/>
               <a:t> 2opt att48.tsp (  </a:t>
             </a:r>
             <a:r>
-              <a:rPr lang="de-DE" dirty="0" err="1"/>
+              <a:rPr lang="de-DE" b="1" i="1" dirty="0" err="1"/>
               <a:t>language</a:t>
             </a:r>
             <a:r>
-              <a:rPr lang="de-DE" dirty="0"/>
+              <a:rPr lang="de-DE" b="1" i="1" dirty="0"/>
               <a:t> C)  </a:t>
             </a:r>
           </a:p>
@@ -5005,6 +12670,108 @@
           </a:prstGeom>
         </p:spPr>
       </p:pic>
+      <mc:AlternateContent xmlns:mc="http://schemas.openxmlformats.org/markup-compatibility/2006">
+        <mc:Choice xmlns:p14="http://schemas.microsoft.com/office/powerpoint/2010/main" Requires="p14">
+          <p:contentPart p14:bwMode="auto" r:id="rId4">
+            <p14:nvContentPartPr>
+              <p14:cNvPr id="3" name="Freihand 2">
+                <a:extLst>
+                  <a:ext uri="{FF2B5EF4-FFF2-40B4-BE49-F238E27FC236}">
+                    <a16:creationId xmlns:a16="http://schemas.microsoft.com/office/drawing/2014/main" id="{D95FD1AC-3552-21EF-CABB-DBA5932ED417}"/>
+                  </a:ext>
+                </a:extLst>
+              </p14:cNvPr>
+              <p14:cNvContentPartPr/>
+              <p14:nvPr/>
+            </p14:nvContentPartPr>
+            <p14:xfrm>
+              <a:off x="1058067" y="2065760"/>
+              <a:ext cx="516960" cy="720"/>
+            </p14:xfrm>
+          </p:contentPart>
+        </mc:Choice>
+        <mc:Fallback>
+          <p:pic>
+            <p:nvPicPr>
+              <p:cNvPr id="3" name="Freihand 2">
+                <a:extLst>
+                  <a:ext uri="{FF2B5EF4-FFF2-40B4-BE49-F238E27FC236}">
+                    <a16:creationId xmlns:a16="http://schemas.microsoft.com/office/drawing/2014/main" id="{D95FD1AC-3552-21EF-CABB-DBA5932ED417}"/>
+                  </a:ext>
+                </a:extLst>
+              </p:cNvPr>
+              <p:cNvPicPr/>
+              <p:nvPr/>
+            </p:nvPicPr>
+            <p:blipFill>
+              <a:blip r:embed="rId5"/>
+              <a:stretch>
+                <a:fillRect/>
+              </a:stretch>
+            </p:blipFill>
+            <p:spPr>
+              <a:xfrm>
+                <a:off x="1022067" y="1921760"/>
+                <a:ext cx="588600" cy="288000"/>
+              </a:xfrm>
+              <a:prstGeom prst="rect">
+                <a:avLst/>
+              </a:prstGeom>
+            </p:spPr>
+          </p:pic>
+        </mc:Fallback>
+      </mc:AlternateContent>
+      <mc:AlternateContent xmlns:mc="http://schemas.openxmlformats.org/markup-compatibility/2006">
+        <mc:Choice xmlns:p14="http://schemas.microsoft.com/office/powerpoint/2010/main" Requires="p14">
+          <p:contentPart p14:bwMode="auto" r:id="rId6">
+            <p14:nvContentPartPr>
+              <p14:cNvPr id="8" name="Freihand 7">
+                <a:extLst>
+                  <a:ext uri="{FF2B5EF4-FFF2-40B4-BE49-F238E27FC236}">
+                    <a16:creationId xmlns:a16="http://schemas.microsoft.com/office/drawing/2014/main" id="{5696F6DA-C4E3-D1EC-4FB2-418C42AD7FEA}"/>
+                  </a:ext>
+                </a:extLst>
+              </p14:cNvPr>
+              <p14:cNvContentPartPr/>
+              <p14:nvPr/>
+            </p14:nvContentPartPr>
+            <p14:xfrm>
+              <a:off x="1100547" y="5215400"/>
+              <a:ext cx="474120" cy="25920"/>
+            </p14:xfrm>
+          </p:contentPart>
+        </mc:Choice>
+        <mc:Fallback>
+          <p:pic>
+            <p:nvPicPr>
+              <p:cNvPr id="8" name="Freihand 7">
+                <a:extLst>
+                  <a:ext uri="{FF2B5EF4-FFF2-40B4-BE49-F238E27FC236}">
+                    <a16:creationId xmlns:a16="http://schemas.microsoft.com/office/drawing/2014/main" id="{5696F6DA-C4E3-D1EC-4FB2-418C42AD7FEA}"/>
+                  </a:ext>
+                </a:extLst>
+              </p:cNvPr>
+              <p:cNvPicPr/>
+              <p:nvPr/>
+            </p:nvPicPr>
+            <p:blipFill>
+              <a:blip r:embed="rId7"/>
+              <a:stretch>
+                <a:fillRect/>
+              </a:stretch>
+            </p:blipFill>
+            <p:spPr>
+              <a:xfrm>
+                <a:off x="1064907" y="5143400"/>
+                <a:ext cx="545760" cy="169560"/>
+              </a:xfrm>
+              <a:prstGeom prst="rect">
+                <a:avLst/>
+              </a:prstGeom>
+            </p:spPr>
+          </p:pic>
+        </mc:Fallback>
+      </mc:AlternateContent>
     </p:spTree>
     <p:extLst>
       <p:ext uri="{BB962C8B-B14F-4D97-AF65-F5344CB8AC3E}">
@@ -5055,7 +12822,12 @@
           <a:prstGeom prst="rect">
             <a:avLst/>
           </a:prstGeom>
-          <a:noFill/>
+          <a:solidFill>
+            <a:schemeClr val="accent6">
+              <a:lumMod val="40000"/>
+              <a:lumOff val="60000"/>
+            </a:schemeClr>
+          </a:solidFill>
         </p:spPr>
         <p:txBody>
           <a:bodyPr wrap="square" rtlCol="0">
@@ -5064,31 +12836,31 @@
           <a:lstStyle/>
           <a:p>
             <a:r>
-              <a:rPr lang="de-DE" dirty="0"/>
+              <a:rPr lang="de-DE" b="1" i="1" dirty="0"/>
               <a:t>Plus </a:t>
             </a:r>
             <a:r>
-              <a:rPr lang="de-DE" dirty="0" err="1"/>
+              <a:rPr lang="de-DE" b="1" i="1" dirty="0" err="1"/>
               <a:t>proche</a:t>
             </a:r>
             <a:r>
-              <a:rPr lang="de-DE" dirty="0"/>
+              <a:rPr lang="de-DE" b="1" i="1" dirty="0"/>
               <a:t> </a:t>
             </a:r>
             <a:r>
-              <a:rPr lang="de-DE" dirty="0" err="1"/>
+              <a:rPr lang="de-DE" b="1" i="1" dirty="0" err="1"/>
               <a:t>voisin</a:t>
             </a:r>
             <a:r>
-              <a:rPr lang="de-DE" dirty="0"/>
+              <a:rPr lang="de-DE" b="1" i="1" dirty="0"/>
               <a:t> att48.tsp (  </a:t>
             </a:r>
             <a:r>
-              <a:rPr lang="de-DE" dirty="0" err="1"/>
+              <a:rPr lang="de-DE" b="1" i="1" dirty="0" err="1"/>
               <a:t>language</a:t>
             </a:r>
             <a:r>
-              <a:rPr lang="de-DE" dirty="0"/>
+              <a:rPr lang="de-DE" b="1" i="1" dirty="0"/>
               <a:t> Python)  </a:t>
             </a:r>
           </a:p>
@@ -5114,7 +12886,12 @@
           <a:prstGeom prst="rect">
             <a:avLst/>
           </a:prstGeom>
-          <a:noFill/>
+          <a:solidFill>
+            <a:schemeClr val="accent6">
+              <a:lumMod val="40000"/>
+              <a:lumOff val="60000"/>
+            </a:schemeClr>
+          </a:solidFill>
         </p:spPr>
         <p:txBody>
           <a:bodyPr wrap="square" rtlCol="0">
@@ -5123,39 +12900,39 @@
           <a:lstStyle/>
           <a:p>
             <a:r>
-              <a:rPr lang="de-DE" dirty="0"/>
+              <a:rPr lang="de-DE" b="1" i="1" dirty="0"/>
               <a:t>Plus </a:t>
             </a:r>
             <a:r>
-              <a:rPr lang="de-DE" dirty="0" err="1"/>
+              <a:rPr lang="de-DE" b="1" i="1" dirty="0" err="1"/>
               <a:t>proche</a:t>
             </a:r>
             <a:r>
-              <a:rPr lang="de-DE" dirty="0"/>
+              <a:rPr lang="de-DE" b="1" i="1" dirty="0"/>
               <a:t> </a:t>
             </a:r>
             <a:r>
-              <a:rPr lang="de-DE" dirty="0" err="1"/>
+              <a:rPr lang="de-DE" b="1" i="1" dirty="0" err="1"/>
               <a:t>voisin</a:t>
             </a:r>
             <a:r>
-              <a:rPr lang="de-DE" dirty="0"/>
+              <a:rPr lang="de-DE" b="1" i="1" dirty="0"/>
               <a:t> </a:t>
             </a:r>
             <a:r>
-              <a:rPr lang="de-DE" dirty="0" err="1"/>
+              <a:rPr lang="de-DE" b="1" i="1" dirty="0" err="1"/>
               <a:t>avec</a:t>
             </a:r>
             <a:r>
-              <a:rPr lang="de-DE" dirty="0"/>
+              <a:rPr lang="de-DE" b="1" i="1" dirty="0"/>
               <a:t> 2opt att48.tsp (  </a:t>
             </a:r>
             <a:r>
-              <a:rPr lang="de-DE" dirty="0" err="1"/>
+              <a:rPr lang="de-DE" b="1" i="1" dirty="0" err="1"/>
               <a:t>language</a:t>
             </a:r>
             <a:r>
-              <a:rPr lang="de-DE" dirty="0"/>
+              <a:rPr lang="de-DE" b="1" i="1" dirty="0"/>
               <a:t> Python)  </a:t>
             </a:r>
           </a:p>
@@ -5227,6 +13004,108 @@
           </a:prstGeom>
         </p:spPr>
       </p:pic>
+      <mc:AlternateContent xmlns:mc="http://schemas.openxmlformats.org/markup-compatibility/2006">
+        <mc:Choice xmlns:p14="http://schemas.microsoft.com/office/powerpoint/2010/main" Requires="p14">
+          <p:contentPart p14:bwMode="auto" r:id="rId4">
+            <p14:nvContentPartPr>
+              <p14:cNvPr id="3" name="Freihand 2">
+                <a:extLst>
+                  <a:ext uri="{FF2B5EF4-FFF2-40B4-BE49-F238E27FC236}">
+                    <a16:creationId xmlns:a16="http://schemas.microsoft.com/office/drawing/2014/main" id="{298C8BCF-FBBE-1215-9C64-B81DBE721357}"/>
+                  </a:ext>
+                </a:extLst>
+              </p14:cNvPr>
+              <p14:cNvContentPartPr/>
+              <p14:nvPr/>
+            </p14:nvContentPartPr>
+            <p14:xfrm>
+              <a:off x="939267" y="2124800"/>
+              <a:ext cx="525600" cy="8640"/>
+            </p14:xfrm>
+          </p:contentPart>
+        </mc:Choice>
+        <mc:Fallback>
+          <p:pic>
+            <p:nvPicPr>
+              <p:cNvPr id="3" name="Freihand 2">
+                <a:extLst>
+                  <a:ext uri="{FF2B5EF4-FFF2-40B4-BE49-F238E27FC236}">
+                    <a16:creationId xmlns:a16="http://schemas.microsoft.com/office/drawing/2014/main" id="{298C8BCF-FBBE-1215-9C64-B81DBE721357}"/>
+                  </a:ext>
+                </a:extLst>
+              </p:cNvPr>
+              <p:cNvPicPr/>
+              <p:nvPr/>
+            </p:nvPicPr>
+            <p:blipFill>
+              <a:blip r:embed="rId5"/>
+              <a:stretch>
+                <a:fillRect/>
+              </a:stretch>
+            </p:blipFill>
+            <p:spPr>
+              <a:xfrm>
+                <a:off x="903627" y="2052800"/>
+                <a:ext cx="597240" cy="152280"/>
+              </a:xfrm>
+              <a:prstGeom prst="rect">
+                <a:avLst/>
+              </a:prstGeom>
+            </p:spPr>
+          </p:pic>
+        </mc:Fallback>
+      </mc:AlternateContent>
+      <mc:AlternateContent xmlns:mc="http://schemas.openxmlformats.org/markup-compatibility/2006">
+        <mc:Choice xmlns:p14="http://schemas.microsoft.com/office/powerpoint/2010/main" Requires="p14">
+          <p:contentPart p14:bwMode="auto" r:id="rId6">
+            <p14:nvContentPartPr>
+              <p14:cNvPr id="12" name="Freihand 11">
+                <a:extLst>
+                  <a:ext uri="{FF2B5EF4-FFF2-40B4-BE49-F238E27FC236}">
+                    <a16:creationId xmlns:a16="http://schemas.microsoft.com/office/drawing/2014/main" id="{B283ABC9-EB55-6861-3EBD-203443463B8A}"/>
+                  </a:ext>
+                </a:extLst>
+              </p14:cNvPr>
+              <p14:cNvContentPartPr/>
+              <p14:nvPr/>
+            </p14:nvContentPartPr>
+            <p14:xfrm>
+              <a:off x="905787" y="5409800"/>
+              <a:ext cx="457560" cy="25560"/>
+            </p14:xfrm>
+          </p:contentPart>
+        </mc:Choice>
+        <mc:Fallback>
+          <p:pic>
+            <p:nvPicPr>
+              <p:cNvPr id="12" name="Freihand 11">
+                <a:extLst>
+                  <a:ext uri="{FF2B5EF4-FFF2-40B4-BE49-F238E27FC236}">
+                    <a16:creationId xmlns:a16="http://schemas.microsoft.com/office/drawing/2014/main" id="{B283ABC9-EB55-6861-3EBD-203443463B8A}"/>
+                  </a:ext>
+                </a:extLst>
+              </p:cNvPr>
+              <p:cNvPicPr/>
+              <p:nvPr/>
+            </p:nvPicPr>
+            <p:blipFill>
+              <a:blip r:embed="rId7"/>
+              <a:stretch>
+                <a:fillRect/>
+              </a:stretch>
+            </p:blipFill>
+            <p:spPr>
+              <a:xfrm>
+                <a:off x="869787" y="5338160"/>
+                <a:ext cx="529200" cy="169200"/>
+              </a:xfrm>
+              <a:prstGeom prst="rect">
+                <a:avLst/>
+              </a:prstGeom>
+            </p:spPr>
+          </p:pic>
+        </mc:Fallback>
+      </mc:AlternateContent>
     </p:spTree>
     <p:extLst>
       <p:ext uri="{BB962C8B-B14F-4D97-AF65-F5344CB8AC3E}">

--- a/tools/Referenciel_et_Planing/Projet Avancée CC3.pptx
+++ b/tools/Referenciel_et_Planing/Projet Avancée CC3.pptx
@@ -170,6 +170,14 @@
     </p:ext>
   </p:extLst>
 </p:presentation>
+</file>
+
+<file path=ppt/revisionInfo.xml><?xml version="1.0" encoding="utf-8"?>
+<p1510:revInfo xmlns:a="http://schemas.openxmlformats.org/drawingml/2006/main" xmlns:r="http://schemas.openxmlformats.org/officeDocument/2006/relationships" xmlns:p1510="http://schemas.microsoft.com/office/powerpoint/2015/10/main">
+  <p1510:revLst>
+    <p1510:client id="{00BB72B1-7931-4670-99D3-82B8921FC3F2}" v="146" dt="2025-11-20T15:55:59.312"/>
+  </p1510:revLst>
+</p1510:revInfo>
 </file>
 
 <file path=ppt/ink/ink1.xml><?xml version="1.0" encoding="utf-8"?>
@@ -1022,7 +1030,7 @@
           <a:p>
             <a:fld id="{B7D0A3A0-C9F1-49B2-9E9C-81D1727ED124}" type="slidenum">
               <a:rPr lang="de-DE" smtClean="0"/>
-              <a:t>‹Nr.›</a:t>
+              <a:t>‹#›</a:t>
             </a:fld>
             <a:endParaRPr lang="de-DE"/>
           </a:p>
@@ -1220,7 +1228,7 @@
           <a:p>
             <a:fld id="{B7D0A3A0-C9F1-49B2-9E9C-81D1727ED124}" type="slidenum">
               <a:rPr lang="de-DE" smtClean="0"/>
-              <a:t>‹Nr.›</a:t>
+              <a:t>‹#›</a:t>
             </a:fld>
             <a:endParaRPr lang="de-DE"/>
           </a:p>
@@ -1428,7 +1436,7 @@
           <a:p>
             <a:fld id="{B7D0A3A0-C9F1-49B2-9E9C-81D1727ED124}" type="slidenum">
               <a:rPr lang="de-DE" smtClean="0"/>
-              <a:t>‹Nr.›</a:t>
+              <a:t>‹#›</a:t>
             </a:fld>
             <a:endParaRPr lang="de-DE"/>
           </a:p>
@@ -1626,7 +1634,7 @@
           <a:p>
             <a:fld id="{B7D0A3A0-C9F1-49B2-9E9C-81D1727ED124}" type="slidenum">
               <a:rPr lang="de-DE" smtClean="0"/>
-              <a:t>‹Nr.›</a:t>
+              <a:t>‹#›</a:t>
             </a:fld>
             <a:endParaRPr lang="de-DE"/>
           </a:p>
@@ -1901,7 +1909,7 @@
           <a:p>
             <a:fld id="{B7D0A3A0-C9F1-49B2-9E9C-81D1727ED124}" type="slidenum">
               <a:rPr lang="de-DE" smtClean="0"/>
-              <a:t>‹Nr.›</a:t>
+              <a:t>‹#›</a:t>
             </a:fld>
             <a:endParaRPr lang="de-DE"/>
           </a:p>
@@ -2166,7 +2174,7 @@
           <a:p>
             <a:fld id="{B7D0A3A0-C9F1-49B2-9E9C-81D1727ED124}" type="slidenum">
               <a:rPr lang="de-DE" smtClean="0"/>
-              <a:t>‹Nr.›</a:t>
+              <a:t>‹#›</a:t>
             </a:fld>
             <a:endParaRPr lang="de-DE"/>
           </a:p>
@@ -2578,7 +2586,7 @@
           <a:p>
             <a:fld id="{B7D0A3A0-C9F1-49B2-9E9C-81D1727ED124}" type="slidenum">
               <a:rPr lang="de-DE" smtClean="0"/>
-              <a:t>‹Nr.›</a:t>
+              <a:t>‹#›</a:t>
             </a:fld>
             <a:endParaRPr lang="de-DE"/>
           </a:p>
@@ -2719,7 +2727,7 @@
           <a:p>
             <a:fld id="{B7D0A3A0-C9F1-49B2-9E9C-81D1727ED124}" type="slidenum">
               <a:rPr lang="de-DE" smtClean="0"/>
-              <a:t>‹Nr.›</a:t>
+              <a:t>‹#›</a:t>
             </a:fld>
             <a:endParaRPr lang="de-DE"/>
           </a:p>
@@ -2832,7 +2840,7 @@
           <a:p>
             <a:fld id="{B7D0A3A0-C9F1-49B2-9E9C-81D1727ED124}" type="slidenum">
               <a:rPr lang="de-DE" smtClean="0"/>
-              <a:t>‹Nr.›</a:t>
+              <a:t>‹#›</a:t>
             </a:fld>
             <a:endParaRPr lang="de-DE"/>
           </a:p>
@@ -3143,7 +3151,7 @@
           <a:p>
             <a:fld id="{B7D0A3A0-C9F1-49B2-9E9C-81D1727ED124}" type="slidenum">
               <a:rPr lang="de-DE" smtClean="0"/>
-              <a:t>‹Nr.›</a:t>
+              <a:t>‹#›</a:t>
             </a:fld>
             <a:endParaRPr lang="de-DE"/>
           </a:p>
@@ -3431,7 +3439,7 @@
           <a:p>
             <a:fld id="{B7D0A3A0-C9F1-49B2-9E9C-81D1727ED124}" type="slidenum">
               <a:rPr lang="de-DE" smtClean="0"/>
-              <a:t>‹Nr.›</a:t>
+              <a:t>‹#›</a:t>
             </a:fld>
             <a:endParaRPr lang="de-DE"/>
           </a:p>
@@ -3708,7 +3716,7 @@
           <a:p>
             <a:fld id="{B7D0A3A0-C9F1-49B2-9E9C-81D1727ED124}" type="slidenum">
               <a:rPr lang="de-DE" smtClean="0"/>
-              <a:t>‹Nr.›</a:t>
+              <a:t>‹#›</a:t>
             </a:fld>
             <a:endParaRPr lang="de-DE"/>
           </a:p>
@@ -7162,7 +7170,7 @@
           </a:solidFill>
         </p:spPr>
         <p:txBody>
-          <a:bodyPr wrap="square" rtlCol="0">
+          <a:bodyPr wrap="square" lIns="91440" tIns="45720" rIns="91440" bIns="45720" rtlCol="0" anchor="t">
             <a:spAutoFit/>
           </a:bodyPr>
           <a:lstStyle/>
@@ -7181,15 +7189,15 @@
             </a:r>
             <a:r>
               <a:rPr lang="de-DE" b="1" i="1" dirty="0"/>
-              <a:t> att48.tsp (  </a:t>
+              <a:t> att48.tsp ( </a:t>
             </a:r>
             <a:r>
               <a:rPr lang="de-DE" b="1" i="1" dirty="0" err="1"/>
-              <a:t>language</a:t>
+              <a:t>langage</a:t>
             </a:r>
             <a:r>
               <a:rPr lang="de-DE" b="1" i="1" dirty="0"/>
-              <a:t> C)  </a:t>
+              <a:t> C )  </a:t>
             </a:r>
           </a:p>
         </p:txBody>
@@ -7258,7 +7266,7 @@
           </a:solidFill>
         </p:spPr>
         <p:txBody>
-          <a:bodyPr wrap="square" rtlCol="0">
+          <a:bodyPr wrap="square" lIns="91440" tIns="45720" rIns="91440" bIns="45720" rtlCol="0" anchor="t">
             <a:spAutoFit/>
           </a:bodyPr>
           <a:lstStyle/>
@@ -7277,23 +7285,15 @@
             </a:r>
             <a:r>
               <a:rPr lang="de-DE" b="1" i="1" dirty="0"/>
-              <a:t> att48.tsp (  </a:t>
+              <a:t> att48.tsp ( </a:t>
             </a:r>
             <a:r>
               <a:rPr lang="de-DE" b="1" i="1" dirty="0" err="1"/>
-              <a:t>language</a:t>
+              <a:t>langage</a:t>
             </a:r>
             <a:r>
               <a:rPr lang="de-DE" b="1" i="1" dirty="0"/>
-              <a:t>  </a:t>
-            </a:r>
-            <a:r>
-              <a:rPr lang="de-DE" b="1" i="1" dirty="0" err="1"/>
-              <a:t>Phyton</a:t>
-            </a:r>
-            <a:r>
-              <a:rPr lang="de-DE" b="1" i="1" dirty="0"/>
-              <a:t>)  </a:t>
+              <a:t>  Python )  </a:t>
             </a:r>
           </a:p>
         </p:txBody>
@@ -7328,8 +7328,8 @@
           </a:prstGeom>
         </p:spPr>
       </p:pic>
-      <mc:AlternateContent xmlns:mc="http://schemas.openxmlformats.org/markup-compatibility/2006">
-        <mc:Choice xmlns:p14="http://schemas.microsoft.com/office/powerpoint/2010/main" Requires="p14">
+      <mc:AlternateContent xmlns:mc="http://schemas.openxmlformats.org/markup-compatibility/2006" xmlns:p14="http://schemas.microsoft.com/office/powerpoint/2010/main">
+        <mc:Choice Requires="p14">
           <p:contentPart p14:bwMode="auto" r:id="rId4">
             <p14:nvContentPartPr>
               <p14:cNvPr id="3" name="Freihand 2">
@@ -7348,7 +7348,7 @@
             </p14:xfrm>
           </p:contentPart>
         </mc:Choice>
-        <mc:Fallback>
+        <mc:Fallback xmlns="">
           <p:pic>
             <p:nvPicPr>
               <p:cNvPr id="3" name="Freihand 2">
@@ -7379,8 +7379,8 @@
           </p:pic>
         </mc:Fallback>
       </mc:AlternateContent>
-      <mc:AlternateContent xmlns:mc="http://schemas.openxmlformats.org/markup-compatibility/2006">
-        <mc:Choice xmlns:p14="http://schemas.microsoft.com/office/powerpoint/2010/main" Requires="p14">
+      <mc:AlternateContent xmlns:mc="http://schemas.openxmlformats.org/markup-compatibility/2006" xmlns:p14="http://schemas.microsoft.com/office/powerpoint/2010/main">
+        <mc:Choice Requires="p14">
           <p:contentPart p14:bwMode="auto" r:id="rId6">
             <p14:nvContentPartPr>
               <p14:cNvPr id="7" name="Freihand 6">
@@ -7399,7 +7399,7 @@
             </p14:xfrm>
           </p:contentPart>
         </mc:Choice>
-        <mc:Fallback>
+        <mc:Fallback xmlns="">
           <p:pic>
             <p:nvPicPr>
               <p:cNvPr id="7" name="Freihand 6">
@@ -7430,8 +7430,8 @@
           </p:pic>
         </mc:Fallback>
       </mc:AlternateContent>
-      <mc:AlternateContent xmlns:mc="http://schemas.openxmlformats.org/markup-compatibility/2006">
-        <mc:Choice xmlns:p14="http://schemas.microsoft.com/office/powerpoint/2010/main" Requires="p14">
+      <mc:AlternateContent xmlns:mc="http://schemas.openxmlformats.org/markup-compatibility/2006" xmlns:p14="http://schemas.microsoft.com/office/powerpoint/2010/main">
+        <mc:Choice Requires="p14">
           <p:contentPart p14:bwMode="auto" r:id="rId8">
             <p14:nvContentPartPr>
               <p14:cNvPr id="10" name="Freihand 9">
@@ -7450,7 +7450,7 @@
             </p14:xfrm>
           </p:contentPart>
         </mc:Choice>
-        <mc:Fallback>
+        <mc:Fallback xmlns="">
           <p:pic>
             <p:nvPicPr>
               <p:cNvPr id="10" name="Freihand 9">
@@ -7481,8 +7481,8 @@
           </p:pic>
         </mc:Fallback>
       </mc:AlternateContent>
-      <mc:AlternateContent xmlns:mc="http://schemas.openxmlformats.org/markup-compatibility/2006">
-        <mc:Choice xmlns:p14="http://schemas.microsoft.com/office/powerpoint/2010/main" Requires="p14">
+      <mc:AlternateContent xmlns:mc="http://schemas.openxmlformats.org/markup-compatibility/2006" xmlns:p14="http://schemas.microsoft.com/office/powerpoint/2010/main">
+        <mc:Choice Requires="p14">
           <p:contentPart p14:bwMode="auto" r:id="rId10">
             <p14:nvContentPartPr>
               <p14:cNvPr id="14" name="Freihand 13">
@@ -7501,7 +7501,7 @@
             </p14:xfrm>
           </p:contentPart>
         </mc:Choice>
-        <mc:Fallback>
+        <mc:Fallback xmlns="">
           <p:pic>
             <p:nvPicPr>
               <p:cNvPr id="14" name="Freihand 13">
@@ -10702,44 +10702,16 @@
           </a:solidFill>
         </p:spPr>
         <p:txBody>
-          <a:bodyPr wrap="square" rtlCol="0">
+          <a:bodyPr wrap="square" lIns="91440" tIns="45720" rIns="91440" bIns="45720" rtlCol="0" anchor="t">
             <a:spAutoFit/>
           </a:bodyPr>
           <a:lstStyle/>
           <a:p>
             <a:r>
-              <a:rPr lang="de-DE" b="1" i="1" dirty="0"/>
-              <a:t>Tests </a:t>
-            </a:r>
-            <a:r>
-              <a:rPr lang="de-DE" b="1" i="1" dirty="0" err="1"/>
-              <a:t>manuels</a:t>
-            </a:r>
-            <a:r>
-              <a:rPr lang="de-DE" b="1" i="1" dirty="0"/>
-              <a:t> de nos </a:t>
-            </a:r>
-            <a:r>
-              <a:rPr lang="de-DE" b="1" i="1" dirty="0" err="1"/>
-              <a:t>différentes</a:t>
-            </a:r>
-            <a:r>
-              <a:rPr lang="de-DE" b="1" i="1" dirty="0"/>
-              <a:t> </a:t>
-            </a:r>
-            <a:r>
-              <a:rPr lang="de-DE" b="1" i="1" dirty="0" err="1"/>
-              <a:t>méthodes</a:t>
-            </a:r>
-            <a:r>
-              <a:rPr lang="de-DE" b="1" i="1" dirty="0"/>
-              <a:t> de </a:t>
-            </a:r>
-            <a:r>
-              <a:rPr lang="de-DE" b="1" i="1" dirty="0" err="1"/>
-              <a:t>distance</a:t>
-            </a:r>
-            <a:endParaRPr lang="de-DE" b="1" i="1" dirty="0"/>
+              <a:rPr lang="fr-FR" b="1" i="1" dirty="0"/>
+              <a:t>Tests manuels de nos différentes méthodes de distance</a:t>
+            </a:r>
+            <a:endParaRPr lang="fr-FR" b="1" i="1"/>
           </a:p>
         </p:txBody>
       </p:sp>
@@ -11029,8 +11001,8 @@
           </a:prstGeom>
         </p:spPr>
       </p:pic>
-      <mc:AlternateContent xmlns:mc="http://schemas.openxmlformats.org/markup-compatibility/2006">
-        <mc:Choice xmlns:p14="http://schemas.microsoft.com/office/powerpoint/2010/main" Requires="p14">
+      <mc:AlternateContent xmlns:mc="http://schemas.openxmlformats.org/markup-compatibility/2006" xmlns:p14="http://schemas.microsoft.com/office/powerpoint/2010/main">
+        <mc:Choice Requires="p14">
           <p:contentPart p14:bwMode="auto" r:id="rId4">
             <p14:nvContentPartPr>
               <p14:cNvPr id="7" name="Freihand 6">
@@ -11049,7 +11021,7 @@
             </p14:xfrm>
           </p:contentPart>
         </mc:Choice>
-        <mc:Fallback>
+        <mc:Fallback xmlns="">
           <p:pic>
             <p:nvPicPr>
               <p:cNvPr id="7" name="Freihand 6">
@@ -11080,8 +11052,8 @@
           </p:pic>
         </mc:Fallback>
       </mc:AlternateContent>
-      <mc:AlternateContent xmlns:mc="http://schemas.openxmlformats.org/markup-compatibility/2006">
-        <mc:Choice xmlns:p14="http://schemas.microsoft.com/office/powerpoint/2010/main" Requires="p14">
+      <mc:AlternateContent xmlns:mc="http://schemas.openxmlformats.org/markup-compatibility/2006" xmlns:p14="http://schemas.microsoft.com/office/powerpoint/2010/main">
+        <mc:Choice Requires="p14">
           <p:contentPart p14:bwMode="auto" r:id="rId6">
             <p14:nvContentPartPr>
               <p14:cNvPr id="12" name="Freihand 11">
@@ -11100,7 +11072,7 @@
             </p14:xfrm>
           </p:contentPart>
         </mc:Choice>
-        <mc:Fallback>
+        <mc:Fallback xmlns="">
           <p:pic>
             <p:nvPicPr>
               <p:cNvPr id="12" name="Freihand 11">
@@ -11131,8 +11103,8 @@
           </p:pic>
         </mc:Fallback>
       </mc:AlternateContent>
-      <mc:AlternateContent xmlns:mc="http://schemas.openxmlformats.org/markup-compatibility/2006">
-        <mc:Choice xmlns:p14="http://schemas.microsoft.com/office/powerpoint/2010/main" Requires="p14">
+      <mc:AlternateContent xmlns:mc="http://schemas.openxmlformats.org/markup-compatibility/2006" xmlns:p14="http://schemas.microsoft.com/office/powerpoint/2010/main">
+        <mc:Choice Requires="p14">
           <p:contentPart p14:bwMode="auto" r:id="rId8">
             <p14:nvContentPartPr>
               <p14:cNvPr id="13" name="Freihand 12">
@@ -11151,7 +11123,7 @@
             </p14:xfrm>
           </p:contentPart>
         </mc:Choice>
-        <mc:Fallback>
+        <mc:Fallback xmlns="">
           <p:pic>
             <p:nvPicPr>
               <p:cNvPr id="13" name="Freihand 12">
@@ -11240,7 +11212,7 @@
           </a:solidFill>
         </p:spPr>
         <p:txBody>
-          <a:bodyPr wrap="square" rtlCol="0">
+          <a:bodyPr wrap="square" lIns="91440" tIns="45720" rIns="91440" bIns="45720" rtlCol="0" anchor="t">
             <a:spAutoFit/>
           </a:bodyPr>
           <a:lstStyle/>
@@ -11255,15 +11227,15 @@
             </a:r>
             <a:r>
               <a:rPr lang="de-DE" b="1" i="1" dirty="0"/>
-              <a:t>  (</a:t>
+              <a:t>  ( </a:t>
             </a:r>
             <a:r>
               <a:rPr lang="de-DE" b="1" i="1" dirty="0" err="1"/>
-              <a:t>language</a:t>
+              <a:t>langage</a:t>
             </a:r>
             <a:r>
               <a:rPr lang="de-DE" b="1" i="1" dirty="0"/>
-              <a:t> C) </a:t>
+              <a:t> C ) </a:t>
             </a:r>
           </a:p>
         </p:txBody>
@@ -11296,7 +11268,7 @@
           </a:solidFill>
         </p:spPr>
         <p:txBody>
-          <a:bodyPr wrap="square" rtlCol="0">
+          <a:bodyPr wrap="square" lIns="91440" tIns="45720" rIns="91440" bIns="45720" rtlCol="0" anchor="t">
             <a:spAutoFit/>
           </a:bodyPr>
           <a:lstStyle/>
@@ -11306,20 +11278,20 @@
               <a:t>Brute </a:t>
             </a:r>
             <a:r>
-              <a:rPr lang="de-DE" b="1" i="1" dirty="0" err="1"/>
+              <a:rPr lang="de-DE" b="1" i="1" err="1"/>
               <a:t>force</a:t>
             </a:r>
             <a:r>
               <a:rPr lang="de-DE" b="1" i="1" dirty="0"/>
-              <a:t>  (</a:t>
-            </a:r>
-            <a:r>
-              <a:rPr lang="de-DE" b="1" i="1" dirty="0" err="1"/>
-              <a:t>language</a:t>
-            </a:r>
-            <a:r>
-              <a:rPr lang="de-DE" b="1" i="1" dirty="0"/>
-              <a:t> Python) </a:t>
+              <a:t>  ( </a:t>
+            </a:r>
+            <a:r>
+              <a:rPr lang="de-DE" b="1" i="1" err="1"/>
+              <a:t>langage</a:t>
+            </a:r>
+            <a:r>
+              <a:rPr lang="de-DE" b="1" i="1"/>
+              <a:t> Python ) </a:t>
             </a:r>
           </a:p>
         </p:txBody>
@@ -11384,8 +11356,8 @@
           </a:prstGeom>
         </p:spPr>
       </p:pic>
-      <mc:AlternateContent xmlns:mc="http://schemas.openxmlformats.org/markup-compatibility/2006">
-        <mc:Choice xmlns:p14="http://schemas.microsoft.com/office/powerpoint/2010/main" Requires="p14">
+      <mc:AlternateContent xmlns:mc="http://schemas.openxmlformats.org/markup-compatibility/2006" xmlns:p14="http://schemas.microsoft.com/office/powerpoint/2010/main">
+        <mc:Choice Requires="p14">
           <p:contentPart p14:bwMode="auto" r:id="rId4">
             <p14:nvContentPartPr>
               <p14:cNvPr id="21" name="Freihand 20">
@@ -11404,7 +11376,7 @@
             </p14:xfrm>
           </p:contentPart>
         </mc:Choice>
-        <mc:Fallback>
+        <mc:Fallback xmlns="">
           <p:pic>
             <p:nvPicPr>
               <p:cNvPr id="21" name="Freihand 20">
@@ -11435,8 +11407,8 @@
           </p:pic>
         </mc:Fallback>
       </mc:AlternateContent>
-      <mc:AlternateContent xmlns:mc="http://schemas.openxmlformats.org/markup-compatibility/2006">
-        <mc:Choice xmlns:p14="http://schemas.microsoft.com/office/powerpoint/2010/main" Requires="p14">
+      <mc:AlternateContent xmlns:mc="http://schemas.openxmlformats.org/markup-compatibility/2006" xmlns:p14="http://schemas.microsoft.com/office/powerpoint/2010/main">
+        <mc:Choice Requires="p14">
           <p:contentPart p14:bwMode="auto" r:id="rId6">
             <p14:nvContentPartPr>
               <p14:cNvPr id="24" name="Freihand 23">
@@ -11455,7 +11427,7 @@
             </p14:xfrm>
           </p:contentPart>
         </mc:Choice>
-        <mc:Fallback>
+        <mc:Fallback xmlns="">
           <p:pic>
             <p:nvPicPr>
               <p:cNvPr id="24" name="Freihand 23">
@@ -11486,8 +11458,8 @@
           </p:pic>
         </mc:Fallback>
       </mc:AlternateContent>
-      <mc:AlternateContent xmlns:mc="http://schemas.openxmlformats.org/markup-compatibility/2006">
-        <mc:Choice xmlns:p14="http://schemas.microsoft.com/office/powerpoint/2010/main" Requires="p14">
+      <mc:AlternateContent xmlns:mc="http://schemas.openxmlformats.org/markup-compatibility/2006" xmlns:p14="http://schemas.microsoft.com/office/powerpoint/2010/main">
+        <mc:Choice Requires="p14">
           <p:contentPart p14:bwMode="auto" r:id="rId8">
             <p14:nvContentPartPr>
               <p14:cNvPr id="26" name="Freihand 25">
@@ -11506,7 +11478,7 @@
             </p14:xfrm>
           </p:contentPart>
         </mc:Choice>
-        <mc:Fallback>
+        <mc:Fallback xmlns="">
           <p:pic>
             <p:nvPicPr>
               <p:cNvPr id="26" name="Freihand 25">
@@ -11537,8 +11509,8 @@
           </p:pic>
         </mc:Fallback>
       </mc:AlternateContent>
-      <mc:AlternateContent xmlns:mc="http://schemas.openxmlformats.org/markup-compatibility/2006">
-        <mc:Choice xmlns:p14="http://schemas.microsoft.com/office/powerpoint/2010/main" Requires="p14">
+      <mc:AlternateContent xmlns:mc="http://schemas.openxmlformats.org/markup-compatibility/2006" xmlns:p14="http://schemas.microsoft.com/office/powerpoint/2010/main">
+        <mc:Choice Requires="p14">
           <p:contentPart p14:bwMode="auto" r:id="rId10">
             <p14:nvContentPartPr>
               <p14:cNvPr id="28" name="Freihand 27">
@@ -11557,7 +11529,7 @@
             </p14:xfrm>
           </p:contentPart>
         </mc:Choice>
-        <mc:Fallback>
+        <mc:Fallback xmlns="">
           <p:pic>
             <p:nvPicPr>
               <p:cNvPr id="28" name="Freihand 27">
@@ -11772,22 +11744,22 @@
           </a:solidFill>
         </p:spPr>
         <p:txBody>
-          <a:bodyPr wrap="square" rtlCol="0">
+          <a:bodyPr wrap="square" lIns="91440" tIns="45720" rIns="91440" bIns="45720" rtlCol="0" anchor="t">
             <a:spAutoFit/>
           </a:bodyPr>
           <a:lstStyle/>
           <a:p>
             <a:r>
               <a:rPr lang="de-DE" b="1" i="1" dirty="0"/>
-              <a:t>Random Walk att48.tsp (  </a:t>
-            </a:r>
-            <a:r>
-              <a:rPr lang="de-DE" b="1" i="1" dirty="0" err="1"/>
-              <a:t>language</a:t>
-            </a:r>
-            <a:r>
-              <a:rPr lang="de-DE" b="1" i="1" dirty="0"/>
-              <a:t> C)  </a:t>
+              <a:t>Random Walk att48.tsp ( </a:t>
+            </a:r>
+            <a:r>
+              <a:rPr lang="de-DE" b="1" i="1" err="1"/>
+              <a:t>langage</a:t>
+            </a:r>
+            <a:r>
+              <a:rPr lang="de-DE" b="1" i="1"/>
+              <a:t> C )  </a:t>
             </a:r>
           </a:p>
         </p:txBody>
@@ -11856,7 +11828,7 @@
           </a:solidFill>
         </p:spPr>
         <p:txBody>
-          <a:bodyPr wrap="square" rtlCol="0">
+          <a:bodyPr wrap="square" lIns="91440" tIns="45720" rIns="91440" bIns="45720" rtlCol="0" anchor="t">
             <a:spAutoFit/>
           </a:bodyPr>
           <a:lstStyle/>
@@ -11871,15 +11843,15 @@
             </a:r>
             <a:r>
               <a:rPr lang="de-DE" b="1" i="1" dirty="0"/>
-              <a:t> 2opt att48.tsp (  </a:t>
+              <a:t> 2opt att48.tsp ( </a:t>
             </a:r>
             <a:r>
               <a:rPr lang="de-DE" b="1" i="1" dirty="0" err="1"/>
-              <a:t>language</a:t>
+              <a:t>langage</a:t>
             </a:r>
             <a:r>
               <a:rPr lang="de-DE" b="1" i="1" dirty="0"/>
-              <a:t> C)  </a:t>
+              <a:t> C )  </a:t>
             </a:r>
           </a:p>
         </p:txBody>
@@ -11920,8 +11892,8 @@
           </a:prstGeom>
         </p:spPr>
       </p:pic>
-      <mc:AlternateContent xmlns:mc="http://schemas.openxmlformats.org/markup-compatibility/2006">
-        <mc:Choice xmlns:p14="http://schemas.microsoft.com/office/powerpoint/2010/main" Requires="p14">
+      <mc:AlternateContent xmlns:mc="http://schemas.openxmlformats.org/markup-compatibility/2006" xmlns:p14="http://schemas.microsoft.com/office/powerpoint/2010/main">
+        <mc:Choice Requires="p14">
           <p:contentPart p14:bwMode="auto" r:id="rId4">
             <p14:nvContentPartPr>
               <p14:cNvPr id="3" name="Freihand 2">
@@ -11940,7 +11912,7 @@
             </p14:xfrm>
           </p:contentPart>
         </mc:Choice>
-        <mc:Fallback>
+        <mc:Fallback xmlns="">
           <p:pic>
             <p:nvPicPr>
               <p:cNvPr id="3" name="Freihand 2">
@@ -11971,8 +11943,8 @@
           </p:pic>
         </mc:Fallback>
       </mc:AlternateContent>
-      <mc:AlternateContent xmlns:mc="http://schemas.openxmlformats.org/markup-compatibility/2006">
-        <mc:Choice xmlns:p14="http://schemas.microsoft.com/office/powerpoint/2010/main" Requires="p14">
+      <mc:AlternateContent xmlns:mc="http://schemas.openxmlformats.org/markup-compatibility/2006" xmlns:p14="http://schemas.microsoft.com/office/powerpoint/2010/main">
+        <mc:Choice Requires="p14">
           <p:contentPart p14:bwMode="auto" r:id="rId6">
             <p14:nvContentPartPr>
               <p14:cNvPr id="5" name="Freihand 4">
@@ -11991,7 +11963,7 @@
             </p14:xfrm>
           </p:contentPart>
         </mc:Choice>
-        <mc:Fallback>
+        <mc:Fallback xmlns="">
           <p:pic>
             <p:nvPicPr>
               <p:cNvPr id="5" name="Freihand 4">
@@ -12080,22 +12052,22 @@
           </a:solidFill>
         </p:spPr>
         <p:txBody>
-          <a:bodyPr wrap="square" rtlCol="0">
+          <a:bodyPr wrap="square" lIns="91440" tIns="45720" rIns="91440" bIns="45720" rtlCol="0" anchor="t">
             <a:spAutoFit/>
           </a:bodyPr>
           <a:lstStyle/>
           <a:p>
             <a:r>
-              <a:rPr lang="de-DE" dirty="0"/>
-              <a:t>Random Walk att48.tsp (  </a:t>
-            </a:r>
-            <a:r>
-              <a:rPr lang="de-DE" dirty="0" err="1"/>
-              <a:t>language</a:t>
-            </a:r>
-            <a:r>
-              <a:rPr lang="de-DE" dirty="0"/>
-              <a:t>  Python)  </a:t>
+              <a:rPr lang="de-DE" b="1" i="1" dirty="0"/>
+              <a:t>Random Walk att48.tsp ( </a:t>
+            </a:r>
+            <a:r>
+              <a:rPr lang="de-DE" b="1" i="1" dirty="0" err="1"/>
+              <a:t>langage</a:t>
+            </a:r>
+            <a:r>
+              <a:rPr lang="de-DE" b="1" i="1" dirty="0"/>
+              <a:t>  Python )  </a:t>
             </a:r>
           </a:p>
         </p:txBody>
@@ -12128,30 +12100,30 @@
           </a:solidFill>
         </p:spPr>
         <p:txBody>
-          <a:bodyPr wrap="square" rtlCol="0">
+          <a:bodyPr wrap="square" lIns="91440" tIns="45720" rIns="91440" bIns="45720" rtlCol="0" anchor="t">
             <a:spAutoFit/>
           </a:bodyPr>
           <a:lstStyle/>
           <a:p>
             <a:r>
-              <a:rPr lang="de-DE" dirty="0"/>
+              <a:rPr lang="de-DE" b="1" i="1" dirty="0"/>
               <a:t>Random Walk </a:t>
             </a:r>
             <a:r>
-              <a:rPr lang="de-DE" dirty="0" err="1"/>
+              <a:rPr lang="de-DE" b="1" i="1" err="1"/>
               <a:t>avec</a:t>
             </a:r>
             <a:r>
-              <a:rPr lang="de-DE" dirty="0"/>
-              <a:t> 2opt att48.tsp (  </a:t>
-            </a:r>
-            <a:r>
-              <a:rPr lang="de-DE" dirty="0" err="1"/>
-              <a:t>language</a:t>
-            </a:r>
-            <a:r>
-              <a:rPr lang="de-DE" dirty="0"/>
-              <a:t> Python)  </a:t>
+              <a:rPr lang="de-DE" b="1" i="1"/>
+              <a:t> 2opt att48.tsp ( </a:t>
+            </a:r>
+            <a:r>
+              <a:rPr lang="de-DE" b="1" i="1" err="1"/>
+              <a:t>langage</a:t>
+            </a:r>
+            <a:r>
+              <a:rPr lang="de-DE" b="1" i="1"/>
+              <a:t> Python )  </a:t>
             </a:r>
           </a:p>
         </p:txBody>
@@ -12228,8 +12200,8 @@
           </a:prstGeom>
         </p:spPr>
       </p:pic>
-      <mc:AlternateContent xmlns:mc="http://schemas.openxmlformats.org/markup-compatibility/2006">
-        <mc:Choice xmlns:p14="http://schemas.microsoft.com/office/powerpoint/2010/main" Requires="p14">
+      <mc:AlternateContent xmlns:mc="http://schemas.openxmlformats.org/markup-compatibility/2006" xmlns:p14="http://schemas.microsoft.com/office/powerpoint/2010/main">
+        <mc:Choice Requires="p14">
           <p:contentPart p14:bwMode="auto" r:id="rId4">
             <p14:nvContentPartPr>
               <p14:cNvPr id="3" name="Freihand 2">
@@ -12248,7 +12220,7 @@
             </p14:xfrm>
           </p:contentPart>
         </mc:Choice>
-        <mc:Fallback>
+        <mc:Fallback xmlns="">
           <p:pic>
             <p:nvPicPr>
               <p:cNvPr id="3" name="Freihand 2">
@@ -12279,8 +12251,8 @@
           </p:pic>
         </mc:Fallback>
       </mc:AlternateContent>
-      <mc:AlternateContent xmlns:mc="http://schemas.openxmlformats.org/markup-compatibility/2006">
-        <mc:Choice xmlns:p14="http://schemas.microsoft.com/office/powerpoint/2010/main" Requires="p14">
+      <mc:AlternateContent xmlns:mc="http://schemas.openxmlformats.org/markup-compatibility/2006" xmlns:p14="http://schemas.microsoft.com/office/powerpoint/2010/main">
+        <mc:Choice Requires="p14">
           <p:contentPart p14:bwMode="auto" r:id="rId6">
             <p14:nvContentPartPr>
               <p14:cNvPr id="11" name="Freihand 10">
@@ -12299,7 +12271,7 @@
             </p14:xfrm>
           </p:contentPart>
         </mc:Choice>
-        <mc:Fallback>
+        <mc:Fallback xmlns="">
           <p:pic>
             <p:nvPicPr>
               <p:cNvPr id="11" name="Freihand 10">
@@ -12330,8 +12302,8 @@
           </p:pic>
         </mc:Fallback>
       </mc:AlternateContent>
-      <mc:AlternateContent xmlns:mc="http://schemas.openxmlformats.org/markup-compatibility/2006">
-        <mc:Choice xmlns:p14="http://schemas.microsoft.com/office/powerpoint/2010/main" Requires="p14">
+      <mc:AlternateContent xmlns:mc="http://schemas.openxmlformats.org/markup-compatibility/2006" xmlns:p14="http://schemas.microsoft.com/office/powerpoint/2010/main">
+        <mc:Choice Requires="p14">
           <p:contentPart p14:bwMode="auto" r:id="rId8">
             <p14:nvContentPartPr>
               <p14:cNvPr id="30" name="Freihand 29">
@@ -12350,7 +12322,7 @@
             </p14:xfrm>
           </p:contentPart>
         </mc:Choice>
-        <mc:Fallback>
+        <mc:Fallback xmlns="">
           <p:pic>
             <p:nvPicPr>
               <p:cNvPr id="30" name="Freihand 29">
@@ -12381,8 +12353,8 @@
           </p:pic>
         </mc:Fallback>
       </mc:AlternateContent>
-      <mc:AlternateContent xmlns:mc="http://schemas.openxmlformats.org/markup-compatibility/2006">
-        <mc:Choice xmlns:p14="http://schemas.microsoft.com/office/powerpoint/2010/main" Requires="p14">
+      <mc:AlternateContent xmlns:mc="http://schemas.openxmlformats.org/markup-compatibility/2006" xmlns:p14="http://schemas.microsoft.com/office/powerpoint/2010/main">
+        <mc:Choice Requires="p14">
           <p:contentPart p14:bwMode="auto" r:id="rId10">
             <p14:nvContentPartPr>
               <p14:cNvPr id="32" name="Freihand 31">
@@ -12401,7 +12373,7 @@
             </p14:xfrm>
           </p:contentPart>
         </mc:Choice>
-        <mc:Fallback>
+        <mc:Fallback xmlns="">
           <p:pic>
             <p:nvPicPr>
               <p:cNvPr id="32" name="Freihand 31">
@@ -12490,7 +12462,7 @@
           </a:solidFill>
         </p:spPr>
         <p:txBody>
-          <a:bodyPr wrap="square" rtlCol="0">
+          <a:bodyPr wrap="square" lIns="91440" tIns="45720" rIns="91440" bIns="45720" rtlCol="0" anchor="t">
             <a:spAutoFit/>
           </a:bodyPr>
           <a:lstStyle/>
@@ -12513,15 +12485,15 @@
             </a:r>
             <a:r>
               <a:rPr lang="de-DE" b="1" i="1" dirty="0"/>
-              <a:t> att48.tsp (  </a:t>
+              <a:t> att48.tsp ( </a:t>
             </a:r>
             <a:r>
               <a:rPr lang="de-DE" b="1" i="1" dirty="0" err="1"/>
-              <a:t>language</a:t>
+              <a:t>langage</a:t>
             </a:r>
             <a:r>
               <a:rPr lang="de-DE" b="1" i="1" dirty="0"/>
-              <a:t> C)  </a:t>
+              <a:t> C )  </a:t>
             </a:r>
           </a:p>
         </p:txBody>
@@ -12554,7 +12526,7 @@
           </a:solidFill>
         </p:spPr>
         <p:txBody>
-          <a:bodyPr wrap="square" rtlCol="0">
+          <a:bodyPr wrap="square" lIns="91440" tIns="45720" rIns="91440" bIns="45720" rtlCol="0" anchor="t">
             <a:spAutoFit/>
           </a:bodyPr>
           <a:lstStyle/>
@@ -12585,15 +12557,15 @@
             </a:r>
             <a:r>
               <a:rPr lang="de-DE" b="1" i="1" dirty="0"/>
-              <a:t> 2opt att48.tsp (  </a:t>
+              <a:t> 2opt att48.tsp ( </a:t>
             </a:r>
             <a:r>
               <a:rPr lang="de-DE" b="1" i="1" dirty="0" err="1"/>
-              <a:t>language</a:t>
+              <a:t>langage</a:t>
             </a:r>
             <a:r>
               <a:rPr lang="de-DE" b="1" i="1" dirty="0"/>
-              <a:t> C)  </a:t>
+              <a:t> C )  </a:t>
             </a:r>
           </a:p>
         </p:txBody>
@@ -12670,8 +12642,8 @@
           </a:prstGeom>
         </p:spPr>
       </p:pic>
-      <mc:AlternateContent xmlns:mc="http://schemas.openxmlformats.org/markup-compatibility/2006">
-        <mc:Choice xmlns:p14="http://schemas.microsoft.com/office/powerpoint/2010/main" Requires="p14">
+      <mc:AlternateContent xmlns:mc="http://schemas.openxmlformats.org/markup-compatibility/2006" xmlns:p14="http://schemas.microsoft.com/office/powerpoint/2010/main">
+        <mc:Choice Requires="p14">
           <p:contentPart p14:bwMode="auto" r:id="rId4">
             <p14:nvContentPartPr>
               <p14:cNvPr id="3" name="Freihand 2">
@@ -12690,7 +12662,7 @@
             </p14:xfrm>
           </p:contentPart>
         </mc:Choice>
-        <mc:Fallback>
+        <mc:Fallback xmlns="">
           <p:pic>
             <p:nvPicPr>
               <p:cNvPr id="3" name="Freihand 2">
@@ -12721,8 +12693,8 @@
           </p:pic>
         </mc:Fallback>
       </mc:AlternateContent>
-      <mc:AlternateContent xmlns:mc="http://schemas.openxmlformats.org/markup-compatibility/2006">
-        <mc:Choice xmlns:p14="http://schemas.microsoft.com/office/powerpoint/2010/main" Requires="p14">
+      <mc:AlternateContent xmlns:mc="http://schemas.openxmlformats.org/markup-compatibility/2006" xmlns:p14="http://schemas.microsoft.com/office/powerpoint/2010/main">
+        <mc:Choice Requires="p14">
           <p:contentPart p14:bwMode="auto" r:id="rId6">
             <p14:nvContentPartPr>
               <p14:cNvPr id="8" name="Freihand 7">
@@ -12741,7 +12713,7 @@
             </p14:xfrm>
           </p:contentPart>
         </mc:Choice>
-        <mc:Fallback>
+        <mc:Fallback xmlns="">
           <p:pic>
             <p:nvPicPr>
               <p:cNvPr id="8" name="Freihand 7">
@@ -12830,7 +12802,7 @@
           </a:solidFill>
         </p:spPr>
         <p:txBody>
-          <a:bodyPr wrap="square" rtlCol="0">
+          <a:bodyPr wrap="square" lIns="91440" tIns="45720" rIns="91440" bIns="45720" rtlCol="0" anchor="t">
             <a:spAutoFit/>
           </a:bodyPr>
           <a:lstStyle/>
@@ -12853,7 +12825,7 @@
             </a:r>
             <a:r>
               <a:rPr lang="de-DE" b="1" i="1" dirty="0"/>
-              <a:t> att48.tsp (  </a:t>
+              <a:t> att48.tsp ( </a:t>
             </a:r>
             <a:r>
               <a:rPr lang="de-DE" b="1" i="1" dirty="0" err="1"/>
@@ -12861,7 +12833,7 @@
             </a:r>
             <a:r>
               <a:rPr lang="de-DE" b="1" i="1" dirty="0"/>
-              <a:t> Python)  </a:t>
+              <a:t> Python )  </a:t>
             </a:r>
           </a:p>
         </p:txBody>
@@ -12894,7 +12866,7 @@
           </a:solidFill>
         </p:spPr>
         <p:txBody>
-          <a:bodyPr wrap="square" rtlCol="0">
+          <a:bodyPr wrap="square" lIns="91440" tIns="45720" rIns="91440" bIns="45720" rtlCol="0" anchor="t">
             <a:spAutoFit/>
           </a:bodyPr>
           <a:lstStyle/>
@@ -12925,7 +12897,7 @@
             </a:r>
             <a:r>
               <a:rPr lang="de-DE" b="1" i="1" dirty="0"/>
-              <a:t> 2opt att48.tsp (  </a:t>
+              <a:t> 2opt att48.tsp ( </a:t>
             </a:r>
             <a:r>
               <a:rPr lang="de-DE" b="1" i="1" dirty="0" err="1"/>
@@ -12933,7 +12905,7 @@
             </a:r>
             <a:r>
               <a:rPr lang="de-DE" b="1" i="1" dirty="0"/>
-              <a:t> Python)  </a:t>
+              <a:t> Python )  </a:t>
             </a:r>
           </a:p>
         </p:txBody>
@@ -13004,8 +12976,8 @@
           </a:prstGeom>
         </p:spPr>
       </p:pic>
-      <mc:AlternateContent xmlns:mc="http://schemas.openxmlformats.org/markup-compatibility/2006">
-        <mc:Choice xmlns:p14="http://schemas.microsoft.com/office/powerpoint/2010/main" Requires="p14">
+      <mc:AlternateContent xmlns:mc="http://schemas.openxmlformats.org/markup-compatibility/2006" xmlns:p14="http://schemas.microsoft.com/office/powerpoint/2010/main">
+        <mc:Choice Requires="p14">
           <p:contentPart p14:bwMode="auto" r:id="rId4">
             <p14:nvContentPartPr>
               <p14:cNvPr id="3" name="Freihand 2">
@@ -13024,7 +12996,7 @@
             </p14:xfrm>
           </p:contentPart>
         </mc:Choice>
-        <mc:Fallback>
+        <mc:Fallback xmlns="">
           <p:pic>
             <p:nvPicPr>
               <p:cNvPr id="3" name="Freihand 2">
@@ -13055,8 +13027,8 @@
           </p:pic>
         </mc:Fallback>
       </mc:AlternateContent>
-      <mc:AlternateContent xmlns:mc="http://schemas.openxmlformats.org/markup-compatibility/2006">
-        <mc:Choice xmlns:p14="http://schemas.microsoft.com/office/powerpoint/2010/main" Requires="p14">
+      <mc:AlternateContent xmlns:mc="http://schemas.openxmlformats.org/markup-compatibility/2006" xmlns:p14="http://schemas.microsoft.com/office/powerpoint/2010/main">
+        <mc:Choice Requires="p14">
           <p:contentPart p14:bwMode="auto" r:id="rId6">
             <p14:nvContentPartPr>
               <p14:cNvPr id="12" name="Freihand 11">
@@ -13075,7 +13047,7 @@
             </p14:xfrm>
           </p:contentPart>
         </mc:Choice>
-        <mc:Fallback>
+        <mc:Fallback xmlns="">
           <p:pic>
             <p:nvPicPr>
               <p:cNvPr id="12" name="Freihand 11">

--- a/tools/Referenciel_et_Planing/Projet Avancée CC3.pptx
+++ b/tools/Referenciel_et_Planing/Projet Avancée CC3.pptx
@@ -976,7 +976,7 @@
           <a:p>
             <a:fld id="{E060CA8C-FDB1-4B31-AC60-C65CAB4A7A5C}" type="datetimeFigureOut">
               <a:rPr lang="de-DE" smtClean="0"/>
-              <a:t>20.11.2025</a:t>
+              <a:t>21.11.2025</a:t>
             </a:fld>
             <a:endParaRPr lang="de-DE"/>
           </a:p>
@@ -1030,7 +1030,7 @@
           <a:p>
             <a:fld id="{B7D0A3A0-C9F1-49B2-9E9C-81D1727ED124}" type="slidenum">
               <a:rPr lang="de-DE" smtClean="0"/>
-              <a:t>‹#›</a:t>
+              <a:t>‹Nr.›</a:t>
             </a:fld>
             <a:endParaRPr lang="de-DE"/>
           </a:p>
@@ -1174,7 +1174,7 @@
           <a:p>
             <a:fld id="{E060CA8C-FDB1-4B31-AC60-C65CAB4A7A5C}" type="datetimeFigureOut">
               <a:rPr lang="de-DE" smtClean="0"/>
-              <a:t>20.11.2025</a:t>
+              <a:t>21.11.2025</a:t>
             </a:fld>
             <a:endParaRPr lang="de-DE"/>
           </a:p>
@@ -1228,7 +1228,7 @@
           <a:p>
             <a:fld id="{B7D0A3A0-C9F1-49B2-9E9C-81D1727ED124}" type="slidenum">
               <a:rPr lang="de-DE" smtClean="0"/>
-              <a:t>‹#›</a:t>
+              <a:t>‹Nr.›</a:t>
             </a:fld>
             <a:endParaRPr lang="de-DE"/>
           </a:p>
@@ -1382,7 +1382,7 @@
           <a:p>
             <a:fld id="{E060CA8C-FDB1-4B31-AC60-C65CAB4A7A5C}" type="datetimeFigureOut">
               <a:rPr lang="de-DE" smtClean="0"/>
-              <a:t>20.11.2025</a:t>
+              <a:t>21.11.2025</a:t>
             </a:fld>
             <a:endParaRPr lang="de-DE"/>
           </a:p>
@@ -1436,7 +1436,7 @@
           <a:p>
             <a:fld id="{B7D0A3A0-C9F1-49B2-9E9C-81D1727ED124}" type="slidenum">
               <a:rPr lang="de-DE" smtClean="0"/>
-              <a:t>‹#›</a:t>
+              <a:t>‹Nr.›</a:t>
             </a:fld>
             <a:endParaRPr lang="de-DE"/>
           </a:p>
@@ -1580,7 +1580,7 @@
           <a:p>
             <a:fld id="{E060CA8C-FDB1-4B31-AC60-C65CAB4A7A5C}" type="datetimeFigureOut">
               <a:rPr lang="de-DE" smtClean="0"/>
-              <a:t>20.11.2025</a:t>
+              <a:t>21.11.2025</a:t>
             </a:fld>
             <a:endParaRPr lang="de-DE"/>
           </a:p>
@@ -1634,7 +1634,7 @@
           <a:p>
             <a:fld id="{B7D0A3A0-C9F1-49B2-9E9C-81D1727ED124}" type="slidenum">
               <a:rPr lang="de-DE" smtClean="0"/>
-              <a:t>‹#›</a:t>
+              <a:t>‹Nr.›</a:t>
             </a:fld>
             <a:endParaRPr lang="de-DE"/>
           </a:p>
@@ -1855,7 +1855,7 @@
           <a:p>
             <a:fld id="{E060CA8C-FDB1-4B31-AC60-C65CAB4A7A5C}" type="datetimeFigureOut">
               <a:rPr lang="de-DE" smtClean="0"/>
-              <a:t>20.11.2025</a:t>
+              <a:t>21.11.2025</a:t>
             </a:fld>
             <a:endParaRPr lang="de-DE"/>
           </a:p>
@@ -1909,7 +1909,7 @@
           <a:p>
             <a:fld id="{B7D0A3A0-C9F1-49B2-9E9C-81D1727ED124}" type="slidenum">
               <a:rPr lang="de-DE" smtClean="0"/>
-              <a:t>‹#›</a:t>
+              <a:t>‹Nr.›</a:t>
             </a:fld>
             <a:endParaRPr lang="de-DE"/>
           </a:p>
@@ -2120,7 +2120,7 @@
           <a:p>
             <a:fld id="{E060CA8C-FDB1-4B31-AC60-C65CAB4A7A5C}" type="datetimeFigureOut">
               <a:rPr lang="de-DE" smtClean="0"/>
-              <a:t>20.11.2025</a:t>
+              <a:t>21.11.2025</a:t>
             </a:fld>
             <a:endParaRPr lang="de-DE"/>
           </a:p>
@@ -2174,7 +2174,7 @@
           <a:p>
             <a:fld id="{B7D0A3A0-C9F1-49B2-9E9C-81D1727ED124}" type="slidenum">
               <a:rPr lang="de-DE" smtClean="0"/>
-              <a:t>‹#›</a:t>
+              <a:t>‹Nr.›</a:t>
             </a:fld>
             <a:endParaRPr lang="de-DE"/>
           </a:p>
@@ -2532,7 +2532,7 @@
           <a:p>
             <a:fld id="{E060CA8C-FDB1-4B31-AC60-C65CAB4A7A5C}" type="datetimeFigureOut">
               <a:rPr lang="de-DE" smtClean="0"/>
-              <a:t>20.11.2025</a:t>
+              <a:t>21.11.2025</a:t>
             </a:fld>
             <a:endParaRPr lang="de-DE"/>
           </a:p>
@@ -2586,7 +2586,7 @@
           <a:p>
             <a:fld id="{B7D0A3A0-C9F1-49B2-9E9C-81D1727ED124}" type="slidenum">
               <a:rPr lang="de-DE" smtClean="0"/>
-              <a:t>‹#›</a:t>
+              <a:t>‹Nr.›</a:t>
             </a:fld>
             <a:endParaRPr lang="de-DE"/>
           </a:p>
@@ -2673,7 +2673,7 @@
           <a:p>
             <a:fld id="{E060CA8C-FDB1-4B31-AC60-C65CAB4A7A5C}" type="datetimeFigureOut">
               <a:rPr lang="de-DE" smtClean="0"/>
-              <a:t>20.11.2025</a:t>
+              <a:t>21.11.2025</a:t>
             </a:fld>
             <a:endParaRPr lang="de-DE"/>
           </a:p>
@@ -2727,7 +2727,7 @@
           <a:p>
             <a:fld id="{B7D0A3A0-C9F1-49B2-9E9C-81D1727ED124}" type="slidenum">
               <a:rPr lang="de-DE" smtClean="0"/>
-              <a:t>‹#›</a:t>
+              <a:t>‹Nr.›</a:t>
             </a:fld>
             <a:endParaRPr lang="de-DE"/>
           </a:p>
@@ -2786,7 +2786,7 @@
           <a:p>
             <a:fld id="{E060CA8C-FDB1-4B31-AC60-C65CAB4A7A5C}" type="datetimeFigureOut">
               <a:rPr lang="de-DE" smtClean="0"/>
-              <a:t>20.11.2025</a:t>
+              <a:t>21.11.2025</a:t>
             </a:fld>
             <a:endParaRPr lang="de-DE"/>
           </a:p>
@@ -2840,7 +2840,7 @@
           <a:p>
             <a:fld id="{B7D0A3A0-C9F1-49B2-9E9C-81D1727ED124}" type="slidenum">
               <a:rPr lang="de-DE" smtClean="0"/>
-              <a:t>‹#›</a:t>
+              <a:t>‹Nr.›</a:t>
             </a:fld>
             <a:endParaRPr lang="de-DE"/>
           </a:p>
@@ -3097,7 +3097,7 @@
           <a:p>
             <a:fld id="{E060CA8C-FDB1-4B31-AC60-C65CAB4A7A5C}" type="datetimeFigureOut">
               <a:rPr lang="de-DE" smtClean="0"/>
-              <a:t>20.11.2025</a:t>
+              <a:t>21.11.2025</a:t>
             </a:fld>
             <a:endParaRPr lang="de-DE"/>
           </a:p>
@@ -3151,7 +3151,7 @@
           <a:p>
             <a:fld id="{B7D0A3A0-C9F1-49B2-9E9C-81D1727ED124}" type="slidenum">
               <a:rPr lang="de-DE" smtClean="0"/>
-              <a:t>‹#›</a:t>
+              <a:t>‹Nr.›</a:t>
             </a:fld>
             <a:endParaRPr lang="de-DE"/>
           </a:p>
@@ -3385,7 +3385,7 @@
           <a:p>
             <a:fld id="{E060CA8C-FDB1-4B31-AC60-C65CAB4A7A5C}" type="datetimeFigureOut">
               <a:rPr lang="de-DE" smtClean="0"/>
-              <a:t>20.11.2025</a:t>
+              <a:t>21.11.2025</a:t>
             </a:fld>
             <a:endParaRPr lang="de-DE"/>
           </a:p>
@@ -3439,7 +3439,7 @@
           <a:p>
             <a:fld id="{B7D0A3A0-C9F1-49B2-9E9C-81D1727ED124}" type="slidenum">
               <a:rPr lang="de-DE" smtClean="0"/>
-              <a:t>‹#›</a:t>
+              <a:t>‹Nr.›</a:t>
             </a:fld>
             <a:endParaRPr lang="de-DE"/>
           </a:p>
@@ -3626,7 +3626,7 @@
           <a:p>
             <a:fld id="{E060CA8C-FDB1-4B31-AC60-C65CAB4A7A5C}" type="datetimeFigureOut">
               <a:rPr lang="de-DE" smtClean="0"/>
-              <a:t>20.11.2025</a:t>
+              <a:t>21.11.2025</a:t>
             </a:fld>
             <a:endParaRPr lang="de-DE"/>
           </a:p>
@@ -3716,7 +3716,7 @@
           <a:p>
             <a:fld id="{B7D0A3A0-C9F1-49B2-9E9C-81D1727ED124}" type="slidenum">
               <a:rPr lang="de-DE" smtClean="0"/>
-              <a:t>‹#›</a:t>
+              <a:t>‹Nr.›</a:t>
             </a:fld>
             <a:endParaRPr lang="de-DE"/>
           </a:p>
@@ -10730,7 +10730,7 @@
         <p:spPr>
           <a:xfrm>
             <a:off x="507999" y="3784600"/>
-            <a:ext cx="7035801" cy="369332"/>
+            <a:ext cx="7035801" cy="923330"/>
           </a:xfrm>
           <a:prstGeom prst="rect">
             <a:avLst/>
@@ -10745,7 +10745,16 @@
           <a:p>
             <a:r>
               <a:rPr lang="de-DE" dirty="0"/>
-              <a:t>EUC_2D ( V1: 10,20;   V2: 14,23)   : </a:t>
+              <a:t>EUC_2D ( V1: 10,20;   V2: 14,23)   :  5 </a:t>
+            </a:r>
+          </a:p>
+          <a:p>
+            <a:endParaRPr lang="de-DE" dirty="0"/>
+          </a:p>
+          <a:p>
+            <a:r>
+              <a:rPr lang="de-DE" dirty="0"/>
+              <a:t>ATT           ( V1: 10,20;   V2: 14,23) : 2 </a:t>
             </a:r>
           </a:p>
         </p:txBody>
